--- a/unit_01/slides/Unit01-PartV.pptx
+++ b/unit_01/slides/Unit01-PartV.pptx
@@ -234,7 +234,7 @@
           <a:p>
             <a:fld id="{DEF45A3F-F083-4E1A-8339-FCD652B27D36}" type="datetimeFigureOut">
               <a:rPr lang="en-US" smtClean="0"/>
-              <a:t>7/8/2020</a:t>
+              <a:t>9/2/2020</a:t>
             </a:fld>
             <a:endParaRPr lang="en-US" dirty="0"/>
           </a:p>
@@ -298,38 +298,37 @@
           <a:p>
             <a:pPr lvl="0"/>
             <a:r>
-              <a:rPr lang="en-US" smtClean="0"/>
+              <a:rPr lang="en-US"/>
               <a:t>Click to edit Master text styles</a:t>
             </a:r>
           </a:p>
           <a:p>
             <a:pPr lvl="1"/>
             <a:r>
-              <a:rPr lang="en-US" smtClean="0"/>
+              <a:rPr lang="en-US"/>
               <a:t>Second level</a:t>
             </a:r>
           </a:p>
           <a:p>
             <a:pPr lvl="2"/>
             <a:r>
-              <a:rPr lang="en-US" smtClean="0"/>
+              <a:rPr lang="en-US"/>
               <a:t>Third level</a:t>
             </a:r>
           </a:p>
           <a:p>
             <a:pPr lvl="3"/>
             <a:r>
-              <a:rPr lang="en-US" smtClean="0"/>
+              <a:rPr lang="en-US"/>
               <a:t>Fourth level</a:t>
             </a:r>
           </a:p>
           <a:p>
             <a:pPr lvl="4"/>
             <a:r>
-              <a:rPr lang="en-US" smtClean="0"/>
+              <a:rPr lang="en-US"/>
               <a:t>Fifth level</a:t>
             </a:r>
-            <a:endParaRPr lang="en-US"/>
           </a:p>
         </p:txBody>
       </p:sp>
@@ -524,7 +523,7 @@
           <p:cNvPr id="5" name="Rectangle 4">
             <a:extLst>
               <a:ext uri="{FF2B5EF4-FFF2-40B4-BE49-F238E27FC236}">
-                <a16:creationId xmlns:a16="http://schemas.microsoft.com/office/drawing/2014/main" xmlns="" id="{904DB13E-F722-4ED6-BB00-556651E95281}"/>
+                <a16:creationId xmlns:a16="http://schemas.microsoft.com/office/drawing/2014/main" id="{904DB13E-F722-4ED6-BB00-556651E95281}"/>
               </a:ext>
             </a:extLst>
           </p:cNvPr>
@@ -673,7 +672,7 @@
           <p:cNvPr id="7" name="Group 6">
             <a:extLst>
               <a:ext uri="{FF2B5EF4-FFF2-40B4-BE49-F238E27FC236}">
-                <a16:creationId xmlns:a16="http://schemas.microsoft.com/office/drawing/2014/main" xmlns="" id="{E26428D7-C6F3-473D-A360-A3F5C3E8728C}"/>
+                <a16:creationId xmlns:a16="http://schemas.microsoft.com/office/drawing/2014/main" id="{E26428D7-C6F3-473D-A360-A3F5C3E8728C}"/>
               </a:ext>
             </a:extLst>
           </p:cNvPr>
@@ -971,7 +970,7 @@
           <a:p>
             <a:fld id="{EB2553B6-A683-4C13-ADF3-6E78B5B860F6}" type="datetime1">
               <a:rPr lang="en-US" smtClean="0"/>
-              <a:t>7/8/2020</a:t>
+              <a:t>9/2/2020</a:t>
             </a:fld>
             <a:endParaRPr lang="en-US" dirty="0"/>
           </a:p>
@@ -1173,7 +1172,7 @@
           <a:p>
             <a:fld id="{6DA00B11-1D47-4652-AEE5-4C2B1235CB66}" type="datetime1">
               <a:rPr lang="en-US" smtClean="0"/>
-              <a:t>7/8/2020</a:t>
+              <a:t>9/2/2020</a:t>
             </a:fld>
             <a:endParaRPr lang="en-US" dirty="0"/>
           </a:p>
@@ -1256,7 +1255,7 @@
           <p:cNvPr id="15" name="Rectangle 14">
             <a:extLst>
               <a:ext uri="{FF2B5EF4-FFF2-40B4-BE49-F238E27FC236}">
-                <a16:creationId xmlns:a16="http://schemas.microsoft.com/office/drawing/2014/main" xmlns="" id="{0A4A1889-E37C-4EC3-9E41-9DAD221CF389}"/>
+                <a16:creationId xmlns:a16="http://schemas.microsoft.com/office/drawing/2014/main" id="{0A4A1889-E37C-4EC3-9E41-9DAD221CF389}"/>
               </a:ext>
             </a:extLst>
           </p:cNvPr>
@@ -1453,7 +1452,7 @@
           <p:cNvPr id="16" name="Group 15">
             <a:extLst>
               <a:ext uri="{FF2B5EF4-FFF2-40B4-BE49-F238E27FC236}">
-                <a16:creationId xmlns:a16="http://schemas.microsoft.com/office/drawing/2014/main" xmlns="" id="{1683EB04-C23E-490C-A1A6-030CF79D23C8}"/>
+                <a16:creationId xmlns:a16="http://schemas.microsoft.com/office/drawing/2014/main" id="{1683EB04-C23E-490C-A1A6-030CF79D23C8}"/>
               </a:ext>
             </a:extLst>
           </p:cNvPr>
@@ -1473,7 +1472,7 @@
             <p:cNvPr id="17" name="Straight Connector 16">
               <a:extLst>
                 <a:ext uri="{FF2B5EF4-FFF2-40B4-BE49-F238E27FC236}">
-                  <a16:creationId xmlns:a16="http://schemas.microsoft.com/office/drawing/2014/main" xmlns="" id="{F8A84C03-E1CA-4A4E-81D6-9BB0C335B7A0}"/>
+                  <a16:creationId xmlns:a16="http://schemas.microsoft.com/office/drawing/2014/main" id="{F8A84C03-E1CA-4A4E-81D6-9BB0C335B7A0}"/>
                 </a:ext>
               </a:extLst>
             </p:cNvPr>
@@ -1521,7 +1520,7 @@
             <p:cNvPr id="18" name="Straight Connector 17">
               <a:extLst>
                 <a:ext uri="{FF2B5EF4-FFF2-40B4-BE49-F238E27FC236}">
-                  <a16:creationId xmlns:a16="http://schemas.microsoft.com/office/drawing/2014/main" xmlns="" id="{4A26FB5A-D5D1-4DAB-AC43-7F51A7F2D197}"/>
+                  <a16:creationId xmlns:a16="http://schemas.microsoft.com/office/drawing/2014/main" id="{4A26FB5A-D5D1-4DAB-AC43-7F51A7F2D197}"/>
                 </a:ext>
               </a:extLst>
             </p:cNvPr>
@@ -1569,7 +1568,7 @@
             <p:cNvPr id="19" name="Straight Connector 18">
               <a:extLst>
                 <a:ext uri="{FF2B5EF4-FFF2-40B4-BE49-F238E27FC236}">
-                  <a16:creationId xmlns:a16="http://schemas.microsoft.com/office/drawing/2014/main" xmlns="" id="{49303F14-E560-4C02-94F4-B4695FE26813}"/>
+                  <a16:creationId xmlns:a16="http://schemas.microsoft.com/office/drawing/2014/main" id="{49303F14-E560-4C02-94F4-B4695FE26813}"/>
                 </a:ext>
               </a:extLst>
             </p:cNvPr>
@@ -1772,7 +1771,7 @@
           <a:p>
             <a:fld id="{90AC2323-8C5A-462B-92B9-62EA14FA9E94}" type="datetime1">
               <a:rPr lang="en-US" smtClean="0"/>
-              <a:t>7/8/2020</a:t>
+              <a:t>9/2/2020</a:t>
             </a:fld>
             <a:endParaRPr lang="en-US" dirty="0"/>
           </a:p>
@@ -2092,7 +2091,7 @@
           <a:p>
             <a:fld id="{10DC40C2-59E9-46C8-B03E-7C20E5F4F12D}" type="datetime1">
               <a:rPr lang="en-US" smtClean="0"/>
-              <a:t>7/8/2020</a:t>
+              <a:t>9/2/2020</a:t>
             </a:fld>
             <a:endParaRPr lang="en-US" dirty="0"/>
           </a:p>
@@ -2529,7 +2528,7 @@
           <a:p>
             <a:fld id="{7FBC8CB6-941B-4270-8276-FD8E92A373DA}" type="datetime1">
               <a:rPr lang="en-US" smtClean="0"/>
-              <a:t>7/8/2020</a:t>
+              <a:t>9/2/2020</a:t>
             </a:fld>
             <a:endParaRPr lang="en-US" dirty="0"/>
           </a:p>
@@ -2647,7 +2646,7 @@
           <a:p>
             <a:fld id="{15E57E43-E251-46CB-9ADD-5572689A0D73}" type="datetime1">
               <a:rPr lang="en-US" smtClean="0"/>
-              <a:t>7/8/2020</a:t>
+              <a:t>9/2/2020</a:t>
             </a:fld>
             <a:endParaRPr lang="en-US" dirty="0"/>
           </a:p>
@@ -2742,7 +2741,7 @@
           <a:p>
             <a:fld id="{9582FC12-F480-42AE-9F3F-3DA69EB64A0D}" type="datetime1">
               <a:rPr lang="en-US" smtClean="0"/>
-              <a:t>7/8/2020</a:t>
+              <a:t>9/2/2020</a:t>
             </a:fld>
             <a:endParaRPr lang="en-US" dirty="0"/>
           </a:p>
@@ -2825,7 +2824,7 @@
           <p:cNvPr id="10" name="Rectangle 9">
             <a:extLst>
               <a:ext uri="{FF2B5EF4-FFF2-40B4-BE49-F238E27FC236}">
-                <a16:creationId xmlns:a16="http://schemas.microsoft.com/office/drawing/2014/main" xmlns="" id="{D5E1BBF9-8BEF-4353-BA68-30AAF9EBD8D8}"/>
+                <a16:creationId xmlns:a16="http://schemas.microsoft.com/office/drawing/2014/main" id="{D5E1BBF9-8BEF-4353-BA68-30AAF9EBD8D8}"/>
               </a:ext>
             </a:extLst>
           </p:cNvPr>
@@ -2872,7 +2871,7 @@
           <p:cNvPr id="13" name="Rectangle 12">
             <a:extLst>
               <a:ext uri="{FF2B5EF4-FFF2-40B4-BE49-F238E27FC236}">
-                <a16:creationId xmlns:a16="http://schemas.microsoft.com/office/drawing/2014/main" xmlns="" id="{5B941C21-2A5D-4912-AB06-1BB0C0EB6AE1}"/>
+                <a16:creationId xmlns:a16="http://schemas.microsoft.com/office/drawing/2014/main" id="{5B941C21-2A5D-4912-AB06-1BB0C0EB6AE1}"/>
               </a:ext>
             </a:extLst>
           </p:cNvPr>
@@ -3159,7 +3158,7 @@
           <a:p>
             <a:fld id="{545CEF3F-6F6A-4297-B757-FFB5D4A3AD64}" type="datetime1">
               <a:rPr lang="en-US" smtClean="0"/>
-              <a:t>7/8/2020</a:t>
+              <a:t>9/2/2020</a:t>
             </a:fld>
             <a:endParaRPr lang="en-US" dirty="0"/>
           </a:p>
@@ -3267,7 +3266,7 @@
           <p:cNvPr id="11" name="Rectangle 10">
             <a:extLst>
               <a:ext uri="{FF2B5EF4-FFF2-40B4-BE49-F238E27FC236}">
-                <a16:creationId xmlns:a16="http://schemas.microsoft.com/office/drawing/2014/main" xmlns="" id="{E687CA98-D9C7-497F-A1DA-7D22F8753BCE}"/>
+                <a16:creationId xmlns:a16="http://schemas.microsoft.com/office/drawing/2014/main" id="{E687CA98-D9C7-497F-A1DA-7D22F8753BCE}"/>
               </a:ext>
             </a:extLst>
           </p:cNvPr>
@@ -3419,7 +3418,7 @@
           <a:p>
             <a:fld id="{EE2F6E23-5248-4ECD-8C29-1FB95B395C86}" type="datetime1">
               <a:rPr lang="en-US" smtClean="0"/>
-              <a:t>7/8/2020</a:t>
+              <a:t>9/2/2020</a:t>
             </a:fld>
             <a:endParaRPr lang="en-US" dirty="0"/>
           </a:p>
@@ -3501,7 +3500,7 @@
           <p:cNvPr id="12" name="Rectangle 11">
             <a:extLst>
               <a:ext uri="{FF2B5EF4-FFF2-40B4-BE49-F238E27FC236}">
-                <a16:creationId xmlns:a16="http://schemas.microsoft.com/office/drawing/2014/main" xmlns="" id="{F8B3D8CC-BB13-41A5-8F34-B8E84A4F9534}"/>
+                <a16:creationId xmlns:a16="http://schemas.microsoft.com/office/drawing/2014/main" id="{F8B3D8CC-BB13-41A5-8F34-B8E84A4F9534}"/>
               </a:ext>
             </a:extLst>
           </p:cNvPr>
@@ -3703,7 +3702,7 @@
           <p:cNvPr id="9" name="Rectangle 8">
             <a:extLst>
               <a:ext uri="{FF2B5EF4-FFF2-40B4-BE49-F238E27FC236}">
-                <a16:creationId xmlns:a16="http://schemas.microsoft.com/office/drawing/2014/main" xmlns="" id="{1E94681D-2A4C-4A8D-B9B5-31D440D0328D}"/>
+                <a16:creationId xmlns:a16="http://schemas.microsoft.com/office/drawing/2014/main" id="{1E94681D-2A4C-4A8D-B9B5-31D440D0328D}"/>
               </a:ext>
             </a:extLst>
           </p:cNvPr>
@@ -3935,7 +3934,7 @@
           <a:p>
             <a:fld id="{5DE9F2A3-885D-46CC-9642-01CAAE4EB600}" type="datetime1">
               <a:rPr lang="en-US" smtClean="0"/>
-              <a:t>7/8/2020</a:t>
+              <a:t>9/2/2020</a:t>
             </a:fld>
             <a:endParaRPr lang="en-US" dirty="0"/>
           </a:p>
@@ -4415,7 +4414,7 @@
           <p:cNvPr id="6" name="Picture 5" descr="abstract image">
             <a:extLst>
               <a:ext uri="{FF2B5EF4-FFF2-40B4-BE49-F238E27FC236}">
-                <a16:creationId xmlns:a16="http://schemas.microsoft.com/office/drawing/2014/main" xmlns="" id="{8045422F-7258-40AC-BD2E-2469AA448922}"/>
+                <a16:creationId xmlns:a16="http://schemas.microsoft.com/office/drawing/2014/main" id="{8045422F-7258-40AC-BD2E-2469AA448922}"/>
               </a:ext>
             </a:extLst>
           </p:cNvPr>
@@ -4450,10 +4449,10 @@
           <p:cNvPr id="82" name="Rectangle 81">
             <a:extLst>
               <a:ext uri="{FF2B5EF4-FFF2-40B4-BE49-F238E27FC236}">
-                <a16:creationId xmlns:a16="http://schemas.microsoft.com/office/drawing/2014/main" xmlns="" id="{2644B391-9BFE-445C-A9EC-F544BB85FBC7}"/>
+                <a16:creationId xmlns:a16="http://schemas.microsoft.com/office/drawing/2014/main" id="{2644B391-9BFE-445C-A9EC-F544BB85FBC7}"/>
               </a:ext>
               <a:ext uri="{C183D7F6-B498-43B3-948B-1728B52AA6E4}">
-                <adec:decorative xmlns:adec="http://schemas.microsoft.com/office/drawing/2017/decorative" xmlns="" val="1"/>
+                <adec:decorative xmlns:adec="http://schemas.microsoft.com/office/drawing/2017/decorative" val="1"/>
               </a:ext>
             </a:extLst>
           </p:cNvPr>
@@ -4463,7 +4462,7 @@
           <p:nvPr>
             <p:extLst>
               <p:ext uri="{386F3935-93C4-4BCD-93E2-E3B085C9AB24}">
-                <p16:designElem xmlns:p16="http://schemas.microsoft.com/office/powerpoint/2015/main" xmlns="" val="1"/>
+                <p16:designElem xmlns:p16="http://schemas.microsoft.com/office/powerpoint/2015/main" val="1"/>
               </p:ext>
             </p:extLst>
           </p:nvPr>
@@ -4495,10 +4494,10 @@
           <p:cNvPr id="84" name="Rectangle 83">
             <a:extLst>
               <a:ext uri="{FF2B5EF4-FFF2-40B4-BE49-F238E27FC236}">
-                <a16:creationId xmlns:a16="http://schemas.microsoft.com/office/drawing/2014/main" xmlns="" id="{80F26E69-87D9-4655-AE7B-280A87AA3CAD}"/>
+                <a16:creationId xmlns:a16="http://schemas.microsoft.com/office/drawing/2014/main" id="{80F26E69-87D9-4655-AE7B-280A87AA3CAD}"/>
               </a:ext>
               <a:ext uri="{C183D7F6-B498-43B3-948B-1728B52AA6E4}">
-                <adec:decorative xmlns:adec="http://schemas.microsoft.com/office/drawing/2017/decorative" xmlns="" val="1"/>
+                <adec:decorative xmlns:adec="http://schemas.microsoft.com/office/drawing/2017/decorative" val="1"/>
               </a:ext>
             </a:extLst>
           </p:cNvPr>
@@ -4508,7 +4507,7 @@
           <p:nvPr>
             <p:extLst>
               <p:ext uri="{386F3935-93C4-4BCD-93E2-E3B085C9AB24}">
-                <p16:designElem xmlns:p16="http://schemas.microsoft.com/office/powerpoint/2015/main" xmlns="" val="1"/>
+                <p16:designElem xmlns:p16="http://schemas.microsoft.com/office/powerpoint/2015/main" val="1"/>
               </p:ext>
             </p:extLst>
           </p:nvPr>
@@ -4539,7 +4538,7 @@
           <p:cNvPr id="2" name="Title 1">
             <a:extLst>
               <a:ext uri="{FF2B5EF4-FFF2-40B4-BE49-F238E27FC236}">
-                <a16:creationId xmlns:a16="http://schemas.microsoft.com/office/drawing/2014/main" xmlns="" id="{18C3B467-088C-4F3D-A9A7-105C4E1E20CD}"/>
+                <a16:creationId xmlns:a16="http://schemas.microsoft.com/office/drawing/2014/main" id="{18C3B467-088C-4F3D-A9A7-105C4E1E20CD}"/>
               </a:ext>
             </a:extLst>
           </p:cNvPr>
@@ -4563,22 +4562,30 @@
           <a:lstStyle/>
           <a:p>
             <a:r>
-              <a:rPr lang="en-US" sz="4400" b="1" dirty="0" smtClean="0">
+              <a:rPr lang="en-US" sz="4400">
                 <a:solidFill>
                   <a:schemeClr val="tx1"/>
                 </a:solidFill>
               </a:rPr>
-              <a:t>Unit01 Intro to node.js </a:t>
-            </a:r>
-            <a:r>
-              <a:rPr lang="en-US" sz="4400" b="1" smtClean="0">
+              <a:t>node</a:t>
+            </a:r>
+            <a:r>
+              <a:rPr lang="en-US" sz="4400" dirty="0">
                 <a:solidFill>
                   <a:schemeClr val="tx1"/>
                 </a:solidFill>
               </a:rPr>
+              <a:t>.js </a:t>
+            </a:r>
+            <a:r>
+              <a:rPr lang="en-US" sz="4400">
+                <a:solidFill>
+                  <a:schemeClr val="tx1"/>
+                </a:solidFill>
+              </a:rPr>
               <a:t>Part V</a:t>
             </a:r>
-            <a:endParaRPr lang="en-US" sz="4400" b="1" dirty="0">
+            <a:endParaRPr lang="en-US" sz="4400" dirty="0">
               <a:solidFill>
                 <a:schemeClr val="tx1"/>
               </a:solidFill>
@@ -4591,7 +4598,7 @@
           <p:cNvPr id="3" name="Subtitle 2">
             <a:extLst>
               <a:ext uri="{FF2B5EF4-FFF2-40B4-BE49-F238E27FC236}">
-                <a16:creationId xmlns:a16="http://schemas.microsoft.com/office/drawing/2014/main" xmlns="" id="{C8722DDC-8EEE-4A06-8DFE-B44871EAA2CF}"/>
+                <a16:creationId xmlns:a16="http://schemas.microsoft.com/office/drawing/2014/main" id="{C8722DDC-8EEE-4A06-8DFE-B44871EAA2CF}"/>
               </a:ext>
             </a:extLst>
           </p:cNvPr>
@@ -4640,13 +4647,6 @@
   <p:clrMapOvr>
     <a:overrideClrMapping bg1="dk1" tx1="lt1" bg2="dk2" tx2="lt2" accent1="accent1" accent2="accent2" accent3="accent3" accent4="accent4" accent5="accent5" accent6="accent6" hlink="hlink" folHlink="folHlink"/>
   </p:clrMapOvr>
-  <p:timing>
-    <p:tnLst>
-      <p:par>
-        <p:cTn id="1" dur="indefinite" restart="never" nodeType="tmRoot"/>
-      </p:par>
-    </p:tnLst>
-  </p:timing>
 </p:sld>
 </file>
 
@@ -4672,7 +4672,7 @@
           <p:cNvPr id="2" name="Title 1">
             <a:extLst>
               <a:ext uri="{FF2B5EF4-FFF2-40B4-BE49-F238E27FC236}">
-                <a16:creationId xmlns:a16="http://schemas.microsoft.com/office/drawing/2014/main" xmlns="" id="{BDFAC13C-59B1-436E-B58F-C304E1C705CF}"/>
+                <a16:creationId xmlns:a16="http://schemas.microsoft.com/office/drawing/2014/main" id="{BDFAC13C-59B1-436E-B58F-C304E1C705CF}"/>
               </a:ext>
             </a:extLst>
           </p:cNvPr>
@@ -4696,10 +4696,9 @@
           <a:lstStyle/>
           <a:p>
             <a:r>
-              <a:rPr lang="en-US" u="sng" dirty="0" smtClean="0"/>
+              <a:rPr lang="en-US" u="sng" dirty="0"/>
               <a:t>Client-side Validation Using JavaScript</a:t>
             </a:r>
-            <a:endParaRPr lang="en-US" u="sng" dirty="0"/>
           </a:p>
         </p:txBody>
       </p:sp>
@@ -4708,7 +4707,7 @@
           <p:cNvPr id="4" name="Rectangle 3">
             <a:extLst>
               <a:ext uri="{FF2B5EF4-FFF2-40B4-BE49-F238E27FC236}">
-                <a16:creationId xmlns:a16="http://schemas.microsoft.com/office/drawing/2014/main" xmlns="" id="{0C71533A-4A29-47E2-A4D4-85E44356516A}"/>
+                <a16:creationId xmlns:a16="http://schemas.microsoft.com/office/drawing/2014/main" id="{0C71533A-4A29-47E2-A4D4-85E44356516A}"/>
               </a:ext>
             </a:extLst>
           </p:cNvPr>
@@ -4928,14 +4927,11 @@
               <a:t>tr</a:t>
             </a:r>
             <a:r>
-              <a:rPr lang="en-US" sz="1400" dirty="0" smtClean="0">
+              <a:rPr lang="en-US" sz="1400" dirty="0">
                 <a:latin typeface="Consolas" panose="020B0609020204030204" pitchFamily="49" charset="0"/>
               </a:rPr>
               <a:t>&gt;</a:t>
             </a:r>
-            <a:endParaRPr lang="en-US" sz="1400" dirty="0">
-              <a:latin typeface="Consolas" panose="020B0609020204030204" pitchFamily="49" charset="0"/>
-            </a:endParaRPr>
           </a:p>
         </p:txBody>
       </p:sp>
@@ -4949,13 +4945,6 @@
   <p:clrMapOvr>
     <a:masterClrMapping/>
   </p:clrMapOvr>
-  <p:timing>
-    <p:tnLst>
-      <p:par>
-        <p:cTn id="1" dur="indefinite" restart="never" nodeType="tmRoot"/>
-      </p:par>
-    </p:tnLst>
-  </p:timing>
 </p:sld>
 </file>
 
@@ -4981,7 +4970,7 @@
           <p:cNvPr id="2" name="Title 1">
             <a:extLst>
               <a:ext uri="{FF2B5EF4-FFF2-40B4-BE49-F238E27FC236}">
-                <a16:creationId xmlns:a16="http://schemas.microsoft.com/office/drawing/2014/main" xmlns="" id="{BDFAC13C-59B1-436E-B58F-C304E1C705CF}"/>
+                <a16:creationId xmlns:a16="http://schemas.microsoft.com/office/drawing/2014/main" id="{BDFAC13C-59B1-436E-B58F-C304E1C705CF}"/>
               </a:ext>
             </a:extLst>
           </p:cNvPr>
@@ -5005,10 +4994,9 @@
           <a:lstStyle/>
           <a:p>
             <a:r>
-              <a:rPr lang="en-US" u="sng" dirty="0" smtClean="0"/>
+              <a:rPr lang="en-US" u="sng" dirty="0"/>
               <a:t>Client-side Validation Using JavaScript</a:t>
             </a:r>
-            <a:endParaRPr lang="en-US" u="sng" dirty="0"/>
           </a:p>
         </p:txBody>
       </p:sp>
@@ -5017,7 +5005,7 @@
           <p:cNvPr id="4" name="Rectangle 3">
             <a:extLst>
               <a:ext uri="{FF2B5EF4-FFF2-40B4-BE49-F238E27FC236}">
-                <a16:creationId xmlns:a16="http://schemas.microsoft.com/office/drawing/2014/main" xmlns="" id="{0C71533A-4A29-47E2-A4D4-85E44356516A}"/>
+                <a16:creationId xmlns:a16="http://schemas.microsoft.com/office/drawing/2014/main" id="{0C71533A-4A29-47E2-A4D4-85E44356516A}"/>
               </a:ext>
             </a:extLst>
           </p:cNvPr>
@@ -5103,7 +5091,7 @@
               <a:buNone/>
             </a:pPr>
             <a:r>
-              <a:rPr lang="en-US" sz="1400" dirty="0" smtClean="0">
+              <a:rPr lang="en-US" sz="1400" dirty="0">
                 <a:latin typeface="Consolas" panose="020B0609020204030204" pitchFamily="49" charset="0"/>
               </a:rPr>
               <a:t>&lt;</a:t>
@@ -5222,13 +5210,6 @@
   <p:clrMapOvr>
     <a:masterClrMapping/>
   </p:clrMapOvr>
-  <p:timing>
-    <p:tnLst>
-      <p:par>
-        <p:cTn id="1" dur="indefinite" restart="never" nodeType="tmRoot"/>
-      </p:par>
-    </p:tnLst>
-  </p:timing>
 </p:sld>
 </file>
 
@@ -5254,7 +5235,7 @@
           <p:cNvPr id="2" name="Title 1">
             <a:extLst>
               <a:ext uri="{FF2B5EF4-FFF2-40B4-BE49-F238E27FC236}">
-                <a16:creationId xmlns:a16="http://schemas.microsoft.com/office/drawing/2014/main" xmlns="" id="{BDFAC13C-59B1-436E-B58F-C304E1C705CF}"/>
+                <a16:creationId xmlns:a16="http://schemas.microsoft.com/office/drawing/2014/main" id="{BDFAC13C-59B1-436E-B58F-C304E1C705CF}"/>
               </a:ext>
             </a:extLst>
           </p:cNvPr>
@@ -5278,10 +5259,9 @@
           <a:lstStyle/>
           <a:p>
             <a:r>
-              <a:rPr lang="en-US" u="sng" dirty="0" smtClean="0"/>
+              <a:rPr lang="en-US" u="sng" dirty="0"/>
               <a:t>Client-side Validation Using JavaScript</a:t>
             </a:r>
-            <a:endParaRPr lang="en-US" u="sng" dirty="0"/>
           </a:p>
         </p:txBody>
       </p:sp>
@@ -5290,7 +5270,7 @@
           <p:cNvPr id="4" name="Rectangle 3">
             <a:extLst>
               <a:ext uri="{FF2B5EF4-FFF2-40B4-BE49-F238E27FC236}">
-                <a16:creationId xmlns:a16="http://schemas.microsoft.com/office/drawing/2014/main" xmlns="" id="{0C71533A-4A29-47E2-A4D4-85E44356516A}"/>
+                <a16:creationId xmlns:a16="http://schemas.microsoft.com/office/drawing/2014/main" id="{0C71533A-4A29-47E2-A4D4-85E44356516A}"/>
               </a:ext>
             </a:extLst>
           </p:cNvPr>
@@ -5404,16 +5384,10 @@
               <a:buNone/>
             </a:pPr>
             <a:r>
-              <a:rPr lang="en-US" sz="1200" dirty="0" smtClean="0">
-                <a:latin typeface="Consolas" panose="020B0609020204030204" pitchFamily="49" charset="0"/>
-              </a:rPr>
-              <a:t>&lt;!--// </a:t>
-            </a:r>
-            <a:r>
               <a:rPr lang="en-US" sz="1200" dirty="0">
                 <a:latin typeface="Consolas" panose="020B0609020204030204" pitchFamily="49" charset="0"/>
               </a:rPr>
-              <a:t>Form validation code will come here.</a:t>
+              <a:t>&lt;!--// Form validation code will come here.</a:t>
             </a:r>
           </a:p>
           <a:p>
@@ -5432,46 +5406,34 @@
               <a:buNone/>
             </a:pPr>
             <a:r>
-              <a:rPr lang="en-US" sz="1200" dirty="0" smtClean="0">
-                <a:latin typeface="Consolas" panose="020B0609020204030204" pitchFamily="49" charset="0"/>
-              </a:rPr>
-              <a:t>  if</a:t>
-            </a:r>
-            <a:r>
               <a:rPr lang="en-US" sz="1200" dirty="0">
                 <a:latin typeface="Consolas" panose="020B0609020204030204" pitchFamily="49" charset="0"/>
               </a:rPr>
-              <a:t>( </a:t>
-            </a:r>
-            <a:r>
-              <a:rPr lang="en-US" sz="1200" dirty="0" err="1" smtClean="0">
+              <a:t>  if( </a:t>
+            </a:r>
+            <a:r>
+              <a:rPr lang="en-US" sz="1200" dirty="0" err="1">
                 <a:latin typeface="Consolas" panose="020B0609020204030204" pitchFamily="49" charset="0"/>
               </a:rPr>
               <a:t>document.myFor</a:t>
             </a:r>
             <a:r>
-              <a:rPr lang="en-US" sz="1200" dirty="0" smtClean="0">
+              <a:rPr lang="en-US" sz="1200" dirty="0">
                 <a:latin typeface="Consolas" panose="020B0609020204030204" pitchFamily="49" charset="0"/>
               </a:rPr>
               <a:t>  </a:t>
             </a:r>
             <a:r>
-              <a:rPr lang="en-US" sz="1200" dirty="0" err="1" smtClean="0">
+              <a:rPr lang="en-US" sz="1200" dirty="0" err="1">
                 <a:latin typeface="Consolas" panose="020B0609020204030204" pitchFamily="49" charset="0"/>
               </a:rPr>
               <a:t>m.Name.value</a:t>
             </a:r>
             <a:r>
-              <a:rPr lang="en-US" sz="1200" dirty="0" smtClean="0">
-                <a:latin typeface="Consolas" panose="020B0609020204030204" pitchFamily="49" charset="0"/>
-              </a:rPr>
-              <a:t> </a:t>
-            </a:r>
-            <a:r>
               <a:rPr lang="en-US" sz="1200" dirty="0">
                 <a:latin typeface="Consolas" panose="020B0609020204030204" pitchFamily="49" charset="0"/>
               </a:rPr>
-              <a:t>== "" ) {</a:t>
+              <a:t> == "" ) {</a:t>
             </a:r>
           </a:p>
           <a:p>
@@ -5479,16 +5441,10 @@
               <a:buNone/>
             </a:pPr>
             <a:r>
-              <a:rPr lang="en-US" sz="1200" dirty="0" smtClean="0">
-                <a:latin typeface="Consolas" panose="020B0609020204030204" pitchFamily="49" charset="0"/>
-              </a:rPr>
-              <a:t>    alert</a:t>
-            </a:r>
-            <a:r>
               <a:rPr lang="en-US" sz="1200" dirty="0">
                 <a:latin typeface="Consolas" panose="020B0609020204030204" pitchFamily="49" charset="0"/>
               </a:rPr>
-              <a:t>( "Please provide your name!" );</a:t>
+              <a:t>    alert( "Please provide your name!" );</a:t>
             </a:r>
           </a:p>
           <a:p>
@@ -5496,13 +5452,13 @@
               <a:buNone/>
             </a:pPr>
             <a:r>
-              <a:rPr lang="en-US" sz="1200" dirty="0" smtClean="0">
+              <a:rPr lang="en-US" sz="1200" dirty="0">
                 <a:latin typeface="Consolas" panose="020B0609020204030204" pitchFamily="49" charset="0"/>
               </a:rPr>
               <a:t>    </a:t>
             </a:r>
             <a:r>
-              <a:rPr lang="en-US" sz="1200" dirty="0" err="1" smtClean="0">
+              <a:rPr lang="en-US" sz="1200" dirty="0" err="1">
                 <a:latin typeface="Consolas" panose="020B0609020204030204" pitchFamily="49" charset="0"/>
               </a:rPr>
               <a:t>document.myForm.Name.focus</a:t>
@@ -5519,16 +5475,10 @@
               <a:buNone/>
             </a:pPr>
             <a:r>
-              <a:rPr lang="en-US" sz="1200" dirty="0" smtClean="0">
-                <a:latin typeface="Consolas" panose="020B0609020204030204" pitchFamily="49" charset="0"/>
-              </a:rPr>
-              <a:t>    return </a:t>
-            </a:r>
-            <a:r>
               <a:rPr lang="en-US" sz="1200" dirty="0">
                 <a:latin typeface="Consolas" panose="020B0609020204030204" pitchFamily="49" charset="0"/>
               </a:rPr>
-              <a:t>false;</a:t>
+              <a:t>    return false;</a:t>
             </a:r>
           </a:p>
           <a:p>
@@ -5536,30 +5486,21 @@
               <a:buNone/>
             </a:pPr>
             <a:r>
-              <a:rPr lang="en-US" sz="1200" dirty="0" smtClean="0">
+              <a:rPr lang="en-US" sz="1200" dirty="0">
                 <a:latin typeface="Consolas" panose="020B0609020204030204" pitchFamily="49" charset="0"/>
               </a:rPr>
               <a:t>  }</a:t>
             </a:r>
-            <a:endParaRPr lang="en-US" sz="1200" dirty="0">
-              <a:latin typeface="Consolas" panose="020B0609020204030204" pitchFamily="49" charset="0"/>
-            </a:endParaRPr>
           </a:p>
           <a:p>
             <a:pPr marL="0" indent="0">
               <a:buNone/>
             </a:pPr>
             <a:r>
-              <a:rPr lang="en-US" sz="1200" dirty="0" smtClean="0">
-                <a:latin typeface="Consolas" panose="020B0609020204030204" pitchFamily="49" charset="0"/>
-              </a:rPr>
-              <a:t>  if</a:t>
-            </a:r>
-            <a:r>
               <a:rPr lang="en-US" sz="1200" dirty="0">
                 <a:latin typeface="Consolas" panose="020B0609020204030204" pitchFamily="49" charset="0"/>
               </a:rPr>
-              <a:t>( </a:t>
+              <a:t>  if( </a:t>
             </a:r>
             <a:r>
               <a:rPr lang="en-US" sz="1200" dirty="0" err="1">
@@ -5579,16 +5520,10 @@
               <a:buNone/>
             </a:pPr>
             <a:r>
-              <a:rPr lang="en-US" sz="1200" dirty="0" smtClean="0">
-                <a:latin typeface="Consolas" panose="020B0609020204030204" pitchFamily="49" charset="0"/>
-              </a:rPr>
-              <a:t>    alert</a:t>
-            </a:r>
-            <a:r>
               <a:rPr lang="en-US" sz="1200" dirty="0">
                 <a:latin typeface="Consolas" panose="020B0609020204030204" pitchFamily="49" charset="0"/>
               </a:rPr>
-              <a:t>( "Please provide your Email!" );</a:t>
+              <a:t>    alert( "Please provide your Email!" );</a:t>
             </a:r>
           </a:p>
           <a:p>
@@ -5596,13 +5531,13 @@
               <a:buNone/>
             </a:pPr>
             <a:r>
-              <a:rPr lang="en-US" sz="1200" dirty="0" smtClean="0">
+              <a:rPr lang="en-US" sz="1200" dirty="0">
                 <a:latin typeface="Consolas" panose="020B0609020204030204" pitchFamily="49" charset="0"/>
               </a:rPr>
               <a:t>    </a:t>
             </a:r>
             <a:r>
-              <a:rPr lang="en-US" sz="1200" dirty="0" err="1" smtClean="0">
+              <a:rPr lang="en-US" sz="1200" dirty="0" err="1">
                 <a:latin typeface="Consolas" panose="020B0609020204030204" pitchFamily="49" charset="0"/>
               </a:rPr>
               <a:t>document.myForm.EMail.focus</a:t>
@@ -5619,16 +5554,10 @@
               <a:buNone/>
             </a:pPr>
             <a:r>
-              <a:rPr lang="en-US" sz="1200" dirty="0" smtClean="0">
-                <a:latin typeface="Consolas" panose="020B0609020204030204" pitchFamily="49" charset="0"/>
-              </a:rPr>
-              <a:t>    return </a:t>
-            </a:r>
-            <a:r>
               <a:rPr lang="en-US" sz="1200" dirty="0">
                 <a:latin typeface="Consolas" panose="020B0609020204030204" pitchFamily="49" charset="0"/>
               </a:rPr>
-              <a:t>false;</a:t>
+              <a:t>    return false;</a:t>
             </a:r>
           </a:p>
           <a:p>
@@ -5636,14 +5565,11 @@
               <a:buNone/>
             </a:pPr>
             <a:r>
-              <a:rPr lang="en-US" sz="1200" dirty="0" smtClean="0">
+              <a:rPr lang="en-US" sz="1200" dirty="0">
                 <a:latin typeface="Consolas" panose="020B0609020204030204" pitchFamily="49" charset="0"/>
               </a:rPr>
               <a:t>  }</a:t>
             </a:r>
-            <a:endParaRPr lang="en-US" sz="1200" dirty="0">
-              <a:latin typeface="Consolas" panose="020B0609020204030204" pitchFamily="49" charset="0"/>
-            </a:endParaRPr>
           </a:p>
         </p:txBody>
       </p:sp>
@@ -5657,13 +5583,6 @@
   <p:clrMapOvr>
     <a:masterClrMapping/>
   </p:clrMapOvr>
-  <p:timing>
-    <p:tnLst>
-      <p:par>
-        <p:cTn id="1" dur="indefinite" restart="never" nodeType="tmRoot"/>
-      </p:par>
-    </p:tnLst>
-  </p:timing>
 </p:sld>
 </file>
 
@@ -5689,7 +5608,7 @@
           <p:cNvPr id="2" name="Title 1">
             <a:extLst>
               <a:ext uri="{FF2B5EF4-FFF2-40B4-BE49-F238E27FC236}">
-                <a16:creationId xmlns:a16="http://schemas.microsoft.com/office/drawing/2014/main" xmlns="" id="{BDFAC13C-59B1-436E-B58F-C304E1C705CF}"/>
+                <a16:creationId xmlns:a16="http://schemas.microsoft.com/office/drawing/2014/main" id="{BDFAC13C-59B1-436E-B58F-C304E1C705CF}"/>
               </a:ext>
             </a:extLst>
           </p:cNvPr>
@@ -5713,10 +5632,9 @@
           <a:lstStyle/>
           <a:p>
             <a:r>
-              <a:rPr lang="en-US" u="sng" dirty="0" smtClean="0"/>
+              <a:rPr lang="en-US" u="sng" dirty="0"/>
               <a:t>Client-side Validation Using JavaScript</a:t>
             </a:r>
-            <a:endParaRPr lang="en-US" u="sng" dirty="0"/>
           </a:p>
         </p:txBody>
       </p:sp>
@@ -5725,7 +5643,7 @@
           <p:cNvPr id="4" name="Rectangle 3">
             <a:extLst>
               <a:ext uri="{FF2B5EF4-FFF2-40B4-BE49-F238E27FC236}">
-                <a16:creationId xmlns:a16="http://schemas.microsoft.com/office/drawing/2014/main" xmlns="" id="{0C71533A-4A29-47E2-A4D4-85E44356516A}"/>
+                <a16:creationId xmlns:a16="http://schemas.microsoft.com/office/drawing/2014/main" id="{0C71533A-4A29-47E2-A4D4-85E44356516A}"/>
               </a:ext>
             </a:extLst>
           </p:cNvPr>
@@ -5816,16 +5734,10 @@
               <a:buNone/>
             </a:pPr>
             <a:r>
-              <a:rPr lang="en-US" sz="1400" dirty="0" smtClean="0">
-                <a:latin typeface="Consolas" panose="020B0609020204030204" pitchFamily="49" charset="0"/>
-              </a:rPr>
-              <a:t>  if</a:t>
-            </a:r>
-            <a:r>
               <a:rPr lang="en-US" sz="1400" dirty="0">
                 <a:latin typeface="Consolas" panose="020B0609020204030204" pitchFamily="49" charset="0"/>
               </a:rPr>
-              <a:t>( </a:t>
+              <a:t>  if( </a:t>
             </a:r>
             <a:r>
               <a:rPr lang="en-US" sz="1400" dirty="0" err="1">
@@ -5857,54 +5769,33 @@
               <a:buNone/>
             </a:pPr>
             <a:r>
-              <a:rPr lang="en-US" sz="1400" dirty="0" smtClean="0">
+              <a:rPr lang="en-US" sz="1400" dirty="0">
                 <a:latin typeface="Consolas" panose="020B0609020204030204" pitchFamily="49" charset="0"/>
               </a:rPr>
               <a:t>    </a:t>
             </a:r>
             <a:r>
-              <a:rPr lang="en-US" sz="1400" dirty="0" err="1" smtClean="0">
+              <a:rPr lang="en-US" sz="1400" dirty="0" err="1">
                 <a:latin typeface="Consolas" panose="020B0609020204030204" pitchFamily="49" charset="0"/>
               </a:rPr>
               <a:t>document.myForm.Zip.value.length</a:t>
             </a:r>
             <a:r>
-              <a:rPr lang="en-US" sz="1400" dirty="0" smtClean="0">
-                <a:latin typeface="Consolas" panose="020B0609020204030204" pitchFamily="49" charset="0"/>
-              </a:rPr>
-              <a:t> </a:t>
-            </a:r>
-            <a:r>
               <a:rPr lang="en-US" sz="1400" dirty="0">
                 <a:latin typeface="Consolas" panose="020B0609020204030204" pitchFamily="49" charset="0"/>
               </a:rPr>
-              <a:t>!= 5 ) </a:t>
-            </a:r>
-            <a:r>
-              <a:rPr lang="en-US" sz="1400" dirty="0" smtClean="0">
-                <a:latin typeface="Consolas" panose="020B0609020204030204" pitchFamily="49" charset="0"/>
-              </a:rPr>
-              <a:t>{          </a:t>
-            </a:r>
-            <a:endParaRPr lang="en-US" sz="1400" dirty="0">
-              <a:latin typeface="Consolas" panose="020B0609020204030204" pitchFamily="49" charset="0"/>
-            </a:endParaRPr>
+              <a:t> != 5 ) {          </a:t>
+            </a:r>
           </a:p>
           <a:p>
             <a:pPr marL="0" indent="0">
               <a:buNone/>
             </a:pPr>
             <a:r>
-              <a:rPr lang="en-US" sz="1400" dirty="0" smtClean="0">
-                <a:latin typeface="Consolas" panose="020B0609020204030204" pitchFamily="49" charset="0"/>
-              </a:rPr>
-              <a:t>    alert</a:t>
-            </a:r>
-            <a:r>
               <a:rPr lang="en-US" sz="1400" dirty="0">
                 <a:latin typeface="Consolas" panose="020B0609020204030204" pitchFamily="49" charset="0"/>
               </a:rPr>
-              <a:t>( "Please provide a zip in the format #####." );</a:t>
+              <a:t>    alert( "Please provide a zip in the format #####." );</a:t>
             </a:r>
           </a:p>
           <a:p>
@@ -5912,13 +5803,13 @@
               <a:buNone/>
             </a:pPr>
             <a:r>
-              <a:rPr lang="en-US" sz="1400" dirty="0" smtClean="0">
+              <a:rPr lang="en-US" sz="1400" dirty="0">
                 <a:latin typeface="Consolas" panose="020B0609020204030204" pitchFamily="49" charset="0"/>
               </a:rPr>
               <a:t>    </a:t>
             </a:r>
             <a:r>
-              <a:rPr lang="en-US" sz="1400" dirty="0" err="1" smtClean="0">
+              <a:rPr lang="en-US" sz="1400" dirty="0" err="1">
                 <a:latin typeface="Consolas" panose="020B0609020204030204" pitchFamily="49" charset="0"/>
               </a:rPr>
               <a:t>document.myForm.Zip.focus</a:t>
@@ -5935,16 +5826,10 @@
               <a:buNone/>
             </a:pPr>
             <a:r>
-              <a:rPr lang="en-US" sz="1400" dirty="0" smtClean="0">
-                <a:latin typeface="Consolas" panose="020B0609020204030204" pitchFamily="49" charset="0"/>
-              </a:rPr>
-              <a:t>    return </a:t>
-            </a:r>
-            <a:r>
               <a:rPr lang="en-US" sz="1400" dirty="0">
                 <a:latin typeface="Consolas" panose="020B0609020204030204" pitchFamily="49" charset="0"/>
               </a:rPr>
-              <a:t>false;</a:t>
+              <a:t>    return false;</a:t>
             </a:r>
           </a:p>
           <a:p>
@@ -5952,30 +5837,21 @@
               <a:buNone/>
             </a:pPr>
             <a:r>
-              <a:rPr lang="en-US" sz="1400" dirty="0" smtClean="0">
+              <a:rPr lang="en-US" sz="1400" dirty="0">
                 <a:latin typeface="Consolas" panose="020B0609020204030204" pitchFamily="49" charset="0"/>
               </a:rPr>
               <a:t>  }</a:t>
             </a:r>
-            <a:endParaRPr lang="en-US" sz="1400" dirty="0">
-              <a:latin typeface="Consolas" panose="020B0609020204030204" pitchFamily="49" charset="0"/>
-            </a:endParaRPr>
           </a:p>
           <a:p>
             <a:pPr marL="0" indent="0">
               <a:buNone/>
             </a:pPr>
             <a:r>
-              <a:rPr lang="en-US" sz="1400" dirty="0" smtClean="0">
-                <a:latin typeface="Consolas" panose="020B0609020204030204" pitchFamily="49" charset="0"/>
-              </a:rPr>
-              <a:t>  if</a:t>
-            </a:r>
-            <a:r>
               <a:rPr lang="en-US" sz="1400" dirty="0">
                 <a:latin typeface="Consolas" panose="020B0609020204030204" pitchFamily="49" charset="0"/>
               </a:rPr>
-              <a:t>( </a:t>
+              <a:t>  if( </a:t>
             </a:r>
             <a:r>
               <a:rPr lang="en-US" sz="1400" dirty="0" err="1">
@@ -5995,16 +5871,10 @@
               <a:buNone/>
             </a:pPr>
             <a:r>
-              <a:rPr lang="en-US" sz="1400" dirty="0" smtClean="0">
-                <a:latin typeface="Consolas" panose="020B0609020204030204" pitchFamily="49" charset="0"/>
-              </a:rPr>
-              <a:t>    alert</a:t>
-            </a:r>
-            <a:r>
               <a:rPr lang="en-US" sz="1400" dirty="0">
                 <a:latin typeface="Consolas" panose="020B0609020204030204" pitchFamily="49" charset="0"/>
               </a:rPr>
-              <a:t>( "Please provide your country!" );</a:t>
+              <a:t>    alert( "Please provide your country!" );</a:t>
             </a:r>
           </a:p>
           <a:p>
@@ -6012,16 +5882,10 @@
               <a:buNone/>
             </a:pPr>
             <a:r>
-              <a:rPr lang="en-US" sz="1400" dirty="0" smtClean="0">
-                <a:latin typeface="Consolas" panose="020B0609020204030204" pitchFamily="49" charset="0"/>
-              </a:rPr>
-              <a:t>    return </a:t>
-            </a:r>
-            <a:r>
               <a:rPr lang="en-US" sz="1400" dirty="0">
                 <a:latin typeface="Consolas" panose="020B0609020204030204" pitchFamily="49" charset="0"/>
               </a:rPr>
-              <a:t>false;</a:t>
+              <a:t>    return false;</a:t>
             </a:r>
           </a:p>
           <a:p>
@@ -6029,30 +5893,21 @@
               <a:buNone/>
             </a:pPr>
             <a:r>
-              <a:rPr lang="en-US" sz="1400" dirty="0" smtClean="0">
+              <a:rPr lang="en-US" sz="1400" dirty="0">
                 <a:latin typeface="Consolas" panose="020B0609020204030204" pitchFamily="49" charset="0"/>
               </a:rPr>
               <a:t>  }</a:t>
             </a:r>
-            <a:endParaRPr lang="en-US" sz="1400" dirty="0">
-              <a:latin typeface="Consolas" panose="020B0609020204030204" pitchFamily="49" charset="0"/>
-            </a:endParaRPr>
           </a:p>
           <a:p>
             <a:pPr marL="0" indent="0">
               <a:buNone/>
             </a:pPr>
             <a:r>
-              <a:rPr lang="en-US" sz="1400" dirty="0" smtClean="0">
-                <a:latin typeface="Consolas" panose="020B0609020204030204" pitchFamily="49" charset="0"/>
-              </a:rPr>
-              <a:t>  return</a:t>
-            </a:r>
-            <a:r>
               <a:rPr lang="en-US" sz="1400" dirty="0">
                 <a:latin typeface="Consolas" panose="020B0609020204030204" pitchFamily="49" charset="0"/>
               </a:rPr>
-              <a:t>( true );</a:t>
+              <a:t>  return( true );</a:t>
             </a:r>
           </a:p>
           <a:p>
@@ -6100,13 +5955,6 @@
   <p:clrMapOvr>
     <a:masterClrMapping/>
   </p:clrMapOvr>
-  <p:timing>
-    <p:tnLst>
-      <p:par>
-        <p:cTn id="1" dur="indefinite" restart="never" nodeType="tmRoot"/>
-      </p:par>
-    </p:tnLst>
-  </p:timing>
 </p:sld>
 </file>
 
@@ -6132,7 +5980,7 @@
           <p:cNvPr id="2" name="Title 1">
             <a:extLst>
               <a:ext uri="{FF2B5EF4-FFF2-40B4-BE49-F238E27FC236}">
-                <a16:creationId xmlns:a16="http://schemas.microsoft.com/office/drawing/2014/main" xmlns="" id="{BDFAC13C-59B1-436E-B58F-C304E1C705CF}"/>
+                <a16:creationId xmlns:a16="http://schemas.microsoft.com/office/drawing/2014/main" id="{BDFAC13C-59B1-436E-B58F-C304E1C705CF}"/>
               </a:ext>
             </a:extLst>
           </p:cNvPr>
@@ -6156,10 +6004,9 @@
           <a:lstStyle/>
           <a:p>
             <a:r>
-              <a:rPr lang="en-US" u="sng" dirty="0" smtClean="0"/>
+              <a:rPr lang="en-US" u="sng" dirty="0"/>
               <a:t>Client-side Validation Using jQuery</a:t>
             </a:r>
-            <a:endParaRPr lang="en-US" u="sng" dirty="0"/>
           </a:p>
         </p:txBody>
       </p:sp>
@@ -6168,7 +6015,7 @@
           <p:cNvPr id="3" name="Content Placeholder 2">
             <a:extLst>
               <a:ext uri="{FF2B5EF4-FFF2-40B4-BE49-F238E27FC236}">
-                <a16:creationId xmlns:a16="http://schemas.microsoft.com/office/drawing/2014/main" xmlns="" id="{844A3DC5-46BF-4BFF-8008-98FD467C4904}"/>
+                <a16:creationId xmlns:a16="http://schemas.microsoft.com/office/drawing/2014/main" id="{844A3DC5-46BF-4BFF-8008-98FD467C4904}"/>
               </a:ext>
             </a:extLst>
           </p:cNvPr>
@@ -6192,26 +6039,14 @@
           <a:lstStyle/>
           <a:p>
             <a:r>
-              <a:rPr lang="en-US" sz="1800" dirty="0" smtClean="0"/>
+              <a:rPr lang="en-US" sz="1800" dirty="0"/>
               <a:t>Form validation in jQuery can be done manually or via a plug-in e.g. validation plug-in</a:t>
             </a:r>
           </a:p>
           <a:p>
             <a:r>
-              <a:rPr lang="en-US" sz="1800" dirty="0" smtClean="0"/>
-              <a:t>The </a:t>
-            </a:r>
-            <a:r>
               <a:rPr lang="en-US" sz="1800" dirty="0"/>
-              <a:t>jQuery validation plugin makes simple </a:t>
-            </a:r>
-            <a:r>
-              <a:rPr lang="en-US" sz="1800" dirty="0" smtClean="0"/>
-              <a:t>client-side </a:t>
-            </a:r>
-            <a:r>
-              <a:rPr lang="en-US" sz="1800" dirty="0"/>
-              <a:t>form validation easy, while still offering plenty of customization options. The plugin comes bundled with a useful set of validation methods, including URL and email validation, while providing an API to write your own methods</a:t>
+              <a:t>The jQuery validation plugin makes simple client-side form validation easy, while still offering plenty of customization options. The plugin comes bundled with a useful set of validation methods, including URL and email validation, while providing an API to write your own methods</a:t>
             </a:r>
           </a:p>
         </p:txBody>
@@ -6221,7 +6056,7 @@
           <p:cNvPr id="4" name="Rectangle 3">
             <a:extLst>
               <a:ext uri="{FF2B5EF4-FFF2-40B4-BE49-F238E27FC236}">
-                <a16:creationId xmlns:a16="http://schemas.microsoft.com/office/drawing/2014/main" xmlns="" id="{0C71533A-4A29-47E2-A4D4-85E44356516A}"/>
+                <a16:creationId xmlns:a16="http://schemas.microsoft.com/office/drawing/2014/main" id="{0C71533A-4A29-47E2-A4D4-85E44356516A}"/>
               </a:ext>
             </a:extLst>
           </p:cNvPr>
@@ -6296,13 +6131,6 @@
   <p:clrMapOvr>
     <a:masterClrMapping/>
   </p:clrMapOvr>
-  <p:timing>
-    <p:tnLst>
-      <p:par>
-        <p:cTn id="1" dur="indefinite" restart="never" nodeType="tmRoot"/>
-      </p:par>
-    </p:tnLst>
-  </p:timing>
 </p:sld>
 </file>
 
@@ -6328,7 +6156,7 @@
           <p:cNvPr id="2" name="Title 1">
             <a:extLst>
               <a:ext uri="{FF2B5EF4-FFF2-40B4-BE49-F238E27FC236}">
-                <a16:creationId xmlns:a16="http://schemas.microsoft.com/office/drawing/2014/main" xmlns="" id="{BDFAC13C-59B1-436E-B58F-C304E1C705CF}"/>
+                <a16:creationId xmlns:a16="http://schemas.microsoft.com/office/drawing/2014/main" id="{BDFAC13C-59B1-436E-B58F-C304E1C705CF}"/>
               </a:ext>
             </a:extLst>
           </p:cNvPr>
@@ -6352,10 +6180,9 @@
           <a:lstStyle/>
           <a:p>
             <a:r>
-              <a:rPr lang="en-US" u="sng" dirty="0" smtClean="0"/>
+              <a:rPr lang="en-US" u="sng" dirty="0"/>
               <a:t>Client-side Validation Using jQuery</a:t>
             </a:r>
-            <a:endParaRPr lang="en-US" u="sng" dirty="0"/>
           </a:p>
         </p:txBody>
       </p:sp>
@@ -6364,7 +6191,7 @@
           <p:cNvPr id="3" name="Content Placeholder 2">
             <a:extLst>
               <a:ext uri="{FF2B5EF4-FFF2-40B4-BE49-F238E27FC236}">
-                <a16:creationId xmlns:a16="http://schemas.microsoft.com/office/drawing/2014/main" xmlns="" id="{844A3DC5-46BF-4BFF-8008-98FD467C4904}"/>
+                <a16:creationId xmlns:a16="http://schemas.microsoft.com/office/drawing/2014/main" id="{844A3DC5-46BF-4BFF-8008-98FD467C4904}"/>
               </a:ext>
             </a:extLst>
           </p:cNvPr>
@@ -6400,24 +6227,14 @@
               <a:rPr lang="en-US" sz="1800" dirty="0">
                 <a:hlinkClick r:id="rId2"/>
               </a:rPr>
-              <a:t>https://</a:t>
-            </a:r>
-            <a:r>
-              <a:rPr lang="en-US" sz="1800" dirty="0" smtClean="0">
-                <a:hlinkClick r:id="rId2"/>
-              </a:rPr>
-              <a:t>ajax.googleapis.com/ajax/libs/jquery/3.4.1/jquery.min.js</a:t>
+              <a:t>https://ajax.googleapis.com/ajax/libs/jquery/3.4.1/jquery.min.js</a:t>
             </a:r>
             <a:endParaRPr lang="en-US" sz="1800" dirty="0"/>
           </a:p>
           <a:p>
             <a:r>
               <a:rPr lang="en-US" sz="1800" dirty="0"/>
-              <a:t>Step 2: Include the jQuery Validation </a:t>
-            </a:r>
-            <a:r>
-              <a:rPr lang="en-US" sz="1800" dirty="0" smtClean="0"/>
-              <a:t>Plugin</a:t>
+              <a:t>Step 2: Include the jQuery Validation Plugin</a:t>
             </a:r>
           </a:p>
           <a:p>
@@ -6428,35 +6245,27 @@
               <a:rPr lang="en-US" sz="1800" dirty="0">
                 <a:hlinkClick r:id="rId3"/>
               </a:rPr>
-              <a:t>https://</a:t>
-            </a:r>
-            <a:r>
-              <a:rPr lang="en-US" sz="1800" dirty="0" smtClean="0">
-                <a:hlinkClick r:id="rId3"/>
-              </a:rPr>
-              <a:t>cdnjs.cloudflare.com/ajax/libs/jquery-validate/1.19.1/jquery.validate.min.js</a:t>
-            </a:r>
-            <a:r>
-              <a:rPr lang="en-US" sz="1800" dirty="0" smtClean="0"/>
+              <a:t>https://cdnjs.cloudflare.com/ajax/libs/jquery-validate/1.19.1/jquery.validate.min.js</a:t>
+            </a:r>
+            <a:r>
+              <a:rPr lang="en-US" sz="1800" dirty="0"/>
               <a:t> </a:t>
             </a:r>
           </a:p>
           <a:p>
             <a:r>
-              <a:rPr lang="en-US" sz="1800" dirty="0" smtClean="0"/>
+              <a:rPr lang="en-US" sz="1800" dirty="0"/>
               <a:t>Step 3: Create the HTML form</a:t>
             </a:r>
-            <a:endParaRPr lang="en-US" sz="1800" dirty="0"/>
           </a:p>
           <a:p>
             <a:pPr marL="171450" indent="0">
               <a:buNone/>
             </a:pPr>
             <a:r>
-              <a:rPr lang="en-US" sz="1800" dirty="0" smtClean="0"/>
+              <a:rPr lang="en-US" sz="1800" dirty="0"/>
               <a:t>See the next page</a:t>
             </a:r>
-            <a:endParaRPr lang="en-US" sz="1800" dirty="0"/>
           </a:p>
         </p:txBody>
       </p:sp>
@@ -6465,7 +6274,7 @@
           <p:cNvPr id="4" name="Rectangle 3">
             <a:extLst>
               <a:ext uri="{FF2B5EF4-FFF2-40B4-BE49-F238E27FC236}">
-                <a16:creationId xmlns:a16="http://schemas.microsoft.com/office/drawing/2014/main" xmlns="" id="{0C71533A-4A29-47E2-A4D4-85E44356516A}"/>
+                <a16:creationId xmlns:a16="http://schemas.microsoft.com/office/drawing/2014/main" id="{0C71533A-4A29-47E2-A4D4-85E44356516A}"/>
               </a:ext>
             </a:extLst>
           </p:cNvPr>
@@ -6540,13 +6349,6 @@
   <p:clrMapOvr>
     <a:masterClrMapping/>
   </p:clrMapOvr>
-  <p:timing>
-    <p:tnLst>
-      <p:par>
-        <p:cTn id="1" dur="indefinite" restart="never" nodeType="tmRoot"/>
-      </p:par>
-    </p:tnLst>
-  </p:timing>
 </p:sld>
 </file>
 
@@ -6572,7 +6374,7 @@
           <p:cNvPr id="2" name="Title 1">
             <a:extLst>
               <a:ext uri="{FF2B5EF4-FFF2-40B4-BE49-F238E27FC236}">
-                <a16:creationId xmlns:a16="http://schemas.microsoft.com/office/drawing/2014/main" xmlns="" id="{BDFAC13C-59B1-436E-B58F-C304E1C705CF}"/>
+                <a16:creationId xmlns:a16="http://schemas.microsoft.com/office/drawing/2014/main" id="{BDFAC13C-59B1-436E-B58F-C304E1C705CF}"/>
               </a:ext>
             </a:extLst>
           </p:cNvPr>
@@ -6596,10 +6398,9 @@
           <a:lstStyle/>
           <a:p>
             <a:r>
-              <a:rPr lang="en-US" u="sng" dirty="0" smtClean="0"/>
+              <a:rPr lang="en-US" u="sng" dirty="0"/>
               <a:t>Client-side Validation Using jQuery</a:t>
             </a:r>
-            <a:endParaRPr lang="en-US" u="sng" dirty="0"/>
           </a:p>
         </p:txBody>
       </p:sp>
@@ -6608,7 +6409,7 @@
           <p:cNvPr id="3" name="Content Placeholder 2">
             <a:extLst>
               <a:ext uri="{FF2B5EF4-FFF2-40B4-BE49-F238E27FC236}">
-                <a16:creationId xmlns:a16="http://schemas.microsoft.com/office/drawing/2014/main" xmlns="" id="{844A3DC5-46BF-4BFF-8008-98FD467C4904}"/>
+                <a16:creationId xmlns:a16="http://schemas.microsoft.com/office/drawing/2014/main" id="{844A3DC5-46BF-4BFF-8008-98FD467C4904}"/>
               </a:ext>
             </a:extLst>
           </p:cNvPr>
@@ -6668,16 +6469,10 @@
               <a:buNone/>
             </a:pPr>
             <a:r>
-              <a:rPr lang="en-US" sz="1400" dirty="0" smtClean="0">
-                <a:latin typeface="Consolas" panose="020B0609020204030204" pitchFamily="49" charset="0"/>
-              </a:rPr>
-              <a:t>  &lt;</a:t>
-            </a:r>
-            <a:r>
               <a:rPr lang="en-US" sz="1400" dirty="0">
                 <a:latin typeface="Consolas" panose="020B0609020204030204" pitchFamily="49" charset="0"/>
               </a:rPr>
-              <a:t>label for="</a:t>
+              <a:t>  &lt;label for="</a:t>
             </a:r>
             <a:r>
               <a:rPr lang="en-US" sz="1400" dirty="0" err="1">
@@ -6697,16 +6492,10 @@
               <a:buNone/>
             </a:pPr>
             <a:r>
-              <a:rPr lang="en-US" sz="1400" dirty="0" smtClean="0">
-                <a:latin typeface="Consolas" panose="020B0609020204030204" pitchFamily="49" charset="0"/>
-              </a:rPr>
-              <a:t>  &lt;</a:t>
-            </a:r>
-            <a:r>
               <a:rPr lang="en-US" sz="1400" dirty="0">
                 <a:latin typeface="Consolas" panose="020B0609020204030204" pitchFamily="49" charset="0"/>
               </a:rPr>
-              <a:t>input type="text" name="</a:t>
+              <a:t>  &lt;input type="text" name="</a:t>
             </a:r>
             <a:r>
               <a:rPr lang="en-US" sz="1400" dirty="0" err="1">
@@ -6738,16 +6527,10 @@
               <a:buNone/>
             </a:pPr>
             <a:r>
-              <a:rPr lang="en-US" sz="1400" dirty="0" smtClean="0">
-                <a:latin typeface="Consolas" panose="020B0609020204030204" pitchFamily="49" charset="0"/>
-              </a:rPr>
-              <a:t>  &lt;</a:t>
-            </a:r>
-            <a:r>
               <a:rPr lang="en-US" sz="1400" dirty="0">
                 <a:latin typeface="Consolas" panose="020B0609020204030204" pitchFamily="49" charset="0"/>
               </a:rPr>
-              <a:t>label for="lastname"&gt;Last Name&lt;/label&gt;</a:t>
+              <a:t>  &lt;label for="lastname"&gt;Last Name&lt;/label&gt;</a:t>
             </a:r>
           </a:p>
           <a:p>
@@ -6755,16 +6538,10 @@
               <a:buNone/>
             </a:pPr>
             <a:r>
-              <a:rPr lang="en-US" sz="1400" dirty="0" smtClean="0">
-                <a:latin typeface="Consolas" panose="020B0609020204030204" pitchFamily="49" charset="0"/>
-              </a:rPr>
-              <a:t>  &lt;</a:t>
-            </a:r>
-            <a:r>
               <a:rPr lang="en-US" sz="1400" dirty="0">
                 <a:latin typeface="Consolas" panose="020B0609020204030204" pitchFamily="49" charset="0"/>
               </a:rPr>
-              <a:t>input type="text" name="lastname" id="lastname" placeholder="Doe"/&gt;</a:t>
+              <a:t>  &lt;input type="text" name="lastname" id="lastname" placeholder="Doe"/&gt;</a:t>
             </a:r>
           </a:p>
           <a:p>
@@ -6777,7 +6554,7 @@
           <p:cNvPr id="4" name="Rectangle 3">
             <a:extLst>
               <a:ext uri="{FF2B5EF4-FFF2-40B4-BE49-F238E27FC236}">
-                <a16:creationId xmlns:a16="http://schemas.microsoft.com/office/drawing/2014/main" xmlns="" id="{0C71533A-4A29-47E2-A4D4-85E44356516A}"/>
+                <a16:creationId xmlns:a16="http://schemas.microsoft.com/office/drawing/2014/main" id="{0C71533A-4A29-47E2-A4D4-85E44356516A}"/>
               </a:ext>
             </a:extLst>
           </p:cNvPr>
@@ -6852,13 +6629,6 @@
   <p:clrMapOvr>
     <a:masterClrMapping/>
   </p:clrMapOvr>
-  <p:timing>
-    <p:tnLst>
-      <p:par>
-        <p:cTn id="1" dur="indefinite" restart="never" nodeType="tmRoot"/>
-      </p:par>
-    </p:tnLst>
-  </p:timing>
 </p:sld>
 </file>
 
@@ -6884,7 +6654,7 @@
           <p:cNvPr id="2" name="Title 1">
             <a:extLst>
               <a:ext uri="{FF2B5EF4-FFF2-40B4-BE49-F238E27FC236}">
-                <a16:creationId xmlns:a16="http://schemas.microsoft.com/office/drawing/2014/main" xmlns="" id="{BDFAC13C-59B1-436E-B58F-C304E1C705CF}"/>
+                <a16:creationId xmlns:a16="http://schemas.microsoft.com/office/drawing/2014/main" id="{BDFAC13C-59B1-436E-B58F-C304E1C705CF}"/>
               </a:ext>
             </a:extLst>
           </p:cNvPr>
@@ -6908,10 +6678,9 @@
           <a:lstStyle/>
           <a:p>
             <a:r>
-              <a:rPr lang="en-US" u="sng" dirty="0" smtClean="0"/>
+              <a:rPr lang="en-US" u="sng" dirty="0"/>
               <a:t>Client-side Validation Using jQuery</a:t>
             </a:r>
-            <a:endParaRPr lang="en-US" u="sng" dirty="0"/>
           </a:p>
         </p:txBody>
       </p:sp>
@@ -6920,7 +6689,7 @@
           <p:cNvPr id="3" name="Content Placeholder 2">
             <a:extLst>
               <a:ext uri="{FF2B5EF4-FFF2-40B4-BE49-F238E27FC236}">
-                <a16:creationId xmlns:a16="http://schemas.microsoft.com/office/drawing/2014/main" xmlns="" id="{844A3DC5-46BF-4BFF-8008-98FD467C4904}"/>
+                <a16:creationId xmlns:a16="http://schemas.microsoft.com/office/drawing/2014/main" id="{844A3DC5-46BF-4BFF-8008-98FD467C4904}"/>
               </a:ext>
             </a:extLst>
           </p:cNvPr>
@@ -6947,16 +6716,10 @@
               <a:buNone/>
             </a:pPr>
             <a:r>
-              <a:rPr lang="en-US" sz="1400" dirty="0" smtClean="0">
-                <a:latin typeface="Consolas" panose="020B0609020204030204" pitchFamily="49" charset="0"/>
-              </a:rPr>
-              <a:t>  label </a:t>
-            </a:r>
-            <a:r>
               <a:rPr lang="en-US" sz="1400" dirty="0">
                 <a:latin typeface="Consolas" panose="020B0609020204030204" pitchFamily="49" charset="0"/>
               </a:rPr>
-              <a:t>for="email"&gt;Email&lt;/label&gt;</a:t>
+              <a:t>  label for="email"&gt;Email&lt;/label&gt;</a:t>
             </a:r>
           </a:p>
           <a:p>
@@ -6964,16 +6727,10 @@
               <a:buNone/>
             </a:pPr>
             <a:r>
-              <a:rPr lang="en-US" sz="1400" dirty="0" smtClean="0">
-                <a:latin typeface="Consolas" panose="020B0609020204030204" pitchFamily="49" charset="0"/>
-              </a:rPr>
-              <a:t>  &lt;</a:t>
-            </a:r>
-            <a:r>
               <a:rPr lang="en-US" sz="1400" dirty="0">
                 <a:latin typeface="Consolas" panose="020B0609020204030204" pitchFamily="49" charset="0"/>
               </a:rPr>
-              <a:t>input type="email" name="email" id="email" placeholder="john@doe.com"/&gt;</a:t>
+              <a:t>  &lt;input type="email" name="email" id="email" placeholder="john@doe.com"/&gt;</a:t>
             </a:r>
           </a:p>
           <a:p>
@@ -6981,16 +6738,10 @@
               <a:buNone/>
             </a:pPr>
             <a:r>
-              <a:rPr lang="en-US" sz="1400" dirty="0" smtClean="0">
-                <a:latin typeface="Consolas" panose="020B0609020204030204" pitchFamily="49" charset="0"/>
-              </a:rPr>
-              <a:t>  &lt;</a:t>
-            </a:r>
-            <a:r>
               <a:rPr lang="en-US" sz="1400" dirty="0">
                 <a:latin typeface="Consolas" panose="020B0609020204030204" pitchFamily="49" charset="0"/>
               </a:rPr>
-              <a:t>label for="password"&gt;Password&lt;/label&gt;</a:t>
+              <a:t>  &lt;label for="password"&gt;Password&lt;/label&gt;</a:t>
             </a:r>
           </a:p>
           <a:p>
@@ -6998,22 +6749,10 @@
               <a:buNone/>
             </a:pPr>
             <a:r>
-              <a:rPr lang="en-US" sz="1400" dirty="0" smtClean="0">
-                <a:latin typeface="Consolas" panose="020B0609020204030204" pitchFamily="49" charset="0"/>
-              </a:rPr>
-              <a:t>  &lt;</a:t>
-            </a:r>
-            <a:r>
               <a:rPr lang="en-US" sz="1400" dirty="0">
                 <a:latin typeface="Consolas" panose="020B0609020204030204" pitchFamily="49" charset="0"/>
               </a:rPr>
-              <a:t>input type="password" name="password" id="</a:t>
-            </a:r>
-            <a:r>
-              <a:rPr lang="en-US" sz="1400" dirty="0" smtClean="0">
-                <a:latin typeface="Consolas" panose="020B0609020204030204" pitchFamily="49" charset="0"/>
-              </a:rPr>
-              <a:t>password“&gt;</a:t>
+              <a:t>  &lt;input type="password" name="password" id="password“&gt;</a:t>
             </a:r>
           </a:p>
           <a:p>
@@ -7021,45 +6760,21 @@
               <a:buNone/>
             </a:pPr>
             <a:r>
-              <a:rPr lang="en-US" sz="1400" dirty="0" smtClean="0">
-                <a:latin typeface="Consolas" panose="020B0609020204030204" pitchFamily="49" charset="0"/>
-              </a:rPr>
-              <a:t>  &lt;</a:t>
-            </a:r>
-            <a:r>
               <a:rPr lang="en-US" sz="1400" dirty="0">
                 <a:latin typeface="Consolas" panose="020B0609020204030204" pitchFamily="49" charset="0"/>
               </a:rPr>
-              <a:t>button type</a:t>
-            </a:r>
-            <a:r>
-              <a:rPr lang="en-US" sz="1400" dirty="0" smtClean="0">
-                <a:latin typeface="Consolas" panose="020B0609020204030204" pitchFamily="49" charset="0"/>
-              </a:rPr>
-              <a:t>="</a:t>
-            </a:r>
+              <a:t>  &lt;button type="submit"&gt;Register&lt;/button&gt;</a:t>
+            </a:r>
+          </a:p>
+          <a:p>
+            <a:pPr marL="0" indent="0">
+              <a:buNone/>
+            </a:pPr>
             <a:r>
               <a:rPr lang="en-US" sz="1400" dirty="0">
                 <a:latin typeface="Consolas" panose="020B0609020204030204" pitchFamily="49" charset="0"/>
               </a:rPr>
-              <a:t>submit"&gt;Register&lt;/button&gt;</a:t>
-            </a:r>
-          </a:p>
-          <a:p>
-            <a:pPr marL="0" indent="0">
-              <a:buNone/>
-            </a:pPr>
-            <a:r>
-              <a:rPr lang="en-US" sz="1400" dirty="0" smtClean="0">
-                <a:latin typeface="Consolas" panose="020B0609020204030204" pitchFamily="49" charset="0"/>
-              </a:rPr>
-              <a:t>  &lt;/</a:t>
-            </a:r>
-            <a:r>
-              <a:rPr lang="en-US" sz="1400" dirty="0">
-                <a:latin typeface="Consolas" panose="020B0609020204030204" pitchFamily="49" charset="0"/>
-              </a:rPr>
-              <a:t>form&gt;</a:t>
+              <a:t>  &lt;/form&gt;</a:t>
             </a:r>
           </a:p>
           <a:p>
@@ -7081,7 +6796,7 @@
           <p:cNvPr id="4" name="Rectangle 3">
             <a:extLst>
               <a:ext uri="{FF2B5EF4-FFF2-40B4-BE49-F238E27FC236}">
-                <a16:creationId xmlns:a16="http://schemas.microsoft.com/office/drawing/2014/main" xmlns="" id="{0C71533A-4A29-47E2-A4D4-85E44356516A}"/>
+                <a16:creationId xmlns:a16="http://schemas.microsoft.com/office/drawing/2014/main" id="{0C71533A-4A29-47E2-A4D4-85E44356516A}"/>
               </a:ext>
             </a:extLst>
           </p:cNvPr>
@@ -7156,13 +6871,6 @@
   <p:clrMapOvr>
     <a:masterClrMapping/>
   </p:clrMapOvr>
-  <p:timing>
-    <p:tnLst>
-      <p:par>
-        <p:cTn id="1" dur="indefinite" restart="never" nodeType="tmRoot"/>
-      </p:par>
-    </p:tnLst>
-  </p:timing>
 </p:sld>
 </file>
 
@@ -7188,7 +6896,7 @@
           <p:cNvPr id="2" name="Title 1">
             <a:extLst>
               <a:ext uri="{FF2B5EF4-FFF2-40B4-BE49-F238E27FC236}">
-                <a16:creationId xmlns:a16="http://schemas.microsoft.com/office/drawing/2014/main" xmlns="" id="{BDFAC13C-59B1-436E-B58F-C304E1C705CF}"/>
+                <a16:creationId xmlns:a16="http://schemas.microsoft.com/office/drawing/2014/main" id="{BDFAC13C-59B1-436E-B58F-C304E1C705CF}"/>
               </a:ext>
             </a:extLst>
           </p:cNvPr>
@@ -7212,10 +6920,9 @@
           <a:lstStyle/>
           <a:p>
             <a:r>
-              <a:rPr lang="en-US" u="sng" dirty="0" smtClean="0"/>
+              <a:rPr lang="en-US" u="sng" dirty="0"/>
               <a:t>Client-side Validation Using jQuery</a:t>
             </a:r>
-            <a:endParaRPr lang="en-US" u="sng" dirty="0"/>
           </a:p>
         </p:txBody>
       </p:sp>
@@ -7224,7 +6931,7 @@
           <p:cNvPr id="3" name="Content Placeholder 2">
             <a:extLst>
               <a:ext uri="{FF2B5EF4-FFF2-40B4-BE49-F238E27FC236}">
-                <a16:creationId xmlns:a16="http://schemas.microsoft.com/office/drawing/2014/main" xmlns="" id="{844A3DC5-46BF-4BFF-8008-98FD467C4904}"/>
+                <a16:creationId xmlns:a16="http://schemas.microsoft.com/office/drawing/2014/main" id="{844A3DC5-46BF-4BFF-8008-98FD467C4904}"/>
               </a:ext>
             </a:extLst>
           </p:cNvPr>
@@ -7249,33 +6956,22 @@
           <a:p>
             <a:r>
               <a:rPr lang="en-US" sz="1800" dirty="0"/>
-              <a:t>Step </a:t>
-            </a:r>
-            <a:r>
-              <a:rPr lang="en-US" sz="1800" dirty="0" smtClean="0"/>
-              <a:t>4: Create the associated stylesheet</a:t>
-            </a:r>
-            <a:endParaRPr lang="en-US" sz="1800" dirty="0"/>
+              <a:t>Step 4: Create the associated stylesheet</a:t>
+            </a:r>
           </a:p>
           <a:p>
             <a:pPr marL="171450" indent="0">
               <a:buNone/>
             </a:pPr>
             <a:r>
-              <a:rPr lang="en-US" sz="1800" dirty="0" smtClean="0"/>
+              <a:rPr lang="en-US" sz="1800" dirty="0"/>
               <a:t>See URL: </a:t>
-            </a:r>
-            <a:r>
-              <a:rPr lang="en-US" sz="1800" dirty="0" smtClean="0">
-                <a:hlinkClick r:id="rId2"/>
-              </a:rPr>
-              <a:t>https</a:t>
             </a:r>
             <a:r>
               <a:rPr lang="en-US" sz="1800" dirty="0">
                 <a:hlinkClick r:id="rId2"/>
               </a:rPr>
-              <a:t>://jqueryvalidation.org/</a:t>
+              <a:t>https://jqueryvalidation.org/</a:t>
             </a:r>
             <a:endParaRPr lang="en-US" sz="1800" dirty="0">
               <a:solidFill>
@@ -7285,7 +6981,7 @@
           </a:p>
           <a:p>
             <a:r>
-              <a:rPr lang="en-US" sz="1800" dirty="0" smtClean="0"/>
+              <a:rPr lang="en-US" sz="1800" dirty="0"/>
               <a:t>Step 5: Create JavaScript file form-validation.js</a:t>
             </a:r>
           </a:p>
@@ -7294,10 +6990,9 @@
               <a:buNone/>
             </a:pPr>
             <a:r>
-              <a:rPr lang="en-US" sz="1800" dirty="0" smtClean="0"/>
+              <a:rPr lang="en-US" sz="1800" dirty="0"/>
               <a:t>See the next page</a:t>
             </a:r>
-            <a:endParaRPr lang="en-US" sz="1800" dirty="0"/>
           </a:p>
         </p:txBody>
       </p:sp>
@@ -7306,7 +7001,7 @@
           <p:cNvPr id="4" name="Rectangle 3">
             <a:extLst>
               <a:ext uri="{FF2B5EF4-FFF2-40B4-BE49-F238E27FC236}">
-                <a16:creationId xmlns:a16="http://schemas.microsoft.com/office/drawing/2014/main" xmlns="" id="{0C71533A-4A29-47E2-A4D4-85E44356516A}"/>
+                <a16:creationId xmlns:a16="http://schemas.microsoft.com/office/drawing/2014/main" id="{0C71533A-4A29-47E2-A4D4-85E44356516A}"/>
               </a:ext>
             </a:extLst>
           </p:cNvPr>
@@ -7381,13 +7076,6 @@
   <p:clrMapOvr>
     <a:masterClrMapping/>
   </p:clrMapOvr>
-  <p:timing>
-    <p:tnLst>
-      <p:par>
-        <p:cTn id="1" dur="indefinite" restart="never" nodeType="tmRoot"/>
-      </p:par>
-    </p:tnLst>
-  </p:timing>
 </p:sld>
 </file>
 
@@ -7413,7 +7101,7 @@
           <p:cNvPr id="2" name="Title 1">
             <a:extLst>
               <a:ext uri="{FF2B5EF4-FFF2-40B4-BE49-F238E27FC236}">
-                <a16:creationId xmlns:a16="http://schemas.microsoft.com/office/drawing/2014/main" xmlns="" id="{BDFAC13C-59B1-436E-B58F-C304E1C705CF}"/>
+                <a16:creationId xmlns:a16="http://schemas.microsoft.com/office/drawing/2014/main" id="{BDFAC13C-59B1-436E-B58F-C304E1C705CF}"/>
               </a:ext>
             </a:extLst>
           </p:cNvPr>
@@ -7437,10 +7125,9 @@
           <a:lstStyle/>
           <a:p>
             <a:r>
-              <a:rPr lang="en-US" u="sng" dirty="0" smtClean="0"/>
+              <a:rPr lang="en-US" u="sng" dirty="0"/>
               <a:t>Client-side Validation Using jQuery</a:t>
             </a:r>
-            <a:endParaRPr lang="en-US" u="sng" dirty="0"/>
           </a:p>
         </p:txBody>
       </p:sp>
@@ -7449,7 +7136,7 @@
           <p:cNvPr id="3" name="Content Placeholder 2">
             <a:extLst>
               <a:ext uri="{FF2B5EF4-FFF2-40B4-BE49-F238E27FC236}">
-                <a16:creationId xmlns:a16="http://schemas.microsoft.com/office/drawing/2014/main" xmlns="" id="{844A3DC5-46BF-4BFF-8008-98FD467C4904}"/>
+                <a16:creationId xmlns:a16="http://schemas.microsoft.com/office/drawing/2014/main" id="{844A3DC5-46BF-4BFF-8008-98FD467C4904}"/>
               </a:ext>
             </a:extLst>
           </p:cNvPr>
@@ -7490,19 +7177,18 @@
               <a:rPr lang="en-US" sz="1200" dirty="0">
                 <a:latin typeface="Consolas" panose="020B0609020204030204" pitchFamily="49" charset="0"/>
               </a:rPr>
-              <a:t>$(function() </a:t>
-            </a:r>
-            <a:r>
-              <a:rPr lang="en-US" sz="1200" dirty="0" smtClean="0">
-                <a:latin typeface="Consolas" panose="020B0609020204030204" pitchFamily="49" charset="0"/>
-              </a:rPr>
-              <a:t>{// </a:t>
-            </a:r>
+              <a:t>$(function() {// Initialize form validation on the registration form.</a:t>
+            </a:r>
+          </a:p>
+          <a:p>
+            <a:pPr marL="114300" indent="0">
+              <a:buNone/>
+            </a:pPr>
             <a:r>
               <a:rPr lang="en-US" sz="1200" dirty="0">
                 <a:latin typeface="Consolas" panose="020B0609020204030204" pitchFamily="49" charset="0"/>
               </a:rPr>
-              <a:t>Initialize form validation on the registration form.</a:t>
+              <a:t>// It has the name attribute "registration“</a:t>
             </a:r>
           </a:p>
           <a:p>
@@ -7513,25 +7199,18 @@
               <a:rPr lang="en-US" sz="1200" dirty="0">
                 <a:latin typeface="Consolas" panose="020B0609020204030204" pitchFamily="49" charset="0"/>
               </a:rPr>
-              <a:t>// </a:t>
-            </a:r>
-            <a:r>
-              <a:rPr lang="en-US" sz="1200" dirty="0" smtClean="0">
-                <a:latin typeface="Consolas" panose="020B0609020204030204" pitchFamily="49" charset="0"/>
-              </a:rPr>
-              <a:t>It has </a:t>
-            </a:r>
+              <a:t>$("form[name='registration']").validate({</a:t>
+            </a:r>
+          </a:p>
+          <a:p>
+            <a:pPr marL="114300" indent="0">
+              <a:buNone/>
+            </a:pPr>
             <a:r>
               <a:rPr lang="en-US" sz="1200" dirty="0">
                 <a:latin typeface="Consolas" panose="020B0609020204030204" pitchFamily="49" charset="0"/>
               </a:rPr>
-              <a:t>the name attribute "</a:t>
-            </a:r>
-            <a:r>
-              <a:rPr lang="en-US" sz="1200" dirty="0" smtClean="0">
-                <a:latin typeface="Consolas" panose="020B0609020204030204" pitchFamily="49" charset="0"/>
-              </a:rPr>
-              <a:t>registration“</a:t>
+              <a:t>// Specify validation rules</a:t>
             </a:r>
           </a:p>
           <a:p>
@@ -7539,16 +7218,10 @@
               <a:buNone/>
             </a:pPr>
             <a:r>
-              <a:rPr lang="en-US" sz="1200" dirty="0" smtClean="0">
-                <a:latin typeface="Consolas" panose="020B0609020204030204" pitchFamily="49" charset="0"/>
-              </a:rPr>
-              <a:t>$("</a:t>
-            </a:r>
-            <a:r>
               <a:rPr lang="en-US" sz="1200" dirty="0">
                 <a:latin typeface="Consolas" panose="020B0609020204030204" pitchFamily="49" charset="0"/>
               </a:rPr>
-              <a:t>form[name='registration']").validate({</a:t>
+              <a:t>rules: {</a:t>
             </a:r>
           </a:p>
           <a:p>
@@ -7559,83 +7232,7 @@
               <a:rPr lang="en-US" sz="1200" dirty="0">
                 <a:latin typeface="Consolas" panose="020B0609020204030204" pitchFamily="49" charset="0"/>
               </a:rPr>
-              <a:t>// Specify validation rules</a:t>
-            </a:r>
-          </a:p>
-          <a:p>
-            <a:pPr marL="114300" indent="0">
-              <a:buNone/>
-            </a:pPr>
-            <a:r>
-              <a:rPr lang="en-US" sz="1200" dirty="0" smtClean="0">
-                <a:latin typeface="Consolas" panose="020B0609020204030204" pitchFamily="49" charset="0"/>
-              </a:rPr>
-              <a:t>rules</a:t>
-            </a:r>
-            <a:r>
-              <a:rPr lang="en-US" sz="1200" dirty="0">
-                <a:latin typeface="Consolas" panose="020B0609020204030204" pitchFamily="49" charset="0"/>
-              </a:rPr>
-              <a:t>: {</a:t>
-            </a:r>
-          </a:p>
-          <a:p>
-            <a:pPr marL="114300" indent="0">
-              <a:buNone/>
-            </a:pPr>
-            <a:r>
-              <a:rPr lang="en-US" sz="1200" dirty="0">
-                <a:latin typeface="Consolas" panose="020B0609020204030204" pitchFamily="49" charset="0"/>
-              </a:rPr>
-              <a:t>// </a:t>
-            </a:r>
-            <a:r>
-              <a:rPr lang="en-US" sz="1200" dirty="0" smtClean="0">
-                <a:latin typeface="Consolas" panose="020B0609020204030204" pitchFamily="49" charset="0"/>
-              </a:rPr>
-              <a:t>key </a:t>
-            </a:r>
-            <a:r>
-              <a:rPr lang="en-US" sz="1200" dirty="0">
-                <a:latin typeface="Consolas" panose="020B0609020204030204" pitchFamily="49" charset="0"/>
-              </a:rPr>
-              <a:t>name on </a:t>
-            </a:r>
-            <a:r>
-              <a:rPr lang="en-US" sz="1200" dirty="0" smtClean="0">
-                <a:latin typeface="Consolas" panose="020B0609020204030204" pitchFamily="49" charset="0"/>
-              </a:rPr>
-              <a:t>left </a:t>
-            </a:r>
-            <a:r>
-              <a:rPr lang="en-US" sz="1200" dirty="0">
-                <a:latin typeface="Consolas" panose="020B0609020204030204" pitchFamily="49" charset="0"/>
-              </a:rPr>
-              <a:t>side is </a:t>
-            </a:r>
-            <a:r>
-              <a:rPr lang="en-US" sz="1200" dirty="0" smtClean="0">
-                <a:latin typeface="Consolas" panose="020B0609020204030204" pitchFamily="49" charset="0"/>
-              </a:rPr>
-              <a:t>name attribute </a:t>
-            </a:r>
-            <a:r>
-              <a:rPr lang="en-US" sz="1200" dirty="0">
-                <a:latin typeface="Consolas" panose="020B0609020204030204" pitchFamily="49" charset="0"/>
-              </a:rPr>
-              <a:t>of an input field. Validation rules </a:t>
-            </a:r>
-            <a:r>
-              <a:rPr lang="en-US" sz="1200" dirty="0" smtClean="0">
-                <a:latin typeface="Consolas" panose="020B0609020204030204" pitchFamily="49" charset="0"/>
-              </a:rPr>
-              <a:t>defined on right </a:t>
-            </a:r>
-            <a:r>
-              <a:rPr lang="en-US" sz="1200" dirty="0">
-                <a:latin typeface="Consolas" panose="020B0609020204030204" pitchFamily="49" charset="0"/>
-              </a:rPr>
-              <a:t>side</a:t>
+              <a:t>// key name on left side is name attribute of an input field. Validation rules defined on right side</a:t>
             </a:r>
           </a:p>
           <a:p>
@@ -7673,7 +7270,7 @@
           <p:cNvPr id="4" name="Rectangle 3">
             <a:extLst>
               <a:ext uri="{FF2B5EF4-FFF2-40B4-BE49-F238E27FC236}">
-                <a16:creationId xmlns:a16="http://schemas.microsoft.com/office/drawing/2014/main" xmlns="" id="{0C71533A-4A29-47E2-A4D4-85E44356516A}"/>
+                <a16:creationId xmlns:a16="http://schemas.microsoft.com/office/drawing/2014/main" id="{0C71533A-4A29-47E2-A4D4-85E44356516A}"/>
               </a:ext>
             </a:extLst>
           </p:cNvPr>
@@ -7748,13 +7345,6 @@
   <p:clrMapOvr>
     <a:masterClrMapping/>
   </p:clrMapOvr>
-  <p:timing>
-    <p:tnLst>
-      <p:par>
-        <p:cTn id="1" dur="indefinite" restart="never" nodeType="tmRoot"/>
-      </p:par>
-    </p:tnLst>
-  </p:timing>
 </p:sld>
 </file>
 
@@ -7780,7 +7370,7 @@
           <p:cNvPr id="2" name="Title 1">
             <a:extLst>
               <a:ext uri="{FF2B5EF4-FFF2-40B4-BE49-F238E27FC236}">
-                <a16:creationId xmlns:a16="http://schemas.microsoft.com/office/drawing/2014/main" xmlns="" id="{BDFAC13C-59B1-436E-B58F-C304E1C705CF}"/>
+                <a16:creationId xmlns:a16="http://schemas.microsoft.com/office/drawing/2014/main" id="{BDFAC13C-59B1-436E-B58F-C304E1C705CF}"/>
               </a:ext>
             </a:extLst>
           </p:cNvPr>
@@ -7804,10 +7394,9 @@
           <a:lstStyle/>
           <a:p>
             <a:r>
-              <a:rPr lang="en-US" u="sng" dirty="0" smtClean="0"/>
+              <a:rPr lang="en-US" u="sng" dirty="0"/>
               <a:t>Objectives</a:t>
             </a:r>
-            <a:endParaRPr lang="en-US" u="sng" dirty="0"/>
           </a:p>
         </p:txBody>
       </p:sp>
@@ -7816,7 +7405,7 @@
           <p:cNvPr id="3" name="Content Placeholder 2">
             <a:extLst>
               <a:ext uri="{FF2B5EF4-FFF2-40B4-BE49-F238E27FC236}">
-                <a16:creationId xmlns:a16="http://schemas.microsoft.com/office/drawing/2014/main" xmlns="" id="{844A3DC5-46BF-4BFF-8008-98FD467C4904}"/>
+                <a16:creationId xmlns:a16="http://schemas.microsoft.com/office/drawing/2014/main" id="{844A3DC5-46BF-4BFF-8008-98FD467C4904}"/>
               </a:ext>
             </a:extLst>
           </p:cNvPr>
@@ -7840,64 +7429,39 @@
           <a:lstStyle/>
           <a:p>
             <a:r>
-              <a:rPr lang="en-US" sz="1800" dirty="0" smtClean="0"/>
+              <a:rPr lang="en-US" sz="1800" dirty="0"/>
               <a:t>Perform client-side form validation using HTML</a:t>
             </a:r>
           </a:p>
           <a:p>
             <a:r>
               <a:rPr lang="en-US" sz="1800" dirty="0"/>
-              <a:t>Perform client-side </a:t>
-            </a:r>
-            <a:r>
-              <a:rPr lang="en-US" sz="1800" dirty="0" smtClean="0"/>
-              <a:t>form validation using JavaScript</a:t>
+              <a:t>Perform client-side form validation using JavaScript</a:t>
             </a:r>
           </a:p>
           <a:p>
             <a:r>
               <a:rPr lang="en-US" sz="1800" dirty="0"/>
-              <a:t>Perform client-side form </a:t>
-            </a:r>
-            <a:r>
-              <a:rPr lang="en-US" sz="1800" dirty="0" smtClean="0"/>
-              <a:t>validation using jQuery</a:t>
+              <a:t>Perform client-side form validation using jQuery</a:t>
             </a:r>
           </a:p>
           <a:p>
             <a:r>
               <a:rPr lang="en-US" sz="1800" dirty="0"/>
-              <a:t>Perform client-side form </a:t>
-            </a:r>
-            <a:r>
-              <a:rPr lang="en-US" sz="1800" dirty="0" smtClean="0"/>
-              <a:t>validation using Bootstrap</a:t>
+              <a:t>Perform client-side form validation using Bootstrap</a:t>
             </a:r>
           </a:p>
           <a:p>
             <a:r>
               <a:rPr lang="en-US" sz="1800" dirty="0"/>
-              <a:t>Perform </a:t>
-            </a:r>
-            <a:r>
-              <a:rPr lang="en-US" sz="1800" dirty="0" smtClean="0"/>
-              <a:t>server-side form validation </a:t>
-            </a:r>
+              <a:t>Perform server-side form validation Using @hap/joi</a:t>
+            </a:r>
+          </a:p>
+          <a:p>
             <a:r>
               <a:rPr lang="en-US" sz="1800" dirty="0"/>
-              <a:t>Using @</a:t>
-            </a:r>
-            <a:r>
-              <a:rPr lang="en-US" sz="1800" dirty="0" smtClean="0"/>
-              <a:t>hap/joi</a:t>
-            </a:r>
-          </a:p>
-          <a:p>
-            <a:r>
-              <a:rPr lang="en-US" sz="1800" dirty="0" smtClean="0"/>
               <a:t>Deploy a Node.js application using Heroku</a:t>
             </a:r>
-            <a:endParaRPr lang="en-US" sz="1800" dirty="0"/>
           </a:p>
         </p:txBody>
       </p:sp>
@@ -7934,13 +7498,6 @@
   <p:clrMapOvr>
     <a:masterClrMapping/>
   </p:clrMapOvr>
-  <p:timing>
-    <p:tnLst>
-      <p:par>
-        <p:cTn id="1" dur="indefinite" restart="never" nodeType="tmRoot"/>
-      </p:par>
-    </p:tnLst>
-  </p:timing>
 </p:sld>
 </file>
 
@@ -7966,7 +7523,7 @@
           <p:cNvPr id="2" name="Title 1">
             <a:extLst>
               <a:ext uri="{FF2B5EF4-FFF2-40B4-BE49-F238E27FC236}">
-                <a16:creationId xmlns:a16="http://schemas.microsoft.com/office/drawing/2014/main" xmlns="" id="{BDFAC13C-59B1-436E-B58F-C304E1C705CF}"/>
+                <a16:creationId xmlns:a16="http://schemas.microsoft.com/office/drawing/2014/main" id="{BDFAC13C-59B1-436E-B58F-C304E1C705CF}"/>
               </a:ext>
             </a:extLst>
           </p:cNvPr>
@@ -7990,10 +7547,9 @@
           <a:lstStyle/>
           <a:p>
             <a:r>
-              <a:rPr lang="en-US" u="sng" dirty="0" smtClean="0"/>
+              <a:rPr lang="en-US" u="sng" dirty="0"/>
               <a:t>Client-side Validation Using jQuery</a:t>
             </a:r>
-            <a:endParaRPr lang="en-US" u="sng" dirty="0"/>
           </a:p>
         </p:txBody>
       </p:sp>
@@ -8002,7 +7558,7 @@
           <p:cNvPr id="3" name="Content Placeholder 2">
             <a:extLst>
               <a:ext uri="{FF2B5EF4-FFF2-40B4-BE49-F238E27FC236}">
-                <a16:creationId xmlns:a16="http://schemas.microsoft.com/office/drawing/2014/main" xmlns="" id="{844A3DC5-46BF-4BFF-8008-98FD467C4904}"/>
+                <a16:creationId xmlns:a16="http://schemas.microsoft.com/office/drawing/2014/main" id="{844A3DC5-46BF-4BFF-8008-98FD467C4904}"/>
               </a:ext>
             </a:extLst>
           </p:cNvPr>
@@ -8040,16 +7596,10 @@
               <a:buNone/>
             </a:pPr>
             <a:r>
-              <a:rPr lang="en-US" sz="1200" dirty="0" smtClean="0">
-                <a:latin typeface="Consolas" panose="020B0609020204030204" pitchFamily="49" charset="0"/>
-              </a:rPr>
-              <a:t>  required</a:t>
-            </a:r>
-            <a:r>
               <a:rPr lang="en-US" sz="1200" dirty="0">
                 <a:latin typeface="Consolas" panose="020B0609020204030204" pitchFamily="49" charset="0"/>
               </a:rPr>
-              <a:t>: true,</a:t>
+              <a:t>  required: true,</a:t>
             </a:r>
           </a:p>
           <a:p>
@@ -8057,48 +7607,32 @@
               <a:buNone/>
             </a:pPr>
             <a:r>
-              <a:rPr lang="en-US" sz="1200" dirty="0" smtClean="0">
-                <a:latin typeface="Consolas" panose="020B0609020204030204" pitchFamily="49" charset="0"/>
-              </a:rPr>
-              <a:t>  email</a:t>
-            </a:r>
-            <a:r>
               <a:rPr lang="en-US" sz="1200" dirty="0">
                 <a:latin typeface="Consolas" panose="020B0609020204030204" pitchFamily="49" charset="0"/>
               </a:rPr>
-              <a:t>: </a:t>
-            </a:r>
-            <a:r>
-              <a:rPr lang="en-US" sz="1200" dirty="0" smtClean="0">
-                <a:latin typeface="Consolas" panose="020B0609020204030204" pitchFamily="49" charset="0"/>
-              </a:rPr>
-              <a:t>true  </a:t>
-            </a:r>
+              <a:t>  email: true  // email should be validated by the built-in "email" rule</a:t>
+            </a:r>
+          </a:p>
+          <a:p>
+            <a:pPr marL="114300" indent="0">
+              <a:buNone/>
+            </a:pPr>
             <a:r>
               <a:rPr lang="en-US" sz="1200" dirty="0">
                 <a:latin typeface="Consolas" panose="020B0609020204030204" pitchFamily="49" charset="0"/>
               </a:rPr>
-              <a:t>// email should be validated by the built-in "email" </a:t>
-            </a:r>
-            <a:r>
-              <a:rPr lang="en-US" sz="1200" dirty="0" smtClean="0">
-                <a:latin typeface="Consolas" panose="020B0609020204030204" pitchFamily="49" charset="0"/>
-              </a:rPr>
-              <a:t>rule</a:t>
-            </a:r>
-            <a:endParaRPr lang="en-US" sz="1200" dirty="0">
-              <a:latin typeface="Consolas" panose="020B0609020204030204" pitchFamily="49" charset="0"/>
-            </a:endParaRPr>
+              <a:t>},  </a:t>
+            </a:r>
           </a:p>
           <a:p>
             <a:pPr marL="114300" indent="0">
               <a:buNone/>
             </a:pPr>
             <a:r>
-              <a:rPr lang="en-US" sz="1200" dirty="0" smtClean="0">
-                <a:latin typeface="Consolas" panose="020B0609020204030204" pitchFamily="49" charset="0"/>
-              </a:rPr>
-              <a:t>},  </a:t>
+              <a:rPr lang="en-US" sz="1200" dirty="0">
+                <a:latin typeface="Consolas" panose="020B0609020204030204" pitchFamily="49" charset="0"/>
+              </a:rPr>
+              <a:t>password: {</a:t>
             </a:r>
           </a:p>
           <a:p>
@@ -8106,16 +7640,10 @@
               <a:buNone/>
             </a:pPr>
             <a:r>
-              <a:rPr lang="en-US" sz="1200" dirty="0" smtClean="0">
-                <a:latin typeface="Consolas" panose="020B0609020204030204" pitchFamily="49" charset="0"/>
-              </a:rPr>
-              <a:t>password</a:t>
-            </a:r>
-            <a:r>
               <a:rPr lang="en-US" sz="1200" dirty="0">
                 <a:latin typeface="Consolas" panose="020B0609020204030204" pitchFamily="49" charset="0"/>
               </a:rPr>
-              <a:t>: {</a:t>
+              <a:t>  required: true,</a:t>
             </a:r>
           </a:p>
           <a:p>
@@ -8123,30 +7651,13 @@
               <a:buNone/>
             </a:pPr>
             <a:r>
-              <a:rPr lang="en-US" sz="1200" dirty="0" smtClean="0">
-                <a:latin typeface="Consolas" panose="020B0609020204030204" pitchFamily="49" charset="0"/>
-              </a:rPr>
-              <a:t>  required</a:t>
-            </a:r>
-            <a:r>
               <a:rPr lang="en-US" sz="1200" dirty="0">
                 <a:latin typeface="Consolas" panose="020B0609020204030204" pitchFamily="49" charset="0"/>
               </a:rPr>
-              <a:t>: true,</a:t>
-            </a:r>
-          </a:p>
-          <a:p>
-            <a:pPr marL="114300" indent="0">
-              <a:buNone/>
-            </a:pPr>
-            <a:r>
-              <a:rPr lang="en-US" sz="1200" dirty="0" smtClean="0">
-                <a:latin typeface="Consolas" panose="020B0609020204030204" pitchFamily="49" charset="0"/>
-              </a:rPr>
               <a:t>  </a:t>
             </a:r>
             <a:r>
-              <a:rPr lang="en-US" sz="1200" dirty="0" err="1" smtClean="0">
+              <a:rPr lang="en-US" sz="1200" dirty="0" err="1">
                 <a:latin typeface="Consolas" panose="020B0609020204030204" pitchFamily="49" charset="0"/>
               </a:rPr>
               <a:t>minlength</a:t>
@@ -8187,7 +7698,7 @@
           <p:cNvPr id="4" name="Rectangle 3">
             <a:extLst>
               <a:ext uri="{FF2B5EF4-FFF2-40B4-BE49-F238E27FC236}">
-                <a16:creationId xmlns:a16="http://schemas.microsoft.com/office/drawing/2014/main" xmlns="" id="{0C71533A-4A29-47E2-A4D4-85E44356516A}"/>
+                <a16:creationId xmlns:a16="http://schemas.microsoft.com/office/drawing/2014/main" id="{0C71533A-4A29-47E2-A4D4-85E44356516A}"/>
               </a:ext>
             </a:extLst>
           </p:cNvPr>
@@ -8262,13 +7773,6 @@
   <p:clrMapOvr>
     <a:masterClrMapping/>
   </p:clrMapOvr>
-  <p:timing>
-    <p:tnLst>
-      <p:par>
-        <p:cTn id="1" dur="indefinite" restart="never" nodeType="tmRoot"/>
-      </p:par>
-    </p:tnLst>
-  </p:timing>
 </p:sld>
 </file>
 
@@ -8294,7 +7798,7 @@
           <p:cNvPr id="2" name="Title 1">
             <a:extLst>
               <a:ext uri="{FF2B5EF4-FFF2-40B4-BE49-F238E27FC236}">
-                <a16:creationId xmlns:a16="http://schemas.microsoft.com/office/drawing/2014/main" xmlns="" id="{BDFAC13C-59B1-436E-B58F-C304E1C705CF}"/>
+                <a16:creationId xmlns:a16="http://schemas.microsoft.com/office/drawing/2014/main" id="{BDFAC13C-59B1-436E-B58F-C304E1C705CF}"/>
               </a:ext>
             </a:extLst>
           </p:cNvPr>
@@ -8318,10 +7822,9 @@
           <a:lstStyle/>
           <a:p>
             <a:r>
-              <a:rPr lang="en-US" u="sng" dirty="0" smtClean="0"/>
+              <a:rPr lang="en-US" u="sng" dirty="0"/>
               <a:t>Client-side Validation Using jQuery</a:t>
             </a:r>
-            <a:endParaRPr lang="en-US" u="sng" dirty="0"/>
           </a:p>
         </p:txBody>
       </p:sp>
@@ -8330,7 +7833,7 @@
           <p:cNvPr id="3" name="Content Placeholder 2">
             <a:extLst>
               <a:ext uri="{FF2B5EF4-FFF2-40B4-BE49-F238E27FC236}">
-                <a16:creationId xmlns:a16="http://schemas.microsoft.com/office/drawing/2014/main" xmlns="" id="{844A3DC5-46BF-4BFF-8008-98FD467C4904}"/>
+                <a16:creationId xmlns:a16="http://schemas.microsoft.com/office/drawing/2014/main" id="{844A3DC5-46BF-4BFF-8008-98FD467C4904}"/>
               </a:ext>
             </a:extLst>
           </p:cNvPr>
@@ -8379,13 +7882,13 @@
               <a:buNone/>
             </a:pPr>
             <a:r>
-              <a:rPr lang="en-US" sz="1200" dirty="0" smtClean="0">
+              <a:rPr lang="en-US" sz="1200" dirty="0">
                 <a:latin typeface="Consolas" panose="020B0609020204030204" pitchFamily="49" charset="0"/>
               </a:rPr>
               <a:t>  </a:t>
             </a:r>
             <a:r>
-              <a:rPr lang="en-US" sz="1200" dirty="0" err="1" smtClean="0">
+              <a:rPr lang="en-US" sz="1200" dirty="0" err="1">
                 <a:latin typeface="Consolas" panose="020B0609020204030204" pitchFamily="49" charset="0"/>
               </a:rPr>
               <a:t>firstname</a:t>
@@ -8414,16 +7917,10 @@
               <a:buNone/>
             </a:pPr>
             <a:r>
-              <a:rPr lang="en-US" sz="1200" dirty="0" smtClean="0">
-                <a:latin typeface="Consolas" panose="020B0609020204030204" pitchFamily="49" charset="0"/>
-              </a:rPr>
-              <a:t>  lastname</a:t>
-            </a:r>
-            <a:r>
               <a:rPr lang="en-US" sz="1200" dirty="0">
                 <a:latin typeface="Consolas" panose="020B0609020204030204" pitchFamily="49" charset="0"/>
               </a:rPr>
-              <a:t>: "Please enter your lastname",</a:t>
+              <a:t>  lastname: "Please enter your lastname",</a:t>
             </a:r>
           </a:p>
           <a:p>
@@ -8431,16 +7928,10 @@
               <a:buNone/>
             </a:pPr>
             <a:r>
-              <a:rPr lang="en-US" sz="1200" dirty="0" smtClean="0">
-                <a:latin typeface="Consolas" panose="020B0609020204030204" pitchFamily="49" charset="0"/>
-              </a:rPr>
-              <a:t>  password</a:t>
-            </a:r>
-            <a:r>
               <a:rPr lang="en-US" sz="1200" dirty="0">
                 <a:latin typeface="Consolas" panose="020B0609020204030204" pitchFamily="49" charset="0"/>
               </a:rPr>
-              <a:t>: {</a:t>
+              <a:t>  password: {</a:t>
             </a:r>
           </a:p>
           <a:p>
@@ -8448,16 +7939,10 @@
               <a:buNone/>
             </a:pPr>
             <a:r>
-              <a:rPr lang="en-US" sz="1200" dirty="0" smtClean="0">
-                <a:latin typeface="Consolas" panose="020B0609020204030204" pitchFamily="49" charset="0"/>
-              </a:rPr>
-              <a:t>    required</a:t>
-            </a:r>
-            <a:r>
               <a:rPr lang="en-US" sz="1200" dirty="0">
                 <a:latin typeface="Consolas" panose="020B0609020204030204" pitchFamily="49" charset="0"/>
               </a:rPr>
-              <a:t>: "Please provide a password",</a:t>
+              <a:t>    required: "Please provide a password",</a:t>
             </a:r>
           </a:p>
           <a:p>
@@ -8465,13 +7950,13 @@
               <a:buNone/>
             </a:pPr>
             <a:r>
-              <a:rPr lang="en-US" sz="1200" dirty="0" smtClean="0">
+              <a:rPr lang="en-US" sz="1200" dirty="0">
                 <a:latin typeface="Consolas" panose="020B0609020204030204" pitchFamily="49" charset="0"/>
               </a:rPr>
               <a:t>    </a:t>
             </a:r>
             <a:r>
-              <a:rPr lang="en-US" sz="1200" dirty="0" err="1" smtClean="0">
+              <a:rPr lang="en-US" sz="1200" dirty="0" err="1">
                 <a:latin typeface="Consolas" panose="020B0609020204030204" pitchFamily="49" charset="0"/>
               </a:rPr>
               <a:t>minlength</a:t>
@@ -8488,14 +7973,11 @@
               <a:buNone/>
             </a:pPr>
             <a:r>
-              <a:rPr lang="en-US" sz="1200" dirty="0" smtClean="0">
+              <a:rPr lang="en-US" sz="1200" dirty="0">
                 <a:latin typeface="Consolas" panose="020B0609020204030204" pitchFamily="49" charset="0"/>
               </a:rPr>
               <a:t>  },</a:t>
             </a:r>
-            <a:endParaRPr lang="en-US" sz="1200" dirty="0">
-              <a:latin typeface="Consolas" panose="020B0609020204030204" pitchFamily="49" charset="0"/>
-            </a:endParaRPr>
           </a:p>
         </p:txBody>
       </p:sp>
@@ -8504,7 +7986,7 @@
           <p:cNvPr id="4" name="Rectangle 3">
             <a:extLst>
               <a:ext uri="{FF2B5EF4-FFF2-40B4-BE49-F238E27FC236}">
-                <a16:creationId xmlns:a16="http://schemas.microsoft.com/office/drawing/2014/main" xmlns="" id="{0C71533A-4A29-47E2-A4D4-85E44356516A}"/>
+                <a16:creationId xmlns:a16="http://schemas.microsoft.com/office/drawing/2014/main" id="{0C71533A-4A29-47E2-A4D4-85E44356516A}"/>
               </a:ext>
             </a:extLst>
           </p:cNvPr>
@@ -8579,13 +8061,6 @@
   <p:clrMapOvr>
     <a:masterClrMapping/>
   </p:clrMapOvr>
-  <p:timing>
-    <p:tnLst>
-      <p:par>
-        <p:cTn id="1" dur="indefinite" restart="never" nodeType="tmRoot"/>
-      </p:par>
-    </p:tnLst>
-  </p:timing>
 </p:sld>
 </file>
 
@@ -8611,7 +8086,7 @@
           <p:cNvPr id="2" name="Title 1">
             <a:extLst>
               <a:ext uri="{FF2B5EF4-FFF2-40B4-BE49-F238E27FC236}">
-                <a16:creationId xmlns:a16="http://schemas.microsoft.com/office/drawing/2014/main" xmlns="" id="{BDFAC13C-59B1-436E-B58F-C304E1C705CF}"/>
+                <a16:creationId xmlns:a16="http://schemas.microsoft.com/office/drawing/2014/main" id="{BDFAC13C-59B1-436E-B58F-C304E1C705CF}"/>
               </a:ext>
             </a:extLst>
           </p:cNvPr>
@@ -8635,10 +8110,9 @@
           <a:lstStyle/>
           <a:p>
             <a:r>
-              <a:rPr lang="en-US" u="sng" dirty="0" smtClean="0"/>
+              <a:rPr lang="en-US" u="sng" dirty="0"/>
               <a:t>Client-side Validation Using jQuery</a:t>
             </a:r>
-            <a:endParaRPr lang="en-US" u="sng" dirty="0"/>
           </a:p>
         </p:txBody>
       </p:sp>
@@ -8647,7 +8121,7 @@
           <p:cNvPr id="3" name="Content Placeholder 2">
             <a:extLst>
               <a:ext uri="{FF2B5EF4-FFF2-40B4-BE49-F238E27FC236}">
-                <a16:creationId xmlns:a16="http://schemas.microsoft.com/office/drawing/2014/main" xmlns="" id="{844A3DC5-46BF-4BFF-8008-98FD467C4904}"/>
+                <a16:creationId xmlns:a16="http://schemas.microsoft.com/office/drawing/2014/main" id="{844A3DC5-46BF-4BFF-8008-98FD467C4904}"/>
               </a:ext>
             </a:extLst>
           </p:cNvPr>
@@ -8674,16 +8148,10 @@
               <a:buNone/>
             </a:pPr>
             <a:r>
-              <a:rPr lang="en-US" sz="1200" dirty="0" smtClean="0">
-                <a:latin typeface="Consolas" panose="020B0609020204030204" pitchFamily="49" charset="0"/>
-              </a:rPr>
-              <a:t>    email</a:t>
-            </a:r>
-            <a:r>
               <a:rPr lang="en-US" sz="1200" dirty="0">
                 <a:latin typeface="Consolas" panose="020B0609020204030204" pitchFamily="49" charset="0"/>
               </a:rPr>
-              <a:t>: "Please enter a valid email address"</a:t>
+              <a:t>    email: "Please enter a valid email address"</a:t>
             </a:r>
           </a:p>
           <a:p>
@@ -8691,30 +8159,21 @@
               <a:buNone/>
             </a:pPr>
             <a:r>
-              <a:rPr lang="en-US" sz="1200" dirty="0" smtClean="0">
+              <a:rPr lang="en-US" sz="1200" dirty="0">
                 <a:latin typeface="Consolas" panose="020B0609020204030204" pitchFamily="49" charset="0"/>
               </a:rPr>
               <a:t>  },</a:t>
             </a:r>
-            <a:endParaRPr lang="en-US" sz="1200" dirty="0">
-              <a:latin typeface="Consolas" panose="020B0609020204030204" pitchFamily="49" charset="0"/>
-            </a:endParaRPr>
           </a:p>
           <a:p>
             <a:pPr marL="114300" indent="0">
               <a:buNone/>
             </a:pPr>
             <a:r>
-              <a:rPr lang="en-US" sz="1200" dirty="0" smtClean="0">
-                <a:latin typeface="Consolas" panose="020B0609020204030204" pitchFamily="49" charset="0"/>
-              </a:rPr>
-              <a:t>  // </a:t>
-            </a:r>
-            <a:r>
               <a:rPr lang="en-US" sz="1200" dirty="0">
                 <a:latin typeface="Consolas" panose="020B0609020204030204" pitchFamily="49" charset="0"/>
               </a:rPr>
-              <a:t>Make sure the form is submitted to the destination defined</a:t>
+              <a:t>  // Make sure the form is submitted to the destination defined</a:t>
             </a:r>
           </a:p>
           <a:p>
@@ -8722,16 +8181,10 @@
               <a:buNone/>
             </a:pPr>
             <a:r>
-              <a:rPr lang="en-US" sz="1200" dirty="0" smtClean="0">
-                <a:latin typeface="Consolas" panose="020B0609020204030204" pitchFamily="49" charset="0"/>
-              </a:rPr>
-              <a:t>  // </a:t>
-            </a:r>
-            <a:r>
               <a:rPr lang="en-US" sz="1200" dirty="0">
                 <a:latin typeface="Consolas" panose="020B0609020204030204" pitchFamily="49" charset="0"/>
               </a:rPr>
-              <a:t>in the "action" attribute of the form when valid</a:t>
+              <a:t>  // in the "action" attribute of the form when valid</a:t>
             </a:r>
           </a:p>
           <a:p>
@@ -8739,13 +8192,13 @@
               <a:buNone/>
             </a:pPr>
             <a:r>
-              <a:rPr lang="en-US" sz="1200" dirty="0" smtClean="0">
+              <a:rPr lang="en-US" sz="1200" dirty="0">
                 <a:latin typeface="Consolas" panose="020B0609020204030204" pitchFamily="49" charset="0"/>
               </a:rPr>
               <a:t>  </a:t>
             </a:r>
             <a:r>
-              <a:rPr lang="en-US" sz="1200" dirty="0" err="1" smtClean="0">
+              <a:rPr lang="en-US" sz="1200" dirty="0" err="1">
                 <a:latin typeface="Consolas" panose="020B0609020204030204" pitchFamily="49" charset="0"/>
               </a:rPr>
               <a:t>submitHandler</a:t>
@@ -8762,13 +8215,13 @@
               <a:buNone/>
             </a:pPr>
             <a:r>
-              <a:rPr lang="en-US" sz="1200" dirty="0" smtClean="0">
+              <a:rPr lang="en-US" sz="1200" dirty="0">
                 <a:latin typeface="Consolas" panose="020B0609020204030204" pitchFamily="49" charset="0"/>
               </a:rPr>
               <a:t>  </a:t>
             </a:r>
             <a:r>
-              <a:rPr lang="en-US" sz="1200" dirty="0" err="1" smtClean="0">
+              <a:rPr lang="en-US" sz="1200" dirty="0" err="1">
                 <a:latin typeface="Consolas" panose="020B0609020204030204" pitchFamily="49" charset="0"/>
               </a:rPr>
               <a:t>form.submit</a:t>
@@ -8785,14 +8238,11 @@
               <a:buNone/>
             </a:pPr>
             <a:r>
-              <a:rPr lang="en-US" sz="1200" dirty="0" smtClean="0">
+              <a:rPr lang="en-US" sz="1200" dirty="0">
                 <a:latin typeface="Consolas" panose="020B0609020204030204" pitchFamily="49" charset="0"/>
               </a:rPr>
               <a:t>  }</a:t>
             </a:r>
-            <a:endParaRPr lang="en-US" sz="1200" dirty="0">
-              <a:latin typeface="Consolas" panose="020B0609020204030204" pitchFamily="49" charset="0"/>
-            </a:endParaRPr>
           </a:p>
           <a:p>
             <a:pPr marL="114300" indent="0">
@@ -8823,7 +8273,7 @@
           <p:cNvPr id="4" name="Rectangle 3">
             <a:extLst>
               <a:ext uri="{FF2B5EF4-FFF2-40B4-BE49-F238E27FC236}">
-                <a16:creationId xmlns:a16="http://schemas.microsoft.com/office/drawing/2014/main" xmlns="" id="{0C71533A-4A29-47E2-A4D4-85E44356516A}"/>
+                <a16:creationId xmlns:a16="http://schemas.microsoft.com/office/drawing/2014/main" id="{0C71533A-4A29-47E2-A4D4-85E44356516A}"/>
               </a:ext>
             </a:extLst>
           </p:cNvPr>
@@ -8898,13 +8348,6 @@
   <p:clrMapOvr>
     <a:masterClrMapping/>
   </p:clrMapOvr>
-  <p:timing>
-    <p:tnLst>
-      <p:par>
-        <p:cTn id="1" dur="indefinite" restart="never" nodeType="tmRoot"/>
-      </p:par>
-    </p:tnLst>
-  </p:timing>
 </p:sld>
 </file>
 
@@ -8930,7 +8373,7 @@
           <p:cNvPr id="2" name="Title 1">
             <a:extLst>
               <a:ext uri="{FF2B5EF4-FFF2-40B4-BE49-F238E27FC236}">
-                <a16:creationId xmlns:a16="http://schemas.microsoft.com/office/drawing/2014/main" xmlns="" id="{BDFAC13C-59B1-436E-B58F-C304E1C705CF}"/>
+                <a16:creationId xmlns:a16="http://schemas.microsoft.com/office/drawing/2014/main" id="{BDFAC13C-59B1-436E-B58F-C304E1C705CF}"/>
               </a:ext>
             </a:extLst>
           </p:cNvPr>
@@ -8954,10 +8397,9 @@
           <a:lstStyle/>
           <a:p>
             <a:r>
-              <a:rPr lang="en-US" u="sng" dirty="0" smtClean="0"/>
+              <a:rPr lang="en-US" u="sng" dirty="0"/>
               <a:t>Client-side Validation Using Bootstrap 4</a:t>
             </a:r>
-            <a:endParaRPr lang="en-US" u="sng" dirty="0"/>
           </a:p>
         </p:txBody>
       </p:sp>
@@ -8966,7 +8408,7 @@
           <p:cNvPr id="3" name="Content Placeholder 2">
             <a:extLst>
               <a:ext uri="{FF2B5EF4-FFF2-40B4-BE49-F238E27FC236}">
-                <a16:creationId xmlns:a16="http://schemas.microsoft.com/office/drawing/2014/main" xmlns="" id="{844A3DC5-46BF-4BFF-8008-98FD467C4904}"/>
+                <a16:creationId xmlns:a16="http://schemas.microsoft.com/office/drawing/2014/main" id="{844A3DC5-46BF-4BFF-8008-98FD467C4904}"/>
               </a:ext>
             </a:extLst>
           </p:cNvPr>
@@ -8991,11 +8433,7 @@
           <a:p>
             <a:r>
               <a:rPr lang="en-US" sz="1800" dirty="0"/>
-              <a:t>Bootstrap includes validation styles </a:t>
-            </a:r>
-            <a:r>
-              <a:rPr lang="en-US" sz="1800" dirty="0" smtClean="0"/>
-              <a:t>for:</a:t>
+              <a:t>Bootstrap includes validation styles for:</a:t>
             </a:r>
           </a:p>
           <a:p>
@@ -9003,16 +8441,8 @@
               <a:buNone/>
             </a:pPr>
             <a:r>
-              <a:rPr lang="en-US" sz="1800" dirty="0" smtClean="0"/>
-              <a:t>danger </a:t>
-            </a:r>
-            <a:r>
               <a:rPr lang="en-US" sz="1800" dirty="0"/>
-              <a:t>(ideal for when there's a blocking or required field</a:t>
-            </a:r>
-            <a:r>
-              <a:rPr lang="en-US" sz="1800" dirty="0" smtClean="0"/>
-              <a:t>)</a:t>
+              <a:t>danger (ideal for when there's a blocking or required field)</a:t>
             </a:r>
           </a:p>
           <a:p>
@@ -9020,43 +8450,18 @@
               <a:buNone/>
             </a:pPr>
             <a:r>
-              <a:rPr lang="en-US" sz="1800" dirty="0" smtClean="0"/>
-              <a:t>warning </a:t>
-            </a:r>
-            <a:r>
               <a:rPr lang="en-US" sz="1800" dirty="0"/>
-              <a:t>(ideal for </a:t>
-            </a:r>
-            <a:r>
-              <a:rPr lang="en-US" sz="1800" dirty="0" smtClean="0"/>
-              <a:t>input </a:t>
-            </a:r>
+              <a:t>warning (ideal for input values that are in progress, like password strength, or soft validation before a user attempts to submit a form)</a:t>
+            </a:r>
+          </a:p>
+          <a:p>
+            <a:pPr marL="228600" indent="0">
+              <a:buNone/>
+            </a:pPr>
             <a:r>
               <a:rPr lang="en-US" sz="1800" dirty="0"/>
-              <a:t>values that are in progress, like password strength, or soft validation before a user attempts to submit a </a:t>
-            </a:r>
-            <a:r>
-              <a:rPr lang="en-US" sz="1800" dirty="0" smtClean="0"/>
-              <a:t>form)</a:t>
-            </a:r>
-          </a:p>
-          <a:p>
-            <a:pPr marL="228600" indent="0">
-              <a:buNone/>
-            </a:pPr>
-            <a:r>
-              <a:rPr lang="en-US" sz="1800" dirty="0" smtClean="0"/>
-              <a:t>success </a:t>
-            </a:r>
-            <a:r>
-              <a:rPr lang="en-US" sz="1800" dirty="0"/>
-              <a:t>(ideal for ideal for situations when you have per-field validation throughout a form and want to encourage a user through the rest of the fields) states on most form </a:t>
-            </a:r>
-            <a:r>
-              <a:rPr lang="en-US" sz="1800" dirty="0" smtClean="0"/>
-              <a:t>controls</a:t>
-            </a:r>
-            <a:endParaRPr lang="en-US" sz="1800" dirty="0"/>
+              <a:t>success (ideal for ideal for situations when you have per-field validation throughout a form and want to encourage a user through the rest of the fields) states on most form controls</a:t>
+            </a:r>
           </a:p>
         </p:txBody>
       </p:sp>
@@ -9065,7 +8470,7 @@
           <p:cNvPr id="4" name="Rectangle 3">
             <a:extLst>
               <a:ext uri="{FF2B5EF4-FFF2-40B4-BE49-F238E27FC236}">
-                <a16:creationId xmlns:a16="http://schemas.microsoft.com/office/drawing/2014/main" xmlns="" id="{0C71533A-4A29-47E2-A4D4-85E44356516A}"/>
+                <a16:creationId xmlns:a16="http://schemas.microsoft.com/office/drawing/2014/main" id="{0C71533A-4A29-47E2-A4D4-85E44356516A}"/>
               </a:ext>
             </a:extLst>
           </p:cNvPr>
@@ -9097,16 +8502,10 @@
               <a:rPr lang="en-US" sz="1600" dirty="0">
                 <a:hlinkClick r:id="rId2"/>
               </a:rPr>
-              <a:t>https://v4-alpha.getbootstrap.com/components/forms/#</a:t>
-            </a:r>
-            <a:r>
-              <a:rPr lang="en-US" sz="1600" dirty="0" smtClean="0">
-                <a:hlinkClick r:id="rId2"/>
-              </a:rPr>
-              <a:t>validation</a:t>
-            </a:r>
-            <a:r>
-              <a:rPr lang="en-US" sz="1600" dirty="0" smtClean="0"/>
+              <a:t>https://v4-alpha.getbootstrap.com/components/forms/#validation</a:t>
+            </a:r>
+            <a:r>
+              <a:rPr lang="en-US" sz="1600" dirty="0"/>
               <a:t> </a:t>
             </a:r>
             <a:endParaRPr lang="en-US" sz="1600" dirty="0">
@@ -9150,13 +8549,6 @@
   <p:clrMapOvr>
     <a:masterClrMapping/>
   </p:clrMapOvr>
-  <p:timing>
-    <p:tnLst>
-      <p:par>
-        <p:cTn id="1" dur="indefinite" restart="never" nodeType="tmRoot"/>
-      </p:par>
-    </p:tnLst>
-  </p:timing>
 </p:sld>
 </file>
 
@@ -9182,7 +8574,7 @@
           <p:cNvPr id="2" name="Title 1">
             <a:extLst>
               <a:ext uri="{FF2B5EF4-FFF2-40B4-BE49-F238E27FC236}">
-                <a16:creationId xmlns:a16="http://schemas.microsoft.com/office/drawing/2014/main" xmlns="" id="{BDFAC13C-59B1-436E-B58F-C304E1C705CF}"/>
+                <a16:creationId xmlns:a16="http://schemas.microsoft.com/office/drawing/2014/main" id="{BDFAC13C-59B1-436E-B58F-C304E1C705CF}"/>
               </a:ext>
             </a:extLst>
           </p:cNvPr>
@@ -9206,10 +8598,9 @@
           <a:lstStyle/>
           <a:p>
             <a:r>
-              <a:rPr lang="en-US" u="sng" dirty="0" smtClean="0"/>
+              <a:rPr lang="en-US" u="sng" dirty="0"/>
               <a:t>Client-side Validation Using Bootstrap 4</a:t>
             </a:r>
-            <a:endParaRPr lang="en-US" u="sng" dirty="0"/>
           </a:p>
         </p:txBody>
       </p:sp>
@@ -9218,7 +8609,7 @@
           <p:cNvPr id="3" name="Content Placeholder 2">
             <a:extLst>
               <a:ext uri="{FF2B5EF4-FFF2-40B4-BE49-F238E27FC236}">
-                <a16:creationId xmlns:a16="http://schemas.microsoft.com/office/drawing/2014/main" xmlns="" id="{844A3DC5-46BF-4BFF-8008-98FD467C4904}"/>
+                <a16:creationId xmlns:a16="http://schemas.microsoft.com/office/drawing/2014/main" id="{844A3DC5-46BF-4BFF-8008-98FD467C4904}"/>
               </a:ext>
             </a:extLst>
           </p:cNvPr>
@@ -9255,21 +8646,8 @@
           <a:p>
             <a:r>
               <a:rPr lang="en-US" sz="1800" dirty="0"/>
-              <a:t>Validation icons are </a:t>
-            </a:r>
-            <a:r>
-              <a:rPr lang="en-US" sz="1800" dirty="0" smtClean="0"/>
-              <a:t>URLs </a:t>
-            </a:r>
-            <a:r>
-              <a:rPr lang="en-US" sz="1800" dirty="0"/>
-              <a:t>configured via Sass variables that are applied to background-image declarations for each state</a:t>
-            </a:r>
-            <a:r>
-              <a:rPr lang="en-US" sz="1800" dirty="0" smtClean="0"/>
-              <a:t>.</a:t>
-            </a:r>
-            <a:endParaRPr lang="en-US" sz="1800" dirty="0"/>
+              <a:t>Validation icons are URLs configured via Sass variables that are applied to background-image declarations for each state.</a:t>
+            </a:r>
           </a:p>
         </p:txBody>
       </p:sp>
@@ -9278,7 +8656,7 @@
           <p:cNvPr id="4" name="Rectangle 3">
             <a:extLst>
               <a:ext uri="{FF2B5EF4-FFF2-40B4-BE49-F238E27FC236}">
-                <a16:creationId xmlns:a16="http://schemas.microsoft.com/office/drawing/2014/main" xmlns="" id="{0C71533A-4A29-47E2-A4D4-85E44356516A}"/>
+                <a16:creationId xmlns:a16="http://schemas.microsoft.com/office/drawing/2014/main" id="{0C71533A-4A29-47E2-A4D4-85E44356516A}"/>
               </a:ext>
             </a:extLst>
           </p:cNvPr>
@@ -9310,16 +8688,10 @@
               <a:rPr lang="en-US" sz="1600" dirty="0">
                 <a:hlinkClick r:id="rId2"/>
               </a:rPr>
-              <a:t>https://v4-alpha.getbootstrap.com/components/forms/#</a:t>
-            </a:r>
-            <a:r>
-              <a:rPr lang="en-US" sz="1600" dirty="0" smtClean="0">
-                <a:hlinkClick r:id="rId2"/>
-              </a:rPr>
-              <a:t>validation</a:t>
-            </a:r>
-            <a:r>
-              <a:rPr lang="en-US" sz="1600" dirty="0" smtClean="0"/>
+              <a:t>https://v4-alpha.getbootstrap.com/components/forms/#validation</a:t>
+            </a:r>
+            <a:r>
+              <a:rPr lang="en-US" sz="1600" dirty="0"/>
               <a:t> </a:t>
             </a:r>
             <a:endParaRPr lang="en-US" sz="1600" dirty="0">
@@ -9363,13 +8735,6 @@
   <p:clrMapOvr>
     <a:masterClrMapping/>
   </p:clrMapOvr>
-  <p:timing>
-    <p:tnLst>
-      <p:par>
-        <p:cTn id="1" dur="indefinite" restart="never" nodeType="tmRoot"/>
-      </p:par>
-    </p:tnLst>
-  </p:timing>
 </p:sld>
 </file>
 
@@ -9395,7 +8760,7 @@
           <p:cNvPr id="2" name="Title 1">
             <a:extLst>
               <a:ext uri="{FF2B5EF4-FFF2-40B4-BE49-F238E27FC236}">
-                <a16:creationId xmlns:a16="http://schemas.microsoft.com/office/drawing/2014/main" xmlns="" id="{BDFAC13C-59B1-436E-B58F-C304E1C705CF}"/>
+                <a16:creationId xmlns:a16="http://schemas.microsoft.com/office/drawing/2014/main" id="{BDFAC13C-59B1-436E-B58F-C304E1C705CF}"/>
               </a:ext>
             </a:extLst>
           </p:cNvPr>
@@ -9419,10 +8784,9 @@
           <a:lstStyle/>
           <a:p>
             <a:r>
-              <a:rPr lang="en-US" u="sng" dirty="0" smtClean="0"/>
+              <a:rPr lang="en-US" u="sng" dirty="0"/>
               <a:t>Client-side Validation Using Bootstrap 4</a:t>
             </a:r>
-            <a:endParaRPr lang="en-US" u="sng" dirty="0"/>
           </a:p>
         </p:txBody>
       </p:sp>
@@ -9431,7 +8795,7 @@
           <p:cNvPr id="3" name="Content Placeholder 2">
             <a:extLst>
               <a:ext uri="{FF2B5EF4-FFF2-40B4-BE49-F238E27FC236}">
-                <a16:creationId xmlns:a16="http://schemas.microsoft.com/office/drawing/2014/main" xmlns="" id="{844A3DC5-46BF-4BFF-8008-98FD467C4904}"/>
+                <a16:creationId xmlns:a16="http://schemas.microsoft.com/office/drawing/2014/main" id="{844A3DC5-46BF-4BFF-8008-98FD467C4904}"/>
               </a:ext>
             </a:extLst>
           </p:cNvPr>
@@ -9455,7 +8819,7 @@
           <a:lstStyle/>
           <a:p>
             <a:r>
-              <a:rPr lang="en-US" sz="1800" dirty="0" smtClean="0"/>
+              <a:rPr lang="en-US" sz="1800" dirty="0"/>
               <a:t>Example:</a:t>
             </a:r>
           </a:p>
@@ -9467,13 +8831,7 @@
               <a:rPr lang="en-US" sz="1200" dirty="0">
                 <a:latin typeface="Consolas" panose="020B0609020204030204" pitchFamily="49" charset="0"/>
               </a:rPr>
-              <a:t>&lt;div class="form-group has-danger</a:t>
-            </a:r>
-            <a:r>
-              <a:rPr lang="en-US" sz="1200" dirty="0" smtClean="0">
-                <a:latin typeface="Consolas" panose="020B0609020204030204" pitchFamily="49" charset="0"/>
-              </a:rPr>
-              <a:t>"&gt;</a:t>
+              <a:t>&lt;div class="form-group has-danger"&gt;</a:t>
             </a:r>
           </a:p>
           <a:p>
@@ -9481,16 +8839,10 @@
               <a:buNone/>
             </a:pPr>
             <a:r>
-              <a:rPr lang="en-US" sz="1200" dirty="0" smtClean="0">
-                <a:latin typeface="Consolas" panose="020B0609020204030204" pitchFamily="49" charset="0"/>
-              </a:rPr>
-              <a:t>  &lt;</a:t>
-            </a:r>
-            <a:r>
               <a:rPr lang="en-US" sz="1200" dirty="0">
                 <a:latin typeface="Consolas" panose="020B0609020204030204" pitchFamily="49" charset="0"/>
               </a:rPr>
-              <a:t>label class="form-control-label" for="inputDanger1"&gt;Input with danger&lt;/label&gt;</a:t>
+              <a:t>  &lt;label class="form-control-label" for="inputDanger1"&gt;Input with danger&lt;/label&gt;</a:t>
             </a:r>
           </a:p>
           <a:p>
@@ -9498,16 +8850,10 @@
               <a:buNone/>
             </a:pPr>
             <a:r>
-              <a:rPr lang="en-US" sz="1200" dirty="0" smtClean="0">
-                <a:latin typeface="Consolas" panose="020B0609020204030204" pitchFamily="49" charset="0"/>
-              </a:rPr>
-              <a:t>  &lt;</a:t>
-            </a:r>
-            <a:r>
               <a:rPr lang="en-US" sz="1200" dirty="0">
                 <a:latin typeface="Consolas" panose="020B0609020204030204" pitchFamily="49" charset="0"/>
               </a:rPr>
-              <a:t>input type="text" class="form-control form-control-danger" id="inputDanger1"&gt;</a:t>
+              <a:t>  &lt;input type="text" class="form-control form-control-danger" id="inputDanger1"&gt;</a:t>
             </a:r>
           </a:p>
           <a:p>
@@ -9515,16 +8861,10 @@
               <a:buNone/>
             </a:pPr>
             <a:r>
-              <a:rPr lang="en-US" sz="1200" dirty="0" smtClean="0">
-                <a:latin typeface="Consolas" panose="020B0609020204030204" pitchFamily="49" charset="0"/>
-              </a:rPr>
-              <a:t>  &lt;</a:t>
-            </a:r>
-            <a:r>
               <a:rPr lang="en-US" sz="1200" dirty="0">
                 <a:latin typeface="Consolas" panose="020B0609020204030204" pitchFamily="49" charset="0"/>
               </a:rPr>
-              <a:t>div class="form-control-feedback"&gt;Sorry, that username's taken. Try another?&lt;/div&gt;</a:t>
+              <a:t>  &lt;div class="form-control-feedback"&gt;Sorry, that username's taken. Try another?&lt;/div&gt;</a:t>
             </a:r>
           </a:p>
           <a:p>
@@ -9532,22 +8872,10 @@
               <a:buNone/>
             </a:pPr>
             <a:r>
-              <a:rPr lang="en-US" sz="1200" dirty="0" smtClean="0">
-                <a:latin typeface="Consolas" panose="020B0609020204030204" pitchFamily="49" charset="0"/>
-              </a:rPr>
-              <a:t>  &lt;</a:t>
-            </a:r>
-            <a:r>
               <a:rPr lang="en-US" sz="1200" dirty="0">
                 <a:latin typeface="Consolas" panose="020B0609020204030204" pitchFamily="49" charset="0"/>
               </a:rPr>
-              <a:t>small class="form-text text-muted"&gt;Example help text that remains unchanged.&lt;/small</a:t>
-            </a:r>
-            <a:r>
-              <a:rPr lang="en-US" sz="1200" dirty="0" smtClean="0">
-                <a:latin typeface="Consolas" panose="020B0609020204030204" pitchFamily="49" charset="0"/>
-              </a:rPr>
-              <a:t>&gt;</a:t>
+              <a:t>  &lt;small class="form-text text-muted"&gt;Example help text that remains unchanged.&lt;/small&gt;</a:t>
             </a:r>
           </a:p>
           <a:p>
@@ -9555,22 +8883,10 @@
               <a:buNone/>
             </a:pPr>
             <a:r>
-              <a:rPr lang="en-US" sz="1200" dirty="0" smtClean="0">
-                <a:latin typeface="Consolas" panose="020B0609020204030204" pitchFamily="49" charset="0"/>
-              </a:rPr>
-              <a:t>&lt;/</a:t>
-            </a:r>
-            <a:r>
               <a:rPr lang="en-US" sz="1200" dirty="0">
                 <a:latin typeface="Consolas" panose="020B0609020204030204" pitchFamily="49" charset="0"/>
               </a:rPr>
-              <a:t>div</a:t>
-            </a:r>
-            <a:r>
-              <a:rPr lang="en-US" sz="1200" dirty="0" smtClean="0">
-                <a:latin typeface="Consolas" panose="020B0609020204030204" pitchFamily="49" charset="0"/>
-              </a:rPr>
-              <a:t>&gt;</a:t>
+              <a:t>&lt;/div&gt;</a:t>
             </a:r>
           </a:p>
           <a:p>
@@ -9588,7 +8904,7 @@
           <p:cNvPr id="4" name="Rectangle 3">
             <a:extLst>
               <a:ext uri="{FF2B5EF4-FFF2-40B4-BE49-F238E27FC236}">
-                <a16:creationId xmlns:a16="http://schemas.microsoft.com/office/drawing/2014/main" xmlns="" id="{0C71533A-4A29-47E2-A4D4-85E44356516A}"/>
+                <a16:creationId xmlns:a16="http://schemas.microsoft.com/office/drawing/2014/main" id="{0C71533A-4A29-47E2-A4D4-85E44356516A}"/>
               </a:ext>
             </a:extLst>
           </p:cNvPr>
@@ -9620,16 +8936,10 @@
               <a:rPr lang="en-US" sz="1600" dirty="0">
                 <a:hlinkClick r:id="rId2"/>
               </a:rPr>
-              <a:t>https://v4-alpha.getbootstrap.com/components/forms/#</a:t>
-            </a:r>
-            <a:r>
-              <a:rPr lang="en-US" sz="1600" dirty="0" smtClean="0">
-                <a:hlinkClick r:id="rId2"/>
-              </a:rPr>
-              <a:t>validation</a:t>
-            </a:r>
-            <a:r>
-              <a:rPr lang="en-US" sz="1600" dirty="0" smtClean="0"/>
+              <a:t>https://v4-alpha.getbootstrap.com/components/forms/#validation</a:t>
+            </a:r>
+            <a:r>
+              <a:rPr lang="en-US" sz="1600" dirty="0"/>
               <a:t> </a:t>
             </a:r>
             <a:endParaRPr lang="en-US" sz="1600" dirty="0">
@@ -9697,13 +9007,6 @@
   <p:clrMapOvr>
     <a:masterClrMapping/>
   </p:clrMapOvr>
-  <p:timing>
-    <p:tnLst>
-      <p:par>
-        <p:cTn id="1" dur="indefinite" restart="never" nodeType="tmRoot"/>
-      </p:par>
-    </p:tnLst>
-  </p:timing>
 </p:sld>
 </file>
 
@@ -9729,7 +9032,7 @@
           <p:cNvPr id="2" name="Title 1">
             <a:extLst>
               <a:ext uri="{FF2B5EF4-FFF2-40B4-BE49-F238E27FC236}">
-                <a16:creationId xmlns:a16="http://schemas.microsoft.com/office/drawing/2014/main" xmlns="" id="{BDFAC13C-59B1-436E-B58F-C304E1C705CF}"/>
+                <a16:creationId xmlns:a16="http://schemas.microsoft.com/office/drawing/2014/main" id="{BDFAC13C-59B1-436E-B58F-C304E1C705CF}"/>
               </a:ext>
             </a:extLst>
           </p:cNvPr>
@@ -9753,10 +9056,9 @@
           <a:lstStyle/>
           <a:p>
             <a:r>
-              <a:rPr lang="en-US" u="sng" dirty="0" smtClean="0"/>
+              <a:rPr lang="en-US" u="sng" dirty="0"/>
               <a:t>Server-side Validation Using @hap/joi</a:t>
             </a:r>
-            <a:endParaRPr lang="en-US" u="sng" dirty="0"/>
           </a:p>
         </p:txBody>
       </p:sp>
@@ -9765,7 +9067,7 @@
           <p:cNvPr id="3" name="Content Placeholder 2">
             <a:extLst>
               <a:ext uri="{FF2B5EF4-FFF2-40B4-BE49-F238E27FC236}">
-                <a16:creationId xmlns:a16="http://schemas.microsoft.com/office/drawing/2014/main" xmlns="" id="{844A3DC5-46BF-4BFF-8008-98FD467C4904}"/>
+                <a16:creationId xmlns:a16="http://schemas.microsoft.com/office/drawing/2014/main" id="{844A3DC5-46BF-4BFF-8008-98FD467C4904}"/>
               </a:ext>
             </a:extLst>
           </p:cNvPr>
@@ -9790,43 +9092,14 @@
           <a:p>
             <a:r>
               <a:rPr lang="en-US" sz="1800" dirty="0"/>
-              <a:t>The idea of Joi is to define the schema of what </a:t>
-            </a:r>
-            <a:r>
-              <a:rPr lang="en-US" sz="1800" dirty="0" smtClean="0"/>
-              <a:t>the object will resemble</a:t>
-            </a:r>
-          </a:p>
-          <a:p>
-            <a:r>
-              <a:rPr lang="en-US" sz="1800" dirty="0" smtClean="0"/>
-              <a:t>For </a:t>
-            </a:r>
+              <a:t>The idea of Joi is to define the schema of what the object will resemble</a:t>
+            </a:r>
+          </a:p>
+          <a:p>
             <a:r>
               <a:rPr lang="en-US" sz="1800" dirty="0"/>
-              <a:t>example, </a:t>
-            </a:r>
-            <a:r>
-              <a:rPr lang="en-US" sz="1800" dirty="0" smtClean="0"/>
-              <a:t>suppose we have </a:t>
-            </a:r>
-            <a:r>
-              <a:rPr lang="en-US" sz="1800" dirty="0"/>
-              <a:t>a login form </a:t>
-            </a:r>
-            <a:r>
-              <a:rPr lang="en-US" sz="1800" dirty="0" smtClean="0"/>
-              <a:t>with </a:t>
-            </a:r>
-            <a:r>
-              <a:rPr lang="en-US" sz="1800" dirty="0"/>
-              <a:t>username and password </a:t>
-            </a:r>
-            <a:r>
-              <a:rPr lang="en-US" sz="1800" dirty="0" smtClean="0"/>
-              <a:t>fields</a:t>
-            </a:r>
-            <a:endParaRPr lang="en-US" sz="1800" dirty="0"/>
+              <a:t>For example, suppose we have a login form with username and password fields</a:t>
+            </a:r>
           </a:p>
         </p:txBody>
       </p:sp>
@@ -9835,7 +9108,7 @@
           <p:cNvPr id="4" name="Rectangle 3">
             <a:extLst>
               <a:ext uri="{FF2B5EF4-FFF2-40B4-BE49-F238E27FC236}">
-                <a16:creationId xmlns:a16="http://schemas.microsoft.com/office/drawing/2014/main" xmlns="" id="{0C71533A-4A29-47E2-A4D4-85E44356516A}"/>
+                <a16:creationId xmlns:a16="http://schemas.microsoft.com/office/drawing/2014/main" id="{0C71533A-4A29-47E2-A4D4-85E44356516A}"/>
               </a:ext>
             </a:extLst>
           </p:cNvPr>
@@ -9937,13 +9210,6 @@
   <p:clrMapOvr>
     <a:masterClrMapping/>
   </p:clrMapOvr>
-  <p:timing>
-    <p:tnLst>
-      <p:par>
-        <p:cTn id="1" dur="indefinite" restart="never" nodeType="tmRoot"/>
-      </p:par>
-    </p:tnLst>
-  </p:timing>
 </p:sld>
 </file>
 
@@ -9969,7 +9235,7 @@
           <p:cNvPr id="2" name="Title 1">
             <a:extLst>
               <a:ext uri="{FF2B5EF4-FFF2-40B4-BE49-F238E27FC236}">
-                <a16:creationId xmlns:a16="http://schemas.microsoft.com/office/drawing/2014/main" xmlns="" id="{BDFAC13C-59B1-436E-B58F-C304E1C705CF}"/>
+                <a16:creationId xmlns:a16="http://schemas.microsoft.com/office/drawing/2014/main" id="{BDFAC13C-59B1-436E-B58F-C304E1C705CF}"/>
               </a:ext>
             </a:extLst>
           </p:cNvPr>
@@ -9993,10 +9259,9 @@
           <a:lstStyle/>
           <a:p>
             <a:r>
-              <a:rPr lang="en-US" u="sng" dirty="0" smtClean="0"/>
+              <a:rPr lang="en-US" u="sng" dirty="0"/>
               <a:t>Server-side Validation Using @hap/joi</a:t>
             </a:r>
-            <a:endParaRPr lang="en-US" u="sng" dirty="0"/>
           </a:p>
         </p:txBody>
       </p:sp>
@@ -10005,7 +9270,7 @@
           <p:cNvPr id="3" name="Content Placeholder 2">
             <a:extLst>
               <a:ext uri="{FF2B5EF4-FFF2-40B4-BE49-F238E27FC236}">
-                <a16:creationId xmlns:a16="http://schemas.microsoft.com/office/drawing/2014/main" xmlns="" id="{844A3DC5-46BF-4BFF-8008-98FD467C4904}"/>
+                <a16:creationId xmlns:a16="http://schemas.microsoft.com/office/drawing/2014/main" id="{844A3DC5-46BF-4BFF-8008-98FD467C4904}"/>
               </a:ext>
             </a:extLst>
           </p:cNvPr>
@@ -10067,7 +9332,7 @@
           <p:cNvPr id="4" name="Rectangle 3">
             <a:extLst>
               <a:ext uri="{FF2B5EF4-FFF2-40B4-BE49-F238E27FC236}">
-                <a16:creationId xmlns:a16="http://schemas.microsoft.com/office/drawing/2014/main" xmlns="" id="{0C71533A-4A29-47E2-A4D4-85E44356516A}"/>
+                <a16:creationId xmlns:a16="http://schemas.microsoft.com/office/drawing/2014/main" id="{0C71533A-4A29-47E2-A4D4-85E44356516A}"/>
               </a:ext>
             </a:extLst>
           </p:cNvPr>
@@ -10142,13 +9407,6 @@
   <p:clrMapOvr>
     <a:masterClrMapping/>
   </p:clrMapOvr>
-  <p:timing>
-    <p:tnLst>
-      <p:par>
-        <p:cTn id="1" dur="indefinite" restart="never" nodeType="tmRoot"/>
-      </p:par>
-    </p:tnLst>
-  </p:timing>
 </p:sld>
 </file>
 
@@ -10174,7 +9432,7 @@
           <p:cNvPr id="2" name="Title 1">
             <a:extLst>
               <a:ext uri="{FF2B5EF4-FFF2-40B4-BE49-F238E27FC236}">
-                <a16:creationId xmlns:a16="http://schemas.microsoft.com/office/drawing/2014/main" xmlns="" id="{BDFAC13C-59B1-436E-B58F-C304E1C705CF}"/>
+                <a16:creationId xmlns:a16="http://schemas.microsoft.com/office/drawing/2014/main" id="{BDFAC13C-59B1-436E-B58F-C304E1C705CF}"/>
               </a:ext>
             </a:extLst>
           </p:cNvPr>
@@ -10198,10 +9456,9 @@
           <a:lstStyle/>
           <a:p>
             <a:r>
-              <a:rPr lang="en-US" u="sng" dirty="0" smtClean="0"/>
+              <a:rPr lang="en-US" u="sng" dirty="0"/>
               <a:t>Server-side Validation Using @hap/joi</a:t>
             </a:r>
-            <a:endParaRPr lang="en-US" u="sng" dirty="0"/>
           </a:p>
         </p:txBody>
       </p:sp>
@@ -10236,7 +9493,7 @@
           <p:cNvPr id="4" name="Rectangle 3">
             <a:extLst>
               <a:ext uri="{FF2B5EF4-FFF2-40B4-BE49-F238E27FC236}">
-                <a16:creationId xmlns:a16="http://schemas.microsoft.com/office/drawing/2014/main" xmlns="" id="{0C71533A-4A29-47E2-A4D4-85E44356516A}"/>
+                <a16:creationId xmlns:a16="http://schemas.microsoft.com/office/drawing/2014/main" id="{0C71533A-4A29-47E2-A4D4-85E44356516A}"/>
               </a:ext>
             </a:extLst>
           </p:cNvPr>
@@ -10326,7 +9583,7 @@
               <a:buFont typeface="Arial" panose="020B0604020202020204" pitchFamily="34" charset="0"/>
               <a:buChar char="•"/>
             </a:pPr>
-            <a:endParaRPr lang="en-US" dirty="0" smtClean="0"/>
+            <a:endParaRPr lang="en-US" dirty="0"/>
           </a:p>
           <a:p>
             <a:pPr marL="285750" indent="-285750">
@@ -10340,7 +9597,7 @@
               <a:buFont typeface="Arial" panose="020B0604020202020204" pitchFamily="34" charset="0"/>
               <a:buChar char="•"/>
             </a:pPr>
-            <a:endParaRPr lang="en-US" dirty="0" smtClean="0"/>
+            <a:endParaRPr lang="en-US" dirty="0"/>
           </a:p>
           <a:p>
             <a:pPr marL="285750" indent="-285750">
@@ -10348,18 +9605,9 @@
               <a:buChar char="•"/>
             </a:pPr>
             <a:r>
-              <a:rPr lang="en-US" dirty="0" smtClean="0"/>
-              <a:t>The </a:t>
-            </a:r>
-            <a:r>
               <a:rPr lang="en-US" dirty="0"/>
-              <a:t>username must be a string, consist of alpha numeric characters only, and be between 6–16 characters in length. It is also </a:t>
-            </a:r>
-            <a:r>
-              <a:rPr lang="en-US" dirty="0" smtClean="0"/>
-              <a:t>required</a:t>
-            </a:r>
-            <a:endParaRPr lang="en-US" dirty="0"/>
+              <a:t>The username must be a string, consist of alpha numeric characters only, and be between 6–16 characters in length. It is also required</a:t>
+            </a:r>
           </a:p>
           <a:p>
             <a:pPr marL="285750" indent="-285750">
@@ -10367,12 +9615,8 @@
               <a:buChar char="•"/>
             </a:pPr>
             <a:r>
-              <a:rPr lang="en-US" dirty="0" smtClean="0"/>
-              <a:t>The password must be alphanumeric</a:t>
-            </a:r>
-            <a:r>
               <a:rPr lang="en-US" dirty="0"/>
-              <a:t>, between 6 and 16 characters, and therefore required.</a:t>
+              <a:t>The password must be alphanumeric, between 6 and 16 characters, and therefore required.</a:t>
             </a:r>
           </a:p>
         </p:txBody>
@@ -10387,13 +9631,6 @@
   <p:clrMapOvr>
     <a:masterClrMapping/>
   </p:clrMapOvr>
-  <p:timing>
-    <p:tnLst>
-      <p:par>
-        <p:cTn id="1" dur="indefinite" restart="never" nodeType="tmRoot"/>
-      </p:par>
-    </p:tnLst>
-  </p:timing>
 </p:sld>
 </file>
 
@@ -10419,7 +9656,7 @@
           <p:cNvPr id="2" name="Title 1">
             <a:extLst>
               <a:ext uri="{FF2B5EF4-FFF2-40B4-BE49-F238E27FC236}">
-                <a16:creationId xmlns:a16="http://schemas.microsoft.com/office/drawing/2014/main" xmlns="" id="{BDFAC13C-59B1-436E-B58F-C304E1C705CF}"/>
+                <a16:creationId xmlns:a16="http://schemas.microsoft.com/office/drawing/2014/main" id="{BDFAC13C-59B1-436E-B58F-C304E1C705CF}"/>
               </a:ext>
             </a:extLst>
           </p:cNvPr>
@@ -10443,10 +9680,9 @@
           <a:lstStyle/>
           <a:p>
             <a:r>
-              <a:rPr lang="en-US" u="sng" dirty="0" smtClean="0"/>
+              <a:rPr lang="en-US" u="sng" dirty="0"/>
               <a:t>Deploying a Node.js app with Heroku</a:t>
             </a:r>
-            <a:endParaRPr lang="en-US" u="sng" dirty="0"/>
           </a:p>
         </p:txBody>
       </p:sp>
@@ -10455,7 +9691,7 @@
           <p:cNvPr id="3" name="Content Placeholder 2">
             <a:extLst>
               <a:ext uri="{FF2B5EF4-FFF2-40B4-BE49-F238E27FC236}">
-                <a16:creationId xmlns:a16="http://schemas.microsoft.com/office/drawing/2014/main" xmlns="" id="{844A3DC5-46BF-4BFF-8008-98FD467C4904}"/>
+                <a16:creationId xmlns:a16="http://schemas.microsoft.com/office/drawing/2014/main" id="{844A3DC5-46BF-4BFF-8008-98FD467C4904}"/>
               </a:ext>
             </a:extLst>
           </p:cNvPr>
@@ -10507,11 +9743,7 @@
             </a:pPr>
             <a:r>
               <a:rPr lang="en-US" sz="1800" dirty="0"/>
-              <a:t>A free Heroku </a:t>
-            </a:r>
-            <a:r>
-              <a:rPr lang="en-US" sz="1800" dirty="0" smtClean="0"/>
-              <a:t>account from: </a:t>
+              <a:t>A free Heroku account from: </a:t>
             </a:r>
             <a:r>
               <a:rPr lang="en-US" sz="1800" dirty="0">
@@ -10527,11 +9759,7 @@
             </a:pPr>
             <a:r>
               <a:rPr lang="en-US" sz="1800" dirty="0"/>
-              <a:t>The Heroku CLI </a:t>
-            </a:r>
-            <a:r>
-              <a:rPr lang="en-US" sz="1800" dirty="0" smtClean="0"/>
-              <a:t>installed from: </a:t>
+              <a:t>The Heroku CLI installed from: </a:t>
             </a:r>
             <a:r>
               <a:rPr lang="en-US" sz="1800" dirty="0">
@@ -10548,7 +9776,7 @@
           <p:cNvPr id="4" name="Rectangle 3">
             <a:extLst>
               <a:ext uri="{FF2B5EF4-FFF2-40B4-BE49-F238E27FC236}">
-                <a16:creationId xmlns:a16="http://schemas.microsoft.com/office/drawing/2014/main" xmlns="" id="{0C71533A-4A29-47E2-A4D4-85E44356516A}"/>
+                <a16:creationId xmlns:a16="http://schemas.microsoft.com/office/drawing/2014/main" id="{0C71533A-4A29-47E2-A4D4-85E44356516A}"/>
               </a:ext>
             </a:extLst>
           </p:cNvPr>
@@ -10623,13 +9851,6 @@
   <p:clrMapOvr>
     <a:masterClrMapping/>
   </p:clrMapOvr>
-  <p:timing>
-    <p:tnLst>
-      <p:par>
-        <p:cTn id="1" dur="indefinite" restart="never" nodeType="tmRoot"/>
-      </p:par>
-    </p:tnLst>
-  </p:timing>
 </p:sld>
 </file>
 
@@ -10655,7 +9876,7 @@
           <p:cNvPr id="2" name="Title 1">
             <a:extLst>
               <a:ext uri="{FF2B5EF4-FFF2-40B4-BE49-F238E27FC236}">
-                <a16:creationId xmlns:a16="http://schemas.microsoft.com/office/drawing/2014/main" xmlns="" id="{BDFAC13C-59B1-436E-B58F-C304E1C705CF}"/>
+                <a16:creationId xmlns:a16="http://schemas.microsoft.com/office/drawing/2014/main" id="{BDFAC13C-59B1-436E-B58F-C304E1C705CF}"/>
               </a:ext>
             </a:extLst>
           </p:cNvPr>
@@ -10679,10 +9900,9 @@
           <a:lstStyle/>
           <a:p>
             <a:r>
-              <a:rPr lang="en-US" u="sng" dirty="0" smtClean="0"/>
+              <a:rPr lang="en-US" u="sng" dirty="0"/>
               <a:t>Form Validation</a:t>
             </a:r>
-            <a:endParaRPr lang="en-US" u="sng" dirty="0"/>
           </a:p>
         </p:txBody>
       </p:sp>
@@ -10691,7 +9911,7 @@
           <p:cNvPr id="3" name="Content Placeholder 2">
             <a:extLst>
               <a:ext uri="{FF2B5EF4-FFF2-40B4-BE49-F238E27FC236}">
-                <a16:creationId xmlns:a16="http://schemas.microsoft.com/office/drawing/2014/main" xmlns="" id="{844A3DC5-46BF-4BFF-8008-98FD467C4904}"/>
+                <a16:creationId xmlns:a16="http://schemas.microsoft.com/office/drawing/2014/main" id="{844A3DC5-46BF-4BFF-8008-98FD467C4904}"/>
               </a:ext>
             </a:extLst>
           </p:cNvPr>
@@ -10724,16 +9944,8 @@
               <a:buNone/>
             </a:pPr>
             <a:r>
-              <a:rPr lang="en-US" sz="1800" dirty="0" smtClean="0"/>
-              <a:t>Client </a:t>
-            </a:r>
-            <a:r>
               <a:rPr lang="en-US" sz="1800" dirty="0"/>
-              <a:t>side validation is performed by a web browser, before input is sent to a web </a:t>
-            </a:r>
-            <a:r>
-              <a:rPr lang="en-US" sz="1800" dirty="0" smtClean="0"/>
-              <a:t>server</a:t>
+              <a:t>Client side validation is performed by a web browser, before input is sent to a web server</a:t>
             </a:r>
           </a:p>
           <a:p>
@@ -10741,18 +9953,9 @@
               <a:buNone/>
             </a:pPr>
             <a:r>
-              <a:rPr lang="en-US" sz="1800" dirty="0" smtClean="0"/>
-              <a:t>Server </a:t>
-            </a:r>
-            <a:r>
               <a:rPr lang="en-US" sz="1800" dirty="0"/>
-              <a:t>side validation is performed by a web server, after input has been sent to the </a:t>
-            </a:r>
-            <a:r>
-              <a:rPr lang="en-US" sz="1800" dirty="0" smtClean="0"/>
-              <a:t>server</a:t>
-            </a:r>
-            <a:endParaRPr lang="en-US" sz="1800" dirty="0"/>
+              <a:t>Server side validation is performed by a web server, after input has been sent to the server</a:t>
+            </a:r>
           </a:p>
         </p:txBody>
       </p:sp>
@@ -10761,7 +9964,7 @@
           <p:cNvPr id="4" name="Rectangle 3">
             <a:extLst>
               <a:ext uri="{FF2B5EF4-FFF2-40B4-BE49-F238E27FC236}">
-                <a16:creationId xmlns:a16="http://schemas.microsoft.com/office/drawing/2014/main" xmlns="" id="{0C71533A-4A29-47E2-A4D4-85E44356516A}"/>
+                <a16:creationId xmlns:a16="http://schemas.microsoft.com/office/drawing/2014/main" id="{0C71533A-4A29-47E2-A4D4-85E44356516A}"/>
               </a:ext>
             </a:extLst>
           </p:cNvPr>
@@ -10836,13 +10039,6 @@
   <p:clrMapOvr>
     <a:masterClrMapping/>
   </p:clrMapOvr>
-  <p:timing>
-    <p:tnLst>
-      <p:par>
-        <p:cTn id="1" dur="indefinite" restart="never" nodeType="tmRoot"/>
-      </p:par>
-    </p:tnLst>
-  </p:timing>
 </p:sld>
 </file>
 
@@ -10868,7 +10064,7 @@
           <p:cNvPr id="2" name="Title 1">
             <a:extLst>
               <a:ext uri="{FF2B5EF4-FFF2-40B4-BE49-F238E27FC236}">
-                <a16:creationId xmlns:a16="http://schemas.microsoft.com/office/drawing/2014/main" xmlns="" id="{BDFAC13C-59B1-436E-B58F-C304E1C705CF}"/>
+                <a16:creationId xmlns:a16="http://schemas.microsoft.com/office/drawing/2014/main" id="{BDFAC13C-59B1-436E-B58F-C304E1C705CF}"/>
               </a:ext>
             </a:extLst>
           </p:cNvPr>
@@ -10892,10 +10088,9 @@
           <a:lstStyle/>
           <a:p>
             <a:r>
-              <a:rPr lang="en-US" u="sng" dirty="0" smtClean="0"/>
+              <a:rPr lang="en-US" u="sng" dirty="0"/>
               <a:t>Deploying a Node.js app with Heroku</a:t>
             </a:r>
-            <a:endParaRPr lang="en-US" u="sng" dirty="0"/>
           </a:p>
         </p:txBody>
       </p:sp>
@@ -10904,7 +10099,7 @@
           <p:cNvPr id="3" name="Content Placeholder 2">
             <a:extLst>
               <a:ext uri="{FF2B5EF4-FFF2-40B4-BE49-F238E27FC236}">
-                <a16:creationId xmlns:a16="http://schemas.microsoft.com/office/drawing/2014/main" xmlns="" id="{844A3DC5-46BF-4BFF-8008-98FD467C4904}"/>
+                <a16:creationId xmlns:a16="http://schemas.microsoft.com/office/drawing/2014/main" id="{844A3DC5-46BF-4BFF-8008-98FD467C4904}"/>
               </a:ext>
             </a:extLst>
           </p:cNvPr>
@@ -10938,15 +10133,7 @@
             </a:pPr>
             <a:r>
               <a:rPr lang="en-US" sz="1800" dirty="0"/>
-              <a:t>The package.json file defines the dependencies that should be installed with your application.  Here's an </a:t>
-            </a:r>
-            <a:r>
-              <a:rPr lang="en-US" sz="1800" dirty="0" smtClean="0"/>
-              <a:t>example</a:t>
-            </a:r>
-            <a:r>
-              <a:rPr lang="en-US" sz="1800" dirty="0"/>
-              <a:t>:</a:t>
+              <a:t>The package.json file defines the dependencies that should be installed with your application.  Here's an example:</a:t>
             </a:r>
           </a:p>
         </p:txBody>
@@ -10956,7 +10143,7 @@
           <p:cNvPr id="4" name="Rectangle 3">
             <a:extLst>
               <a:ext uri="{FF2B5EF4-FFF2-40B4-BE49-F238E27FC236}">
-                <a16:creationId xmlns:a16="http://schemas.microsoft.com/office/drawing/2014/main" xmlns="" id="{0C71533A-4A29-47E2-A4D4-85E44356516A}"/>
+                <a16:creationId xmlns:a16="http://schemas.microsoft.com/office/drawing/2014/main" id="{0C71533A-4A29-47E2-A4D4-85E44356516A}"/>
               </a:ext>
             </a:extLst>
           </p:cNvPr>
@@ -11055,13 +10242,6 @@
   <p:clrMapOvr>
     <a:masterClrMapping/>
   </p:clrMapOvr>
-  <p:timing>
-    <p:tnLst>
-      <p:par>
-        <p:cTn id="1" dur="indefinite" restart="never" nodeType="tmRoot"/>
-      </p:par>
-    </p:tnLst>
-  </p:timing>
 </p:sld>
 </file>
 
@@ -11087,7 +10267,7 @@
           <p:cNvPr id="2" name="Title 1">
             <a:extLst>
               <a:ext uri="{FF2B5EF4-FFF2-40B4-BE49-F238E27FC236}">
-                <a16:creationId xmlns:a16="http://schemas.microsoft.com/office/drawing/2014/main" xmlns="" id="{BDFAC13C-59B1-436E-B58F-C304E1C705CF}"/>
+                <a16:creationId xmlns:a16="http://schemas.microsoft.com/office/drawing/2014/main" id="{BDFAC13C-59B1-436E-B58F-C304E1C705CF}"/>
               </a:ext>
             </a:extLst>
           </p:cNvPr>
@@ -11111,10 +10291,9 @@
           <a:lstStyle/>
           <a:p>
             <a:r>
-              <a:rPr lang="en-US" u="sng" dirty="0" smtClean="0"/>
+              <a:rPr lang="en-US" u="sng" dirty="0"/>
               <a:t>Deploying a Node.js app with Heroku</a:t>
             </a:r>
-            <a:endParaRPr lang="en-US" u="sng" dirty="0"/>
           </a:p>
         </p:txBody>
       </p:sp>
@@ -11123,7 +10302,7 @@
           <p:cNvPr id="3" name="Content Placeholder 2">
             <a:extLst>
               <a:ext uri="{FF2B5EF4-FFF2-40B4-BE49-F238E27FC236}">
-                <a16:creationId xmlns:a16="http://schemas.microsoft.com/office/drawing/2014/main" xmlns="" id="{844A3DC5-46BF-4BFF-8008-98FD467C4904}"/>
+                <a16:creationId xmlns:a16="http://schemas.microsoft.com/office/drawing/2014/main" id="{844A3DC5-46BF-4BFF-8008-98FD467C4904}"/>
               </a:ext>
             </a:extLst>
           </p:cNvPr>
@@ -11157,11 +10336,7 @@
             </a:pPr>
             <a:r>
               <a:rPr lang="en-US" sz="1800" dirty="0"/>
-              <a:t>The version of Node.js that will be used to run your application on Heroku, should also be defined in your package.json file. You should always specify a Node.js version that matches the runtime you’re developing and testing with. To find your version type node </a:t>
-            </a:r>
-            <a:r>
-              <a:rPr lang="en-US" sz="1800" dirty="0" smtClean="0"/>
-              <a:t>–version</a:t>
+              <a:t>The version of Node.js that will be used to run your application on Heroku, should also be defined in your package.json file. You should always specify a Node.js version that matches the runtime you’re developing and testing with. To find your version type node –version</a:t>
             </a:r>
           </a:p>
           <a:p>
@@ -11177,7 +10352,7 @@
           <p:cNvPr id="4" name="Rectangle 3">
             <a:extLst>
               <a:ext uri="{FF2B5EF4-FFF2-40B4-BE49-F238E27FC236}">
-                <a16:creationId xmlns:a16="http://schemas.microsoft.com/office/drawing/2014/main" xmlns="" id="{0C71533A-4A29-47E2-A4D4-85E44356516A}"/>
+                <a16:creationId xmlns:a16="http://schemas.microsoft.com/office/drawing/2014/main" id="{0C71533A-4A29-47E2-A4D4-85E44356516A}"/>
               </a:ext>
             </a:extLst>
           </p:cNvPr>
@@ -11276,13 +10451,6 @@
   <p:clrMapOvr>
     <a:masterClrMapping/>
   </p:clrMapOvr>
-  <p:timing>
-    <p:tnLst>
-      <p:par>
-        <p:cTn id="1" dur="indefinite" restart="never" nodeType="tmRoot"/>
-      </p:par>
-    </p:tnLst>
-  </p:timing>
 </p:sld>
 </file>
 
@@ -11308,7 +10476,7 @@
           <p:cNvPr id="2" name="Title 1">
             <a:extLst>
               <a:ext uri="{FF2B5EF4-FFF2-40B4-BE49-F238E27FC236}">
-                <a16:creationId xmlns:a16="http://schemas.microsoft.com/office/drawing/2014/main" xmlns="" id="{BDFAC13C-59B1-436E-B58F-C304E1C705CF}"/>
+                <a16:creationId xmlns:a16="http://schemas.microsoft.com/office/drawing/2014/main" id="{BDFAC13C-59B1-436E-B58F-C304E1C705CF}"/>
               </a:ext>
             </a:extLst>
           </p:cNvPr>
@@ -11332,10 +10500,9 @@
           <a:lstStyle/>
           <a:p>
             <a:r>
-              <a:rPr lang="en-US" u="sng" dirty="0" smtClean="0"/>
+              <a:rPr lang="en-US" u="sng" dirty="0"/>
               <a:t>Deploying a Node.js app with Heroku</a:t>
             </a:r>
-            <a:endParaRPr lang="en-US" u="sng" dirty="0"/>
           </a:p>
         </p:txBody>
       </p:sp>
@@ -11344,7 +10511,7 @@
           <p:cNvPr id="3" name="Content Placeholder 2">
             <a:extLst>
               <a:ext uri="{FF2B5EF4-FFF2-40B4-BE49-F238E27FC236}">
-                <a16:creationId xmlns:a16="http://schemas.microsoft.com/office/drawing/2014/main" xmlns="" id="{844A3DC5-46BF-4BFF-8008-98FD467C4904}"/>
+                <a16:creationId xmlns:a16="http://schemas.microsoft.com/office/drawing/2014/main" id="{844A3DC5-46BF-4BFF-8008-98FD467C4904}"/>
               </a:ext>
             </a:extLst>
           </p:cNvPr>
@@ -11368,7 +10535,7 @@
           <a:lstStyle/>
           <a:p>
             <a:r>
-              <a:rPr lang="en-US" sz="1800" b="1" dirty="0" smtClean="0"/>
+              <a:rPr lang="en-US" sz="1800" b="1" dirty="0"/>
               <a:t>Specifying a start script</a:t>
             </a:r>
           </a:p>
@@ -11377,12 +10544,8 @@
               <a:buNone/>
             </a:pPr>
             <a:r>
-              <a:rPr lang="en-US" sz="1800" dirty="0" smtClean="0"/>
-              <a:t>To </a:t>
-            </a:r>
-            <a:r>
               <a:rPr lang="en-US" sz="1800" dirty="0"/>
-              <a:t>determine how to start your app, Heroku first looks for a Procfile. If no Procfile exists for the Node.js app, Heroku will attempt to start a default web process via the start script in the package.json file</a:t>
+              <a:t>To determine how to start your app, Heroku first looks for a Procfile. If no Procfile exists for the Node.js app, Heroku will attempt to start a default web process via the start script in the package.json file</a:t>
             </a:r>
           </a:p>
           <a:p>
@@ -11401,7 +10564,7 @@
           <p:cNvPr id="4" name="Rectangle 3">
             <a:extLst>
               <a:ext uri="{FF2B5EF4-FFF2-40B4-BE49-F238E27FC236}">
-                <a16:creationId xmlns:a16="http://schemas.microsoft.com/office/drawing/2014/main" xmlns="" id="{0C71533A-4A29-47E2-A4D4-85E44356516A}"/>
+                <a16:creationId xmlns:a16="http://schemas.microsoft.com/office/drawing/2014/main" id="{0C71533A-4A29-47E2-A4D4-85E44356516A}"/>
               </a:ext>
             </a:extLst>
           </p:cNvPr>
@@ -11476,13 +10639,6 @@
   <p:clrMapOvr>
     <a:masterClrMapping/>
   </p:clrMapOvr>
-  <p:timing>
-    <p:tnLst>
-      <p:par>
-        <p:cTn id="1" dur="indefinite" restart="never" nodeType="tmRoot"/>
-      </p:par>
-    </p:tnLst>
-  </p:timing>
 </p:sld>
 </file>
 
@@ -11508,7 +10664,7 @@
           <p:cNvPr id="2" name="Title 1">
             <a:extLst>
               <a:ext uri="{FF2B5EF4-FFF2-40B4-BE49-F238E27FC236}">
-                <a16:creationId xmlns:a16="http://schemas.microsoft.com/office/drawing/2014/main" xmlns="" id="{BDFAC13C-59B1-436E-B58F-C304E1C705CF}"/>
+                <a16:creationId xmlns:a16="http://schemas.microsoft.com/office/drawing/2014/main" id="{BDFAC13C-59B1-436E-B58F-C304E1C705CF}"/>
               </a:ext>
             </a:extLst>
           </p:cNvPr>
@@ -11532,10 +10688,9 @@
           <a:lstStyle/>
           <a:p>
             <a:r>
-              <a:rPr lang="en-US" u="sng" dirty="0" smtClean="0"/>
+              <a:rPr lang="en-US" u="sng" dirty="0"/>
               <a:t>Deploying a Node.js app with Heroku</a:t>
             </a:r>
-            <a:endParaRPr lang="en-US" u="sng" dirty="0"/>
           </a:p>
         </p:txBody>
       </p:sp>
@@ -11544,7 +10699,7 @@
           <p:cNvPr id="3" name="Content Placeholder 2">
             <a:extLst>
               <a:ext uri="{FF2B5EF4-FFF2-40B4-BE49-F238E27FC236}">
-                <a16:creationId xmlns:a16="http://schemas.microsoft.com/office/drawing/2014/main" xmlns="" id="{844A3DC5-46BF-4BFF-8008-98FD467C4904}"/>
+                <a16:creationId xmlns:a16="http://schemas.microsoft.com/office/drawing/2014/main" id="{844A3DC5-46BF-4BFF-8008-98FD467C4904}"/>
               </a:ext>
             </a:extLst>
           </p:cNvPr>
@@ -11568,7 +10723,7 @@
           <a:lstStyle/>
           <a:p>
             <a:r>
-              <a:rPr lang="en-US" sz="1800" b="1" dirty="0" smtClean="0"/>
+              <a:rPr lang="en-US" sz="1800" b="1" dirty="0"/>
               <a:t>Build and run locally</a:t>
             </a:r>
           </a:p>
@@ -11578,11 +10733,7 @@
             </a:pPr>
             <a:r>
               <a:rPr lang="en-US" sz="1800" dirty="0"/>
-              <a:t>Run the npm install command in your local app directory to install the dependencies that you declared in your package.json </a:t>
-            </a:r>
-            <a:r>
-              <a:rPr lang="en-US" sz="1800" dirty="0" smtClean="0"/>
-              <a:t>file</a:t>
+              <a:t>Run the npm install command in your local app directory to install the dependencies that you declared in your package.json file</a:t>
             </a:r>
           </a:p>
           <a:p>
@@ -11598,7 +10749,7 @@
           <p:cNvPr id="4" name="Rectangle 3">
             <a:extLst>
               <a:ext uri="{FF2B5EF4-FFF2-40B4-BE49-F238E27FC236}">
-                <a16:creationId xmlns:a16="http://schemas.microsoft.com/office/drawing/2014/main" xmlns="" id="{0C71533A-4A29-47E2-A4D4-85E44356516A}"/>
+                <a16:creationId xmlns:a16="http://schemas.microsoft.com/office/drawing/2014/main" id="{0C71533A-4A29-47E2-A4D4-85E44356516A}"/>
               </a:ext>
             </a:extLst>
           </p:cNvPr>
@@ -11697,13 +10848,6 @@
   <p:clrMapOvr>
     <a:masterClrMapping/>
   </p:clrMapOvr>
-  <p:timing>
-    <p:tnLst>
-      <p:par>
-        <p:cTn id="1" dur="indefinite" restart="never" nodeType="tmRoot"/>
-      </p:par>
-    </p:tnLst>
-  </p:timing>
 </p:sld>
 </file>
 
@@ -11729,7 +10873,7 @@
           <p:cNvPr id="2" name="Title 1">
             <a:extLst>
               <a:ext uri="{FF2B5EF4-FFF2-40B4-BE49-F238E27FC236}">
-                <a16:creationId xmlns:a16="http://schemas.microsoft.com/office/drawing/2014/main" xmlns="" id="{BDFAC13C-59B1-436E-B58F-C304E1C705CF}"/>
+                <a16:creationId xmlns:a16="http://schemas.microsoft.com/office/drawing/2014/main" id="{BDFAC13C-59B1-436E-B58F-C304E1C705CF}"/>
               </a:ext>
             </a:extLst>
           </p:cNvPr>
@@ -11753,10 +10897,9 @@
           <a:lstStyle/>
           <a:p>
             <a:r>
-              <a:rPr lang="en-US" u="sng" dirty="0" smtClean="0"/>
+              <a:rPr lang="en-US" u="sng" dirty="0"/>
               <a:t>Deploying a Node.js app with Heroku</a:t>
             </a:r>
-            <a:endParaRPr lang="en-US" u="sng" dirty="0"/>
           </a:p>
         </p:txBody>
       </p:sp>
@@ -11765,7 +10908,7 @@
           <p:cNvPr id="3" name="Content Placeholder 2">
             <a:extLst>
               <a:ext uri="{FF2B5EF4-FFF2-40B4-BE49-F238E27FC236}">
-                <a16:creationId xmlns:a16="http://schemas.microsoft.com/office/drawing/2014/main" xmlns="" id="{844A3DC5-46BF-4BFF-8008-98FD467C4904}"/>
+                <a16:creationId xmlns:a16="http://schemas.microsoft.com/office/drawing/2014/main" id="{844A3DC5-46BF-4BFF-8008-98FD467C4904}"/>
               </a:ext>
             </a:extLst>
           </p:cNvPr>
@@ -11789,7 +10932,7 @@
           <a:lstStyle/>
           <a:p>
             <a:r>
-              <a:rPr lang="en-US" sz="1800" b="1" dirty="0" smtClean="0"/>
+              <a:rPr lang="en-US" sz="1800" b="1" dirty="0"/>
               <a:t>Build and run locally</a:t>
             </a:r>
           </a:p>
@@ -11806,7 +10949,7 @@
             <a:pPr marL="174625" indent="0">
               <a:buNone/>
             </a:pPr>
-            <a:endParaRPr lang="en-US" sz="1800" dirty="0" smtClean="0"/>
+            <a:endParaRPr lang="en-US" sz="1800" dirty="0"/>
           </a:p>
           <a:p>
             <a:pPr marL="174625" indent="0">
@@ -11821,7 +10964,7 @@
           <p:cNvPr id="4" name="Rectangle 3">
             <a:extLst>
               <a:ext uri="{FF2B5EF4-FFF2-40B4-BE49-F238E27FC236}">
-                <a16:creationId xmlns:a16="http://schemas.microsoft.com/office/drawing/2014/main" xmlns="" id="{0C71533A-4A29-47E2-A4D4-85E44356516A}"/>
+                <a16:creationId xmlns:a16="http://schemas.microsoft.com/office/drawing/2014/main" id="{0C71533A-4A29-47E2-A4D4-85E44356516A}"/>
               </a:ext>
             </a:extLst>
           </p:cNvPr>
@@ -11920,13 +11063,6 @@
   <p:clrMapOvr>
     <a:masterClrMapping/>
   </p:clrMapOvr>
-  <p:timing>
-    <p:tnLst>
-      <p:par>
-        <p:cTn id="1" dur="indefinite" restart="never" nodeType="tmRoot"/>
-      </p:par>
-    </p:tnLst>
-  </p:timing>
 </p:sld>
 </file>
 
@@ -11952,7 +11088,7 @@
           <p:cNvPr id="2" name="Title 1">
             <a:extLst>
               <a:ext uri="{FF2B5EF4-FFF2-40B4-BE49-F238E27FC236}">
-                <a16:creationId xmlns:a16="http://schemas.microsoft.com/office/drawing/2014/main" xmlns="" id="{BDFAC13C-59B1-436E-B58F-C304E1C705CF}"/>
+                <a16:creationId xmlns:a16="http://schemas.microsoft.com/office/drawing/2014/main" id="{BDFAC13C-59B1-436E-B58F-C304E1C705CF}"/>
               </a:ext>
             </a:extLst>
           </p:cNvPr>
@@ -11976,10 +11112,9 @@
           <a:lstStyle/>
           <a:p>
             <a:r>
-              <a:rPr lang="en-US" u="sng" dirty="0" smtClean="0"/>
+              <a:rPr lang="en-US" u="sng" dirty="0"/>
               <a:t>Deploying a Node.js app with Heroku</a:t>
             </a:r>
-            <a:endParaRPr lang="en-US" u="sng" dirty="0"/>
           </a:p>
         </p:txBody>
       </p:sp>
@@ -11988,7 +11123,7 @@
           <p:cNvPr id="3" name="Content Placeholder 2">
             <a:extLst>
               <a:ext uri="{FF2B5EF4-FFF2-40B4-BE49-F238E27FC236}">
-                <a16:creationId xmlns:a16="http://schemas.microsoft.com/office/drawing/2014/main" xmlns="" id="{844A3DC5-46BF-4BFF-8008-98FD467C4904}"/>
+                <a16:creationId xmlns:a16="http://schemas.microsoft.com/office/drawing/2014/main" id="{844A3DC5-46BF-4BFF-8008-98FD467C4904}"/>
               </a:ext>
             </a:extLst>
           </p:cNvPr>
@@ -12012,16 +11147,8 @@
           <a:lstStyle/>
           <a:p>
             <a:r>
-              <a:rPr lang="en-US" sz="1800" b="1" dirty="0" smtClean="0"/>
-              <a:t>Keep </a:t>
-            </a:r>
-            <a:r>
               <a:rPr lang="en-US" sz="1800" b="1" dirty="0"/>
-              <a:t>build artifacts out of </a:t>
-            </a:r>
-            <a:r>
-              <a:rPr lang="en-US" sz="1800" b="1" dirty="0" smtClean="0"/>
-              <a:t>git</a:t>
+              <a:t>Keep build artifacts out of git</a:t>
             </a:r>
           </a:p>
           <a:p>
@@ -12037,7 +11164,7 @@
           <p:cNvPr id="4" name="Rectangle 3">
             <a:extLst>
               <a:ext uri="{FF2B5EF4-FFF2-40B4-BE49-F238E27FC236}">
-                <a16:creationId xmlns:a16="http://schemas.microsoft.com/office/drawing/2014/main" xmlns="" id="{0C71533A-4A29-47E2-A4D4-85E44356516A}"/>
+                <a16:creationId xmlns:a16="http://schemas.microsoft.com/office/drawing/2014/main" id="{0C71533A-4A29-47E2-A4D4-85E44356516A}"/>
               </a:ext>
             </a:extLst>
           </p:cNvPr>
@@ -12141,13 +11268,6 @@
   <p:clrMapOvr>
     <a:masterClrMapping/>
   </p:clrMapOvr>
-  <p:timing>
-    <p:tnLst>
-      <p:par>
-        <p:cTn id="1" dur="indefinite" restart="never" nodeType="tmRoot"/>
-      </p:par>
-    </p:tnLst>
-  </p:timing>
 </p:sld>
 </file>
 
@@ -12173,7 +11293,7 @@
           <p:cNvPr id="2" name="Title 1">
             <a:extLst>
               <a:ext uri="{FF2B5EF4-FFF2-40B4-BE49-F238E27FC236}">
-                <a16:creationId xmlns:a16="http://schemas.microsoft.com/office/drawing/2014/main" xmlns="" id="{BDFAC13C-59B1-436E-B58F-C304E1C705CF}"/>
+                <a16:creationId xmlns:a16="http://schemas.microsoft.com/office/drawing/2014/main" id="{BDFAC13C-59B1-436E-B58F-C304E1C705CF}"/>
               </a:ext>
             </a:extLst>
           </p:cNvPr>
@@ -12197,10 +11317,9 @@
           <a:lstStyle/>
           <a:p>
             <a:r>
-              <a:rPr lang="en-US" u="sng" dirty="0" smtClean="0"/>
+              <a:rPr lang="en-US" u="sng" dirty="0"/>
               <a:t>Deploying a Node.js app with Heroku</a:t>
             </a:r>
-            <a:endParaRPr lang="en-US" u="sng" dirty="0"/>
           </a:p>
         </p:txBody>
       </p:sp>
@@ -12209,7 +11328,7 @@
           <p:cNvPr id="3" name="Content Placeholder 2">
             <a:extLst>
               <a:ext uri="{FF2B5EF4-FFF2-40B4-BE49-F238E27FC236}">
-                <a16:creationId xmlns:a16="http://schemas.microsoft.com/office/drawing/2014/main" xmlns="" id="{844A3DC5-46BF-4BFF-8008-98FD467C4904}"/>
+                <a16:creationId xmlns:a16="http://schemas.microsoft.com/office/drawing/2014/main" id="{844A3DC5-46BF-4BFF-8008-98FD467C4904}"/>
               </a:ext>
             </a:extLst>
           </p:cNvPr>
@@ -12233,16 +11352,8 @@
           <a:lstStyle/>
           <a:p>
             <a:r>
-              <a:rPr lang="en-US" sz="1800" b="1" dirty="0" smtClean="0"/>
-              <a:t>Keep </a:t>
-            </a:r>
-            <a:r>
               <a:rPr lang="en-US" sz="1800" b="1" dirty="0"/>
-              <a:t>build artifacts out of </a:t>
-            </a:r>
-            <a:r>
-              <a:rPr lang="en-US" sz="1800" b="1" dirty="0" smtClean="0"/>
-              <a:t>git</a:t>
+              <a:t>Keep build artifacts out of git</a:t>
             </a:r>
           </a:p>
           <a:p>
@@ -12261,18 +11372,14 @@
             </a:r>
             <a:r>
               <a:rPr lang="en-US" sz="1800" dirty="0"/>
-              <a:t> file that looks something like this</a:t>
-            </a:r>
-            <a:r>
-              <a:rPr lang="en-US" sz="1800" dirty="0" smtClean="0"/>
-              <a:t>:</a:t>
+              <a:t> file that looks something like this:</a:t>
             </a:r>
           </a:p>
           <a:p>
             <a:pPr marL="228600" indent="0">
               <a:buNone/>
             </a:pPr>
-            <a:endParaRPr lang="en-US" sz="1800" b="1" dirty="0" smtClean="0"/>
+            <a:endParaRPr lang="en-US" sz="1800" b="1" dirty="0"/>
           </a:p>
           <a:p>
             <a:pPr marL="174625" indent="0">
@@ -12287,7 +11394,7 @@
           <p:cNvPr id="4" name="Rectangle 3">
             <a:extLst>
               <a:ext uri="{FF2B5EF4-FFF2-40B4-BE49-F238E27FC236}">
-                <a16:creationId xmlns:a16="http://schemas.microsoft.com/office/drawing/2014/main" xmlns="" id="{0C71533A-4A29-47E2-A4D4-85E44356516A}"/>
+                <a16:creationId xmlns:a16="http://schemas.microsoft.com/office/drawing/2014/main" id="{0C71533A-4A29-47E2-A4D4-85E44356516A}"/>
               </a:ext>
             </a:extLst>
           </p:cNvPr>
@@ -12386,13 +11493,6 @@
   <p:clrMapOvr>
     <a:masterClrMapping/>
   </p:clrMapOvr>
-  <p:timing>
-    <p:tnLst>
-      <p:par>
-        <p:cTn id="1" dur="indefinite" restart="never" nodeType="tmRoot"/>
-      </p:par>
-    </p:tnLst>
-  </p:timing>
 </p:sld>
 </file>
 
@@ -12418,7 +11518,7 @@
           <p:cNvPr id="2" name="Title 1">
             <a:extLst>
               <a:ext uri="{FF2B5EF4-FFF2-40B4-BE49-F238E27FC236}">
-                <a16:creationId xmlns:a16="http://schemas.microsoft.com/office/drawing/2014/main" xmlns="" id="{BDFAC13C-59B1-436E-B58F-C304E1C705CF}"/>
+                <a16:creationId xmlns:a16="http://schemas.microsoft.com/office/drawing/2014/main" id="{BDFAC13C-59B1-436E-B58F-C304E1C705CF}"/>
               </a:ext>
             </a:extLst>
           </p:cNvPr>
@@ -12442,10 +11542,9 @@
           <a:lstStyle/>
           <a:p>
             <a:r>
-              <a:rPr lang="en-US" u="sng" dirty="0" smtClean="0"/>
+              <a:rPr lang="en-US" u="sng" dirty="0"/>
               <a:t>Deploying a Node.js app with Heroku</a:t>
             </a:r>
-            <a:endParaRPr lang="en-US" u="sng" dirty="0"/>
           </a:p>
         </p:txBody>
       </p:sp>
@@ -12454,7 +11553,7 @@
           <p:cNvPr id="3" name="Content Placeholder 2">
             <a:extLst>
               <a:ext uri="{FF2B5EF4-FFF2-40B4-BE49-F238E27FC236}">
-                <a16:creationId xmlns:a16="http://schemas.microsoft.com/office/drawing/2014/main" xmlns="" id="{844A3DC5-46BF-4BFF-8008-98FD467C4904}"/>
+                <a16:creationId xmlns:a16="http://schemas.microsoft.com/office/drawing/2014/main" id="{844A3DC5-46BF-4BFF-8008-98FD467C4904}"/>
               </a:ext>
             </a:extLst>
           </p:cNvPr>
@@ -12478,24 +11577,16 @@
           <a:lstStyle/>
           <a:p>
             <a:r>
-              <a:rPr lang="en-US" sz="1800" b="1" dirty="0" smtClean="0"/>
-              <a:t>Deploy </a:t>
-            </a:r>
-            <a:r>
               <a:rPr lang="en-US" sz="1800" b="1" dirty="0"/>
-              <a:t>your application to </a:t>
-            </a:r>
-            <a:r>
-              <a:rPr lang="en-US" sz="1800" b="1" dirty="0" smtClean="0"/>
-              <a:t>Heroku</a:t>
-            </a:r>
-            <a:endParaRPr lang="en-US" sz="1800" dirty="0" smtClean="0"/>
+              <a:t>Deploy your application to Heroku</a:t>
+            </a:r>
+            <a:endParaRPr lang="en-US" sz="1800" dirty="0"/>
           </a:p>
           <a:p>
             <a:pPr marL="228600" indent="0">
               <a:buNone/>
             </a:pPr>
-            <a:endParaRPr lang="en-US" sz="1800" b="1" dirty="0" smtClean="0"/>
+            <a:endParaRPr lang="en-US" sz="1800" b="1" dirty="0"/>
           </a:p>
         </p:txBody>
       </p:sp>
@@ -12504,7 +11595,7 @@
           <p:cNvPr id="4" name="Rectangle 3">
             <a:extLst>
               <a:ext uri="{FF2B5EF4-FFF2-40B4-BE49-F238E27FC236}">
-                <a16:creationId xmlns:a16="http://schemas.microsoft.com/office/drawing/2014/main" xmlns="" id="{0C71533A-4A29-47E2-A4D4-85E44356516A}"/>
+                <a16:creationId xmlns:a16="http://schemas.microsoft.com/office/drawing/2014/main" id="{0C71533A-4A29-47E2-A4D4-85E44356516A}"/>
               </a:ext>
             </a:extLst>
           </p:cNvPr>
@@ -12603,13 +11694,6 @@
   <p:clrMapOvr>
     <a:masterClrMapping/>
   </p:clrMapOvr>
-  <p:timing>
-    <p:tnLst>
-      <p:par>
-        <p:cTn id="1" dur="indefinite" restart="never" nodeType="tmRoot"/>
-      </p:par>
-    </p:tnLst>
-  </p:timing>
 </p:sld>
 </file>
 
@@ -12635,7 +11719,7 @@
           <p:cNvPr id="2" name="Title 1">
             <a:extLst>
               <a:ext uri="{FF2B5EF4-FFF2-40B4-BE49-F238E27FC236}">
-                <a16:creationId xmlns:a16="http://schemas.microsoft.com/office/drawing/2014/main" xmlns="" id="{BDFAC13C-59B1-436E-B58F-C304E1C705CF}"/>
+                <a16:creationId xmlns:a16="http://schemas.microsoft.com/office/drawing/2014/main" id="{BDFAC13C-59B1-436E-B58F-C304E1C705CF}"/>
               </a:ext>
             </a:extLst>
           </p:cNvPr>
@@ -12660,13 +11744,8 @@
           <a:p>
             <a:r>
               <a:rPr lang="en-US" u="sng" dirty="0"/>
-              <a:t>What We've </a:t>
-            </a:r>
-            <a:r>
-              <a:rPr lang="en-US" u="sng" dirty="0" smtClean="0"/>
-              <a:t>Covered</a:t>
-            </a:r>
-            <a:endParaRPr lang="en-US" u="sng" dirty="0"/>
+              <a:t>What We've Covered</a:t>
+            </a:r>
           </a:p>
         </p:txBody>
       </p:sp>
@@ -12675,7 +11754,7 @@
           <p:cNvPr id="3" name="Content Placeholder 2">
             <a:extLst>
               <a:ext uri="{FF2B5EF4-FFF2-40B4-BE49-F238E27FC236}">
-                <a16:creationId xmlns:a16="http://schemas.microsoft.com/office/drawing/2014/main" xmlns="" id="{844A3DC5-46BF-4BFF-8008-98FD467C4904}"/>
+                <a16:creationId xmlns:a16="http://schemas.microsoft.com/office/drawing/2014/main" id="{844A3DC5-46BF-4BFF-8008-98FD467C4904}"/>
               </a:ext>
             </a:extLst>
           </p:cNvPr>
@@ -12699,62 +11778,38 @@
           <a:lstStyle/>
           <a:p>
             <a:r>
-              <a:rPr lang="en-US" sz="1800" dirty="0" smtClean="0"/>
-              <a:t>Client-side </a:t>
-            </a:r>
-            <a:r>
               <a:rPr lang="en-US" sz="1800" dirty="0"/>
-              <a:t>form validation using HTML</a:t>
-            </a:r>
-          </a:p>
-          <a:p>
-            <a:r>
-              <a:rPr lang="en-US" sz="1800" dirty="0" smtClean="0"/>
-              <a:t>Client-side </a:t>
-            </a:r>
+              <a:t>Client-side form validation using HTML</a:t>
+            </a:r>
+          </a:p>
+          <a:p>
             <a:r>
               <a:rPr lang="en-US" sz="1800" dirty="0"/>
-              <a:t>form validation using JavaScript</a:t>
-            </a:r>
-          </a:p>
-          <a:p>
-            <a:r>
-              <a:rPr lang="en-US" sz="1800" dirty="0" smtClean="0"/>
-              <a:t>Client-side </a:t>
-            </a:r>
+              <a:t>Client-side form validation using JavaScript</a:t>
+            </a:r>
+          </a:p>
+          <a:p>
             <a:r>
               <a:rPr lang="en-US" sz="1800" dirty="0"/>
-              <a:t>form validation using jQuery</a:t>
-            </a:r>
-          </a:p>
-          <a:p>
-            <a:r>
-              <a:rPr lang="en-US" sz="1800" dirty="0" smtClean="0"/>
-              <a:t>Client-side </a:t>
-            </a:r>
+              <a:t>Client-side form validation using jQuery</a:t>
+            </a:r>
+          </a:p>
+          <a:p>
             <a:r>
               <a:rPr lang="en-US" sz="1800" dirty="0"/>
-              <a:t>form validation using Bootstrap</a:t>
-            </a:r>
-          </a:p>
-          <a:p>
-            <a:r>
-              <a:rPr lang="en-US" sz="1800" dirty="0" smtClean="0"/>
-              <a:t>Server-side </a:t>
-            </a:r>
+              <a:t>Client-side form validation using Bootstrap</a:t>
+            </a:r>
+          </a:p>
+          <a:p>
             <a:r>
               <a:rPr lang="en-US" sz="1800" dirty="0"/>
-              <a:t>form validation Using @hap/joi</a:t>
-            </a:r>
-          </a:p>
-          <a:p>
-            <a:r>
-              <a:rPr lang="en-US" sz="1800" dirty="0" smtClean="0"/>
-              <a:t>Deploying </a:t>
-            </a:r>
+              <a:t>Server-side form validation Using @hap/joi</a:t>
+            </a:r>
+          </a:p>
+          <a:p>
             <a:r>
               <a:rPr lang="en-US" sz="1800" dirty="0"/>
-              <a:t>a Node.js application using Heroku</a:t>
+              <a:t>Deploying a Node.js application using Heroku</a:t>
             </a:r>
           </a:p>
           <a:p>
@@ -12798,13 +11853,6 @@
   <p:clrMapOvr>
     <a:masterClrMapping/>
   </p:clrMapOvr>
-  <p:timing>
-    <p:tnLst>
-      <p:par>
-        <p:cTn id="1" dur="indefinite" restart="never" nodeType="tmRoot"/>
-      </p:par>
-    </p:tnLst>
-  </p:timing>
 </p:sld>
 </file>
 
@@ -12830,7 +11878,7 @@
           <p:cNvPr id="2" name="Title 1">
             <a:extLst>
               <a:ext uri="{FF2B5EF4-FFF2-40B4-BE49-F238E27FC236}">
-                <a16:creationId xmlns:a16="http://schemas.microsoft.com/office/drawing/2014/main" xmlns="" id="{BDFAC13C-59B1-436E-B58F-C304E1C705CF}"/>
+                <a16:creationId xmlns:a16="http://schemas.microsoft.com/office/drawing/2014/main" id="{BDFAC13C-59B1-436E-B58F-C304E1C705CF}"/>
               </a:ext>
             </a:extLst>
           </p:cNvPr>
@@ -12854,10 +11902,9 @@
           <a:lstStyle/>
           <a:p>
             <a:r>
-              <a:rPr lang="en-US" u="sng" dirty="0" smtClean="0"/>
+              <a:rPr lang="en-US" u="sng" dirty="0"/>
               <a:t>HTML Form Validation</a:t>
             </a:r>
-            <a:endParaRPr lang="en-US" u="sng" dirty="0"/>
           </a:p>
         </p:txBody>
       </p:sp>
@@ -12866,7 +11913,7 @@
           <p:cNvPr id="3" name="Content Placeholder 2">
             <a:extLst>
               <a:ext uri="{FF2B5EF4-FFF2-40B4-BE49-F238E27FC236}">
-                <a16:creationId xmlns:a16="http://schemas.microsoft.com/office/drawing/2014/main" xmlns="" id="{844A3DC5-46BF-4BFF-8008-98FD467C4904}"/>
+                <a16:creationId xmlns:a16="http://schemas.microsoft.com/office/drawing/2014/main" id="{844A3DC5-46BF-4BFF-8008-98FD467C4904}"/>
               </a:ext>
             </a:extLst>
           </p:cNvPr>
@@ -12899,12 +11946,8 @@
               <a:buNone/>
             </a:pPr>
             <a:r>
-              <a:rPr lang="en-US" sz="1800" dirty="0" smtClean="0"/>
-              <a:t>Constraint </a:t>
-            </a:r>
-            <a:r>
               <a:rPr lang="en-US" sz="1800" dirty="0"/>
-              <a:t>validation HTML Input Attributes</a:t>
+              <a:t>Constraint validation HTML Input Attributes</a:t>
             </a:r>
           </a:p>
           <a:p>
@@ -12941,7 +11984,7 @@
           <p:cNvPr id="4" name="Rectangle 3">
             <a:extLst>
               <a:ext uri="{FF2B5EF4-FFF2-40B4-BE49-F238E27FC236}">
-                <a16:creationId xmlns:a16="http://schemas.microsoft.com/office/drawing/2014/main" xmlns="" id="{0C71533A-4A29-47E2-A4D4-85E44356516A}"/>
+                <a16:creationId xmlns:a16="http://schemas.microsoft.com/office/drawing/2014/main" id="{0C71533A-4A29-47E2-A4D4-85E44356516A}"/>
               </a:ext>
             </a:extLst>
           </p:cNvPr>
@@ -13016,13 +12059,6 @@
   <p:clrMapOvr>
     <a:masterClrMapping/>
   </p:clrMapOvr>
-  <p:timing>
-    <p:tnLst>
-      <p:par>
-        <p:cTn id="1" dur="indefinite" restart="never" nodeType="tmRoot"/>
-      </p:par>
-    </p:tnLst>
-  </p:timing>
 </p:sld>
 </file>
 
@@ -13048,7 +12084,7 @@
           <p:cNvPr id="2" name="Title 1">
             <a:extLst>
               <a:ext uri="{FF2B5EF4-FFF2-40B4-BE49-F238E27FC236}">
-                <a16:creationId xmlns:a16="http://schemas.microsoft.com/office/drawing/2014/main" xmlns="" id="{BDFAC13C-59B1-436E-B58F-C304E1C705CF}"/>
+                <a16:creationId xmlns:a16="http://schemas.microsoft.com/office/drawing/2014/main" id="{BDFAC13C-59B1-436E-B58F-C304E1C705CF}"/>
               </a:ext>
             </a:extLst>
           </p:cNvPr>
@@ -13072,11 +12108,11 @@
           <a:lstStyle/>
           <a:p>
             <a:r>
-              <a:rPr lang="en-US" u="sng" dirty="0" smtClean="0"/>
+              <a:rPr lang="en-US" u="sng" dirty="0"/>
               <a:t>HTML Form Validation</a:t>
             </a:r>
             <a:r>
-              <a:rPr lang="en-US" sz="2000" u="sng" dirty="0" smtClean="0"/>
+              <a:rPr lang="en-US" sz="2000" u="sng" dirty="0"/>
               <a:t> (common attributes)</a:t>
             </a:r>
             <a:endParaRPr lang="en-US" u="sng" dirty="0"/>
@@ -13088,7 +12124,7 @@
           <p:cNvPr id="3" name="Content Placeholder 2">
             <a:extLst>
               <a:ext uri="{FF2B5EF4-FFF2-40B4-BE49-F238E27FC236}">
-                <a16:creationId xmlns:a16="http://schemas.microsoft.com/office/drawing/2014/main" xmlns="" id="{844A3DC5-46BF-4BFF-8008-98FD467C4904}"/>
+                <a16:creationId xmlns:a16="http://schemas.microsoft.com/office/drawing/2014/main" id="{844A3DC5-46BF-4BFF-8008-98FD467C4904}"/>
               </a:ext>
             </a:extLst>
           </p:cNvPr>
@@ -13113,13 +12149,8 @@
           <a:p>
             <a:r>
               <a:rPr lang="en-US" sz="1800" b="1" u="sng" dirty="0"/>
-              <a:t>Attribute	</a:t>
-            </a:r>
-            <a:r>
-              <a:rPr lang="en-US" sz="1800" b="1" u="sng" dirty="0" smtClean="0"/>
-              <a:t>		Description			</a:t>
-            </a:r>
-            <a:endParaRPr lang="en-US" sz="1800" b="1" u="sng" dirty="0"/>
+              <a:t>Attribute			Description			</a:t>
+            </a:r>
           </a:p>
           <a:p>
             <a:pPr marL="228600" indent="0">
@@ -13127,15 +12158,16 @@
             </a:pPr>
             <a:r>
               <a:rPr lang="en-US" sz="1800" dirty="0"/>
-              <a:t>disabled	</a:t>
-            </a:r>
-            <a:r>
-              <a:rPr lang="en-US" sz="1800" dirty="0" smtClean="0"/>
-              <a:t>Specifies </a:t>
-            </a:r>
+              <a:t>disabled	Specifies that the input element should be disabled</a:t>
+            </a:r>
+          </a:p>
+          <a:p>
+            <a:pPr marL="228600" indent="0">
+              <a:buNone/>
+            </a:pPr>
             <a:r>
               <a:rPr lang="en-US" sz="1800" dirty="0"/>
-              <a:t>that the input element should be disabled</a:t>
+              <a:t>max		Specifies the maximum value of an input element</a:t>
             </a:r>
           </a:p>
           <a:p>
@@ -13144,32 +12176,7 @@
             </a:pPr>
             <a:r>
               <a:rPr lang="en-US" sz="1800" dirty="0"/>
-              <a:t>max	</a:t>
-            </a:r>
-            <a:r>
-              <a:rPr lang="en-US" sz="1800" dirty="0" smtClean="0"/>
-              <a:t>	Specifies </a:t>
-            </a:r>
-            <a:r>
-              <a:rPr lang="en-US" sz="1800" dirty="0"/>
-              <a:t>the maximum value of an input element</a:t>
-            </a:r>
-          </a:p>
-          <a:p>
-            <a:pPr marL="228600" indent="0">
-              <a:buNone/>
-            </a:pPr>
-            <a:r>
-              <a:rPr lang="en-US" sz="1800" dirty="0"/>
-              <a:t>min	</a:t>
-            </a:r>
-            <a:r>
-              <a:rPr lang="en-US" sz="1800" dirty="0" smtClean="0"/>
-              <a:t>	Specifies </a:t>
-            </a:r>
-            <a:r>
-              <a:rPr lang="en-US" sz="1800" dirty="0"/>
-              <a:t>the minimum value of an input element</a:t>
+              <a:t>min		Specifies the minimum value of an input element</a:t>
             </a:r>
           </a:p>
           <a:p>
@@ -13196,15 +12203,7 @@
             </a:pPr>
             <a:r>
               <a:rPr lang="en-US" sz="1800" dirty="0"/>
-              <a:t>type 	</a:t>
-            </a:r>
-            <a:r>
-              <a:rPr lang="en-US" sz="1800" dirty="0" smtClean="0"/>
-              <a:t>	Specifies </a:t>
-            </a:r>
-            <a:r>
-              <a:rPr lang="en-US" sz="1800" dirty="0"/>
-              <a:t>the type of an input element</a:t>
+              <a:t>type 		Specifies the type of an input element</a:t>
             </a:r>
           </a:p>
         </p:txBody>
@@ -13214,7 +12213,7 @@
           <p:cNvPr id="4" name="Rectangle 3">
             <a:extLst>
               <a:ext uri="{FF2B5EF4-FFF2-40B4-BE49-F238E27FC236}">
-                <a16:creationId xmlns:a16="http://schemas.microsoft.com/office/drawing/2014/main" xmlns="" id="{0C71533A-4A29-47E2-A4D4-85E44356516A}"/>
+                <a16:creationId xmlns:a16="http://schemas.microsoft.com/office/drawing/2014/main" id="{0C71533A-4A29-47E2-A4D4-85E44356516A}"/>
               </a:ext>
             </a:extLst>
           </p:cNvPr>
@@ -13289,13 +12288,6 @@
   <p:clrMapOvr>
     <a:masterClrMapping/>
   </p:clrMapOvr>
-  <p:timing>
-    <p:tnLst>
-      <p:par>
-        <p:cTn id="1" dur="indefinite" restart="never" nodeType="tmRoot"/>
-      </p:par>
-    </p:tnLst>
-  </p:timing>
 </p:sld>
 </file>
 
@@ -13321,7 +12313,7 @@
           <p:cNvPr id="2" name="Title 1">
             <a:extLst>
               <a:ext uri="{FF2B5EF4-FFF2-40B4-BE49-F238E27FC236}">
-                <a16:creationId xmlns:a16="http://schemas.microsoft.com/office/drawing/2014/main" xmlns="" id="{BDFAC13C-59B1-436E-B58F-C304E1C705CF}"/>
+                <a16:creationId xmlns:a16="http://schemas.microsoft.com/office/drawing/2014/main" id="{BDFAC13C-59B1-436E-B58F-C304E1C705CF}"/>
               </a:ext>
             </a:extLst>
           </p:cNvPr>
@@ -13345,11 +12337,11 @@
           <a:lstStyle/>
           <a:p>
             <a:r>
-              <a:rPr lang="en-US" u="sng" dirty="0" smtClean="0"/>
+              <a:rPr lang="en-US" u="sng" dirty="0"/>
               <a:t>HTML Form Validation</a:t>
             </a:r>
             <a:r>
-              <a:rPr lang="en-US" sz="2000" u="sng" dirty="0" smtClean="0"/>
+              <a:rPr lang="en-US" sz="2000" u="sng" dirty="0"/>
               <a:t> (common pseudo-selectors)</a:t>
             </a:r>
             <a:endParaRPr lang="en-US" u="sng" dirty="0"/>
@@ -13361,7 +12353,7 @@
           <p:cNvPr id="3" name="Content Placeholder 2">
             <a:extLst>
               <a:ext uri="{FF2B5EF4-FFF2-40B4-BE49-F238E27FC236}">
-                <a16:creationId xmlns:a16="http://schemas.microsoft.com/office/drawing/2014/main" xmlns="" id="{844A3DC5-46BF-4BFF-8008-98FD467C4904}"/>
+                <a16:creationId xmlns:a16="http://schemas.microsoft.com/office/drawing/2014/main" id="{844A3DC5-46BF-4BFF-8008-98FD467C4904}"/>
               </a:ext>
             </a:extLst>
           </p:cNvPr>
@@ -13385,18 +12377,9 @@
           <a:lstStyle/>
           <a:p>
             <a:r>
-              <a:rPr lang="en-US" sz="1800" b="1" u="sng" dirty="0" smtClean="0"/>
-              <a:t>Selector</a:t>
-            </a:r>
-            <a:r>
               <a:rPr lang="en-US" sz="1800" b="1" u="sng" dirty="0"/>
-              <a:t>	</a:t>
-            </a:r>
-            <a:r>
-              <a:rPr lang="en-US" sz="1800" b="1" u="sng" dirty="0" smtClean="0"/>
-              <a:t>		Description			</a:t>
-            </a:r>
-            <a:endParaRPr lang="en-US" sz="1800" b="1" u="sng" dirty="0"/>
+              <a:t>Selector			Description			</a:t>
+            </a:r>
           </a:p>
           <a:p>
             <a:pPr marL="228600" indent="0">
@@ -13440,15 +12423,7 @@
             </a:pPr>
             <a:r>
               <a:rPr lang="en-US" sz="1800" dirty="0"/>
-              <a:t>:valid		</a:t>
-            </a:r>
-            <a:r>
-              <a:rPr lang="en-US" sz="1800" dirty="0" smtClean="0"/>
-              <a:t>Selects </a:t>
-            </a:r>
-            <a:r>
-              <a:rPr lang="en-US" sz="1800" dirty="0"/>
-              <a:t>input elements with valid values</a:t>
+              <a:t>:valid		Selects input elements with valid values</a:t>
             </a:r>
           </a:p>
         </p:txBody>
@@ -13458,7 +12433,7 @@
           <p:cNvPr id="4" name="Rectangle 3">
             <a:extLst>
               <a:ext uri="{FF2B5EF4-FFF2-40B4-BE49-F238E27FC236}">
-                <a16:creationId xmlns:a16="http://schemas.microsoft.com/office/drawing/2014/main" xmlns="" id="{0C71533A-4A29-47E2-A4D4-85E44356516A}"/>
+                <a16:creationId xmlns:a16="http://schemas.microsoft.com/office/drawing/2014/main" id="{0C71533A-4A29-47E2-A4D4-85E44356516A}"/>
               </a:ext>
             </a:extLst>
           </p:cNvPr>
@@ -13533,13 +12508,6 @@
   <p:clrMapOvr>
     <a:masterClrMapping/>
   </p:clrMapOvr>
-  <p:timing>
-    <p:tnLst>
-      <p:par>
-        <p:cTn id="1" dur="indefinite" restart="never" nodeType="tmRoot"/>
-      </p:par>
-    </p:tnLst>
-  </p:timing>
 </p:sld>
 </file>
 
@@ -13565,7 +12533,7 @@
           <p:cNvPr id="2" name="Title 1">
             <a:extLst>
               <a:ext uri="{FF2B5EF4-FFF2-40B4-BE49-F238E27FC236}">
-                <a16:creationId xmlns:a16="http://schemas.microsoft.com/office/drawing/2014/main" xmlns="" id="{BDFAC13C-59B1-436E-B58F-C304E1C705CF}"/>
+                <a16:creationId xmlns:a16="http://schemas.microsoft.com/office/drawing/2014/main" id="{BDFAC13C-59B1-436E-B58F-C304E1C705CF}"/>
               </a:ext>
             </a:extLst>
           </p:cNvPr>
@@ -13589,10 +12557,9 @@
           <a:lstStyle/>
           <a:p>
             <a:r>
-              <a:rPr lang="en-US" u="sng" dirty="0" smtClean="0"/>
+              <a:rPr lang="en-US" u="sng" dirty="0"/>
               <a:t>Client-side Validation Using JavaScript</a:t>
             </a:r>
-            <a:endParaRPr lang="en-US" u="sng" dirty="0"/>
           </a:p>
         </p:txBody>
       </p:sp>
@@ -13601,7 +12568,7 @@
           <p:cNvPr id="3" name="Content Placeholder 2">
             <a:extLst>
               <a:ext uri="{FF2B5EF4-FFF2-40B4-BE49-F238E27FC236}">
-                <a16:creationId xmlns:a16="http://schemas.microsoft.com/office/drawing/2014/main" xmlns="" id="{844A3DC5-46BF-4BFF-8008-98FD467C4904}"/>
+                <a16:creationId xmlns:a16="http://schemas.microsoft.com/office/drawing/2014/main" id="{844A3DC5-46BF-4BFF-8008-98FD467C4904}"/>
               </a:ext>
             </a:extLst>
           </p:cNvPr>
@@ -13633,7 +12600,7 @@
           <p:cNvPr id="4" name="Rectangle 3">
             <a:extLst>
               <a:ext uri="{FF2B5EF4-FFF2-40B4-BE49-F238E27FC236}">
-                <a16:creationId xmlns:a16="http://schemas.microsoft.com/office/drawing/2014/main" xmlns="" id="{0C71533A-4A29-47E2-A4D4-85E44356516A}"/>
+                <a16:creationId xmlns:a16="http://schemas.microsoft.com/office/drawing/2014/main" id="{0C71533A-4A29-47E2-A4D4-85E44356516A}"/>
               </a:ext>
             </a:extLst>
           </p:cNvPr>
@@ -13732,13 +12699,6 @@
   <p:clrMapOvr>
     <a:masterClrMapping/>
   </p:clrMapOvr>
-  <p:timing>
-    <p:tnLst>
-      <p:par>
-        <p:cTn id="1" dur="indefinite" restart="never" nodeType="tmRoot"/>
-      </p:par>
-    </p:tnLst>
-  </p:timing>
 </p:sld>
 </file>
 
@@ -13764,7 +12724,7 @@
           <p:cNvPr id="2" name="Title 1">
             <a:extLst>
               <a:ext uri="{FF2B5EF4-FFF2-40B4-BE49-F238E27FC236}">
-                <a16:creationId xmlns:a16="http://schemas.microsoft.com/office/drawing/2014/main" xmlns="" id="{BDFAC13C-59B1-436E-B58F-C304E1C705CF}"/>
+                <a16:creationId xmlns:a16="http://schemas.microsoft.com/office/drawing/2014/main" id="{BDFAC13C-59B1-436E-B58F-C304E1C705CF}"/>
               </a:ext>
             </a:extLst>
           </p:cNvPr>
@@ -13788,10 +12748,9 @@
           <a:lstStyle/>
           <a:p>
             <a:r>
-              <a:rPr lang="en-US" u="sng" dirty="0" smtClean="0"/>
+              <a:rPr lang="en-US" u="sng" dirty="0"/>
               <a:t>Client-side Validation Using JavaScript</a:t>
             </a:r>
-            <a:endParaRPr lang="en-US" u="sng" dirty="0"/>
           </a:p>
         </p:txBody>
       </p:sp>
@@ -13800,7 +12759,7 @@
           <p:cNvPr id="4" name="Rectangle 3">
             <a:extLst>
               <a:ext uri="{FF2B5EF4-FFF2-40B4-BE49-F238E27FC236}">
-                <a16:creationId xmlns:a16="http://schemas.microsoft.com/office/drawing/2014/main" xmlns="" id="{0C71533A-4A29-47E2-A4D4-85E44356516A}"/>
+                <a16:creationId xmlns:a16="http://schemas.microsoft.com/office/drawing/2014/main" id="{0C71533A-4A29-47E2-A4D4-85E44356516A}"/>
               </a:ext>
             </a:extLst>
           </p:cNvPr>
@@ -13897,16 +12856,10 @@
               <a:buNone/>
             </a:pPr>
             <a:r>
-              <a:rPr lang="en-US" sz="1400" dirty="0" smtClean="0">
-                <a:latin typeface="Consolas" panose="020B0609020204030204" pitchFamily="49" charset="0"/>
-              </a:rPr>
-              <a:t>&lt;</a:t>
-            </a:r>
-            <a:r>
               <a:rPr lang="en-US" sz="1400" dirty="0">
                 <a:latin typeface="Consolas" panose="020B0609020204030204" pitchFamily="49" charset="0"/>
               </a:rPr>
-              <a:t>head&gt;</a:t>
+              <a:t>&lt;head&gt;</a:t>
             </a:r>
           </a:p>
           <a:p>
@@ -13914,16 +12867,10 @@
               <a:buNone/>
             </a:pPr>
             <a:r>
-              <a:rPr lang="en-US" sz="1400" dirty="0" smtClean="0">
-                <a:latin typeface="Consolas" panose="020B0609020204030204" pitchFamily="49" charset="0"/>
-              </a:rPr>
-              <a:t>  &lt;</a:t>
-            </a:r>
-            <a:r>
               <a:rPr lang="en-US" sz="1400" dirty="0">
                 <a:latin typeface="Consolas" panose="020B0609020204030204" pitchFamily="49" charset="0"/>
               </a:rPr>
-              <a:t>title&gt;Form Validation&lt;/title&gt;      </a:t>
+              <a:t>  &lt;title&gt;Form Validation&lt;/title&gt;      </a:t>
             </a:r>
           </a:p>
           <a:p>
@@ -13931,16 +12878,10 @@
               <a:buNone/>
             </a:pPr>
             <a:r>
-              <a:rPr lang="en-US" sz="1400" dirty="0" smtClean="0">
-                <a:latin typeface="Consolas" panose="020B0609020204030204" pitchFamily="49" charset="0"/>
-              </a:rPr>
-              <a:t>  &lt;</a:t>
-            </a:r>
-            <a:r>
               <a:rPr lang="en-US" sz="1400" dirty="0">
                 <a:latin typeface="Consolas" panose="020B0609020204030204" pitchFamily="49" charset="0"/>
               </a:rPr>
-              <a:t>script type = "text/</a:t>
+              <a:t>  &lt;script type = "text/</a:t>
             </a:r>
             <a:r>
               <a:rPr lang="en-US" sz="1400" dirty="0" err="1">
@@ -13949,7 +12890,7 @@
               <a:t>javascript</a:t>
             </a:r>
             <a:r>
-              <a:rPr lang="en-US" sz="1400" dirty="0" smtClean="0">
+              <a:rPr lang="en-US" sz="1400" dirty="0">
                 <a:latin typeface="Consolas" panose="020B0609020204030204" pitchFamily="49" charset="0"/>
               </a:rPr>
               <a:t>"&gt;</a:t>
@@ -13960,33 +12901,18 @@
               <a:buNone/>
             </a:pPr>
             <a:r>
-              <a:rPr lang="en-US" sz="1400" dirty="0" smtClean="0">
-                <a:latin typeface="Consolas" panose="020B0609020204030204" pitchFamily="49" charset="0"/>
-              </a:rPr>
-              <a:t>    &lt;!—// </a:t>
-            </a:r>
-            <a:r>
               <a:rPr lang="en-US" sz="1400" dirty="0">
                 <a:latin typeface="Consolas" panose="020B0609020204030204" pitchFamily="49" charset="0"/>
               </a:rPr>
-              <a:t>Form validation code will </a:t>
-            </a:r>
-            <a:r>
-              <a:rPr lang="en-US" sz="1400" dirty="0" smtClean="0">
-                <a:latin typeface="Consolas" panose="020B0609020204030204" pitchFamily="49" charset="0"/>
-              </a:rPr>
-              <a:t>go here.  //--&gt;</a:t>
-            </a:r>
-            <a:endParaRPr lang="en-US" sz="1400" dirty="0">
-              <a:latin typeface="Consolas" panose="020B0609020204030204" pitchFamily="49" charset="0"/>
-            </a:endParaRPr>
+              <a:t>    &lt;!—// Form validation code will go here.  //--&gt;</a:t>
+            </a:r>
           </a:p>
           <a:p>
             <a:pPr marL="0" indent="0">
               <a:buNone/>
             </a:pPr>
             <a:r>
-              <a:rPr lang="en-US" sz="1400" dirty="0" smtClean="0">
+              <a:rPr lang="en-US" sz="1400" dirty="0">
                 <a:latin typeface="Consolas" panose="020B0609020204030204" pitchFamily="49" charset="0"/>
               </a:rPr>
               <a:t>  script&gt;</a:t>
@@ -13997,22 +12923,10 @@
               <a:buNone/>
             </a:pPr>
             <a:r>
-              <a:rPr lang="en-US" sz="1400" dirty="0" smtClean="0">
-                <a:latin typeface="Consolas" panose="020B0609020204030204" pitchFamily="49" charset="0"/>
-              </a:rPr>
-              <a:t>&lt;/</a:t>
-            </a:r>
-            <a:r>
               <a:rPr lang="en-US" sz="1400" dirty="0">
                 <a:latin typeface="Consolas" panose="020B0609020204030204" pitchFamily="49" charset="0"/>
               </a:rPr>
-              <a:t>head</a:t>
-            </a:r>
-            <a:r>
-              <a:rPr lang="en-US" sz="1400" dirty="0" smtClean="0">
-                <a:latin typeface="Consolas" panose="020B0609020204030204" pitchFamily="49" charset="0"/>
-              </a:rPr>
-              <a:t>&gt;</a:t>
+              <a:t>&lt;/head&gt;</a:t>
             </a:r>
           </a:p>
           <a:p>
@@ -14020,22 +12934,10 @@
               <a:buNone/>
             </a:pPr>
             <a:r>
-              <a:rPr lang="en-US" sz="1400" dirty="0" smtClean="0">
-                <a:latin typeface="Consolas" panose="020B0609020204030204" pitchFamily="49" charset="0"/>
-              </a:rPr>
-              <a:t>&lt;</a:t>
-            </a:r>
-            <a:r>
               <a:rPr lang="en-US" sz="1400" dirty="0">
                 <a:latin typeface="Consolas" panose="020B0609020204030204" pitchFamily="49" charset="0"/>
               </a:rPr>
-              <a:t>body</a:t>
-            </a:r>
-            <a:r>
-              <a:rPr lang="en-US" sz="1400" dirty="0" smtClean="0">
-                <a:latin typeface="Consolas" panose="020B0609020204030204" pitchFamily="49" charset="0"/>
-              </a:rPr>
-              <a:t>&gt;</a:t>
+              <a:t>&lt;body&gt;</a:t>
             </a:r>
           </a:p>
           <a:p>
@@ -14043,16 +12945,10 @@
               <a:buNone/>
             </a:pPr>
             <a:r>
-              <a:rPr lang="en-US" sz="1400" dirty="0" smtClean="0">
-                <a:latin typeface="Consolas" panose="020B0609020204030204" pitchFamily="49" charset="0"/>
-              </a:rPr>
-              <a:t>  &lt;</a:t>
-            </a:r>
-            <a:r>
               <a:rPr lang="en-US" sz="1400" dirty="0">
                 <a:latin typeface="Consolas" panose="020B0609020204030204" pitchFamily="49" charset="0"/>
               </a:rPr>
-              <a:t>form action = "/</a:t>
+              <a:t>  &lt;form action = "/</a:t>
             </a:r>
             <a:r>
               <a:rPr lang="en-US" sz="1400" dirty="0" err="1">
@@ -14100,13 +12996,7 @@
               <a:rPr lang="en-US" sz="1400" dirty="0">
                 <a:latin typeface="Consolas" panose="020B0609020204030204" pitchFamily="49" charset="0"/>
               </a:rPr>
-              <a:t> = "return(validate</a:t>
-            </a:r>
-            <a:r>
-              <a:rPr lang="en-US" sz="1400" dirty="0" smtClean="0">
-                <a:latin typeface="Consolas" panose="020B0609020204030204" pitchFamily="49" charset="0"/>
-              </a:rPr>
-              <a:t>());"&gt;</a:t>
+              <a:t> = "return(validate());"&gt;</a:t>
             </a:r>
           </a:p>
           <a:p>
@@ -14114,7 +13004,7 @@
               <a:buNone/>
             </a:pPr>
             <a:r>
-              <a:rPr lang="en-US" sz="1400" dirty="0" smtClean="0">
+              <a:rPr lang="en-US" sz="1400" dirty="0">
                 <a:latin typeface="Consolas" panose="020B0609020204030204" pitchFamily="49" charset="0"/>
               </a:rPr>
               <a:t>  &lt;table </a:t>
@@ -14141,17 +13031,8 @@
               <a:rPr lang="en-US" sz="1400" dirty="0">
                 <a:latin typeface="Consolas" panose="020B0609020204030204" pitchFamily="49" charset="0"/>
               </a:rPr>
-              <a:t> = "2" border = "1</a:t>
-            </a:r>
-            <a:r>
-              <a:rPr lang="en-US" sz="1400" dirty="0" smtClean="0">
-                <a:latin typeface="Consolas" panose="020B0609020204030204" pitchFamily="49" charset="0"/>
-              </a:rPr>
-              <a:t>"&gt;       </a:t>
-            </a:r>
-            <a:endParaRPr lang="en-US" sz="1400" dirty="0">
-              <a:latin typeface="Consolas" panose="020B0609020204030204" pitchFamily="49" charset="0"/>
-            </a:endParaRPr>
+              <a:t> = "2" border = "1"&gt;       </a:t>
+            </a:r>
           </a:p>
         </p:txBody>
       </p:sp>
@@ -14165,13 +13046,6 @@
   <p:clrMapOvr>
     <a:masterClrMapping/>
   </p:clrMapOvr>
-  <p:timing>
-    <p:tnLst>
-      <p:par>
-        <p:cTn id="1" dur="indefinite" restart="never" nodeType="tmRoot"/>
-      </p:par>
-    </p:tnLst>
-  </p:timing>
 </p:sld>
 </file>
 
@@ -14197,7 +13071,7 @@
           <p:cNvPr id="2" name="Title 1">
             <a:extLst>
               <a:ext uri="{FF2B5EF4-FFF2-40B4-BE49-F238E27FC236}">
-                <a16:creationId xmlns:a16="http://schemas.microsoft.com/office/drawing/2014/main" xmlns="" id="{BDFAC13C-59B1-436E-B58F-C304E1C705CF}"/>
+                <a16:creationId xmlns:a16="http://schemas.microsoft.com/office/drawing/2014/main" id="{BDFAC13C-59B1-436E-B58F-C304E1C705CF}"/>
               </a:ext>
             </a:extLst>
           </p:cNvPr>
@@ -14221,10 +13095,9 @@
           <a:lstStyle/>
           <a:p>
             <a:r>
-              <a:rPr lang="en-US" u="sng" dirty="0" smtClean="0"/>
+              <a:rPr lang="en-US" u="sng" dirty="0"/>
               <a:t>Client-side Validation Using JavaScript</a:t>
             </a:r>
-            <a:endParaRPr lang="en-US" u="sng" dirty="0"/>
           </a:p>
         </p:txBody>
       </p:sp>
@@ -14233,7 +13106,7 @@
           <p:cNvPr id="4" name="Rectangle 3">
             <a:extLst>
               <a:ext uri="{FF2B5EF4-FFF2-40B4-BE49-F238E27FC236}">
-                <a16:creationId xmlns:a16="http://schemas.microsoft.com/office/drawing/2014/main" xmlns="" id="{0C71533A-4A29-47E2-A4D4-85E44356516A}"/>
+                <a16:creationId xmlns:a16="http://schemas.microsoft.com/office/drawing/2014/main" id="{0C71533A-4A29-47E2-A4D4-85E44356516A}"/>
               </a:ext>
             </a:extLst>
           </p:cNvPr>
@@ -14370,20 +13243,17 @@
               <a:t>&lt;/</a:t>
             </a:r>
             <a:r>
-              <a:rPr lang="en-US" dirty="0" err="1" smtClean="0">
+              <a:rPr lang="en-US" dirty="0" err="1">
                 <a:latin typeface="Consolas" panose="020B0609020204030204" pitchFamily="49" charset="0"/>
               </a:rPr>
               <a:t>tr</a:t>
             </a:r>
             <a:r>
-              <a:rPr lang="en-US" dirty="0" smtClean="0">
+              <a:rPr lang="en-US" dirty="0">
                 <a:latin typeface="Consolas" panose="020B0609020204030204" pitchFamily="49" charset="0"/>
               </a:rPr>
               <a:t>         </a:t>
             </a:r>
-            <a:endParaRPr lang="en-US" dirty="0">
-              <a:latin typeface="Consolas" panose="020B0609020204030204" pitchFamily="49" charset="0"/>
-            </a:endParaRPr>
           </a:p>
           <a:p>
             <a:pPr marL="0" indent="0">
@@ -14471,14 +13341,11 @@
               <a:t>tr</a:t>
             </a:r>
             <a:r>
-              <a:rPr lang="en-US" dirty="0" smtClean="0">
+              <a:rPr lang="en-US" dirty="0">
                 <a:latin typeface="Consolas" panose="020B0609020204030204" pitchFamily="49" charset="0"/>
               </a:rPr>
               <a:t>&gt;           </a:t>
             </a:r>
-            <a:endParaRPr lang="en-US" dirty="0">
-              <a:latin typeface="Consolas" panose="020B0609020204030204" pitchFamily="49" charset="0"/>
-            </a:endParaRPr>
           </a:p>
           <a:p>
             <a:pPr marL="0" indent="0">
@@ -14560,13 +13427,6 @@
   <p:clrMapOvr>
     <a:masterClrMapping/>
   </p:clrMapOvr>
-  <p:timing>
-    <p:tnLst>
-      <p:par>
-        <p:cTn id="1" dur="indefinite" restart="never" nodeType="tmRoot"/>
-      </p:par>
-    </p:tnLst>
-  </p:timing>
 </p:sld>
 </file>
 
@@ -15108,6 +13968,15 @@
 </file>
 
 <file path=customXml/item1.xml><?xml version="1.0" encoding="utf-8"?>
+<?mso-contentType ?>
+<FormTemplates xmlns="http://schemas.microsoft.com/sharepoint/v3/contenttype/forms">
+  <Display>DocumentLibraryForm</Display>
+  <Edit>DocumentLibraryForm</Edit>
+  <New>DocumentLibraryForm</New>
+</FormTemplates>
+</file>
+
+<file path=customXml/item2.xml><?xml version="1.0" encoding="utf-8"?>
 <ct:contentTypeSchema xmlns:ct="http://schemas.microsoft.com/office/2006/metadata/contentType" xmlns:ma="http://schemas.microsoft.com/office/2006/metadata/properties/metaAttributes" ct:_="" ma:_="" ma:contentTypeName="Document" ma:contentTypeID="0x01010079F111ED35F8CC479449609E8A0923A6" ma:contentTypeVersion="12" ma:contentTypeDescription="Create a new document." ma:contentTypeScope="" ma:versionID="a410dd7f93c95333ffa1b60ed6adedd1">
   <xsd:schema xmlns:xsd="http://www.w3.org/2001/XMLSchema" xmlns:xs="http://www.w3.org/2001/XMLSchema" xmlns:p="http://schemas.microsoft.com/office/2006/metadata/properties" xmlns:ns2="71af3243-3dd4-4a8d-8c0d-dd76da1f02a5" xmlns:ns3="16c05727-aa75-4e4a-9b5f-8a80a1165891" targetNamespace="http://schemas.microsoft.com/office/2006/metadata/properties" ma:root="true" ma:fieldsID="a936d9baba76aa3866493feff160faab" ns2:_="" ns3:_="">
     <xsd:import namespace="71af3243-3dd4-4a8d-8c0d-dd76da1f02a5"/>
@@ -15328,15 +14197,6 @@
 </ct:contentTypeSchema>
 </file>
 
-<file path=customXml/item2.xml><?xml version="1.0" encoding="utf-8"?>
-<?mso-contentType ?>
-<FormTemplates xmlns="http://schemas.microsoft.com/sharepoint/v3/contenttype/forms">
-  <Display>DocumentLibraryForm</Display>
-  <Edit>DocumentLibraryForm</Edit>
-  <New>DocumentLibraryForm</New>
-</FormTemplates>
-</file>
-
 <file path=customXml/item3.xml><?xml version="1.0" encoding="utf-8"?>
 <p:properties xmlns:p="http://schemas.microsoft.com/office/2006/metadata/properties" xmlns:xsi="http://www.w3.org/2001/XMLSchema-instance" xmlns:pc="http://schemas.microsoft.com/office/infopath/2007/PartnerControls">
   <documentManagement>
@@ -15347,6 +14207,14 @@
 </file>
 
 <file path=customXml/itemProps1.xml><?xml version="1.0" encoding="utf-8"?>
+<ds:datastoreItem xmlns:ds="http://schemas.openxmlformats.org/officeDocument/2006/customXml" ds:itemID="{CDB58277-F8DF-46FF-84EC-EF41B835E69F}">
+  <ds:schemaRefs>
+    <ds:schemaRef ds:uri="http://schemas.microsoft.com/sharepoint/v3/contenttype/forms"/>
+  </ds:schemaRefs>
+</ds:datastoreItem>
+</file>
+
+<file path=customXml/itemProps2.xml><?xml version="1.0" encoding="utf-8"?>
 <ds:datastoreItem xmlns:ds="http://schemas.openxmlformats.org/officeDocument/2006/customXml" ds:itemID="{2D276E62-80A3-44DD-9BCC-97ED2B99B57F}">
   <ds:schemaRefs>
     <ds:schemaRef ds:uri="http://schemas.microsoft.com/office/2006/metadata/contentType"/>
@@ -15361,14 +14229,6 @@
     <ds:schemaRef ds:uri="http://purl.org/dc/elements/1.1/"/>
     <ds:schemaRef ds:uri="http://purl.org/dc/terms/"/>
     <ds:schemaRef ds:uri="http://schemas.microsoft.com/internal/obd"/>
-  </ds:schemaRefs>
-</ds:datastoreItem>
-</file>
-
-<file path=customXml/itemProps2.xml><?xml version="1.0" encoding="utf-8"?>
-<ds:datastoreItem xmlns:ds="http://schemas.openxmlformats.org/officeDocument/2006/customXml" ds:itemID="{CDB58277-F8DF-46FF-84EC-EF41B835E69F}">
-  <ds:schemaRefs>
-    <ds:schemaRef ds:uri="http://schemas.microsoft.com/sharepoint/v3/contenttype/forms"/>
   </ds:schemaRefs>
 </ds:datastoreItem>
 </file>

--- a/unit_01/slides/Unit01-PartV.pptx
+++ b/unit_01/slides/Unit01-PartV.pptx
@@ -5,47 +5,48 @@
     <p:sldMasterId id="2147483673" r:id="rId4"/>
   </p:sldMasterIdLst>
   <p:notesMasterIdLst>
-    <p:notesMasterId r:id="rId43"/>
+    <p:notesMasterId r:id="rId44"/>
   </p:notesMasterIdLst>
   <p:sldIdLst>
     <p:sldId id="257" r:id="rId5"/>
     <p:sldId id="349" r:id="rId6"/>
-    <p:sldId id="344" r:id="rId7"/>
-    <p:sldId id="345" r:id="rId8"/>
-    <p:sldId id="346" r:id="rId9"/>
-    <p:sldId id="347" r:id="rId10"/>
-    <p:sldId id="343" r:id="rId11"/>
-    <p:sldId id="351" r:id="rId12"/>
-    <p:sldId id="350" r:id="rId13"/>
-    <p:sldId id="353" r:id="rId14"/>
-    <p:sldId id="354" r:id="rId15"/>
-    <p:sldId id="355" r:id="rId16"/>
-    <p:sldId id="356" r:id="rId17"/>
-    <p:sldId id="337" r:id="rId18"/>
-    <p:sldId id="339" r:id="rId19"/>
-    <p:sldId id="357" r:id="rId20"/>
-    <p:sldId id="358" r:id="rId21"/>
-    <p:sldId id="359" r:id="rId22"/>
-    <p:sldId id="340" r:id="rId23"/>
-    <p:sldId id="360" r:id="rId24"/>
-    <p:sldId id="361" r:id="rId25"/>
-    <p:sldId id="362" r:id="rId26"/>
-    <p:sldId id="331" r:id="rId27"/>
-    <p:sldId id="335" r:id="rId28"/>
-    <p:sldId id="336" r:id="rId29"/>
-    <p:sldId id="332" r:id="rId30"/>
-    <p:sldId id="334" r:id="rId31"/>
-    <p:sldId id="333" r:id="rId32"/>
-    <p:sldId id="320" r:id="rId33"/>
-    <p:sldId id="321" r:id="rId34"/>
-    <p:sldId id="324" r:id="rId35"/>
-    <p:sldId id="325" r:id="rId36"/>
-    <p:sldId id="326" r:id="rId37"/>
-    <p:sldId id="327" r:id="rId38"/>
-    <p:sldId id="328" r:id="rId39"/>
-    <p:sldId id="329" r:id="rId40"/>
-    <p:sldId id="330" r:id="rId41"/>
-    <p:sldId id="318" r:id="rId42"/>
+    <p:sldId id="363" r:id="rId7"/>
+    <p:sldId id="344" r:id="rId8"/>
+    <p:sldId id="345" r:id="rId9"/>
+    <p:sldId id="346" r:id="rId10"/>
+    <p:sldId id="347" r:id="rId11"/>
+    <p:sldId id="343" r:id="rId12"/>
+    <p:sldId id="351" r:id="rId13"/>
+    <p:sldId id="350" r:id="rId14"/>
+    <p:sldId id="353" r:id="rId15"/>
+    <p:sldId id="354" r:id="rId16"/>
+    <p:sldId id="355" r:id="rId17"/>
+    <p:sldId id="356" r:id="rId18"/>
+    <p:sldId id="337" r:id="rId19"/>
+    <p:sldId id="339" r:id="rId20"/>
+    <p:sldId id="357" r:id="rId21"/>
+    <p:sldId id="358" r:id="rId22"/>
+    <p:sldId id="359" r:id="rId23"/>
+    <p:sldId id="340" r:id="rId24"/>
+    <p:sldId id="360" r:id="rId25"/>
+    <p:sldId id="361" r:id="rId26"/>
+    <p:sldId id="362" r:id="rId27"/>
+    <p:sldId id="331" r:id="rId28"/>
+    <p:sldId id="335" r:id="rId29"/>
+    <p:sldId id="336" r:id="rId30"/>
+    <p:sldId id="332" r:id="rId31"/>
+    <p:sldId id="334" r:id="rId32"/>
+    <p:sldId id="333" r:id="rId33"/>
+    <p:sldId id="320" r:id="rId34"/>
+    <p:sldId id="321" r:id="rId35"/>
+    <p:sldId id="324" r:id="rId36"/>
+    <p:sldId id="325" r:id="rId37"/>
+    <p:sldId id="326" r:id="rId38"/>
+    <p:sldId id="327" r:id="rId39"/>
+    <p:sldId id="328" r:id="rId40"/>
+    <p:sldId id="329" r:id="rId41"/>
+    <p:sldId id="330" r:id="rId42"/>
+    <p:sldId id="318" r:id="rId43"/>
   </p:sldIdLst>
   <p:sldSz cx="12192000" cy="6858000"/>
   <p:notesSz cx="6858000" cy="9144000"/>
@@ -234,7 +235,7 @@
           <a:p>
             <a:fld id="{DEF45A3F-F083-4E1A-8339-FCD652B27D36}" type="datetimeFigureOut">
               <a:rPr lang="en-US" smtClean="0"/>
-              <a:t>9/2/2020</a:t>
+              <a:t>9/8/2020</a:t>
             </a:fld>
             <a:endParaRPr lang="en-US" dirty="0"/>
           </a:p>
@@ -970,7 +971,7 @@
           <a:p>
             <a:fld id="{EB2553B6-A683-4C13-ADF3-6E78B5B860F6}" type="datetime1">
               <a:rPr lang="en-US" smtClean="0"/>
-              <a:t>9/2/2020</a:t>
+              <a:t>9/8/2020</a:t>
             </a:fld>
             <a:endParaRPr lang="en-US" dirty="0"/>
           </a:p>
@@ -1172,7 +1173,7 @@
           <a:p>
             <a:fld id="{6DA00B11-1D47-4652-AEE5-4C2B1235CB66}" type="datetime1">
               <a:rPr lang="en-US" smtClean="0"/>
-              <a:t>9/2/2020</a:t>
+              <a:t>9/8/2020</a:t>
             </a:fld>
             <a:endParaRPr lang="en-US" dirty="0"/>
           </a:p>
@@ -1771,7 +1772,7 @@
           <a:p>
             <a:fld id="{90AC2323-8C5A-462B-92B9-62EA14FA9E94}" type="datetime1">
               <a:rPr lang="en-US" smtClean="0"/>
-              <a:t>9/2/2020</a:t>
+              <a:t>9/8/2020</a:t>
             </a:fld>
             <a:endParaRPr lang="en-US" dirty="0"/>
           </a:p>
@@ -2091,7 +2092,7 @@
           <a:p>
             <a:fld id="{10DC40C2-59E9-46C8-B03E-7C20E5F4F12D}" type="datetime1">
               <a:rPr lang="en-US" smtClean="0"/>
-              <a:t>9/2/2020</a:t>
+              <a:t>9/8/2020</a:t>
             </a:fld>
             <a:endParaRPr lang="en-US" dirty="0"/>
           </a:p>
@@ -2528,7 +2529,7 @@
           <a:p>
             <a:fld id="{7FBC8CB6-941B-4270-8276-FD8E92A373DA}" type="datetime1">
               <a:rPr lang="en-US" smtClean="0"/>
-              <a:t>9/2/2020</a:t>
+              <a:t>9/8/2020</a:t>
             </a:fld>
             <a:endParaRPr lang="en-US" dirty="0"/>
           </a:p>
@@ -2646,7 +2647,7 @@
           <a:p>
             <a:fld id="{15E57E43-E251-46CB-9ADD-5572689A0D73}" type="datetime1">
               <a:rPr lang="en-US" smtClean="0"/>
-              <a:t>9/2/2020</a:t>
+              <a:t>9/8/2020</a:t>
             </a:fld>
             <a:endParaRPr lang="en-US" dirty="0"/>
           </a:p>
@@ -2741,7 +2742,7 @@
           <a:p>
             <a:fld id="{9582FC12-F480-42AE-9F3F-3DA69EB64A0D}" type="datetime1">
               <a:rPr lang="en-US" smtClean="0"/>
-              <a:t>9/2/2020</a:t>
+              <a:t>9/8/2020</a:t>
             </a:fld>
             <a:endParaRPr lang="en-US" dirty="0"/>
           </a:p>
@@ -3158,7 +3159,7 @@
           <a:p>
             <a:fld id="{545CEF3F-6F6A-4297-B757-FFB5D4A3AD64}" type="datetime1">
               <a:rPr lang="en-US" smtClean="0"/>
-              <a:t>9/2/2020</a:t>
+              <a:t>9/8/2020</a:t>
             </a:fld>
             <a:endParaRPr lang="en-US" dirty="0"/>
           </a:p>
@@ -3418,7 +3419,7 @@
           <a:p>
             <a:fld id="{EE2F6E23-5248-4ECD-8C29-1FB95B395C86}" type="datetime1">
               <a:rPr lang="en-US" smtClean="0"/>
-              <a:t>9/2/2020</a:t>
+              <a:t>9/8/2020</a:t>
             </a:fld>
             <a:endParaRPr lang="en-US" dirty="0"/>
           </a:p>
@@ -3934,7 +3935,7 @@
           <a:p>
             <a:fld id="{5DE9F2A3-885D-46CC-9642-01CAAE4EB600}" type="datetime1">
               <a:rPr lang="en-US" smtClean="0"/>
-              <a:t>9/2/2020</a:t>
+              <a:t>9/8/2020</a:t>
             </a:fld>
             <a:endParaRPr lang="en-US" dirty="0"/>
           </a:p>
@@ -4785,7 +4786,7 @@
         <p:spPr/>
         <p:txBody>
           <a:bodyPr>
-            <a:normAutofit/>
+            <a:normAutofit fontScale="92500" lnSpcReduction="20000"/>
           </a:bodyPr>
           <a:lstStyle/>
           <a:p>
@@ -4793,19 +4794,19 @@
               <a:buNone/>
             </a:pPr>
             <a:r>
-              <a:rPr lang="en-US" sz="1400" dirty="0">
+              <a:rPr lang="en-US" dirty="0">
                 <a:latin typeface="Consolas" panose="020B0609020204030204" pitchFamily="49" charset="0"/>
               </a:rPr>
               <a:t>&lt;</a:t>
             </a:r>
             <a:r>
-              <a:rPr lang="en-US" sz="1400" dirty="0" err="1">
+              <a:rPr lang="en-US" dirty="0" err="1">
                 <a:latin typeface="Consolas" panose="020B0609020204030204" pitchFamily="49" charset="0"/>
               </a:rPr>
               <a:t>tr</a:t>
             </a:r>
             <a:r>
-              <a:rPr lang="en-US" sz="1400" dirty="0">
+              <a:rPr lang="en-US" dirty="0">
                 <a:latin typeface="Consolas" panose="020B0609020204030204" pitchFamily="49" charset="0"/>
               </a:rPr>
               <a:t>&gt;</a:t>
@@ -4816,10 +4817,10 @@
               <a:buNone/>
             </a:pPr>
             <a:r>
-              <a:rPr lang="en-US" sz="1400" dirty="0">
-                <a:latin typeface="Consolas" panose="020B0609020204030204" pitchFamily="49" charset="0"/>
-              </a:rPr>
-              <a:t>&lt;td align = "right"&gt;Country&lt;/td&gt;</a:t>
+              <a:rPr lang="en-US" dirty="0">
+                <a:latin typeface="Consolas" panose="020B0609020204030204" pitchFamily="49" charset="0"/>
+              </a:rPr>
+              <a:t>&lt;td align = "right"&gt;Name&lt;/td&gt;</a:t>
             </a:r>
           </a:p>
           <a:p>
@@ -4827,10 +4828,10 @@
               <a:buNone/>
             </a:pPr>
             <a:r>
-              <a:rPr lang="en-US" sz="1400" dirty="0">
-                <a:latin typeface="Consolas" panose="020B0609020204030204" pitchFamily="49" charset="0"/>
-              </a:rPr>
-              <a:t>&lt;td&gt;</a:t>
+              <a:rPr lang="en-US" dirty="0">
+                <a:latin typeface="Consolas" panose="020B0609020204030204" pitchFamily="49" charset="0"/>
+              </a:rPr>
+              <a:t>&lt;td&gt;&lt;input type = "text" name = "Name" /&gt;&lt;/td&gt;</a:t>
             </a:r>
           </a:p>
           <a:p>
@@ -4838,10 +4839,22 @@
               <a:buNone/>
             </a:pPr>
             <a:r>
-              <a:rPr lang="en-US" sz="1400" dirty="0">
-                <a:latin typeface="Consolas" panose="020B0609020204030204" pitchFamily="49" charset="0"/>
-              </a:rPr>
-              <a:t>&lt;select name = "Country"&gt;</a:t>
+              <a:rPr lang="en-US" dirty="0">
+                <a:latin typeface="Consolas" panose="020B0609020204030204" pitchFamily="49" charset="0"/>
+              </a:rPr>
+              <a:t>&lt;/</a:t>
+            </a:r>
+            <a:r>
+              <a:rPr lang="en-US" dirty="0" err="1">
+                <a:latin typeface="Consolas" panose="020B0609020204030204" pitchFamily="49" charset="0"/>
+              </a:rPr>
+              <a:t>tr</a:t>
+            </a:r>
+            <a:r>
+              <a:rPr lang="en-US" dirty="0">
+                <a:latin typeface="Consolas" panose="020B0609020204030204" pitchFamily="49" charset="0"/>
+              </a:rPr>
+              <a:t>         </a:t>
             </a:r>
           </a:p>
           <a:p>
@@ -4849,10 +4862,22 @@
               <a:buNone/>
             </a:pPr>
             <a:r>
-              <a:rPr lang="en-US" sz="1400" dirty="0">
-                <a:latin typeface="Consolas" panose="020B0609020204030204" pitchFamily="49" charset="0"/>
-              </a:rPr>
-              <a:t>&lt;option value = "-1" selected&gt;[choose yours]&lt;/option&gt;</a:t>
+              <a:rPr lang="en-US" dirty="0">
+                <a:latin typeface="Consolas" panose="020B0609020204030204" pitchFamily="49" charset="0"/>
+              </a:rPr>
+              <a:t>&lt;</a:t>
+            </a:r>
+            <a:r>
+              <a:rPr lang="en-US" dirty="0" err="1">
+                <a:latin typeface="Consolas" panose="020B0609020204030204" pitchFamily="49" charset="0"/>
+              </a:rPr>
+              <a:t>tr</a:t>
+            </a:r>
+            <a:r>
+              <a:rPr lang="en-US" dirty="0">
+                <a:latin typeface="Consolas" panose="020B0609020204030204" pitchFamily="49" charset="0"/>
+              </a:rPr>
+              <a:t>&gt;</a:t>
             </a:r>
           </a:p>
           <a:p>
@@ -4860,10 +4885,22 @@
               <a:buNone/>
             </a:pPr>
             <a:r>
-              <a:rPr lang="en-US" sz="1400" dirty="0">
-                <a:latin typeface="Consolas" panose="020B0609020204030204" pitchFamily="49" charset="0"/>
-              </a:rPr>
-              <a:t>&lt;option value = "1"&gt;USA&lt;/option&gt;</a:t>
+              <a:rPr lang="en-US" dirty="0">
+                <a:latin typeface="Consolas" panose="020B0609020204030204" pitchFamily="49" charset="0"/>
+              </a:rPr>
+              <a:t>&lt;td align = "right"&gt;</a:t>
+            </a:r>
+            <a:r>
+              <a:rPr lang="en-US" dirty="0" err="1">
+                <a:latin typeface="Consolas" panose="020B0609020204030204" pitchFamily="49" charset="0"/>
+              </a:rPr>
+              <a:t>EMail</a:t>
+            </a:r>
+            <a:r>
+              <a:rPr lang="en-US" dirty="0">
+                <a:latin typeface="Consolas" panose="020B0609020204030204" pitchFamily="49" charset="0"/>
+              </a:rPr>
+              <a:t>&lt;/td&gt;</a:t>
             </a:r>
           </a:p>
           <a:p>
@@ -4871,10 +4908,22 @@
               <a:buNone/>
             </a:pPr>
             <a:r>
-              <a:rPr lang="en-US" sz="1400" dirty="0">
-                <a:latin typeface="Consolas" panose="020B0609020204030204" pitchFamily="49" charset="0"/>
-              </a:rPr>
-              <a:t>&lt;option value = "2"&gt;UK&lt;/option&gt;</a:t>
+              <a:rPr lang="en-US" dirty="0">
+                <a:latin typeface="Consolas" panose="020B0609020204030204" pitchFamily="49" charset="0"/>
+              </a:rPr>
+              <a:t>&lt;td&gt;&lt;input type = "text" name = "</a:t>
+            </a:r>
+            <a:r>
+              <a:rPr lang="en-US" dirty="0" err="1">
+                <a:latin typeface="Consolas" panose="020B0609020204030204" pitchFamily="49" charset="0"/>
+              </a:rPr>
+              <a:t>EMail</a:t>
+            </a:r>
+            <a:r>
+              <a:rPr lang="en-US" dirty="0">
+                <a:latin typeface="Consolas" panose="020B0609020204030204" pitchFamily="49" charset="0"/>
+              </a:rPr>
+              <a:t>" /&gt;&lt;/td&gt;</a:t>
             </a:r>
           </a:p>
           <a:p>
@@ -4882,10 +4931,22 @@
               <a:buNone/>
             </a:pPr>
             <a:r>
-              <a:rPr lang="en-US" sz="1400" dirty="0">
-                <a:latin typeface="Consolas" panose="020B0609020204030204" pitchFamily="49" charset="0"/>
-              </a:rPr>
-              <a:t>&lt;option value = "3"&gt;INDIA&lt;/option&gt;</a:t>
+              <a:rPr lang="en-US" dirty="0">
+                <a:latin typeface="Consolas" panose="020B0609020204030204" pitchFamily="49" charset="0"/>
+              </a:rPr>
+              <a:t>&lt;/</a:t>
+            </a:r>
+            <a:r>
+              <a:rPr lang="en-US" dirty="0" err="1">
+                <a:latin typeface="Consolas" panose="020B0609020204030204" pitchFamily="49" charset="0"/>
+              </a:rPr>
+              <a:t>tr</a:t>
+            </a:r>
+            <a:r>
+              <a:rPr lang="en-US" dirty="0">
+                <a:latin typeface="Consolas" panose="020B0609020204030204" pitchFamily="49" charset="0"/>
+              </a:rPr>
+              <a:t>&gt;           </a:t>
             </a:r>
           </a:p>
           <a:p>
@@ -4893,10 +4954,22 @@
               <a:buNone/>
             </a:pPr>
             <a:r>
-              <a:rPr lang="en-US" sz="1400" dirty="0">
-                <a:latin typeface="Consolas" panose="020B0609020204030204" pitchFamily="49" charset="0"/>
-              </a:rPr>
-              <a:t>&lt;/select&gt;</a:t>
+              <a:rPr lang="en-US" dirty="0">
+                <a:latin typeface="Consolas" panose="020B0609020204030204" pitchFamily="49" charset="0"/>
+              </a:rPr>
+              <a:t>&lt;</a:t>
+            </a:r>
+            <a:r>
+              <a:rPr lang="en-US" dirty="0" err="1">
+                <a:latin typeface="Consolas" panose="020B0609020204030204" pitchFamily="49" charset="0"/>
+              </a:rPr>
+              <a:t>tr</a:t>
+            </a:r>
+            <a:r>
+              <a:rPr lang="en-US" dirty="0">
+                <a:latin typeface="Consolas" panose="020B0609020204030204" pitchFamily="49" charset="0"/>
+              </a:rPr>
+              <a:t>&gt;</a:t>
             </a:r>
           </a:p>
           <a:p>
@@ -4904,10 +4977,10 @@
               <a:buNone/>
             </a:pPr>
             <a:r>
-              <a:rPr lang="en-US" sz="1400" dirty="0">
-                <a:latin typeface="Consolas" panose="020B0609020204030204" pitchFamily="49" charset="0"/>
-              </a:rPr>
-              <a:t>&lt;/td&gt;</a:t>
+              <a:rPr lang="en-US" dirty="0">
+                <a:latin typeface="Consolas" panose="020B0609020204030204" pitchFamily="49" charset="0"/>
+              </a:rPr>
+              <a:t>&lt;td align = "right"&gt;Zip Code&lt;/td&gt;</a:t>
             </a:r>
           </a:p>
           <a:p>
@@ -4915,22 +4988,33 @@
               <a:buNone/>
             </a:pPr>
             <a:r>
-              <a:rPr lang="en-US" sz="1400" dirty="0">
+              <a:rPr lang="en-US" dirty="0">
+                <a:latin typeface="Consolas" panose="020B0609020204030204" pitchFamily="49" charset="0"/>
+              </a:rPr>
+              <a:t>&lt;td&gt;&lt;input type = "text" name = "Zip" /&gt;&lt;/td&gt;</a:t>
+            </a:r>
+          </a:p>
+          <a:p>
+            <a:pPr marL="0" indent="0">
+              <a:buNone/>
+            </a:pPr>
+            <a:r>
+              <a:rPr lang="en-US" dirty="0">
                 <a:latin typeface="Consolas" panose="020B0609020204030204" pitchFamily="49" charset="0"/>
               </a:rPr>
               <a:t>&lt;/</a:t>
             </a:r>
             <a:r>
-              <a:rPr lang="en-US" sz="1400" dirty="0" err="1">
+              <a:rPr lang="en-US" dirty="0" err="1">
                 <a:latin typeface="Consolas" panose="020B0609020204030204" pitchFamily="49" charset="0"/>
               </a:rPr>
               <a:t>tr</a:t>
             </a:r>
             <a:r>
-              <a:rPr lang="en-US" sz="1400" dirty="0">
-                <a:latin typeface="Consolas" panose="020B0609020204030204" pitchFamily="49" charset="0"/>
-              </a:rPr>
-              <a:t>&gt;</a:t>
+              <a:rPr lang="en-US" dirty="0">
+                <a:latin typeface="Consolas" panose="020B0609020204030204" pitchFamily="49" charset="0"/>
+              </a:rPr>
+              <a:t>&gt;      </a:t>
             </a:r>
           </a:p>
         </p:txBody>
@@ -4938,7 +5022,7 @@
     </p:spTree>
     <p:extLst>
       <p:ext uri="{BB962C8B-B14F-4D97-AF65-F5344CB8AC3E}">
-        <p14:creationId xmlns:p14="http://schemas.microsoft.com/office/powerpoint/2010/main" val="1005714071"/>
+        <p14:creationId xmlns:p14="http://schemas.microsoft.com/office/powerpoint/2010/main" val="1460505456"/>
       </p:ext>
     </p:extLst>
   </p:cSld>
@@ -5117,7 +5201,7 @@
               <a:rPr lang="en-US" sz="1400" dirty="0">
                 <a:latin typeface="Consolas" panose="020B0609020204030204" pitchFamily="49" charset="0"/>
               </a:rPr>
-              <a:t>&lt;td align = "right"&gt;&lt;/td&gt;</a:t>
+              <a:t>&lt;td align = "right"&gt;Country&lt;/td&gt;</a:t>
             </a:r>
           </a:p>
           <a:p>
@@ -5128,7 +5212,7 @@
               <a:rPr lang="en-US" sz="1400" dirty="0">
                 <a:latin typeface="Consolas" panose="020B0609020204030204" pitchFamily="49" charset="0"/>
               </a:rPr>
-              <a:t>&lt;td&gt;&lt;input type = "submit" value = "Submit" /&gt;&lt;/td&gt;</a:t>
+              <a:t>&lt;td&gt;</a:t>
             </a:r>
           </a:p>
           <a:p>
@@ -5139,6 +5223,83 @@
               <a:rPr lang="en-US" sz="1400" dirty="0">
                 <a:latin typeface="Consolas" panose="020B0609020204030204" pitchFamily="49" charset="0"/>
               </a:rPr>
+              <a:t>&lt;select name = "Country"&gt;</a:t>
+            </a:r>
+          </a:p>
+          <a:p>
+            <a:pPr marL="0" indent="0">
+              <a:buNone/>
+            </a:pPr>
+            <a:r>
+              <a:rPr lang="en-US" sz="1400" dirty="0">
+                <a:latin typeface="Consolas" panose="020B0609020204030204" pitchFamily="49" charset="0"/>
+              </a:rPr>
+              <a:t>&lt;option value = "-1" selected&gt;[choose yours]&lt;/option&gt;</a:t>
+            </a:r>
+          </a:p>
+          <a:p>
+            <a:pPr marL="0" indent="0">
+              <a:buNone/>
+            </a:pPr>
+            <a:r>
+              <a:rPr lang="en-US" sz="1400" dirty="0">
+                <a:latin typeface="Consolas" panose="020B0609020204030204" pitchFamily="49" charset="0"/>
+              </a:rPr>
+              <a:t>&lt;option value = "1"&gt;USA&lt;/option&gt;</a:t>
+            </a:r>
+          </a:p>
+          <a:p>
+            <a:pPr marL="0" indent="0">
+              <a:buNone/>
+            </a:pPr>
+            <a:r>
+              <a:rPr lang="en-US" sz="1400" dirty="0">
+                <a:latin typeface="Consolas" panose="020B0609020204030204" pitchFamily="49" charset="0"/>
+              </a:rPr>
+              <a:t>&lt;option value = "2"&gt;UK&lt;/option&gt;</a:t>
+            </a:r>
+          </a:p>
+          <a:p>
+            <a:pPr marL="0" indent="0">
+              <a:buNone/>
+            </a:pPr>
+            <a:r>
+              <a:rPr lang="en-US" sz="1400" dirty="0">
+                <a:latin typeface="Consolas" panose="020B0609020204030204" pitchFamily="49" charset="0"/>
+              </a:rPr>
+              <a:t>&lt;option value = "3"&gt;INDIA&lt;/option&gt;</a:t>
+            </a:r>
+          </a:p>
+          <a:p>
+            <a:pPr marL="0" indent="0">
+              <a:buNone/>
+            </a:pPr>
+            <a:r>
+              <a:rPr lang="en-US" sz="1400" dirty="0">
+                <a:latin typeface="Consolas" panose="020B0609020204030204" pitchFamily="49" charset="0"/>
+              </a:rPr>
+              <a:t>&lt;/select&gt;</a:t>
+            </a:r>
+          </a:p>
+          <a:p>
+            <a:pPr marL="0" indent="0">
+              <a:buNone/>
+            </a:pPr>
+            <a:r>
+              <a:rPr lang="en-US" sz="1400" dirty="0">
+                <a:latin typeface="Consolas" panose="020B0609020204030204" pitchFamily="49" charset="0"/>
+              </a:rPr>
+              <a:t>&lt;/td&gt;</a:t>
+            </a:r>
+          </a:p>
+          <a:p>
+            <a:pPr marL="0" indent="0">
+              <a:buNone/>
+            </a:pPr>
+            <a:r>
+              <a:rPr lang="en-US" sz="1400" dirty="0">
+                <a:latin typeface="Consolas" panose="020B0609020204030204" pitchFamily="49" charset="0"/>
+              </a:rPr>
               <a:t>&lt;/</a:t>
             </a:r>
             <a:r>
@@ -5152,50 +5313,6 @@
                 <a:latin typeface="Consolas" panose="020B0609020204030204" pitchFamily="49" charset="0"/>
               </a:rPr>
               <a:t>&gt;</a:t>
-            </a:r>
-          </a:p>
-          <a:p>
-            <a:pPr marL="0" indent="0">
-              <a:buNone/>
-            </a:pPr>
-            <a:r>
-              <a:rPr lang="en-US" sz="1400" dirty="0">
-                <a:latin typeface="Consolas" panose="020B0609020204030204" pitchFamily="49" charset="0"/>
-              </a:rPr>
-              <a:t>&lt;/table&gt;</a:t>
-            </a:r>
-          </a:p>
-          <a:p>
-            <a:pPr marL="0" indent="0">
-              <a:buNone/>
-            </a:pPr>
-            <a:r>
-              <a:rPr lang="en-US" sz="1400" dirty="0">
-                <a:latin typeface="Consolas" panose="020B0609020204030204" pitchFamily="49" charset="0"/>
-              </a:rPr>
-              <a:t>&lt;/form&gt;      </a:t>
-            </a:r>
-          </a:p>
-          <a:p>
-            <a:pPr marL="0" indent="0">
-              <a:buNone/>
-            </a:pPr>
-            <a:r>
-              <a:rPr lang="en-US" sz="1400" dirty="0">
-                <a:latin typeface="Consolas" panose="020B0609020204030204" pitchFamily="49" charset="0"/>
-              </a:rPr>
-              <a:t>&lt;/body&gt;</a:t>
-            </a:r>
-          </a:p>
-          <a:p>
-            <a:pPr marL="0" indent="0">
-              <a:buNone/>
-            </a:pPr>
-            <a:r>
-              <a:rPr lang="en-US" sz="1400" dirty="0">
-                <a:latin typeface="Consolas" panose="020B0609020204030204" pitchFamily="49" charset="0"/>
-              </a:rPr>
-              <a:t>&lt;/html&gt;</a:t>
             </a:r>
           </a:p>
         </p:txBody>
@@ -5203,7 +5320,7 @@
     </p:spTree>
     <p:extLst>
       <p:ext uri="{BB962C8B-B14F-4D97-AF65-F5344CB8AC3E}">
-        <p14:creationId xmlns:p14="http://schemas.microsoft.com/office/powerpoint/2010/main" val="237043879"/>
+        <p14:creationId xmlns:p14="http://schemas.microsoft.com/office/powerpoint/2010/main" val="1005714071"/>
       </p:ext>
     </p:extLst>
   </p:cSld>
@@ -5345,15 +5462,10 @@
             <p:ph idx="1"/>
           </p:nvPr>
         </p:nvSpPr>
-        <p:spPr>
-          <a:xfrm>
-            <a:off x="1066800" y="1913467"/>
-            <a:ext cx="10058400" cy="4039277"/>
-          </a:xfrm>
-        </p:spPr>
+        <p:spPr/>
         <p:txBody>
           <a:bodyPr>
-            <a:noAutofit/>
+            <a:normAutofit/>
           </a:bodyPr>
           <a:lstStyle/>
           <a:p>
@@ -5361,22 +5473,22 @@
               <a:buNone/>
             </a:pPr>
             <a:r>
-              <a:rPr lang="en-US" sz="1200" dirty="0">
-                <a:latin typeface="Consolas" panose="020B0609020204030204" pitchFamily="49" charset="0"/>
-              </a:rPr>
-              <a:t>&lt;script type = "text/</a:t>
-            </a:r>
-            <a:r>
-              <a:rPr lang="en-US" sz="1200" dirty="0" err="1">
-                <a:latin typeface="Consolas" panose="020B0609020204030204" pitchFamily="49" charset="0"/>
-              </a:rPr>
-              <a:t>javascript</a:t>
-            </a:r>
-            <a:r>
-              <a:rPr lang="en-US" sz="1200" dirty="0">
-                <a:latin typeface="Consolas" panose="020B0609020204030204" pitchFamily="49" charset="0"/>
-              </a:rPr>
-              <a:t>"&gt;</a:t>
+              <a:rPr lang="en-US" sz="1400" dirty="0">
+                <a:latin typeface="Consolas" panose="020B0609020204030204" pitchFamily="49" charset="0"/>
+              </a:rPr>
+              <a:t>&lt;</a:t>
+            </a:r>
+            <a:r>
+              <a:rPr lang="en-US" sz="1400" dirty="0" err="1">
+                <a:latin typeface="Consolas" panose="020B0609020204030204" pitchFamily="49" charset="0"/>
+              </a:rPr>
+              <a:t>tr</a:t>
+            </a:r>
+            <a:r>
+              <a:rPr lang="en-US" sz="1400" dirty="0">
+                <a:latin typeface="Consolas" panose="020B0609020204030204" pitchFamily="49" charset="0"/>
+              </a:rPr>
+              <a:t>&gt;</a:t>
             </a:r>
           </a:p>
           <a:p>
@@ -5384,10 +5496,10 @@
               <a:buNone/>
             </a:pPr>
             <a:r>
-              <a:rPr lang="en-US" sz="1200" dirty="0">
-                <a:latin typeface="Consolas" panose="020B0609020204030204" pitchFamily="49" charset="0"/>
-              </a:rPr>
-              <a:t>&lt;!--// Form validation code will come here.</a:t>
+              <a:rPr lang="en-US" sz="1400" dirty="0">
+                <a:latin typeface="Consolas" panose="020B0609020204030204" pitchFamily="49" charset="0"/>
+              </a:rPr>
+              <a:t>&lt;td align = "right"&gt;&lt;/td&gt;</a:t>
             </a:r>
           </a:p>
           <a:p>
@@ -5395,10 +5507,10 @@
               <a:buNone/>
             </a:pPr>
             <a:r>
-              <a:rPr lang="en-US" sz="1200" dirty="0">
-                <a:latin typeface="Consolas" panose="020B0609020204030204" pitchFamily="49" charset="0"/>
-              </a:rPr>
-              <a:t>function validate() {</a:t>
+              <a:rPr lang="en-US" sz="1400" dirty="0">
+                <a:latin typeface="Consolas" panose="020B0609020204030204" pitchFamily="49" charset="0"/>
+              </a:rPr>
+              <a:t>&lt;td&gt;&lt;input type = "submit" value = "Submit" /&gt;&lt;/td&gt;</a:t>
             </a:r>
           </a:p>
           <a:p>
@@ -5406,34 +5518,22 @@
               <a:buNone/>
             </a:pPr>
             <a:r>
-              <a:rPr lang="en-US" sz="1200" dirty="0">
-                <a:latin typeface="Consolas" panose="020B0609020204030204" pitchFamily="49" charset="0"/>
-              </a:rPr>
-              <a:t>  if( </a:t>
-            </a:r>
-            <a:r>
-              <a:rPr lang="en-US" sz="1200" dirty="0" err="1">
-                <a:latin typeface="Consolas" panose="020B0609020204030204" pitchFamily="49" charset="0"/>
-              </a:rPr>
-              <a:t>document.myFor</a:t>
-            </a:r>
-            <a:r>
-              <a:rPr lang="en-US" sz="1200" dirty="0">
-                <a:latin typeface="Consolas" panose="020B0609020204030204" pitchFamily="49" charset="0"/>
-              </a:rPr>
-              <a:t>  </a:t>
-            </a:r>
-            <a:r>
-              <a:rPr lang="en-US" sz="1200" dirty="0" err="1">
-                <a:latin typeface="Consolas" panose="020B0609020204030204" pitchFamily="49" charset="0"/>
-              </a:rPr>
-              <a:t>m.Name.value</a:t>
-            </a:r>
-            <a:r>
-              <a:rPr lang="en-US" sz="1200" dirty="0">
-                <a:latin typeface="Consolas" panose="020B0609020204030204" pitchFamily="49" charset="0"/>
-              </a:rPr>
-              <a:t> == "" ) {</a:t>
+              <a:rPr lang="en-US" sz="1400" dirty="0">
+                <a:latin typeface="Consolas" panose="020B0609020204030204" pitchFamily="49" charset="0"/>
+              </a:rPr>
+              <a:t>&lt;/</a:t>
+            </a:r>
+            <a:r>
+              <a:rPr lang="en-US" sz="1400" dirty="0" err="1">
+                <a:latin typeface="Consolas" panose="020B0609020204030204" pitchFamily="49" charset="0"/>
+              </a:rPr>
+              <a:t>tr</a:t>
+            </a:r>
+            <a:r>
+              <a:rPr lang="en-US" sz="1400" dirty="0">
+                <a:latin typeface="Consolas" panose="020B0609020204030204" pitchFamily="49" charset="0"/>
+              </a:rPr>
+              <a:t>&gt;</a:t>
             </a:r>
           </a:p>
           <a:p>
@@ -5441,10 +5541,10 @@
               <a:buNone/>
             </a:pPr>
             <a:r>
-              <a:rPr lang="en-US" sz="1200" dirty="0">
-                <a:latin typeface="Consolas" panose="020B0609020204030204" pitchFamily="49" charset="0"/>
-              </a:rPr>
-              <a:t>    alert( "Please provide your name!" );</a:t>
+              <a:rPr lang="en-US" sz="1400" dirty="0">
+                <a:latin typeface="Consolas" panose="020B0609020204030204" pitchFamily="49" charset="0"/>
+              </a:rPr>
+              <a:t>&lt;/table&gt;</a:t>
             </a:r>
           </a:p>
           <a:p>
@@ -5452,22 +5552,10 @@
               <a:buNone/>
             </a:pPr>
             <a:r>
-              <a:rPr lang="en-US" sz="1200" dirty="0">
-                <a:latin typeface="Consolas" panose="020B0609020204030204" pitchFamily="49" charset="0"/>
-              </a:rPr>
-              <a:t>    </a:t>
-            </a:r>
-            <a:r>
-              <a:rPr lang="en-US" sz="1200" dirty="0" err="1">
-                <a:latin typeface="Consolas" panose="020B0609020204030204" pitchFamily="49" charset="0"/>
-              </a:rPr>
-              <a:t>document.myForm.Name.focus</a:t>
-            </a:r>
-            <a:r>
-              <a:rPr lang="en-US" sz="1200" dirty="0">
-                <a:latin typeface="Consolas" panose="020B0609020204030204" pitchFamily="49" charset="0"/>
-              </a:rPr>
-              <a:t>() ;</a:t>
+              <a:rPr lang="en-US" sz="1400" dirty="0">
+                <a:latin typeface="Consolas" panose="020B0609020204030204" pitchFamily="49" charset="0"/>
+              </a:rPr>
+              <a:t>&lt;/form&gt;      </a:t>
             </a:r>
           </a:p>
           <a:p>
@@ -5475,10 +5563,10 @@
               <a:buNone/>
             </a:pPr>
             <a:r>
-              <a:rPr lang="en-US" sz="1200" dirty="0">
-                <a:latin typeface="Consolas" panose="020B0609020204030204" pitchFamily="49" charset="0"/>
-              </a:rPr>
-              <a:t>    return false;</a:t>
+              <a:rPr lang="en-US" sz="1400" dirty="0">
+                <a:latin typeface="Consolas" panose="020B0609020204030204" pitchFamily="49" charset="0"/>
+              </a:rPr>
+              <a:t>&lt;/body&gt;</a:t>
             </a:r>
           </a:p>
           <a:p>
@@ -5486,89 +5574,10 @@
               <a:buNone/>
             </a:pPr>
             <a:r>
-              <a:rPr lang="en-US" sz="1200" dirty="0">
-                <a:latin typeface="Consolas" panose="020B0609020204030204" pitchFamily="49" charset="0"/>
-              </a:rPr>
-              <a:t>  }</a:t>
-            </a:r>
-          </a:p>
-          <a:p>
-            <a:pPr marL="0" indent="0">
-              <a:buNone/>
-            </a:pPr>
-            <a:r>
-              <a:rPr lang="en-US" sz="1200" dirty="0">
-                <a:latin typeface="Consolas" panose="020B0609020204030204" pitchFamily="49" charset="0"/>
-              </a:rPr>
-              <a:t>  if( </a:t>
-            </a:r>
-            <a:r>
-              <a:rPr lang="en-US" sz="1200" dirty="0" err="1">
-                <a:latin typeface="Consolas" panose="020B0609020204030204" pitchFamily="49" charset="0"/>
-              </a:rPr>
-              <a:t>document.myForm.EMail.value</a:t>
-            </a:r>
-            <a:r>
-              <a:rPr lang="en-US" sz="1200" dirty="0">
-                <a:latin typeface="Consolas" panose="020B0609020204030204" pitchFamily="49" charset="0"/>
-              </a:rPr>
-              <a:t> == "" ) {</a:t>
-            </a:r>
-          </a:p>
-          <a:p>
-            <a:pPr marL="0" indent="0">
-              <a:buNone/>
-            </a:pPr>
-            <a:r>
-              <a:rPr lang="en-US" sz="1200" dirty="0">
-                <a:latin typeface="Consolas" panose="020B0609020204030204" pitchFamily="49" charset="0"/>
-              </a:rPr>
-              <a:t>    alert( "Please provide your Email!" );</a:t>
-            </a:r>
-          </a:p>
-          <a:p>
-            <a:pPr marL="0" indent="0">
-              <a:buNone/>
-            </a:pPr>
-            <a:r>
-              <a:rPr lang="en-US" sz="1200" dirty="0">
-                <a:latin typeface="Consolas" panose="020B0609020204030204" pitchFamily="49" charset="0"/>
-              </a:rPr>
-              <a:t>    </a:t>
-            </a:r>
-            <a:r>
-              <a:rPr lang="en-US" sz="1200" dirty="0" err="1">
-                <a:latin typeface="Consolas" panose="020B0609020204030204" pitchFamily="49" charset="0"/>
-              </a:rPr>
-              <a:t>document.myForm.EMail.focus</a:t>
-            </a:r>
-            <a:r>
-              <a:rPr lang="en-US" sz="1200" dirty="0">
-                <a:latin typeface="Consolas" panose="020B0609020204030204" pitchFamily="49" charset="0"/>
-              </a:rPr>
-              <a:t>() ;</a:t>
-            </a:r>
-          </a:p>
-          <a:p>
-            <a:pPr marL="0" indent="0">
-              <a:buNone/>
-            </a:pPr>
-            <a:r>
-              <a:rPr lang="en-US" sz="1200" dirty="0">
-                <a:latin typeface="Consolas" panose="020B0609020204030204" pitchFamily="49" charset="0"/>
-              </a:rPr>
-              <a:t>    return false;</a:t>
-            </a:r>
-          </a:p>
-          <a:p>
-            <a:pPr marL="0" indent="0">
-              <a:buNone/>
-            </a:pPr>
-            <a:r>
-              <a:rPr lang="en-US" sz="1200" dirty="0">
-                <a:latin typeface="Consolas" panose="020B0609020204030204" pitchFamily="49" charset="0"/>
-              </a:rPr>
-              <a:t>  }</a:t>
+              <a:rPr lang="en-US" sz="1400" dirty="0">
+                <a:latin typeface="Consolas" panose="020B0609020204030204" pitchFamily="49" charset="0"/>
+              </a:rPr>
+              <a:t>&lt;/html&gt;</a:t>
             </a:r>
           </a:p>
         </p:txBody>
@@ -5576,7 +5585,7 @@
     </p:spTree>
     <p:extLst>
       <p:ext uri="{BB962C8B-B14F-4D97-AF65-F5344CB8AC3E}">
-        <p14:creationId xmlns:p14="http://schemas.microsoft.com/office/powerpoint/2010/main" val="2249744140"/>
+        <p14:creationId xmlns:p14="http://schemas.microsoft.com/office/powerpoint/2010/main" val="237043879"/>
       </p:ext>
     </p:extLst>
   </p:cSld>
@@ -5720,13 +5729,13 @@
         </p:nvSpPr>
         <p:spPr>
           <a:xfrm>
-            <a:off x="1066800" y="1905000"/>
-            <a:ext cx="10058400" cy="4047744"/>
+            <a:off x="1066800" y="1913467"/>
+            <a:ext cx="10058400" cy="4039277"/>
           </a:xfrm>
         </p:spPr>
         <p:txBody>
           <a:bodyPr>
-            <a:normAutofit fontScale="85000" lnSpcReduction="20000"/>
+            <a:noAutofit/>
           </a:bodyPr>
           <a:lstStyle/>
           <a:p>
@@ -5734,34 +5743,79 @@
               <a:buNone/>
             </a:pPr>
             <a:r>
-              <a:rPr lang="en-US" sz="1400" dirty="0">
+              <a:rPr lang="en-US" sz="1200" dirty="0">
+                <a:latin typeface="Consolas" panose="020B0609020204030204" pitchFamily="49" charset="0"/>
+              </a:rPr>
+              <a:t>&lt;script type = "text/</a:t>
+            </a:r>
+            <a:r>
+              <a:rPr lang="en-US" sz="1200" dirty="0" err="1">
+                <a:latin typeface="Consolas" panose="020B0609020204030204" pitchFamily="49" charset="0"/>
+              </a:rPr>
+              <a:t>javascript</a:t>
+            </a:r>
+            <a:r>
+              <a:rPr lang="en-US" sz="1200" dirty="0">
+                <a:latin typeface="Consolas" panose="020B0609020204030204" pitchFamily="49" charset="0"/>
+              </a:rPr>
+              <a:t>"&gt;</a:t>
+            </a:r>
+          </a:p>
+          <a:p>
+            <a:pPr marL="0" indent="0">
+              <a:buNone/>
+            </a:pPr>
+            <a:r>
+              <a:rPr lang="en-US" sz="1200" dirty="0">
+                <a:latin typeface="Consolas" panose="020B0609020204030204" pitchFamily="49" charset="0"/>
+              </a:rPr>
+              <a:t>&lt;!--// Form validation code will come here.</a:t>
+            </a:r>
+          </a:p>
+          <a:p>
+            <a:pPr marL="0" indent="0">
+              <a:buNone/>
+            </a:pPr>
+            <a:r>
+              <a:rPr lang="en-US" sz="1200" dirty="0">
+                <a:latin typeface="Consolas" panose="020B0609020204030204" pitchFamily="49" charset="0"/>
+              </a:rPr>
+              <a:t>function validate() {</a:t>
+            </a:r>
+          </a:p>
+          <a:p>
+            <a:pPr marL="0" indent="0">
+              <a:buNone/>
+            </a:pPr>
+            <a:r>
+              <a:rPr lang="en-US" sz="1200" dirty="0">
                 <a:latin typeface="Consolas" panose="020B0609020204030204" pitchFamily="49" charset="0"/>
               </a:rPr>
               <a:t>  if( </a:t>
             </a:r>
             <a:r>
-              <a:rPr lang="en-US" sz="1400" dirty="0" err="1">
-                <a:latin typeface="Consolas" panose="020B0609020204030204" pitchFamily="49" charset="0"/>
-              </a:rPr>
-              <a:t>document.myForm.Zip.value</a:t>
-            </a:r>
-            <a:r>
-              <a:rPr lang="en-US" sz="1400" dirty="0">
-                <a:latin typeface="Consolas" panose="020B0609020204030204" pitchFamily="49" charset="0"/>
-              </a:rPr>
-              <a:t> == "" || isNaN( </a:t>
-            </a:r>
-            <a:r>
-              <a:rPr lang="en-US" sz="1400" dirty="0" err="1">
-                <a:latin typeface="Consolas" panose="020B0609020204030204" pitchFamily="49" charset="0"/>
-              </a:rPr>
-              <a:t>document.myForm.Zip.value</a:t>
-            </a:r>
-            <a:r>
-              <a:rPr lang="en-US" sz="1400" dirty="0">
-                <a:latin typeface="Consolas" panose="020B0609020204030204" pitchFamily="49" charset="0"/>
-              </a:rPr>
-              <a:t> ) ||</a:t>
+              <a:rPr lang="en-US" sz="1200" dirty="0" err="1">
+                <a:latin typeface="Consolas" panose="020B0609020204030204" pitchFamily="49" charset="0"/>
+              </a:rPr>
+              <a:t>document.myFor</a:t>
+            </a:r>
+            <a:r>
+              <a:rPr lang="en-US" sz="1200" dirty="0">
+                <a:latin typeface="Consolas" panose="020B0609020204030204" pitchFamily="49" charset="0"/>
+              </a:rPr>
+              <a:t>  </a:t>
+            </a:r>
+            <a:r>
+              <a:rPr lang="en-US" sz="1200" dirty="0" err="1">
+                <a:latin typeface="Consolas" panose="020B0609020204030204" pitchFamily="49" charset="0"/>
+              </a:rPr>
+              <a:t>m.Name.value</a:t>
+            </a:r>
+            <a:r>
+              <a:rPr lang="en-US" sz="1200" dirty="0">
+                <a:latin typeface="Consolas" panose="020B0609020204030204" pitchFamily="49" charset="0"/>
+              </a:rPr>
+              <a:t> == "" ) {</a:t>
             </a:r>
           </a:p>
           <a:p>
@@ -5769,22 +5823,33 @@
               <a:buNone/>
             </a:pPr>
             <a:r>
-              <a:rPr lang="en-US" sz="1400" dirty="0">
+              <a:rPr lang="en-US" sz="1200" dirty="0">
+                <a:latin typeface="Consolas" panose="020B0609020204030204" pitchFamily="49" charset="0"/>
+              </a:rPr>
+              <a:t>    alert( "Please provide your name!" );</a:t>
+            </a:r>
+          </a:p>
+          <a:p>
+            <a:pPr marL="0" indent="0">
+              <a:buNone/>
+            </a:pPr>
+            <a:r>
+              <a:rPr lang="en-US" sz="1200" dirty="0">
                 <a:latin typeface="Consolas" panose="020B0609020204030204" pitchFamily="49" charset="0"/>
               </a:rPr>
               <a:t>    </a:t>
             </a:r>
             <a:r>
-              <a:rPr lang="en-US" sz="1400" dirty="0" err="1">
-                <a:latin typeface="Consolas" panose="020B0609020204030204" pitchFamily="49" charset="0"/>
-              </a:rPr>
-              <a:t>document.myForm.Zip.value.length</a:t>
-            </a:r>
-            <a:r>
-              <a:rPr lang="en-US" sz="1400" dirty="0">
-                <a:latin typeface="Consolas" panose="020B0609020204030204" pitchFamily="49" charset="0"/>
-              </a:rPr>
-              <a:t> != 5 ) {          </a:t>
+              <a:rPr lang="en-US" sz="1200" dirty="0" err="1">
+                <a:latin typeface="Consolas" panose="020B0609020204030204" pitchFamily="49" charset="0"/>
+              </a:rPr>
+              <a:t>document.myForm.Name.focus</a:t>
+            </a:r>
+            <a:r>
+              <a:rPr lang="en-US" sz="1200" dirty="0">
+                <a:latin typeface="Consolas" panose="020B0609020204030204" pitchFamily="49" charset="0"/>
+              </a:rPr>
+              <a:t>() ;</a:t>
             </a:r>
           </a:p>
           <a:p>
@@ -5792,10 +5857,10 @@
               <a:buNone/>
             </a:pPr>
             <a:r>
-              <a:rPr lang="en-US" sz="1400" dirty="0">
-                <a:latin typeface="Consolas" panose="020B0609020204030204" pitchFamily="49" charset="0"/>
-              </a:rPr>
-              <a:t>    alert( "Please provide a zip in the format #####." );</a:t>
+              <a:rPr lang="en-US" sz="1200" dirty="0">
+                <a:latin typeface="Consolas" panose="020B0609020204030204" pitchFamily="49" charset="0"/>
+              </a:rPr>
+              <a:t>    return false;</a:t>
             </a:r>
           </a:p>
           <a:p>
@@ -5803,19 +5868,64 @@
               <a:buNone/>
             </a:pPr>
             <a:r>
-              <a:rPr lang="en-US" sz="1400" dirty="0">
+              <a:rPr lang="en-US" sz="1200" dirty="0">
+                <a:latin typeface="Consolas" panose="020B0609020204030204" pitchFamily="49" charset="0"/>
+              </a:rPr>
+              <a:t>  }</a:t>
+            </a:r>
+          </a:p>
+          <a:p>
+            <a:pPr marL="0" indent="0">
+              <a:buNone/>
+            </a:pPr>
+            <a:r>
+              <a:rPr lang="en-US" sz="1200" dirty="0">
+                <a:latin typeface="Consolas" panose="020B0609020204030204" pitchFamily="49" charset="0"/>
+              </a:rPr>
+              <a:t>  if( </a:t>
+            </a:r>
+            <a:r>
+              <a:rPr lang="en-US" sz="1200" dirty="0" err="1">
+                <a:latin typeface="Consolas" panose="020B0609020204030204" pitchFamily="49" charset="0"/>
+              </a:rPr>
+              <a:t>document.myForm.EMail.value</a:t>
+            </a:r>
+            <a:r>
+              <a:rPr lang="en-US" sz="1200" dirty="0">
+                <a:latin typeface="Consolas" panose="020B0609020204030204" pitchFamily="49" charset="0"/>
+              </a:rPr>
+              <a:t> == "" ) {</a:t>
+            </a:r>
+          </a:p>
+          <a:p>
+            <a:pPr marL="0" indent="0">
+              <a:buNone/>
+            </a:pPr>
+            <a:r>
+              <a:rPr lang="en-US" sz="1200" dirty="0">
+                <a:latin typeface="Consolas" panose="020B0609020204030204" pitchFamily="49" charset="0"/>
+              </a:rPr>
+              <a:t>    alert( "Please provide your Email!" );</a:t>
+            </a:r>
+          </a:p>
+          <a:p>
+            <a:pPr marL="0" indent="0">
+              <a:buNone/>
+            </a:pPr>
+            <a:r>
+              <a:rPr lang="en-US" sz="1200" dirty="0">
                 <a:latin typeface="Consolas" panose="020B0609020204030204" pitchFamily="49" charset="0"/>
               </a:rPr>
               <a:t>    </a:t>
             </a:r>
             <a:r>
-              <a:rPr lang="en-US" sz="1400" dirty="0" err="1">
-                <a:latin typeface="Consolas" panose="020B0609020204030204" pitchFamily="49" charset="0"/>
-              </a:rPr>
-              <a:t>document.myForm.Zip.focus</a:t>
-            </a:r>
-            <a:r>
-              <a:rPr lang="en-US" sz="1400" dirty="0">
+              <a:rPr lang="en-US" sz="1200" dirty="0" err="1">
+                <a:latin typeface="Consolas" panose="020B0609020204030204" pitchFamily="49" charset="0"/>
+              </a:rPr>
+              <a:t>document.myForm.EMail.focus</a:t>
+            </a:r>
+            <a:r>
+              <a:rPr lang="en-US" sz="1200" dirty="0">
                 <a:latin typeface="Consolas" panose="020B0609020204030204" pitchFamily="49" charset="0"/>
               </a:rPr>
               <a:t>() ;</a:t>
@@ -5826,7 +5936,7 @@
               <a:buNone/>
             </a:pPr>
             <a:r>
-              <a:rPr lang="en-US" sz="1400" dirty="0">
+              <a:rPr lang="en-US" sz="1200" dirty="0">
                 <a:latin typeface="Consolas" panose="020B0609020204030204" pitchFamily="49" charset="0"/>
               </a:rPr>
               <a:t>    return false;</a:t>
@@ -5837,110 +5947,10 @@
               <a:buNone/>
             </a:pPr>
             <a:r>
-              <a:rPr lang="en-US" sz="1400" dirty="0">
+              <a:rPr lang="en-US" sz="1200" dirty="0">
                 <a:latin typeface="Consolas" panose="020B0609020204030204" pitchFamily="49" charset="0"/>
               </a:rPr>
               <a:t>  }</a:t>
-            </a:r>
-          </a:p>
-          <a:p>
-            <a:pPr marL="0" indent="0">
-              <a:buNone/>
-            </a:pPr>
-            <a:r>
-              <a:rPr lang="en-US" sz="1400" dirty="0">
-                <a:latin typeface="Consolas" panose="020B0609020204030204" pitchFamily="49" charset="0"/>
-              </a:rPr>
-              <a:t>  if( </a:t>
-            </a:r>
-            <a:r>
-              <a:rPr lang="en-US" sz="1400" dirty="0" err="1">
-                <a:latin typeface="Consolas" panose="020B0609020204030204" pitchFamily="49" charset="0"/>
-              </a:rPr>
-              <a:t>document.myForm.Country.value</a:t>
-            </a:r>
-            <a:r>
-              <a:rPr lang="en-US" sz="1400" dirty="0">
-                <a:latin typeface="Consolas" panose="020B0609020204030204" pitchFamily="49" charset="0"/>
-              </a:rPr>
-              <a:t> == "-1" ) {</a:t>
-            </a:r>
-          </a:p>
-          <a:p>
-            <a:pPr marL="0" indent="0">
-              <a:buNone/>
-            </a:pPr>
-            <a:r>
-              <a:rPr lang="en-US" sz="1400" dirty="0">
-                <a:latin typeface="Consolas" panose="020B0609020204030204" pitchFamily="49" charset="0"/>
-              </a:rPr>
-              <a:t>    alert( "Please provide your country!" );</a:t>
-            </a:r>
-          </a:p>
-          <a:p>
-            <a:pPr marL="0" indent="0">
-              <a:buNone/>
-            </a:pPr>
-            <a:r>
-              <a:rPr lang="en-US" sz="1400" dirty="0">
-                <a:latin typeface="Consolas" panose="020B0609020204030204" pitchFamily="49" charset="0"/>
-              </a:rPr>
-              <a:t>    return false;</a:t>
-            </a:r>
-          </a:p>
-          <a:p>
-            <a:pPr marL="0" indent="0">
-              <a:buNone/>
-            </a:pPr>
-            <a:r>
-              <a:rPr lang="en-US" sz="1400" dirty="0">
-                <a:latin typeface="Consolas" panose="020B0609020204030204" pitchFamily="49" charset="0"/>
-              </a:rPr>
-              <a:t>  }</a:t>
-            </a:r>
-          </a:p>
-          <a:p>
-            <a:pPr marL="0" indent="0">
-              <a:buNone/>
-            </a:pPr>
-            <a:r>
-              <a:rPr lang="en-US" sz="1400" dirty="0">
-                <a:latin typeface="Consolas" panose="020B0609020204030204" pitchFamily="49" charset="0"/>
-              </a:rPr>
-              <a:t>  return( true );</a:t>
-            </a:r>
-          </a:p>
-          <a:p>
-            <a:pPr marL="0" indent="0">
-              <a:buNone/>
-            </a:pPr>
-            <a:r>
-              <a:rPr lang="en-US" sz="1400" dirty="0">
-                <a:latin typeface="Consolas" panose="020B0609020204030204" pitchFamily="49" charset="0"/>
-              </a:rPr>
-              <a:t>}</a:t>
-            </a:r>
-          </a:p>
-          <a:p>
-            <a:pPr marL="0" indent="0">
-              <a:buNone/>
-            </a:pPr>
-            <a:r>
-              <a:rPr lang="en-US" sz="1400" dirty="0">
-                <a:latin typeface="Consolas" panose="020B0609020204030204" pitchFamily="49" charset="0"/>
-              </a:rPr>
-              <a:t>//--&gt;</a:t>
-            </a:r>
-          </a:p>
-          <a:p>
-            <a:pPr marL="0" indent="0">
-              <a:buNone/>
-            </a:pPr>
-            <a:r>
-              <a:rPr lang="en-US" sz="1400" dirty="0">
-                <a:latin typeface="Consolas" panose="020B0609020204030204" pitchFamily="49" charset="0"/>
-              </a:rPr>
-              <a:t>&lt;/script&gt;</a:t>
             </a:r>
           </a:p>
         </p:txBody>
@@ -5948,7 +5958,7 @@
     </p:spTree>
     <p:extLst>
       <p:ext uri="{BB962C8B-B14F-4D97-AF65-F5344CB8AC3E}">
-        <p14:creationId xmlns:p14="http://schemas.microsoft.com/office/powerpoint/2010/main" val="1700717540"/>
+        <p14:creationId xmlns:p14="http://schemas.microsoft.com/office/powerpoint/2010/main" val="2249744140"/>
       </p:ext>
     </p:extLst>
   </p:cSld>
@@ -6005,48 +6015,7 @@
           <a:p>
             <a:r>
               <a:rPr lang="en-US" u="sng" dirty="0"/>
-              <a:t>Client-side Validation Using jQuery</a:t>
-            </a:r>
-          </a:p>
-        </p:txBody>
-      </p:sp>
-      <p:sp>
-        <p:nvSpPr>
-          <p:cNvPr id="3" name="Content Placeholder 2">
-            <a:extLst>
-              <a:ext uri="{FF2B5EF4-FFF2-40B4-BE49-F238E27FC236}">
-                <a16:creationId xmlns:a16="http://schemas.microsoft.com/office/drawing/2014/main" id="{844A3DC5-46BF-4BFF-8008-98FD467C4904}"/>
-              </a:ext>
-            </a:extLst>
-          </p:cNvPr>
-          <p:cNvSpPr>
-            <a:spLocks noGrp="1"/>
-          </p:cNvSpPr>
-          <p:nvPr>
-            <p:ph idx="1"/>
-          </p:nvPr>
-        </p:nvSpPr>
-        <p:spPr>
-          <a:xfrm>
-            <a:off x="1066800" y="2733472"/>
-            <a:ext cx="10058400" cy="2768168"/>
-          </a:xfrm>
-        </p:spPr>
-        <p:txBody>
-          <a:bodyPr>
-            <a:normAutofit/>
-          </a:bodyPr>
-          <a:lstStyle/>
-          <a:p>
-            <a:r>
-              <a:rPr lang="en-US" sz="1800" dirty="0"/>
-              <a:t>Form validation in jQuery can be done manually or via a plug-in e.g. validation plug-in</a:t>
-            </a:r>
-          </a:p>
-          <a:p>
-            <a:r>
-              <a:rPr lang="en-US" sz="1800" dirty="0"/>
-              <a:t>The jQuery validation plugin makes simple client-side form validation easy, while still offering plenty of customization options. The plugin comes bundled with a useful set of validation methods, including URL and email validation, while providing an API to write your own methods</a:t>
+              <a:t>Client-side Validation Using JavaScript</a:t>
             </a:r>
           </a:p>
         </p:txBody>
@@ -6088,7 +6057,7 @@
               <a:rPr lang="en-US" sz="1600" dirty="0">
                 <a:hlinkClick r:id="rId2"/>
               </a:rPr>
-              <a:t>https://jqueryvalidation.org/</a:t>
+              <a:t>https://www.tutorialspoint.com/javascript/javascript_form_validations.htm</a:t>
             </a:r>
             <a:endParaRPr lang="en-US" sz="1600" dirty="0">
               <a:solidFill>
@@ -6121,10 +6090,247 @@
           </a:p>
         </p:txBody>
       </p:sp>
+      <p:sp>
+        <p:nvSpPr>
+          <p:cNvPr id="6" name="Content Placeholder 5"/>
+          <p:cNvSpPr>
+            <a:spLocks noGrp="1"/>
+          </p:cNvSpPr>
+          <p:nvPr>
+            <p:ph idx="1"/>
+          </p:nvPr>
+        </p:nvSpPr>
+        <p:spPr>
+          <a:xfrm>
+            <a:off x="1066800" y="1905000"/>
+            <a:ext cx="10058400" cy="4047744"/>
+          </a:xfrm>
+        </p:spPr>
+        <p:txBody>
+          <a:bodyPr>
+            <a:normAutofit fontScale="85000" lnSpcReduction="20000"/>
+          </a:bodyPr>
+          <a:lstStyle/>
+          <a:p>
+            <a:pPr marL="0" indent="0">
+              <a:buNone/>
+            </a:pPr>
+            <a:r>
+              <a:rPr lang="en-US" sz="1400" dirty="0">
+                <a:latin typeface="Consolas" panose="020B0609020204030204" pitchFamily="49" charset="0"/>
+              </a:rPr>
+              <a:t>  if( </a:t>
+            </a:r>
+            <a:r>
+              <a:rPr lang="en-US" sz="1400" dirty="0" err="1">
+                <a:latin typeface="Consolas" panose="020B0609020204030204" pitchFamily="49" charset="0"/>
+              </a:rPr>
+              <a:t>document.myForm.Zip.value</a:t>
+            </a:r>
+            <a:r>
+              <a:rPr lang="en-US" sz="1400" dirty="0">
+                <a:latin typeface="Consolas" panose="020B0609020204030204" pitchFamily="49" charset="0"/>
+              </a:rPr>
+              <a:t> == "" || isNaN( </a:t>
+            </a:r>
+            <a:r>
+              <a:rPr lang="en-US" sz="1400" dirty="0" err="1">
+                <a:latin typeface="Consolas" panose="020B0609020204030204" pitchFamily="49" charset="0"/>
+              </a:rPr>
+              <a:t>document.myForm.Zip.value</a:t>
+            </a:r>
+            <a:r>
+              <a:rPr lang="en-US" sz="1400" dirty="0">
+                <a:latin typeface="Consolas" panose="020B0609020204030204" pitchFamily="49" charset="0"/>
+              </a:rPr>
+              <a:t> ) ||</a:t>
+            </a:r>
+          </a:p>
+          <a:p>
+            <a:pPr marL="0" indent="0">
+              <a:buNone/>
+            </a:pPr>
+            <a:r>
+              <a:rPr lang="en-US" sz="1400" dirty="0">
+                <a:latin typeface="Consolas" panose="020B0609020204030204" pitchFamily="49" charset="0"/>
+              </a:rPr>
+              <a:t>    </a:t>
+            </a:r>
+            <a:r>
+              <a:rPr lang="en-US" sz="1400" dirty="0" err="1">
+                <a:latin typeface="Consolas" panose="020B0609020204030204" pitchFamily="49" charset="0"/>
+              </a:rPr>
+              <a:t>document.myForm.Zip.value.length</a:t>
+            </a:r>
+            <a:r>
+              <a:rPr lang="en-US" sz="1400" dirty="0">
+                <a:latin typeface="Consolas" panose="020B0609020204030204" pitchFamily="49" charset="0"/>
+              </a:rPr>
+              <a:t> != 5 ) {          </a:t>
+            </a:r>
+          </a:p>
+          <a:p>
+            <a:pPr marL="0" indent="0">
+              <a:buNone/>
+            </a:pPr>
+            <a:r>
+              <a:rPr lang="en-US" sz="1400" dirty="0">
+                <a:latin typeface="Consolas" panose="020B0609020204030204" pitchFamily="49" charset="0"/>
+              </a:rPr>
+              <a:t>    alert( "Please provide a zip in the format #####." );</a:t>
+            </a:r>
+          </a:p>
+          <a:p>
+            <a:pPr marL="0" indent="0">
+              <a:buNone/>
+            </a:pPr>
+            <a:r>
+              <a:rPr lang="en-US" sz="1400" dirty="0">
+                <a:latin typeface="Consolas" panose="020B0609020204030204" pitchFamily="49" charset="0"/>
+              </a:rPr>
+              <a:t>    </a:t>
+            </a:r>
+            <a:r>
+              <a:rPr lang="en-US" sz="1400" dirty="0" err="1">
+                <a:latin typeface="Consolas" panose="020B0609020204030204" pitchFamily="49" charset="0"/>
+              </a:rPr>
+              <a:t>document.myForm.Zip.focus</a:t>
+            </a:r>
+            <a:r>
+              <a:rPr lang="en-US" sz="1400" dirty="0">
+                <a:latin typeface="Consolas" panose="020B0609020204030204" pitchFamily="49" charset="0"/>
+              </a:rPr>
+              <a:t>() ;</a:t>
+            </a:r>
+          </a:p>
+          <a:p>
+            <a:pPr marL="0" indent="0">
+              <a:buNone/>
+            </a:pPr>
+            <a:r>
+              <a:rPr lang="en-US" sz="1400" dirty="0">
+                <a:latin typeface="Consolas" panose="020B0609020204030204" pitchFamily="49" charset="0"/>
+              </a:rPr>
+              <a:t>    return false;</a:t>
+            </a:r>
+          </a:p>
+          <a:p>
+            <a:pPr marL="0" indent="0">
+              <a:buNone/>
+            </a:pPr>
+            <a:r>
+              <a:rPr lang="en-US" sz="1400" dirty="0">
+                <a:latin typeface="Consolas" panose="020B0609020204030204" pitchFamily="49" charset="0"/>
+              </a:rPr>
+              <a:t>  }</a:t>
+            </a:r>
+          </a:p>
+          <a:p>
+            <a:pPr marL="0" indent="0">
+              <a:buNone/>
+            </a:pPr>
+            <a:r>
+              <a:rPr lang="en-US" sz="1400" dirty="0">
+                <a:latin typeface="Consolas" panose="020B0609020204030204" pitchFamily="49" charset="0"/>
+              </a:rPr>
+              <a:t>  if( </a:t>
+            </a:r>
+            <a:r>
+              <a:rPr lang="en-US" sz="1400" dirty="0" err="1">
+                <a:latin typeface="Consolas" panose="020B0609020204030204" pitchFamily="49" charset="0"/>
+              </a:rPr>
+              <a:t>document.myForm.Country.value</a:t>
+            </a:r>
+            <a:r>
+              <a:rPr lang="en-US" sz="1400" dirty="0">
+                <a:latin typeface="Consolas" panose="020B0609020204030204" pitchFamily="49" charset="0"/>
+              </a:rPr>
+              <a:t> == "-1" ) {</a:t>
+            </a:r>
+          </a:p>
+          <a:p>
+            <a:pPr marL="0" indent="0">
+              <a:buNone/>
+            </a:pPr>
+            <a:r>
+              <a:rPr lang="en-US" sz="1400" dirty="0">
+                <a:latin typeface="Consolas" panose="020B0609020204030204" pitchFamily="49" charset="0"/>
+              </a:rPr>
+              <a:t>    alert( "Please provide your country!" );</a:t>
+            </a:r>
+          </a:p>
+          <a:p>
+            <a:pPr marL="0" indent="0">
+              <a:buNone/>
+            </a:pPr>
+            <a:r>
+              <a:rPr lang="en-US" sz="1400" dirty="0">
+                <a:latin typeface="Consolas" panose="020B0609020204030204" pitchFamily="49" charset="0"/>
+              </a:rPr>
+              <a:t>    return false;</a:t>
+            </a:r>
+          </a:p>
+          <a:p>
+            <a:pPr marL="0" indent="0">
+              <a:buNone/>
+            </a:pPr>
+            <a:r>
+              <a:rPr lang="en-US" sz="1400" dirty="0">
+                <a:latin typeface="Consolas" panose="020B0609020204030204" pitchFamily="49" charset="0"/>
+              </a:rPr>
+              <a:t>  }</a:t>
+            </a:r>
+          </a:p>
+          <a:p>
+            <a:pPr marL="0" indent="0">
+              <a:buNone/>
+            </a:pPr>
+            <a:r>
+              <a:rPr lang="en-US" sz="1400" dirty="0">
+                <a:latin typeface="Consolas" panose="020B0609020204030204" pitchFamily="49" charset="0"/>
+              </a:rPr>
+              <a:t>  return( true );</a:t>
+            </a:r>
+          </a:p>
+          <a:p>
+            <a:pPr marL="0" indent="0">
+              <a:buNone/>
+            </a:pPr>
+            <a:r>
+              <a:rPr lang="en-US" sz="1400" dirty="0">
+                <a:latin typeface="Consolas" panose="020B0609020204030204" pitchFamily="49" charset="0"/>
+              </a:rPr>
+              <a:t>}</a:t>
+            </a:r>
+          </a:p>
+          <a:p>
+            <a:pPr marL="0" indent="0">
+              <a:buNone/>
+            </a:pPr>
+            <a:r>
+              <a:rPr lang="en-US" sz="1400" dirty="0">
+                <a:latin typeface="Consolas" panose="020B0609020204030204" pitchFamily="49" charset="0"/>
+              </a:rPr>
+              <a:t>//--&gt;</a:t>
+            </a:r>
+          </a:p>
+          <a:p>
+            <a:pPr marL="0" indent="0">
+              <a:buNone/>
+            </a:pPr>
+            <a:r>
+              <a:rPr lang="en-US" sz="1400" dirty="0">
+                <a:latin typeface="Consolas" panose="020B0609020204030204" pitchFamily="49" charset="0"/>
+              </a:rPr>
+              <a:t>&lt;/script&gt;</a:t>
+            </a:r>
+          </a:p>
+        </p:txBody>
+      </p:sp>
     </p:spTree>
     <p:extLst>
       <p:ext uri="{BB962C8B-B14F-4D97-AF65-F5344CB8AC3E}">
-        <p14:creationId xmlns:p14="http://schemas.microsoft.com/office/powerpoint/2010/main" val="305442092"/>
+        <p14:creationId xmlns:p14="http://schemas.microsoft.com/office/powerpoint/2010/main" val="1700717540"/>
       </p:ext>
     </p:extLst>
   </p:cSld>
@@ -6216,55 +6422,13 @@
           <a:p>
             <a:r>
               <a:rPr lang="en-US" sz="1800" dirty="0"/>
-              <a:t>Step 1: Include jQuery</a:t>
-            </a:r>
-          </a:p>
-          <a:p>
-            <a:pPr marL="171450" indent="0">
-              <a:buNone/>
-            </a:pPr>
-            <a:r>
-              <a:rPr lang="en-US" sz="1800" dirty="0">
-                <a:hlinkClick r:id="rId2"/>
-              </a:rPr>
-              <a:t>https://ajax.googleapis.com/ajax/libs/jquery/3.4.1/jquery.min.js</a:t>
-            </a:r>
-            <a:endParaRPr lang="en-US" sz="1800" dirty="0"/>
+              <a:t>Form validation in jQuery can be done manually or via a plug-in e.g. validation plug-in</a:t>
+            </a:r>
           </a:p>
           <a:p>
             <a:r>
               <a:rPr lang="en-US" sz="1800" dirty="0"/>
-              <a:t>Step 2: Include the jQuery Validation Plugin</a:t>
-            </a:r>
-          </a:p>
-          <a:p>
-            <a:pPr marL="171450" indent="0">
-              <a:buNone/>
-            </a:pPr>
-            <a:r>
-              <a:rPr lang="en-US" sz="1800" dirty="0">
-                <a:hlinkClick r:id="rId3"/>
-              </a:rPr>
-              <a:t>https://cdnjs.cloudflare.com/ajax/libs/jquery-validate/1.19.1/jquery.validate.min.js</a:t>
-            </a:r>
-            <a:r>
-              <a:rPr lang="en-US" sz="1800" dirty="0"/>
-              <a:t> </a:t>
-            </a:r>
-          </a:p>
-          <a:p>
-            <a:r>
-              <a:rPr lang="en-US" sz="1800" dirty="0"/>
-              <a:t>Step 3: Create the HTML form</a:t>
-            </a:r>
-          </a:p>
-          <a:p>
-            <a:pPr marL="171450" indent="0">
-              <a:buNone/>
-            </a:pPr>
-            <a:r>
-              <a:rPr lang="en-US" sz="1800" dirty="0"/>
-              <a:t>See the next page</a:t>
+              <a:t>The jQuery validation plugin makes simple client-side form validation easy, while still offering plenty of customization options. The plugin comes bundled with a useful set of validation methods, including URL and email validation, while providing an API to write your own methods</a:t>
             </a:r>
           </a:p>
         </p:txBody>
@@ -6304,7 +6468,7 @@
           <a:p>
             <a:r>
               <a:rPr lang="en-US" sz="1600" dirty="0">
-                <a:hlinkClick r:id="rId4"/>
+                <a:hlinkClick r:id="rId2"/>
               </a:rPr>
               <a:t>https://jqueryvalidation.org/</a:t>
             </a:r>
@@ -6342,7 +6506,7 @@
     </p:spTree>
     <p:extLst>
       <p:ext uri="{BB962C8B-B14F-4D97-AF65-F5344CB8AC3E}">
-        <p14:creationId xmlns:p14="http://schemas.microsoft.com/office/powerpoint/2010/main" val="4058103338"/>
+        <p14:creationId xmlns:p14="http://schemas.microsoft.com/office/powerpoint/2010/main" val="305442092"/>
       </p:ext>
     </p:extLst>
   </p:cSld>
@@ -6432,120 +6596,58 @@
           </a:bodyPr>
           <a:lstStyle/>
           <a:p>
-            <a:pPr marL="0" indent="0">
-              <a:buNone/>
-            </a:pPr>
-            <a:r>
-              <a:rPr lang="en-US" sz="1400" dirty="0">
-                <a:latin typeface="Consolas" panose="020B0609020204030204" pitchFamily="49" charset="0"/>
-              </a:rPr>
-              <a:t>&lt;div class="container"&gt;</a:t>
-            </a:r>
-          </a:p>
-          <a:p>
-            <a:pPr marL="0" indent="0">
-              <a:buNone/>
-            </a:pPr>
-            <a:r>
-              <a:rPr lang="en-US" sz="1400" dirty="0">
-                <a:latin typeface="Consolas" panose="020B0609020204030204" pitchFamily="49" charset="0"/>
-              </a:rPr>
-              <a:t>&lt;h2&gt;Registration&lt;/h2&gt;</a:t>
-            </a:r>
-          </a:p>
-          <a:p>
-            <a:pPr marL="0" indent="0">
-              <a:buNone/>
-            </a:pPr>
-            <a:r>
-              <a:rPr lang="en-US" sz="1400" dirty="0">
-                <a:latin typeface="Consolas" panose="020B0609020204030204" pitchFamily="49" charset="0"/>
-              </a:rPr>
-              <a:t>&lt;form action="" name="registration"&gt;</a:t>
-            </a:r>
-          </a:p>
-          <a:p>
-            <a:pPr marL="0" indent="0">
-              <a:buNone/>
-            </a:pPr>
-            <a:r>
-              <a:rPr lang="en-US" sz="1400" dirty="0">
-                <a:latin typeface="Consolas" panose="020B0609020204030204" pitchFamily="49" charset="0"/>
-              </a:rPr>
-              <a:t>  &lt;label for="</a:t>
-            </a:r>
-            <a:r>
-              <a:rPr lang="en-US" sz="1400" dirty="0" err="1">
-                <a:latin typeface="Consolas" panose="020B0609020204030204" pitchFamily="49" charset="0"/>
-              </a:rPr>
-              <a:t>firstname</a:t>
-            </a:r>
-            <a:r>
-              <a:rPr lang="en-US" sz="1400" dirty="0">
-                <a:latin typeface="Consolas" panose="020B0609020204030204" pitchFamily="49" charset="0"/>
-              </a:rPr>
-              <a:t>"&gt;First Name&lt;/label&gt;</a:t>
-            </a:r>
-          </a:p>
-          <a:p>
-            <a:pPr marL="0" indent="0">
-              <a:buNone/>
-            </a:pPr>
-            <a:r>
-              <a:rPr lang="en-US" sz="1400" dirty="0">
-                <a:latin typeface="Consolas" panose="020B0609020204030204" pitchFamily="49" charset="0"/>
-              </a:rPr>
-              <a:t>  &lt;input type="text" name="</a:t>
-            </a:r>
-            <a:r>
-              <a:rPr lang="en-US" sz="1400" dirty="0" err="1">
-                <a:latin typeface="Consolas" panose="020B0609020204030204" pitchFamily="49" charset="0"/>
-              </a:rPr>
-              <a:t>firstname</a:t>
-            </a:r>
-            <a:r>
-              <a:rPr lang="en-US" sz="1400" dirty="0">
-                <a:latin typeface="Consolas" panose="020B0609020204030204" pitchFamily="49" charset="0"/>
-              </a:rPr>
-              <a:t>" id="</a:t>
-            </a:r>
-            <a:r>
-              <a:rPr lang="en-US" sz="1400" dirty="0" err="1">
-                <a:latin typeface="Consolas" panose="020B0609020204030204" pitchFamily="49" charset="0"/>
-              </a:rPr>
-              <a:t>firstname</a:t>
-            </a:r>
-            <a:r>
-              <a:rPr lang="en-US" sz="1400" dirty="0">
-                <a:latin typeface="Consolas" panose="020B0609020204030204" pitchFamily="49" charset="0"/>
-              </a:rPr>
-              <a:t>" placeholder="John"/&gt;</a:t>
-            </a:r>
-          </a:p>
-          <a:p>
-            <a:pPr marL="0" indent="0">
-              <a:buNone/>
-            </a:pPr>
-            <a:r>
-              <a:rPr lang="en-US" sz="1400" dirty="0">
-                <a:latin typeface="Consolas" panose="020B0609020204030204" pitchFamily="49" charset="0"/>
-              </a:rPr>
-              <a:t>  &lt;label for="lastname"&gt;Last Name&lt;/label&gt;</a:t>
-            </a:r>
-          </a:p>
-          <a:p>
-            <a:pPr marL="0" indent="0">
-              <a:buNone/>
-            </a:pPr>
-            <a:r>
-              <a:rPr lang="en-US" sz="1400" dirty="0">
-                <a:latin typeface="Consolas" panose="020B0609020204030204" pitchFamily="49" charset="0"/>
-              </a:rPr>
-              <a:t>  &lt;input type="text" name="lastname" id="lastname" placeholder="Doe"/&gt;</a:t>
-            </a:r>
-          </a:p>
-          <a:p>
+            <a:r>
+              <a:rPr lang="en-US" sz="1800" dirty="0"/>
+              <a:t>Step 1: Include jQuery</a:t>
+            </a:r>
+          </a:p>
+          <a:p>
+            <a:pPr marL="171450" indent="0">
+              <a:buNone/>
+            </a:pPr>
+            <a:r>
+              <a:rPr lang="en-US" sz="1800" dirty="0">
+                <a:hlinkClick r:id="rId2"/>
+              </a:rPr>
+              <a:t>https://ajax.googleapis.com/ajax/libs/jquery/3.4.1/jquery.min.js</a:t>
+            </a:r>
             <a:endParaRPr lang="en-US" sz="1800" dirty="0"/>
+          </a:p>
+          <a:p>
+            <a:r>
+              <a:rPr lang="en-US" sz="1800" dirty="0"/>
+              <a:t>Step 2: Include the jQuery Validation Plugin</a:t>
+            </a:r>
+          </a:p>
+          <a:p>
+            <a:pPr marL="171450" indent="0">
+              <a:buNone/>
+            </a:pPr>
+            <a:r>
+              <a:rPr lang="en-US" sz="1800" dirty="0">
+                <a:hlinkClick r:id="rId3"/>
+              </a:rPr>
+              <a:t>https://cdnjs.cloudflare.com/ajax/libs/jquery-validate/1.19.1/jquery.validate.min.js</a:t>
+            </a:r>
+            <a:r>
+              <a:rPr lang="en-US" sz="1800" dirty="0"/>
+              <a:t> </a:t>
+            </a:r>
+          </a:p>
+          <a:p>
+            <a:r>
+              <a:rPr lang="en-US" sz="1800" dirty="0"/>
+              <a:t>Step 3: Create the HTML form</a:t>
+            </a:r>
+          </a:p>
+          <a:p>
+            <a:pPr marL="171450" indent="0">
+              <a:buNone/>
+            </a:pPr>
+            <a:r>
+              <a:rPr lang="en-US" sz="1800" dirty="0"/>
+              <a:t>See the next page</a:t>
+            </a:r>
           </a:p>
         </p:txBody>
       </p:sp>
@@ -6584,7 +6686,7 @@
           <a:p>
             <a:r>
               <a:rPr lang="en-US" sz="1600" dirty="0">
-                <a:hlinkClick r:id="rId2"/>
+                <a:hlinkClick r:id="rId4"/>
               </a:rPr>
               <a:t>https://jqueryvalidation.org/</a:t>
             </a:r>
@@ -6622,7 +6724,7 @@
     </p:spTree>
     <p:extLst>
       <p:ext uri="{BB962C8B-B14F-4D97-AF65-F5344CB8AC3E}">
-        <p14:creationId xmlns:p14="http://schemas.microsoft.com/office/powerpoint/2010/main" val="3314803065"/>
+        <p14:creationId xmlns:p14="http://schemas.microsoft.com/office/powerpoint/2010/main" val="4058103338"/>
       </p:ext>
     </p:extLst>
   </p:cSld>
@@ -6719,7 +6821,7 @@
               <a:rPr lang="en-US" sz="1400" dirty="0">
                 <a:latin typeface="Consolas" panose="020B0609020204030204" pitchFamily="49" charset="0"/>
               </a:rPr>
-              <a:t>  label for="email"&gt;Email&lt;/label&gt;</a:t>
+              <a:t>&lt;div class="container"&gt;</a:t>
             </a:r>
           </a:p>
           <a:p>
@@ -6730,7 +6832,7 @@
               <a:rPr lang="en-US" sz="1400" dirty="0">
                 <a:latin typeface="Consolas" panose="020B0609020204030204" pitchFamily="49" charset="0"/>
               </a:rPr>
-              <a:t>  &lt;input type="email" name="email" id="email" placeholder="john@doe.com"/&gt;</a:t>
+              <a:t>&lt;h2&gt;Registration&lt;/h2&gt;</a:t>
             </a:r>
           </a:p>
           <a:p>
@@ -6741,7 +6843,7 @@
               <a:rPr lang="en-US" sz="1400" dirty="0">
                 <a:latin typeface="Consolas" panose="020B0609020204030204" pitchFamily="49" charset="0"/>
               </a:rPr>
-              <a:t>  &lt;label for="password"&gt;Password&lt;/label&gt;</a:t>
+              <a:t>&lt;form action="" name="registration"&gt;</a:t>
             </a:r>
           </a:p>
           <a:p>
@@ -6752,7 +6854,19 @@
               <a:rPr lang="en-US" sz="1400" dirty="0">
                 <a:latin typeface="Consolas" panose="020B0609020204030204" pitchFamily="49" charset="0"/>
               </a:rPr>
-              <a:t>  &lt;input type="password" name="password" id="password“&gt;</a:t>
+              <a:t>  &lt;label for="</a:t>
+            </a:r>
+            <a:r>
+              <a:rPr lang="en-US" sz="1400" dirty="0" err="1">
+                <a:latin typeface="Consolas" panose="020B0609020204030204" pitchFamily="49" charset="0"/>
+              </a:rPr>
+              <a:t>firstname</a:t>
+            </a:r>
+            <a:r>
+              <a:rPr lang="en-US" sz="1400" dirty="0">
+                <a:latin typeface="Consolas" panose="020B0609020204030204" pitchFamily="49" charset="0"/>
+              </a:rPr>
+              <a:t>"&gt;First Name&lt;/label&gt;</a:t>
             </a:r>
           </a:p>
           <a:p>
@@ -6763,7 +6877,31 @@
               <a:rPr lang="en-US" sz="1400" dirty="0">
                 <a:latin typeface="Consolas" panose="020B0609020204030204" pitchFamily="49" charset="0"/>
               </a:rPr>
-              <a:t>  &lt;button type="submit"&gt;Register&lt;/button&gt;</a:t>
+              <a:t>  &lt;input type="text" name="</a:t>
+            </a:r>
+            <a:r>
+              <a:rPr lang="en-US" sz="1400" dirty="0" err="1">
+                <a:latin typeface="Consolas" panose="020B0609020204030204" pitchFamily="49" charset="0"/>
+              </a:rPr>
+              <a:t>firstname</a:t>
+            </a:r>
+            <a:r>
+              <a:rPr lang="en-US" sz="1400" dirty="0">
+                <a:latin typeface="Consolas" panose="020B0609020204030204" pitchFamily="49" charset="0"/>
+              </a:rPr>
+              <a:t>" id="</a:t>
+            </a:r>
+            <a:r>
+              <a:rPr lang="en-US" sz="1400" dirty="0" err="1">
+                <a:latin typeface="Consolas" panose="020B0609020204030204" pitchFamily="49" charset="0"/>
+              </a:rPr>
+              <a:t>firstname</a:t>
+            </a:r>
+            <a:r>
+              <a:rPr lang="en-US" sz="1400" dirty="0">
+                <a:latin typeface="Consolas" panose="020B0609020204030204" pitchFamily="49" charset="0"/>
+              </a:rPr>
+              <a:t>" placeholder="John"/&gt;</a:t>
             </a:r>
           </a:p>
           <a:p>
@@ -6774,7 +6912,7 @@
               <a:rPr lang="en-US" sz="1400" dirty="0">
                 <a:latin typeface="Consolas" panose="020B0609020204030204" pitchFamily="49" charset="0"/>
               </a:rPr>
-              <a:t>  &lt;/form&gt;</a:t>
+              <a:t>  &lt;label for="lastname"&gt;Last Name&lt;/label&gt;</a:t>
             </a:r>
           </a:p>
           <a:p>
@@ -6785,8 +6923,10 @@
               <a:rPr lang="en-US" sz="1400" dirty="0">
                 <a:latin typeface="Consolas" panose="020B0609020204030204" pitchFamily="49" charset="0"/>
               </a:rPr>
-              <a:t>&lt;/div&gt;</a:t>
-            </a:r>
+              <a:t>  &lt;input type="text" name="lastname" id="lastname" placeholder="Doe"/&gt;</a:t>
+            </a:r>
+          </a:p>
+          <a:p>
             <a:endParaRPr lang="en-US" sz="1800" dirty="0"/>
           </a:p>
         </p:txBody>
@@ -6864,7 +7004,7 @@
     </p:spTree>
     <p:extLst>
       <p:ext uri="{BB962C8B-B14F-4D97-AF65-F5344CB8AC3E}">
-        <p14:creationId xmlns:p14="http://schemas.microsoft.com/office/powerpoint/2010/main" val="4171056198"/>
+        <p14:creationId xmlns:p14="http://schemas.microsoft.com/office/powerpoint/2010/main" val="3314803065"/>
       </p:ext>
     </p:extLst>
   </p:cSld>
@@ -6954,45 +7094,82 @@
           </a:bodyPr>
           <a:lstStyle/>
           <a:p>
-            <a:r>
-              <a:rPr lang="en-US" sz="1800" dirty="0"/>
-              <a:t>Step 4: Create the associated stylesheet</a:t>
-            </a:r>
-          </a:p>
-          <a:p>
-            <a:pPr marL="171450" indent="0">
-              <a:buNone/>
-            </a:pPr>
-            <a:r>
-              <a:rPr lang="en-US" sz="1800" dirty="0"/>
-              <a:t>See URL: </a:t>
-            </a:r>
-            <a:r>
-              <a:rPr lang="en-US" sz="1800" dirty="0">
-                <a:hlinkClick r:id="rId2"/>
-              </a:rPr>
-              <a:t>https://jqueryvalidation.org/</a:t>
-            </a:r>
-            <a:endParaRPr lang="en-US" sz="1800" dirty="0">
-              <a:solidFill>
-                <a:srgbClr val="00B0F0"/>
-              </a:solidFill>
-            </a:endParaRPr>
-          </a:p>
-          <a:p>
-            <a:r>
-              <a:rPr lang="en-US" sz="1800" dirty="0"/>
-              <a:t>Step 5: Create JavaScript file form-validation.js</a:t>
-            </a:r>
-          </a:p>
-          <a:p>
-            <a:pPr marL="171450" indent="0">
-              <a:buNone/>
-            </a:pPr>
-            <a:r>
-              <a:rPr lang="en-US" sz="1800" dirty="0"/>
-              <a:t>See the next page</a:t>
-            </a:r>
+            <a:pPr marL="0" indent="0">
+              <a:buNone/>
+            </a:pPr>
+            <a:r>
+              <a:rPr lang="en-US" sz="1400" dirty="0">
+                <a:latin typeface="Consolas" panose="020B0609020204030204" pitchFamily="49" charset="0"/>
+              </a:rPr>
+              <a:t>  label for="email"&gt;Email&lt;/label&gt;</a:t>
+            </a:r>
+          </a:p>
+          <a:p>
+            <a:pPr marL="0" indent="0">
+              <a:buNone/>
+            </a:pPr>
+            <a:r>
+              <a:rPr lang="en-US" sz="1400" dirty="0">
+                <a:latin typeface="Consolas" panose="020B0609020204030204" pitchFamily="49" charset="0"/>
+              </a:rPr>
+              <a:t>  &lt;input type="email" name="email" id="email" placeholder="john@doe.com"/&gt;</a:t>
+            </a:r>
+          </a:p>
+          <a:p>
+            <a:pPr marL="0" indent="0">
+              <a:buNone/>
+            </a:pPr>
+            <a:r>
+              <a:rPr lang="en-US" sz="1400" dirty="0">
+                <a:latin typeface="Consolas" panose="020B0609020204030204" pitchFamily="49" charset="0"/>
+              </a:rPr>
+              <a:t>  &lt;label for="password"&gt;Password&lt;/label&gt;</a:t>
+            </a:r>
+          </a:p>
+          <a:p>
+            <a:pPr marL="0" indent="0">
+              <a:buNone/>
+            </a:pPr>
+            <a:r>
+              <a:rPr lang="en-US" sz="1400" dirty="0">
+                <a:latin typeface="Consolas" panose="020B0609020204030204" pitchFamily="49" charset="0"/>
+              </a:rPr>
+              <a:t>  &lt;input type="password" name="password" id="password“&gt;</a:t>
+            </a:r>
+          </a:p>
+          <a:p>
+            <a:pPr marL="0" indent="0">
+              <a:buNone/>
+            </a:pPr>
+            <a:r>
+              <a:rPr lang="en-US" sz="1400" dirty="0">
+                <a:latin typeface="Consolas" panose="020B0609020204030204" pitchFamily="49" charset="0"/>
+              </a:rPr>
+              <a:t>  &lt;button type="submit"&gt;Register&lt;/button&gt;</a:t>
+            </a:r>
+          </a:p>
+          <a:p>
+            <a:pPr marL="0" indent="0">
+              <a:buNone/>
+            </a:pPr>
+            <a:r>
+              <a:rPr lang="en-US" sz="1400" dirty="0">
+                <a:latin typeface="Consolas" panose="020B0609020204030204" pitchFamily="49" charset="0"/>
+              </a:rPr>
+              <a:t>  &lt;/form&gt;</a:t>
+            </a:r>
+          </a:p>
+          <a:p>
+            <a:pPr marL="0" indent="0">
+              <a:buNone/>
+            </a:pPr>
+            <a:r>
+              <a:rPr lang="en-US" sz="1400" dirty="0">
+                <a:latin typeface="Consolas" panose="020B0609020204030204" pitchFamily="49" charset="0"/>
+              </a:rPr>
+              <a:t>&lt;/div&gt;</a:t>
+            </a:r>
+            <a:endParaRPr lang="en-US" sz="1800" dirty="0"/>
           </a:p>
         </p:txBody>
       </p:sp>
@@ -7069,7 +7246,7 @@
     </p:spTree>
     <p:extLst>
       <p:ext uri="{BB962C8B-B14F-4D97-AF65-F5344CB8AC3E}">
-        <p14:creationId xmlns:p14="http://schemas.microsoft.com/office/powerpoint/2010/main" val="1024841401"/>
+        <p14:creationId xmlns:p14="http://schemas.microsoft.com/office/powerpoint/2010/main" val="4171056198"/>
       </p:ext>
     </p:extLst>
   </p:cSld>
@@ -7155,112 +7332,48 @@
         </p:spPr>
         <p:txBody>
           <a:bodyPr>
-            <a:noAutofit/>
+            <a:normAutofit/>
           </a:bodyPr>
           <a:lstStyle/>
           <a:p>
-            <a:pPr marL="114300" indent="0">
-              <a:buNone/>
-            </a:pPr>
-            <a:r>
-              <a:rPr lang="en-US" sz="1200" dirty="0">
-                <a:latin typeface="Consolas" panose="020B0609020204030204" pitchFamily="49" charset="0"/>
-              </a:rPr>
-              <a:t>// Wait for the DOM to be ready</a:t>
-            </a:r>
-          </a:p>
-          <a:p>
-            <a:pPr marL="114300" indent="0">
-              <a:buNone/>
-            </a:pPr>
-            <a:r>
-              <a:rPr lang="en-US" sz="1200" dirty="0">
-                <a:latin typeface="Consolas" panose="020B0609020204030204" pitchFamily="49" charset="0"/>
-              </a:rPr>
-              <a:t>$(function() {// Initialize form validation on the registration form.</a:t>
-            </a:r>
-          </a:p>
-          <a:p>
-            <a:pPr marL="114300" indent="0">
-              <a:buNone/>
-            </a:pPr>
-            <a:r>
-              <a:rPr lang="en-US" sz="1200" dirty="0">
-                <a:latin typeface="Consolas" panose="020B0609020204030204" pitchFamily="49" charset="0"/>
-              </a:rPr>
-              <a:t>// It has the name attribute "registration“</a:t>
-            </a:r>
-          </a:p>
-          <a:p>
-            <a:pPr marL="114300" indent="0">
-              <a:buNone/>
-            </a:pPr>
-            <a:r>
-              <a:rPr lang="en-US" sz="1200" dirty="0">
-                <a:latin typeface="Consolas" panose="020B0609020204030204" pitchFamily="49" charset="0"/>
-              </a:rPr>
-              <a:t>$("form[name='registration']").validate({</a:t>
-            </a:r>
-          </a:p>
-          <a:p>
-            <a:pPr marL="114300" indent="0">
-              <a:buNone/>
-            </a:pPr>
-            <a:r>
-              <a:rPr lang="en-US" sz="1200" dirty="0">
-                <a:latin typeface="Consolas" panose="020B0609020204030204" pitchFamily="49" charset="0"/>
-              </a:rPr>
-              <a:t>// Specify validation rules</a:t>
-            </a:r>
-          </a:p>
-          <a:p>
-            <a:pPr marL="114300" indent="0">
-              <a:buNone/>
-            </a:pPr>
-            <a:r>
-              <a:rPr lang="en-US" sz="1200" dirty="0">
-                <a:latin typeface="Consolas" panose="020B0609020204030204" pitchFamily="49" charset="0"/>
-              </a:rPr>
-              <a:t>rules: {</a:t>
-            </a:r>
-          </a:p>
-          <a:p>
-            <a:pPr marL="114300" indent="0">
-              <a:buNone/>
-            </a:pPr>
-            <a:r>
-              <a:rPr lang="en-US" sz="1200" dirty="0">
-                <a:latin typeface="Consolas" panose="020B0609020204030204" pitchFamily="49" charset="0"/>
-              </a:rPr>
-              <a:t>// key name on left side is name attribute of an input field. Validation rules defined on right side</a:t>
-            </a:r>
-          </a:p>
-          <a:p>
-            <a:pPr marL="114300" indent="0">
-              <a:buNone/>
-            </a:pPr>
-            <a:r>
-              <a:rPr lang="en-US" sz="1200" dirty="0" err="1">
-                <a:latin typeface="Consolas" panose="020B0609020204030204" pitchFamily="49" charset="0"/>
-              </a:rPr>
-              <a:t>firstname</a:t>
-            </a:r>
-            <a:r>
-              <a:rPr lang="en-US" sz="1200" dirty="0">
-                <a:latin typeface="Consolas" panose="020B0609020204030204" pitchFamily="49" charset="0"/>
-              </a:rPr>
-              <a:t>: "required",</a:t>
-            </a:r>
-          </a:p>
-          <a:p>
-            <a:pPr marL="114300" indent="0">
-              <a:buNone/>
-            </a:pPr>
-            <a:r>
-              <a:rPr lang="en-US" sz="1200" dirty="0">
-                <a:latin typeface="Consolas" panose="020B0609020204030204" pitchFamily="49" charset="0"/>
-              </a:rPr>
-              <a:t>lastname: "required",</a:t>
+            <a:r>
+              <a:rPr lang="en-US" sz="1800" dirty="0"/>
+              <a:t>Step 4: Create the associated stylesheet</a:t>
+            </a:r>
+          </a:p>
+          <a:p>
+            <a:pPr marL="171450" indent="0">
+              <a:buNone/>
+            </a:pPr>
+            <a:r>
+              <a:rPr lang="en-US" sz="1800" dirty="0"/>
+              <a:t>See URL: </a:t>
+            </a:r>
+            <a:r>
+              <a:rPr lang="en-US" sz="1800" dirty="0">
+                <a:hlinkClick r:id="rId2"/>
+              </a:rPr>
+              <a:t>https://jqueryvalidation.org/</a:t>
+            </a:r>
+            <a:endParaRPr lang="en-US" sz="1800" dirty="0">
+              <a:solidFill>
+                <a:srgbClr val="00B0F0"/>
+              </a:solidFill>
+            </a:endParaRPr>
+          </a:p>
+          <a:p>
+            <a:r>
+              <a:rPr lang="en-US" sz="1800" dirty="0"/>
+              <a:t>Step 5: Create JavaScript file form-validation.js</a:t>
+            </a:r>
+          </a:p>
+          <a:p>
+            <a:pPr marL="171450" indent="0">
+              <a:buNone/>
+            </a:pPr>
+            <a:r>
+              <a:rPr lang="en-US" sz="1800" dirty="0"/>
+              <a:t>See the next page</a:t>
             </a:r>
           </a:p>
         </p:txBody>
@@ -7338,7 +7451,7 @@
     </p:spTree>
     <p:extLst>
       <p:ext uri="{BB962C8B-B14F-4D97-AF65-F5344CB8AC3E}">
-        <p14:creationId xmlns:p14="http://schemas.microsoft.com/office/powerpoint/2010/main" val="448444121"/>
+        <p14:creationId xmlns:p14="http://schemas.microsoft.com/office/powerpoint/2010/main" val="1024841401"/>
       </p:ext>
     </p:extLst>
   </p:cSld>
@@ -7349,7 +7462,7 @@
 </file>
 
 <file path=ppt/slides/slide2.xml><?xml version="1.0" encoding="utf-8"?>
-<p:sld xmlns:a="http://schemas.openxmlformats.org/drawingml/2006/main" xmlns:r="http://schemas.openxmlformats.org/officeDocument/2006/relationships" xmlns:p="http://schemas.openxmlformats.org/presentationml/2006/main">
+<p:sld xmlns:a="http://schemas.openxmlformats.org/drawingml/2006/main" xmlns:r="http://schemas.openxmlformats.org/officeDocument/2006/relationships" xmlns:p="http://schemas.openxmlformats.org/presentationml/2006/main" show="0">
   <p:cSld>
     <p:spTree>
       <p:nvGrpSpPr>
@@ -7588,7 +7701,7 @@
               <a:rPr lang="en-US" sz="1200" dirty="0">
                 <a:latin typeface="Consolas" panose="020B0609020204030204" pitchFamily="49" charset="0"/>
               </a:rPr>
-              <a:t>email: {</a:t>
+              <a:t>// Wait for the DOM to be ready</a:t>
             </a:r>
           </a:p>
           <a:p>
@@ -7599,7 +7712,7 @@
               <a:rPr lang="en-US" sz="1200" dirty="0">
                 <a:latin typeface="Consolas" panose="020B0609020204030204" pitchFamily="49" charset="0"/>
               </a:rPr>
-              <a:t>  required: true,</a:t>
+              <a:t>$(function() {// Initialize form validation on the registration form.</a:t>
             </a:r>
           </a:p>
           <a:p>
@@ -7610,7 +7723,7 @@
               <a:rPr lang="en-US" sz="1200" dirty="0">
                 <a:latin typeface="Consolas" panose="020B0609020204030204" pitchFamily="49" charset="0"/>
               </a:rPr>
-              <a:t>  email: true  // email should be validated by the built-in "email" rule</a:t>
+              <a:t>// It has the name attribute "registration“</a:t>
             </a:r>
           </a:p>
           <a:p>
@@ -7621,7 +7734,7 @@
               <a:rPr lang="en-US" sz="1200" dirty="0">
                 <a:latin typeface="Consolas" panose="020B0609020204030204" pitchFamily="49" charset="0"/>
               </a:rPr>
-              <a:t>},  </a:t>
+              <a:t>$("form[name='registration']").validate({</a:t>
             </a:r>
           </a:p>
           <a:p>
@@ -7632,7 +7745,7 @@
               <a:rPr lang="en-US" sz="1200" dirty="0">
                 <a:latin typeface="Consolas" panose="020B0609020204030204" pitchFamily="49" charset="0"/>
               </a:rPr>
-              <a:t>password: {</a:t>
+              <a:t>// Specify validation rules</a:t>
             </a:r>
           </a:p>
           <a:p>
@@ -7643,7 +7756,7 @@
               <a:rPr lang="en-US" sz="1200" dirty="0">
                 <a:latin typeface="Consolas" panose="020B0609020204030204" pitchFamily="49" charset="0"/>
               </a:rPr>
-              <a:t>  required: true,</a:t>
+              <a:t>rules: {</a:t>
             </a:r>
           </a:p>
           <a:p>
@@ -7654,19 +7767,24 @@
               <a:rPr lang="en-US" sz="1200" dirty="0">
                 <a:latin typeface="Consolas" panose="020B0609020204030204" pitchFamily="49" charset="0"/>
               </a:rPr>
-              <a:t>  </a:t>
-            </a:r>
+              <a:t>// key name on left side is name attribute of an input field. Validation rules defined on right side</a:t>
+            </a:r>
+          </a:p>
+          <a:p>
+            <a:pPr marL="114300" indent="0">
+              <a:buNone/>
+            </a:pPr>
             <a:r>
               <a:rPr lang="en-US" sz="1200" dirty="0" err="1">
                 <a:latin typeface="Consolas" panose="020B0609020204030204" pitchFamily="49" charset="0"/>
               </a:rPr>
-              <a:t>minlength</a:t>
+              <a:t>firstname</a:t>
             </a:r>
             <a:r>
               <a:rPr lang="en-US" sz="1200" dirty="0">
                 <a:latin typeface="Consolas" panose="020B0609020204030204" pitchFamily="49" charset="0"/>
               </a:rPr>
-              <a:t>: 5</a:t>
+              <a:t>: "required",</a:t>
             </a:r>
           </a:p>
           <a:p>
@@ -7677,18 +7795,7 @@
               <a:rPr lang="en-US" sz="1200" dirty="0">
                 <a:latin typeface="Consolas" panose="020B0609020204030204" pitchFamily="49" charset="0"/>
               </a:rPr>
-              <a:t>}</a:t>
-            </a:r>
-          </a:p>
-          <a:p>
-            <a:pPr marL="0" indent="0">
-              <a:buNone/>
-            </a:pPr>
-            <a:r>
-              <a:rPr lang="en-US" sz="1200" dirty="0">
-                <a:latin typeface="Consolas" panose="020B0609020204030204" pitchFamily="49" charset="0"/>
-              </a:rPr>
-              <a:t>},</a:t>
+              <a:t>lastname: "required",</a:t>
             </a:r>
           </a:p>
         </p:txBody>
@@ -7766,7 +7873,7 @@
     </p:spTree>
     <p:extLst>
       <p:ext uri="{BB962C8B-B14F-4D97-AF65-F5344CB8AC3E}">
-        <p14:creationId xmlns:p14="http://schemas.microsoft.com/office/powerpoint/2010/main" val="3410226351"/>
+        <p14:creationId xmlns:p14="http://schemas.microsoft.com/office/powerpoint/2010/main" val="448444121"/>
       </p:ext>
     </p:extLst>
   </p:cSld>
@@ -7863,7 +7970,7 @@
               <a:rPr lang="en-US" sz="1200" dirty="0">
                 <a:latin typeface="Consolas" panose="020B0609020204030204" pitchFamily="49" charset="0"/>
               </a:rPr>
-              <a:t>// Specify validation error messages</a:t>
+              <a:t>email: {</a:t>
             </a:r>
           </a:p>
           <a:p>
@@ -7874,7 +7981,7 @@
               <a:rPr lang="en-US" sz="1200" dirty="0">
                 <a:latin typeface="Consolas" panose="020B0609020204030204" pitchFamily="49" charset="0"/>
               </a:rPr>
-              <a:t>messages: {</a:t>
+              <a:t>  required: true,</a:t>
             </a:r>
           </a:p>
           <a:p>
@@ -7885,98 +7992,85 @@
               <a:rPr lang="en-US" sz="1200" dirty="0">
                 <a:latin typeface="Consolas" panose="020B0609020204030204" pitchFamily="49" charset="0"/>
               </a:rPr>
+              <a:t>  email: true  // email should be validated by the built-in "email" rule</a:t>
+            </a:r>
+          </a:p>
+          <a:p>
+            <a:pPr marL="114300" indent="0">
+              <a:buNone/>
+            </a:pPr>
+            <a:r>
+              <a:rPr lang="en-US" sz="1200" dirty="0">
+                <a:latin typeface="Consolas" panose="020B0609020204030204" pitchFamily="49" charset="0"/>
+              </a:rPr>
+              <a:t>},  </a:t>
+            </a:r>
+          </a:p>
+          <a:p>
+            <a:pPr marL="114300" indent="0">
+              <a:buNone/>
+            </a:pPr>
+            <a:r>
+              <a:rPr lang="en-US" sz="1200" dirty="0">
+                <a:latin typeface="Consolas" panose="020B0609020204030204" pitchFamily="49" charset="0"/>
+              </a:rPr>
+              <a:t>password: {</a:t>
+            </a:r>
+          </a:p>
+          <a:p>
+            <a:pPr marL="114300" indent="0">
+              <a:buNone/>
+            </a:pPr>
+            <a:r>
+              <a:rPr lang="en-US" sz="1200" dirty="0">
+                <a:latin typeface="Consolas" panose="020B0609020204030204" pitchFamily="49" charset="0"/>
+              </a:rPr>
+              <a:t>  required: true,</a:t>
+            </a:r>
+          </a:p>
+          <a:p>
+            <a:pPr marL="114300" indent="0">
+              <a:buNone/>
+            </a:pPr>
+            <a:r>
+              <a:rPr lang="en-US" sz="1200" dirty="0">
+                <a:latin typeface="Consolas" panose="020B0609020204030204" pitchFamily="49" charset="0"/>
+              </a:rPr>
               <a:t>  </a:t>
             </a:r>
             <a:r>
               <a:rPr lang="en-US" sz="1200" dirty="0" err="1">
                 <a:latin typeface="Consolas" panose="020B0609020204030204" pitchFamily="49" charset="0"/>
               </a:rPr>
-              <a:t>firstname</a:t>
+              <a:t>minlength</a:t>
             </a:r>
             <a:r>
               <a:rPr lang="en-US" sz="1200" dirty="0">
                 <a:latin typeface="Consolas" panose="020B0609020204030204" pitchFamily="49" charset="0"/>
               </a:rPr>
-              <a:t>: "Please enter your </a:t>
-            </a:r>
-            <a:r>
-              <a:rPr lang="en-US" sz="1200" dirty="0" err="1">
-                <a:latin typeface="Consolas" panose="020B0609020204030204" pitchFamily="49" charset="0"/>
-              </a:rPr>
-              <a:t>firstname</a:t>
-            </a:r>
+              <a:t>: 5</a:t>
+            </a:r>
+          </a:p>
+          <a:p>
+            <a:pPr marL="114300" indent="0">
+              <a:buNone/>
+            </a:pPr>
             <a:r>
               <a:rPr lang="en-US" sz="1200" dirty="0">
                 <a:latin typeface="Consolas" panose="020B0609020204030204" pitchFamily="49" charset="0"/>
               </a:rPr>
-              <a:t>",</a:t>
-            </a:r>
-          </a:p>
-          <a:p>
-            <a:pPr marL="114300" indent="0">
+              <a:t>}</a:t>
+            </a:r>
+          </a:p>
+          <a:p>
+            <a:pPr marL="0" indent="0">
               <a:buNone/>
             </a:pPr>
             <a:r>
               <a:rPr lang="en-US" sz="1200" dirty="0">
                 <a:latin typeface="Consolas" panose="020B0609020204030204" pitchFamily="49" charset="0"/>
               </a:rPr>
-              <a:t>  lastname: "Please enter your lastname",</a:t>
-            </a:r>
-          </a:p>
-          <a:p>
-            <a:pPr marL="114300" indent="0">
-              <a:buNone/>
-            </a:pPr>
-            <a:r>
-              <a:rPr lang="en-US" sz="1200" dirty="0">
-                <a:latin typeface="Consolas" panose="020B0609020204030204" pitchFamily="49" charset="0"/>
-              </a:rPr>
-              <a:t>  password: {</a:t>
-            </a:r>
-          </a:p>
-          <a:p>
-            <a:pPr marL="114300" indent="0">
-              <a:buNone/>
-            </a:pPr>
-            <a:r>
-              <a:rPr lang="en-US" sz="1200" dirty="0">
-                <a:latin typeface="Consolas" panose="020B0609020204030204" pitchFamily="49" charset="0"/>
-              </a:rPr>
-              <a:t>    required: "Please provide a password",</a:t>
-            </a:r>
-          </a:p>
-          <a:p>
-            <a:pPr marL="114300" indent="0">
-              <a:buNone/>
-            </a:pPr>
-            <a:r>
-              <a:rPr lang="en-US" sz="1200" dirty="0">
-                <a:latin typeface="Consolas" panose="020B0609020204030204" pitchFamily="49" charset="0"/>
-              </a:rPr>
-              <a:t>    </a:t>
-            </a:r>
-            <a:r>
-              <a:rPr lang="en-US" sz="1200" dirty="0" err="1">
-                <a:latin typeface="Consolas" panose="020B0609020204030204" pitchFamily="49" charset="0"/>
-              </a:rPr>
-              <a:t>minlength</a:t>
-            </a:r>
-            <a:r>
-              <a:rPr lang="en-US" sz="1200" dirty="0">
-                <a:latin typeface="Consolas" panose="020B0609020204030204" pitchFamily="49" charset="0"/>
-              </a:rPr>
-              <a:t>: "Your password must be at least 5 characters long"</a:t>
-            </a:r>
-          </a:p>
-          <a:p>
-            <a:pPr marL="114300" indent="0">
-              <a:buNone/>
-            </a:pPr>
-            <a:r>
-              <a:rPr lang="en-US" sz="1200" dirty="0">
-                <a:latin typeface="Consolas" panose="020B0609020204030204" pitchFamily="49" charset="0"/>
-              </a:rPr>
-              <a:t>  },</a:t>
+              <a:t>},</a:t>
             </a:r>
           </a:p>
         </p:txBody>
@@ -8054,7 +8148,7 @@
     </p:spTree>
     <p:extLst>
       <p:ext uri="{BB962C8B-B14F-4D97-AF65-F5344CB8AC3E}">
-        <p14:creationId xmlns:p14="http://schemas.microsoft.com/office/powerpoint/2010/main" val="3295486633"/>
+        <p14:creationId xmlns:p14="http://schemas.microsoft.com/office/powerpoint/2010/main" val="3410226351"/>
       </p:ext>
     </p:extLst>
   </p:cSld>
@@ -8151,7 +8245,7 @@
               <a:rPr lang="en-US" sz="1200" dirty="0">
                 <a:latin typeface="Consolas" panose="020B0609020204030204" pitchFamily="49" charset="0"/>
               </a:rPr>
-              <a:t>    email: "Please enter a valid email address"</a:t>
+              <a:t>// Specify validation error messages</a:t>
             </a:r>
           </a:p>
           <a:p>
@@ -8162,108 +8256,109 @@
               <a:rPr lang="en-US" sz="1200" dirty="0">
                 <a:latin typeface="Consolas" panose="020B0609020204030204" pitchFamily="49" charset="0"/>
               </a:rPr>
+              <a:t>messages: {</a:t>
+            </a:r>
+          </a:p>
+          <a:p>
+            <a:pPr marL="114300" indent="0">
+              <a:buNone/>
+            </a:pPr>
+            <a:r>
+              <a:rPr lang="en-US" sz="1200" dirty="0">
+                <a:latin typeface="Consolas" panose="020B0609020204030204" pitchFamily="49" charset="0"/>
+              </a:rPr>
+              <a:t>  </a:t>
+            </a:r>
+            <a:r>
+              <a:rPr lang="en-US" sz="1200" dirty="0" err="1">
+                <a:latin typeface="Consolas" panose="020B0609020204030204" pitchFamily="49" charset="0"/>
+              </a:rPr>
+              <a:t>firstname</a:t>
+            </a:r>
+            <a:r>
+              <a:rPr lang="en-US" sz="1200" dirty="0">
+                <a:latin typeface="Consolas" panose="020B0609020204030204" pitchFamily="49" charset="0"/>
+              </a:rPr>
+              <a:t>: "Please enter your </a:t>
+            </a:r>
+            <a:r>
+              <a:rPr lang="en-US" sz="1200" dirty="0" err="1">
+                <a:latin typeface="Consolas" panose="020B0609020204030204" pitchFamily="49" charset="0"/>
+              </a:rPr>
+              <a:t>firstname</a:t>
+            </a:r>
+            <a:r>
+              <a:rPr lang="en-US" sz="1200" dirty="0">
+                <a:latin typeface="Consolas" panose="020B0609020204030204" pitchFamily="49" charset="0"/>
+              </a:rPr>
+              <a:t>",</a:t>
+            </a:r>
+          </a:p>
+          <a:p>
+            <a:pPr marL="114300" indent="0">
+              <a:buNone/>
+            </a:pPr>
+            <a:r>
+              <a:rPr lang="en-US" sz="1200" dirty="0">
+                <a:latin typeface="Consolas" panose="020B0609020204030204" pitchFamily="49" charset="0"/>
+              </a:rPr>
+              <a:t>  lastname: "Please enter your lastname",</a:t>
+            </a:r>
+          </a:p>
+          <a:p>
+            <a:pPr marL="114300" indent="0">
+              <a:buNone/>
+            </a:pPr>
+            <a:r>
+              <a:rPr lang="en-US" sz="1200" dirty="0">
+                <a:latin typeface="Consolas" panose="020B0609020204030204" pitchFamily="49" charset="0"/>
+              </a:rPr>
+              <a:t>  password: {</a:t>
+            </a:r>
+          </a:p>
+          <a:p>
+            <a:pPr marL="114300" indent="0">
+              <a:buNone/>
+            </a:pPr>
+            <a:r>
+              <a:rPr lang="en-US" sz="1200" dirty="0">
+                <a:latin typeface="Consolas" panose="020B0609020204030204" pitchFamily="49" charset="0"/>
+              </a:rPr>
+              <a:t>    required: "Please provide a password",</a:t>
+            </a:r>
+          </a:p>
+          <a:p>
+            <a:pPr marL="114300" indent="0">
+              <a:buNone/>
+            </a:pPr>
+            <a:r>
+              <a:rPr lang="en-US" sz="1200" dirty="0">
+                <a:latin typeface="Consolas" panose="020B0609020204030204" pitchFamily="49" charset="0"/>
+              </a:rPr>
+              <a:t>    </a:t>
+            </a:r>
+            <a:r>
+              <a:rPr lang="en-US" sz="1200" dirty="0" err="1">
+                <a:latin typeface="Consolas" panose="020B0609020204030204" pitchFamily="49" charset="0"/>
+              </a:rPr>
+              <a:t>minlength</a:t>
+            </a:r>
+            <a:r>
+              <a:rPr lang="en-US" sz="1200" dirty="0">
+                <a:latin typeface="Consolas" panose="020B0609020204030204" pitchFamily="49" charset="0"/>
+              </a:rPr>
+              <a:t>: "Your password must be at least 5 characters long"</a:t>
+            </a:r>
+          </a:p>
+          <a:p>
+            <a:pPr marL="114300" indent="0">
+              <a:buNone/>
+            </a:pPr>
+            <a:r>
+              <a:rPr lang="en-US" sz="1200" dirty="0">
+                <a:latin typeface="Consolas" panose="020B0609020204030204" pitchFamily="49" charset="0"/>
+              </a:rPr>
               <a:t>  },</a:t>
-            </a:r>
-          </a:p>
-          <a:p>
-            <a:pPr marL="114300" indent="0">
-              <a:buNone/>
-            </a:pPr>
-            <a:r>
-              <a:rPr lang="en-US" sz="1200" dirty="0">
-                <a:latin typeface="Consolas" panose="020B0609020204030204" pitchFamily="49" charset="0"/>
-              </a:rPr>
-              <a:t>  // Make sure the form is submitted to the destination defined</a:t>
-            </a:r>
-          </a:p>
-          <a:p>
-            <a:pPr marL="114300" indent="0">
-              <a:buNone/>
-            </a:pPr>
-            <a:r>
-              <a:rPr lang="en-US" sz="1200" dirty="0">
-                <a:latin typeface="Consolas" panose="020B0609020204030204" pitchFamily="49" charset="0"/>
-              </a:rPr>
-              <a:t>  // in the "action" attribute of the form when valid</a:t>
-            </a:r>
-          </a:p>
-          <a:p>
-            <a:pPr marL="114300" indent="0">
-              <a:buNone/>
-            </a:pPr>
-            <a:r>
-              <a:rPr lang="en-US" sz="1200" dirty="0">
-                <a:latin typeface="Consolas" panose="020B0609020204030204" pitchFamily="49" charset="0"/>
-              </a:rPr>
-              <a:t>  </a:t>
-            </a:r>
-            <a:r>
-              <a:rPr lang="en-US" sz="1200" dirty="0" err="1">
-                <a:latin typeface="Consolas" panose="020B0609020204030204" pitchFamily="49" charset="0"/>
-              </a:rPr>
-              <a:t>submitHandler</a:t>
-            </a:r>
-            <a:r>
-              <a:rPr lang="en-US" sz="1200" dirty="0">
-                <a:latin typeface="Consolas" panose="020B0609020204030204" pitchFamily="49" charset="0"/>
-              </a:rPr>
-              <a:t>: function(form) {</a:t>
-            </a:r>
-          </a:p>
-          <a:p>
-            <a:pPr marL="114300" indent="0">
-              <a:buNone/>
-            </a:pPr>
-            <a:r>
-              <a:rPr lang="en-US" sz="1200" dirty="0">
-                <a:latin typeface="Consolas" panose="020B0609020204030204" pitchFamily="49" charset="0"/>
-              </a:rPr>
-              <a:t>  </a:t>
-            </a:r>
-            <a:r>
-              <a:rPr lang="en-US" sz="1200" dirty="0" err="1">
-                <a:latin typeface="Consolas" panose="020B0609020204030204" pitchFamily="49" charset="0"/>
-              </a:rPr>
-              <a:t>form.submit</a:t>
-            </a:r>
-            <a:r>
-              <a:rPr lang="en-US" sz="1200" dirty="0">
-                <a:latin typeface="Consolas" panose="020B0609020204030204" pitchFamily="49" charset="0"/>
-              </a:rPr>
-              <a:t>();</a:t>
-            </a:r>
-          </a:p>
-          <a:p>
-            <a:pPr marL="114300" indent="0">
-              <a:buNone/>
-            </a:pPr>
-            <a:r>
-              <a:rPr lang="en-US" sz="1200" dirty="0">
-                <a:latin typeface="Consolas" panose="020B0609020204030204" pitchFamily="49" charset="0"/>
-              </a:rPr>
-              <a:t>  }</a:t>
-            </a:r>
-          </a:p>
-          <a:p>
-            <a:pPr marL="114300" indent="0">
-              <a:buNone/>
-            </a:pPr>
-            <a:r>
-              <a:rPr lang="en-US" sz="1200" dirty="0">
-                <a:latin typeface="Consolas" panose="020B0609020204030204" pitchFamily="49" charset="0"/>
-              </a:rPr>
-              <a:t>});</a:t>
-            </a:r>
-          </a:p>
-          <a:p>
-            <a:pPr marL="0" indent="0">
-              <a:buNone/>
-            </a:pPr>
-            <a:r>
-              <a:rPr lang="en-US" sz="1200" dirty="0">
-                <a:latin typeface="Consolas" panose="020B0609020204030204" pitchFamily="49" charset="0"/>
-              </a:rPr>
-              <a:t>});</a:t>
             </a:r>
           </a:p>
         </p:txBody>
@@ -8341,7 +8436,7 @@
     </p:spTree>
     <p:extLst>
       <p:ext uri="{BB962C8B-B14F-4D97-AF65-F5344CB8AC3E}">
-        <p14:creationId xmlns:p14="http://schemas.microsoft.com/office/powerpoint/2010/main" val="3949058106"/>
+        <p14:creationId xmlns:p14="http://schemas.microsoft.com/office/powerpoint/2010/main" val="3295486633"/>
       </p:ext>
     </p:extLst>
   </p:cSld>
@@ -8398,7 +8493,7 @@
           <a:p>
             <a:r>
               <a:rPr lang="en-US" u="sng" dirty="0"/>
-              <a:t>Client-side Validation Using Bootstrap 4</a:t>
+              <a:t>Client-side Validation Using jQuery</a:t>
             </a:r>
           </a:p>
         </p:txBody>
@@ -8427,40 +8522,130 @@
         </p:spPr>
         <p:txBody>
           <a:bodyPr>
-            <a:normAutofit/>
+            <a:noAutofit/>
           </a:bodyPr>
           <a:lstStyle/>
           <a:p>
-            <a:r>
-              <a:rPr lang="en-US" sz="1800" dirty="0"/>
-              <a:t>Bootstrap includes validation styles for:</a:t>
-            </a:r>
-          </a:p>
-          <a:p>
-            <a:pPr marL="228600" indent="0">
-              <a:buNone/>
-            </a:pPr>
-            <a:r>
-              <a:rPr lang="en-US" sz="1800" dirty="0"/>
-              <a:t>danger (ideal for when there's a blocking or required field)</a:t>
-            </a:r>
-          </a:p>
-          <a:p>
-            <a:pPr marL="228600" indent="0">
-              <a:buNone/>
-            </a:pPr>
-            <a:r>
-              <a:rPr lang="en-US" sz="1800" dirty="0"/>
-              <a:t>warning (ideal for input values that are in progress, like password strength, or soft validation before a user attempts to submit a form)</a:t>
-            </a:r>
-          </a:p>
-          <a:p>
-            <a:pPr marL="228600" indent="0">
-              <a:buNone/>
-            </a:pPr>
-            <a:r>
-              <a:rPr lang="en-US" sz="1800" dirty="0"/>
-              <a:t>success (ideal for ideal for situations when you have per-field validation throughout a form and want to encourage a user through the rest of the fields) states on most form controls</a:t>
+            <a:pPr marL="114300" indent="0">
+              <a:buNone/>
+            </a:pPr>
+            <a:r>
+              <a:rPr lang="en-US" sz="1200" dirty="0">
+                <a:latin typeface="Consolas" panose="020B0609020204030204" pitchFamily="49" charset="0"/>
+              </a:rPr>
+              <a:t>    email: "Please enter a valid email address"</a:t>
+            </a:r>
+          </a:p>
+          <a:p>
+            <a:pPr marL="114300" indent="0">
+              <a:buNone/>
+            </a:pPr>
+            <a:r>
+              <a:rPr lang="en-US" sz="1200" dirty="0">
+                <a:latin typeface="Consolas" panose="020B0609020204030204" pitchFamily="49" charset="0"/>
+              </a:rPr>
+              <a:t>  },</a:t>
+            </a:r>
+          </a:p>
+          <a:p>
+            <a:pPr marL="114300" indent="0">
+              <a:buNone/>
+            </a:pPr>
+            <a:r>
+              <a:rPr lang="en-US" sz="1200" dirty="0">
+                <a:latin typeface="Consolas" panose="020B0609020204030204" pitchFamily="49" charset="0"/>
+              </a:rPr>
+              <a:t>  // Make sure the form is submitted to the destination defined</a:t>
+            </a:r>
+          </a:p>
+          <a:p>
+            <a:pPr marL="114300" indent="0">
+              <a:buNone/>
+            </a:pPr>
+            <a:r>
+              <a:rPr lang="en-US" sz="1200" dirty="0">
+                <a:latin typeface="Consolas" panose="020B0609020204030204" pitchFamily="49" charset="0"/>
+              </a:rPr>
+              <a:t>  // in the "action" attribute of the form when valid</a:t>
+            </a:r>
+          </a:p>
+          <a:p>
+            <a:pPr marL="114300" indent="0">
+              <a:buNone/>
+            </a:pPr>
+            <a:r>
+              <a:rPr lang="en-US" sz="1200" dirty="0">
+                <a:latin typeface="Consolas" panose="020B0609020204030204" pitchFamily="49" charset="0"/>
+              </a:rPr>
+              <a:t>  </a:t>
+            </a:r>
+            <a:r>
+              <a:rPr lang="en-US" sz="1200" dirty="0" err="1">
+                <a:latin typeface="Consolas" panose="020B0609020204030204" pitchFamily="49" charset="0"/>
+              </a:rPr>
+              <a:t>submitHandler</a:t>
+            </a:r>
+            <a:r>
+              <a:rPr lang="en-US" sz="1200" dirty="0">
+                <a:latin typeface="Consolas" panose="020B0609020204030204" pitchFamily="49" charset="0"/>
+              </a:rPr>
+              <a:t>: function(form) {</a:t>
+            </a:r>
+          </a:p>
+          <a:p>
+            <a:pPr marL="114300" indent="0">
+              <a:buNone/>
+            </a:pPr>
+            <a:r>
+              <a:rPr lang="en-US" sz="1200" dirty="0">
+                <a:latin typeface="Consolas" panose="020B0609020204030204" pitchFamily="49" charset="0"/>
+              </a:rPr>
+              <a:t>  </a:t>
+            </a:r>
+            <a:r>
+              <a:rPr lang="en-US" sz="1200" dirty="0" err="1">
+                <a:latin typeface="Consolas" panose="020B0609020204030204" pitchFamily="49" charset="0"/>
+              </a:rPr>
+              <a:t>form.submit</a:t>
+            </a:r>
+            <a:r>
+              <a:rPr lang="en-US" sz="1200" dirty="0">
+                <a:latin typeface="Consolas" panose="020B0609020204030204" pitchFamily="49" charset="0"/>
+              </a:rPr>
+              <a:t>();</a:t>
+            </a:r>
+          </a:p>
+          <a:p>
+            <a:pPr marL="114300" indent="0">
+              <a:buNone/>
+            </a:pPr>
+            <a:r>
+              <a:rPr lang="en-US" sz="1200" dirty="0">
+                <a:latin typeface="Consolas" panose="020B0609020204030204" pitchFamily="49" charset="0"/>
+              </a:rPr>
+              <a:t>  }</a:t>
+            </a:r>
+          </a:p>
+          <a:p>
+            <a:pPr marL="114300" indent="0">
+              <a:buNone/>
+            </a:pPr>
+            <a:r>
+              <a:rPr lang="en-US" sz="1200" dirty="0">
+                <a:latin typeface="Consolas" panose="020B0609020204030204" pitchFamily="49" charset="0"/>
+              </a:rPr>
+              <a:t>});</a:t>
+            </a:r>
+          </a:p>
+          <a:p>
+            <a:pPr marL="0" indent="0">
+              <a:buNone/>
+            </a:pPr>
+            <a:r>
+              <a:rPr lang="en-US" sz="1200" dirty="0">
+                <a:latin typeface="Consolas" panose="020B0609020204030204" pitchFamily="49" charset="0"/>
+              </a:rPr>
+              <a:t>});</a:t>
             </a:r>
           </a:p>
         </p:txBody>
@@ -8502,11 +8687,7 @@
               <a:rPr lang="en-US" sz="1600" dirty="0">
                 <a:hlinkClick r:id="rId2"/>
               </a:rPr>
-              <a:t>https://v4-alpha.getbootstrap.com/components/forms/#validation</a:t>
-            </a:r>
-            <a:r>
-              <a:rPr lang="en-US" sz="1600" dirty="0"/>
-              <a:t> </a:t>
+              <a:t>https://jqueryvalidation.org/</a:t>
             </a:r>
             <a:endParaRPr lang="en-US" sz="1600" dirty="0">
               <a:solidFill>
@@ -8542,7 +8723,7 @@
     </p:spTree>
     <p:extLst>
       <p:ext uri="{BB962C8B-B14F-4D97-AF65-F5344CB8AC3E}">
-        <p14:creationId xmlns:p14="http://schemas.microsoft.com/office/powerpoint/2010/main" val="3603688718"/>
+        <p14:creationId xmlns:p14="http://schemas.microsoft.com/office/powerpoint/2010/main" val="3949058106"/>
       </p:ext>
     </p:extLst>
   </p:cSld>
@@ -8634,19 +8815,34 @@
           <a:p>
             <a:r>
               <a:rPr lang="en-US" sz="1800" dirty="0"/>
-              <a:t>To use, add .has-warning, .has-danger, or .has-success to the parent element. Any .col-form-label, .form-control, or custom form element will receive the validation styles.</a:t>
-            </a:r>
-          </a:p>
-          <a:p>
+              <a:t>Bootstrap includes validation styles for:</a:t>
+            </a:r>
+          </a:p>
+          <a:p>
+            <a:pPr marL="228600" indent="0">
+              <a:buNone/>
+            </a:pPr>
             <a:r>
               <a:rPr lang="en-US" sz="1800" dirty="0"/>
-              <a:t>Contextual validation text, in addition to your usual form field help text, can be added with the use of .form-control-feedback. This text will adapt to the parent .has-* class. By default it only includes a bit of margin for spacing and a modified color for each state.</a:t>
-            </a:r>
-          </a:p>
-          <a:p>
+              <a:t>danger (ideal for when there's a blocking or required field)</a:t>
+            </a:r>
+          </a:p>
+          <a:p>
+            <a:pPr marL="228600" indent="0">
+              <a:buNone/>
+            </a:pPr>
             <a:r>
               <a:rPr lang="en-US" sz="1800" dirty="0"/>
-              <a:t>Validation icons are URLs configured via Sass variables that are applied to background-image declarations for each state.</a:t>
+              <a:t>warning (ideal for input values that are in progress, like password strength, or soft validation before a user attempts to submit a form)</a:t>
+            </a:r>
+          </a:p>
+          <a:p>
+            <a:pPr marL="228600" indent="0">
+              <a:buNone/>
+            </a:pPr>
+            <a:r>
+              <a:rPr lang="en-US" sz="1800" dirty="0"/>
+              <a:t>success (ideal for ideal for situations when you have per-field validation throughout a form and want to encourage a user through the rest of the fields) states on most form controls</a:t>
             </a:r>
           </a:p>
         </p:txBody>
@@ -8728,7 +8924,7 @@
     </p:spTree>
     <p:extLst>
       <p:ext uri="{BB962C8B-B14F-4D97-AF65-F5344CB8AC3E}">
-        <p14:creationId xmlns:p14="http://schemas.microsoft.com/office/powerpoint/2010/main" val="2523092649"/>
+        <p14:creationId xmlns:p14="http://schemas.microsoft.com/office/powerpoint/2010/main" val="3603688718"/>
       </p:ext>
     </p:extLst>
   </p:cSld>
@@ -8820,82 +9016,20 @@
           <a:p>
             <a:r>
               <a:rPr lang="en-US" sz="1800" dirty="0"/>
-              <a:t>Example:</a:t>
-            </a:r>
-          </a:p>
-          <a:p>
-            <a:pPr marL="0" indent="0">
-              <a:buNone/>
-            </a:pPr>
-            <a:r>
-              <a:rPr lang="en-US" sz="1200" dirty="0">
-                <a:latin typeface="Consolas" panose="020B0609020204030204" pitchFamily="49" charset="0"/>
-              </a:rPr>
-              <a:t>&lt;div class="form-group has-danger"&gt;</a:t>
-            </a:r>
-          </a:p>
-          <a:p>
-            <a:pPr marL="0" indent="0">
-              <a:buNone/>
-            </a:pPr>
-            <a:r>
-              <a:rPr lang="en-US" sz="1200" dirty="0">
-                <a:latin typeface="Consolas" panose="020B0609020204030204" pitchFamily="49" charset="0"/>
-              </a:rPr>
-              <a:t>  &lt;label class="form-control-label" for="inputDanger1"&gt;Input with danger&lt;/label&gt;</a:t>
-            </a:r>
-          </a:p>
-          <a:p>
-            <a:pPr marL="0" indent="0">
-              <a:buNone/>
-            </a:pPr>
-            <a:r>
-              <a:rPr lang="en-US" sz="1200" dirty="0">
-                <a:latin typeface="Consolas" panose="020B0609020204030204" pitchFamily="49" charset="0"/>
-              </a:rPr>
-              <a:t>  &lt;input type="text" class="form-control form-control-danger" id="inputDanger1"&gt;</a:t>
-            </a:r>
-          </a:p>
-          <a:p>
-            <a:pPr marL="0" indent="0">
-              <a:buNone/>
-            </a:pPr>
-            <a:r>
-              <a:rPr lang="en-US" sz="1200" dirty="0">
-                <a:latin typeface="Consolas" panose="020B0609020204030204" pitchFamily="49" charset="0"/>
-              </a:rPr>
-              <a:t>  &lt;div class="form-control-feedback"&gt;Sorry, that username's taken. Try another?&lt;/div&gt;</a:t>
-            </a:r>
-          </a:p>
-          <a:p>
-            <a:pPr marL="0" indent="0">
-              <a:buNone/>
-            </a:pPr>
-            <a:r>
-              <a:rPr lang="en-US" sz="1200" dirty="0">
-                <a:latin typeface="Consolas" panose="020B0609020204030204" pitchFamily="49" charset="0"/>
-              </a:rPr>
-              <a:t>  &lt;small class="form-text text-muted"&gt;Example help text that remains unchanged.&lt;/small&gt;</a:t>
-            </a:r>
-          </a:p>
-          <a:p>
-            <a:pPr marL="0" indent="0">
-              <a:buNone/>
-            </a:pPr>
-            <a:r>
-              <a:rPr lang="en-US" sz="1200" dirty="0">
-                <a:latin typeface="Consolas" panose="020B0609020204030204" pitchFamily="49" charset="0"/>
-              </a:rPr>
-              <a:t>&lt;/div&gt;</a:t>
-            </a:r>
-          </a:p>
-          <a:p>
-            <a:pPr marL="0" indent="0">
-              <a:buNone/>
-            </a:pPr>
-            <a:endParaRPr lang="en-US" sz="1200" dirty="0">
-              <a:latin typeface="Consolas" panose="020B0609020204030204" pitchFamily="49" charset="0"/>
-            </a:endParaRPr>
+              <a:t>To use, add .has-warning, .has-danger, or .has-success to the parent element. Any .col-form-label, .form-control, or custom form element will receive the validation styles.</a:t>
+            </a:r>
+          </a:p>
+          <a:p>
+            <a:r>
+              <a:rPr lang="en-US" sz="1800" dirty="0"/>
+              <a:t>Contextual validation text, in addition to your usual form field help text, can be added with the use of .form-control-feedback. This text will adapt to the parent .has-* class. By default it only includes a bit of margin for spacing and a modified color for each state.</a:t>
+            </a:r>
+          </a:p>
+          <a:p>
+            <a:r>
+              <a:rPr lang="en-US" sz="1800" dirty="0"/>
+              <a:t>Validation icons are URLs configured via Sass variables that are applied to background-image declarations for each state.</a:t>
+            </a:r>
           </a:p>
         </p:txBody>
       </p:sp>
@@ -8973,34 +9107,10 @@
           </a:p>
         </p:txBody>
       </p:sp>
-      <p:pic>
-        <p:nvPicPr>
-          <p:cNvPr id="6" name="Picture 5"/>
-          <p:cNvPicPr>
-            <a:picLocks noChangeAspect="1"/>
-          </p:cNvPicPr>
-          <p:nvPr/>
-        </p:nvPicPr>
-        <p:blipFill>
-          <a:blip r:embed="rId3"/>
-          <a:stretch>
-            <a:fillRect/>
-          </a:stretch>
-        </p:blipFill>
-        <p:spPr>
-          <a:xfrm>
-            <a:off x="2142172" y="4795064"/>
-            <a:ext cx="8334375" cy="1030783"/>
-          </a:xfrm>
-          <a:prstGeom prst="rect">
-            <a:avLst/>
-          </a:prstGeom>
-        </p:spPr>
-      </p:pic>
     </p:spTree>
     <p:extLst>
       <p:ext uri="{BB962C8B-B14F-4D97-AF65-F5344CB8AC3E}">
-        <p14:creationId xmlns:p14="http://schemas.microsoft.com/office/powerpoint/2010/main" val="2600269636"/>
+        <p14:creationId xmlns:p14="http://schemas.microsoft.com/office/powerpoint/2010/main" val="2523092649"/>
       </p:ext>
     </p:extLst>
   </p:cSld>
@@ -9057,7 +9167,7 @@
           <a:p>
             <a:r>
               <a:rPr lang="en-US" u="sng" dirty="0"/>
-              <a:t>Server-side Validation Using @hap/joi</a:t>
+              <a:t>Client-side Validation Using Bootstrap 4</a:t>
             </a:r>
           </a:p>
         </p:txBody>
@@ -9081,7 +9191,7 @@
         <p:spPr>
           <a:xfrm>
             <a:off x="1066800" y="2733472"/>
-            <a:ext cx="10058400" cy="2349068"/>
+            <a:ext cx="10058400" cy="2768168"/>
           </a:xfrm>
         </p:spPr>
         <p:txBody>
@@ -9092,14 +9202,82 @@
           <a:p>
             <a:r>
               <a:rPr lang="en-US" sz="1800" dirty="0"/>
-              <a:t>The idea of Joi is to define the schema of what the object will resemble</a:t>
-            </a:r>
-          </a:p>
-          <a:p>
-            <a:r>
-              <a:rPr lang="en-US" sz="1800" dirty="0"/>
-              <a:t>For example, suppose we have a login form with username and password fields</a:t>
-            </a:r>
+              <a:t>Example:</a:t>
+            </a:r>
+          </a:p>
+          <a:p>
+            <a:pPr marL="0" indent="0">
+              <a:buNone/>
+            </a:pPr>
+            <a:r>
+              <a:rPr lang="en-US" sz="1200" dirty="0">
+                <a:latin typeface="Consolas" panose="020B0609020204030204" pitchFamily="49" charset="0"/>
+              </a:rPr>
+              <a:t>&lt;div class="form-group has-danger"&gt;</a:t>
+            </a:r>
+          </a:p>
+          <a:p>
+            <a:pPr marL="0" indent="0">
+              <a:buNone/>
+            </a:pPr>
+            <a:r>
+              <a:rPr lang="en-US" sz="1200" dirty="0">
+                <a:latin typeface="Consolas" panose="020B0609020204030204" pitchFamily="49" charset="0"/>
+              </a:rPr>
+              <a:t>  &lt;label class="form-control-label" for="inputDanger1"&gt;Input with danger&lt;/label&gt;</a:t>
+            </a:r>
+          </a:p>
+          <a:p>
+            <a:pPr marL="0" indent="0">
+              <a:buNone/>
+            </a:pPr>
+            <a:r>
+              <a:rPr lang="en-US" sz="1200" dirty="0">
+                <a:latin typeface="Consolas" panose="020B0609020204030204" pitchFamily="49" charset="0"/>
+              </a:rPr>
+              <a:t>  &lt;input type="text" class="form-control form-control-danger" id="inputDanger1"&gt;</a:t>
+            </a:r>
+          </a:p>
+          <a:p>
+            <a:pPr marL="0" indent="0">
+              <a:buNone/>
+            </a:pPr>
+            <a:r>
+              <a:rPr lang="en-US" sz="1200" dirty="0">
+                <a:latin typeface="Consolas" panose="020B0609020204030204" pitchFamily="49" charset="0"/>
+              </a:rPr>
+              <a:t>  &lt;div class="form-control-feedback"&gt;Sorry, that username's taken. Try another?&lt;/div&gt;</a:t>
+            </a:r>
+          </a:p>
+          <a:p>
+            <a:pPr marL="0" indent="0">
+              <a:buNone/>
+            </a:pPr>
+            <a:r>
+              <a:rPr lang="en-US" sz="1200" dirty="0">
+                <a:latin typeface="Consolas" panose="020B0609020204030204" pitchFamily="49" charset="0"/>
+              </a:rPr>
+              <a:t>  &lt;small class="form-text text-muted"&gt;Example help text that remains unchanged.&lt;/small&gt;</a:t>
+            </a:r>
+          </a:p>
+          <a:p>
+            <a:pPr marL="0" indent="0">
+              <a:buNone/>
+            </a:pPr>
+            <a:r>
+              <a:rPr lang="en-US" sz="1200" dirty="0">
+                <a:latin typeface="Consolas" panose="020B0609020204030204" pitchFamily="49" charset="0"/>
+              </a:rPr>
+              <a:t>&lt;/div&gt;</a:t>
+            </a:r>
+          </a:p>
+          <a:p>
+            <a:pPr marL="0" indent="0">
+              <a:buNone/>
+            </a:pPr>
+            <a:endParaRPr lang="en-US" sz="1200" dirty="0">
+              <a:latin typeface="Consolas" panose="020B0609020204030204" pitchFamily="49" charset="0"/>
+            </a:endParaRPr>
           </a:p>
         </p:txBody>
       </p:sp>
@@ -9118,7 +9296,7 @@
         <p:spPr>
           <a:xfrm>
             <a:off x="1043940" y="5710833"/>
-            <a:ext cx="10058400" cy="830997"/>
+            <a:ext cx="10058400" cy="584775"/>
           </a:xfrm>
           <a:prstGeom prst="rect">
             <a:avLst/>
@@ -9140,7 +9318,11 @@
               <a:rPr lang="en-US" sz="1600" dirty="0">
                 <a:hlinkClick r:id="rId2"/>
               </a:rPr>
-              <a:t>https://medium.com/@rossbulat/joi-for-node-exploring-javascript-object-schema-validation-50dd4b8e1b0f</a:t>
+              <a:t>https://v4-alpha.getbootstrap.com/components/forms/#validation</a:t>
+            </a:r>
+            <a:r>
+              <a:rPr lang="en-US" sz="1600" dirty="0"/>
+              <a:t> </a:t>
             </a:r>
             <a:endParaRPr lang="en-US" sz="1600" dirty="0">
               <a:solidFill>
@@ -9189,21 +9371,18 @@
         </p:blipFill>
         <p:spPr>
           <a:xfrm>
-            <a:off x="1294447" y="3603456"/>
-            <a:ext cx="8886825" cy="1781175"/>
+            <a:off x="2142172" y="4795064"/>
+            <a:ext cx="8334375" cy="1030783"/>
           </a:xfrm>
           <a:prstGeom prst="rect">
             <a:avLst/>
           </a:prstGeom>
-          <a:solidFill>
-            <a:schemeClr val="bg1"/>
-          </a:solidFill>
         </p:spPr>
       </p:pic>
     </p:spTree>
     <p:extLst>
       <p:ext uri="{BB962C8B-B14F-4D97-AF65-F5344CB8AC3E}">
-        <p14:creationId xmlns:p14="http://schemas.microsoft.com/office/powerpoint/2010/main" val="504625558"/>
+        <p14:creationId xmlns:p14="http://schemas.microsoft.com/office/powerpoint/2010/main" val="2600269636"/>
       </p:ext>
     </p:extLst>
   </p:cSld>
@@ -9289,40 +9468,19 @@
         </p:spPr>
         <p:txBody>
           <a:bodyPr>
-            <a:normAutofit fontScale="92500" lnSpcReduction="20000"/>
+            <a:normAutofit/>
           </a:bodyPr>
           <a:lstStyle/>
           <a:p>
             <a:r>
-              <a:rPr lang="en-US" sz="1800" b="1" dirty="0"/>
-              <a:t>Joi .object()</a:t>
-            </a:r>
-          </a:p>
-          <a:p>
-            <a:pPr marL="174625" indent="0">
-              <a:buNone/>
-            </a:pPr>
-            <a:r>
               <a:rPr lang="en-US" sz="1800" dirty="0"/>
-              <a:t>We define a Joi.object() to instantiate a Joi schema object to work with. All schemas require Joi.object to process validation and other Joi features</a:t>
-            </a:r>
-          </a:p>
-          <a:p>
-            <a:endParaRPr lang="en-US" sz="1800" dirty="0"/>
-          </a:p>
-          <a:p>
-            <a:r>
-              <a:rPr lang="en-US" sz="1800" b="1" dirty="0"/>
-              <a:t>keys()</a:t>
-            </a:r>
-          </a:p>
-          <a:p>
-            <a:pPr marL="174625" indent="0">
-              <a:buNone/>
-            </a:pPr>
+              <a:t>The idea of Joi is to define the schema of what the object will resemble</a:t>
+            </a:r>
+          </a:p>
+          <a:p>
             <a:r>
               <a:rPr lang="en-US" sz="1800" dirty="0"/>
-              <a:t>Within Joi's keys() method, we define the required schema constraints for our login form. Here we define the rules for the username and password values</a:t>
+              <a:t>For example, suppose we have a login form with username and password fields</a:t>
             </a:r>
           </a:p>
         </p:txBody>
@@ -9397,10 +9555,37 @@
           </a:p>
         </p:txBody>
       </p:sp>
+      <p:pic>
+        <p:nvPicPr>
+          <p:cNvPr id="6" name="Picture 5"/>
+          <p:cNvPicPr>
+            <a:picLocks noChangeAspect="1"/>
+          </p:cNvPicPr>
+          <p:nvPr/>
+        </p:nvPicPr>
+        <p:blipFill>
+          <a:blip r:embed="rId3"/>
+          <a:stretch>
+            <a:fillRect/>
+          </a:stretch>
+        </p:blipFill>
+        <p:spPr>
+          <a:xfrm>
+            <a:off x="1294447" y="3603456"/>
+            <a:ext cx="8886825" cy="1781175"/>
+          </a:xfrm>
+          <a:prstGeom prst="rect">
+            <a:avLst/>
+          </a:prstGeom>
+          <a:solidFill>
+            <a:schemeClr val="bg1"/>
+          </a:solidFill>
+        </p:spPr>
+      </p:pic>
     </p:spTree>
     <p:extLst>
       <p:ext uri="{BB962C8B-B14F-4D97-AF65-F5344CB8AC3E}">
-        <p14:creationId xmlns:p14="http://schemas.microsoft.com/office/powerpoint/2010/main" val="4093848510"/>
+        <p14:creationId xmlns:p14="http://schemas.microsoft.com/office/powerpoint/2010/main" val="504625558"/>
       </p:ext>
     </p:extLst>
   </p:cSld>
@@ -9462,32 +9647,68 @@
           </a:p>
         </p:txBody>
       </p:sp>
-      <p:pic>
-        <p:nvPicPr>
-          <p:cNvPr id="6" name="Content Placeholder 5"/>
-          <p:cNvPicPr>
-            <a:picLocks noGrp="1" noChangeAspect="1"/>
-          </p:cNvPicPr>
+      <p:sp>
+        <p:nvSpPr>
+          <p:cNvPr id="3" name="Content Placeholder 2">
+            <a:extLst>
+              <a:ext uri="{FF2B5EF4-FFF2-40B4-BE49-F238E27FC236}">
+                <a16:creationId xmlns:a16="http://schemas.microsoft.com/office/drawing/2014/main" id="{844A3DC5-46BF-4BFF-8008-98FD467C4904}"/>
+              </a:ext>
+            </a:extLst>
+          </p:cNvPr>
+          <p:cNvSpPr>
+            <a:spLocks noGrp="1"/>
+          </p:cNvSpPr>
           <p:nvPr>
             <p:ph idx="1"/>
           </p:nvPr>
-        </p:nvPicPr>
-        <p:blipFill>
-          <a:blip r:embed="rId2"/>
-          <a:stretch>
-            <a:fillRect/>
-          </a:stretch>
-        </p:blipFill>
-        <p:spPr>
-          <a:xfrm>
-            <a:off x="990600" y="2814791"/>
-            <a:ext cx="8315325" cy="942975"/>
-          </a:xfrm>
-          <a:prstGeom prst="rect">
-            <a:avLst/>
-          </a:prstGeom>
-        </p:spPr>
-      </p:pic>
+        </p:nvSpPr>
+        <p:spPr>
+          <a:xfrm>
+            <a:off x="1066800" y="2733472"/>
+            <a:ext cx="10058400" cy="2349068"/>
+          </a:xfrm>
+        </p:spPr>
+        <p:txBody>
+          <a:bodyPr>
+            <a:normAutofit fontScale="92500" lnSpcReduction="20000"/>
+          </a:bodyPr>
+          <a:lstStyle/>
+          <a:p>
+            <a:r>
+              <a:rPr lang="en-US" sz="1800" b="1" dirty="0"/>
+              <a:t>Joi .object()</a:t>
+            </a:r>
+          </a:p>
+          <a:p>
+            <a:pPr marL="174625" indent="0">
+              <a:buNone/>
+            </a:pPr>
+            <a:r>
+              <a:rPr lang="en-US" sz="1800" dirty="0"/>
+              <a:t>We define a Joi.object() to instantiate a Joi schema object to work with. All schemas require Joi.object to process validation and other Joi features</a:t>
+            </a:r>
+          </a:p>
+          <a:p>
+            <a:endParaRPr lang="en-US" sz="1800" dirty="0"/>
+          </a:p>
+          <a:p>
+            <a:r>
+              <a:rPr lang="en-US" sz="1800" b="1" dirty="0"/>
+              <a:t>keys()</a:t>
+            </a:r>
+          </a:p>
+          <a:p>
+            <a:pPr marL="174625" indent="0">
+              <a:buNone/>
+            </a:pPr>
+            <a:r>
+              <a:rPr lang="en-US" sz="1800" dirty="0"/>
+              <a:t>Within Joi's keys() method, we define the required schema constraints for our login form. Here we define the rules for the username and password values</a:t>
+            </a:r>
+          </a:p>
+        </p:txBody>
+      </p:sp>
       <p:sp>
         <p:nvSpPr>
           <p:cNvPr id="4" name="Rectangle 3">
@@ -9523,7 +9744,7 @@
           <a:p>
             <a:r>
               <a:rPr lang="en-US" sz="1600" dirty="0">
-                <a:hlinkClick r:id="rId3"/>
+                <a:hlinkClick r:id="rId2"/>
               </a:rPr>
               <a:t>https://medium.com/@rossbulat/joi-for-node-exploring-javascript-object-schema-validation-50dd4b8e1b0f</a:t>
             </a:r>
@@ -9558,73 +9779,10 @@
           </a:p>
         </p:txBody>
       </p:sp>
-      <p:sp>
-        <p:nvSpPr>
-          <p:cNvPr id="7" name="Rectangle 6"/>
-          <p:cNvSpPr/>
-          <p:nvPr/>
-        </p:nvSpPr>
-        <p:spPr>
-          <a:xfrm>
-            <a:off x="1043940" y="3074228"/>
-            <a:ext cx="9479280" cy="2031325"/>
-          </a:xfrm>
-          <a:prstGeom prst="rect">
-            <a:avLst/>
-          </a:prstGeom>
-        </p:spPr>
-        <p:txBody>
-          <a:bodyPr wrap="square">
-            <a:spAutoFit/>
-          </a:bodyPr>
-          <a:lstStyle/>
-          <a:p>
-            <a:pPr marL="285750" indent="-285750">
-              <a:buFont typeface="Arial" panose="020B0604020202020204" pitchFamily="34" charset="0"/>
-              <a:buChar char="•"/>
-            </a:pPr>
-            <a:endParaRPr lang="en-US" dirty="0"/>
-          </a:p>
-          <a:p>
-            <a:pPr marL="285750" indent="-285750">
-              <a:buFont typeface="Arial" panose="020B0604020202020204" pitchFamily="34" charset="0"/>
-              <a:buChar char="•"/>
-            </a:pPr>
-            <a:endParaRPr lang="en-US" dirty="0"/>
-          </a:p>
-          <a:p>
-            <a:pPr marL="285750" indent="-285750">
-              <a:buFont typeface="Arial" panose="020B0604020202020204" pitchFamily="34" charset="0"/>
-              <a:buChar char="•"/>
-            </a:pPr>
-            <a:endParaRPr lang="en-US" dirty="0"/>
-          </a:p>
-          <a:p>
-            <a:pPr marL="285750" indent="-285750">
-              <a:buFont typeface="Arial" panose="020B0604020202020204" pitchFamily="34" charset="0"/>
-              <a:buChar char="•"/>
-            </a:pPr>
-            <a:r>
-              <a:rPr lang="en-US" dirty="0"/>
-              <a:t>The username must be a string, consist of alpha numeric characters only, and be between 6–16 characters in length. It is also required</a:t>
-            </a:r>
-          </a:p>
-          <a:p>
-            <a:pPr marL="285750" indent="-285750">
-              <a:buFont typeface="Arial" panose="020B0604020202020204" pitchFamily="34" charset="0"/>
-              <a:buChar char="•"/>
-            </a:pPr>
-            <a:r>
-              <a:rPr lang="en-US" dirty="0"/>
-              <a:t>The password must be alphanumeric, between 6 and 16 characters, and therefore required.</a:t>
-            </a:r>
-          </a:p>
-        </p:txBody>
-      </p:sp>
     </p:spTree>
     <p:extLst>
       <p:ext uri="{BB962C8B-B14F-4D97-AF65-F5344CB8AC3E}">
-        <p14:creationId xmlns:p14="http://schemas.microsoft.com/office/powerpoint/2010/main" val="2264732720"/>
+        <p14:creationId xmlns:p14="http://schemas.microsoft.com/office/powerpoint/2010/main" val="4093848510"/>
       </p:ext>
     </p:extLst>
   </p:cSld>
@@ -9681,96 +9839,37 @@
           <a:p>
             <a:r>
               <a:rPr lang="en-US" u="sng" dirty="0"/>
-              <a:t>Deploying a Node.js app with Heroku</a:t>
-            </a:r>
-          </a:p>
-        </p:txBody>
-      </p:sp>
-      <p:sp>
-        <p:nvSpPr>
-          <p:cNvPr id="3" name="Content Placeholder 2">
-            <a:extLst>
-              <a:ext uri="{FF2B5EF4-FFF2-40B4-BE49-F238E27FC236}">
-                <a16:creationId xmlns:a16="http://schemas.microsoft.com/office/drawing/2014/main" id="{844A3DC5-46BF-4BFF-8008-98FD467C4904}"/>
-              </a:ext>
-            </a:extLst>
-          </p:cNvPr>
-          <p:cNvSpPr>
-            <a:spLocks noGrp="1"/>
-          </p:cNvSpPr>
+              <a:t>Server-side Validation Using @hap/joi</a:t>
+            </a:r>
+          </a:p>
+        </p:txBody>
+      </p:sp>
+      <p:pic>
+        <p:nvPicPr>
+          <p:cNvPr id="6" name="Content Placeholder 5"/>
+          <p:cNvPicPr>
+            <a:picLocks noGrp="1" noChangeAspect="1"/>
+          </p:cNvPicPr>
           <p:nvPr>
             <p:ph idx="1"/>
           </p:nvPr>
-        </p:nvSpPr>
-        <p:spPr>
-          <a:xfrm>
-            <a:off x="1066800" y="2733472"/>
-            <a:ext cx="10058400" cy="2349068"/>
-          </a:xfrm>
-        </p:spPr>
-        <p:txBody>
-          <a:bodyPr>
-            <a:normAutofit/>
-          </a:bodyPr>
-          <a:lstStyle/>
-          <a:p>
-            <a:r>
-              <a:rPr lang="en-US" sz="1800" dirty="0"/>
-              <a:t>Assumes you have:</a:t>
-            </a:r>
-          </a:p>
-          <a:p>
-            <a:pPr marL="174625" indent="0">
-              <a:buNone/>
-            </a:pPr>
-            <a:r>
-              <a:rPr lang="en-US" sz="1800" dirty="0"/>
-              <a:t>Node.js and npm installed</a:t>
-            </a:r>
-          </a:p>
-          <a:p>
-            <a:pPr marL="174625" indent="0">
-              <a:buNone/>
-            </a:pPr>
-            <a:r>
-              <a:rPr lang="en-US" sz="1800" dirty="0"/>
-              <a:t>An existing Node.js app</a:t>
-            </a:r>
-          </a:p>
-          <a:p>
-            <a:pPr marL="174625" indent="0">
-              <a:buNone/>
-            </a:pPr>
-            <a:r>
-              <a:rPr lang="en-US" sz="1800" dirty="0"/>
-              <a:t>A free Heroku account from: </a:t>
-            </a:r>
-            <a:r>
-              <a:rPr lang="en-US" sz="1800" dirty="0">
-                <a:hlinkClick r:id="rId2"/>
-              </a:rPr>
-              <a:t>https://signup.heroku.com/dc</a:t>
-            </a:r>
-            <a:endParaRPr lang="en-US" sz="1800" dirty="0"/>
-          </a:p>
-          <a:p>
-            <a:pPr marL="174625" indent="0">
-              <a:buNone/>
-            </a:pPr>
-            <a:r>
-              <a:rPr lang="en-US" sz="1800" dirty="0"/>
-              <a:t>The Heroku CLI installed from: </a:t>
-            </a:r>
-            <a:r>
-              <a:rPr lang="en-US" sz="1800" dirty="0">
-                <a:hlinkClick r:id="rId3"/>
-              </a:rPr>
-              <a:t>https://devcenter.heroku.com/articles/heroku-cli</a:t>
-            </a:r>
-            <a:endParaRPr lang="en-US" sz="1800" dirty="0"/>
-          </a:p>
-        </p:txBody>
-      </p:sp>
+        </p:nvPicPr>
+        <p:blipFill>
+          <a:blip r:embed="rId2"/>
+          <a:stretch>
+            <a:fillRect/>
+          </a:stretch>
+        </p:blipFill>
+        <p:spPr>
+          <a:xfrm>
+            <a:off x="990600" y="2814791"/>
+            <a:ext cx="8315325" cy="942975"/>
+          </a:xfrm>
+          <a:prstGeom prst="rect">
+            <a:avLst/>
+          </a:prstGeom>
+        </p:spPr>
+      </p:pic>
       <p:sp>
         <p:nvSpPr>
           <p:cNvPr id="4" name="Rectangle 3">
@@ -9785,8 +9884,8 @@
         </p:nvSpPr>
         <p:spPr>
           <a:xfrm>
-            <a:off x="1066800" y="5818971"/>
-            <a:ext cx="10058400" cy="584775"/>
+            <a:off x="1043940" y="5710833"/>
+            <a:ext cx="10058400" cy="830997"/>
           </a:xfrm>
           <a:prstGeom prst="rect">
             <a:avLst/>
@@ -9806,9 +9905,9 @@
           <a:p>
             <a:r>
               <a:rPr lang="en-US" sz="1600" dirty="0">
-                <a:hlinkClick r:id="rId4"/>
-              </a:rPr>
-              <a:t>https://devcenter.heroku.com/articles/deploying-nodejs</a:t>
+                <a:hlinkClick r:id="rId3"/>
+              </a:rPr>
+              <a:t>https://medium.com/@rossbulat/joi-for-node-exploring-javascript-object-schema-validation-50dd4b8e1b0f</a:t>
             </a:r>
             <a:endParaRPr lang="en-US" sz="1600" dirty="0">
               <a:solidFill>
@@ -9841,10 +9940,73 @@
           </a:p>
         </p:txBody>
       </p:sp>
+      <p:sp>
+        <p:nvSpPr>
+          <p:cNvPr id="7" name="Rectangle 6"/>
+          <p:cNvSpPr/>
+          <p:nvPr/>
+        </p:nvSpPr>
+        <p:spPr>
+          <a:xfrm>
+            <a:off x="1043940" y="3074228"/>
+            <a:ext cx="9479280" cy="2031325"/>
+          </a:xfrm>
+          <a:prstGeom prst="rect">
+            <a:avLst/>
+          </a:prstGeom>
+        </p:spPr>
+        <p:txBody>
+          <a:bodyPr wrap="square">
+            <a:spAutoFit/>
+          </a:bodyPr>
+          <a:lstStyle/>
+          <a:p>
+            <a:pPr marL="285750" indent="-285750">
+              <a:buFont typeface="Arial" panose="020B0604020202020204" pitchFamily="34" charset="0"/>
+              <a:buChar char="•"/>
+            </a:pPr>
+            <a:endParaRPr lang="en-US" dirty="0"/>
+          </a:p>
+          <a:p>
+            <a:pPr marL="285750" indent="-285750">
+              <a:buFont typeface="Arial" panose="020B0604020202020204" pitchFamily="34" charset="0"/>
+              <a:buChar char="•"/>
+            </a:pPr>
+            <a:endParaRPr lang="en-US" dirty="0"/>
+          </a:p>
+          <a:p>
+            <a:pPr marL="285750" indent="-285750">
+              <a:buFont typeface="Arial" panose="020B0604020202020204" pitchFamily="34" charset="0"/>
+              <a:buChar char="•"/>
+            </a:pPr>
+            <a:endParaRPr lang="en-US" dirty="0"/>
+          </a:p>
+          <a:p>
+            <a:pPr marL="285750" indent="-285750">
+              <a:buFont typeface="Arial" panose="020B0604020202020204" pitchFamily="34" charset="0"/>
+              <a:buChar char="•"/>
+            </a:pPr>
+            <a:r>
+              <a:rPr lang="en-US" dirty="0"/>
+              <a:t>The username must be a string, consist of alpha numeric characters only, and be between 6–16 characters in length. It is also required</a:t>
+            </a:r>
+          </a:p>
+          <a:p>
+            <a:pPr marL="285750" indent="-285750">
+              <a:buFont typeface="Arial" panose="020B0604020202020204" pitchFamily="34" charset="0"/>
+              <a:buChar char="•"/>
+            </a:pPr>
+            <a:r>
+              <a:rPr lang="en-US" dirty="0"/>
+              <a:t>The password must be alphanumeric, between 6 and 16 characters, and therefore required.</a:t>
+            </a:r>
+          </a:p>
+        </p:txBody>
+      </p:sp>
     </p:spTree>
     <p:extLst>
       <p:ext uri="{BB962C8B-B14F-4D97-AF65-F5344CB8AC3E}">
-        <p14:creationId xmlns:p14="http://schemas.microsoft.com/office/powerpoint/2010/main" val="2369658208"/>
+        <p14:creationId xmlns:p14="http://schemas.microsoft.com/office/powerpoint/2010/main" val="2264732720"/>
       </p:ext>
     </p:extLst>
   </p:cSld>
@@ -9901,7 +10063,7 @@
           <a:p>
             <a:r>
               <a:rPr lang="en-US" u="sng" dirty="0"/>
-              <a:t>Form Validation</a:t>
+              <a:t>Objectives</a:t>
             </a:r>
           </a:p>
         </p:txBody>
@@ -9935,74 +10097,49 @@
           <a:lstStyle/>
           <a:p>
             <a:r>
+              <a:rPr lang="en-US" sz="1800"/>
+              <a:t>Perform </a:t>
+            </a:r>
+            <a:r>
               <a:rPr lang="en-US" sz="1800" dirty="0"/>
-              <a:t>Validation can be defined by many different methods, and deployed in many different ways.</a:t>
-            </a:r>
-          </a:p>
-          <a:p>
-            <a:pPr marL="174625" indent="0">
-              <a:buNone/>
-            </a:pPr>
+              <a:t>client-side form </a:t>
+            </a:r>
+            <a:r>
+              <a:rPr lang="en-US" sz="1800"/>
+              <a:t>validation with JavaScript</a:t>
+            </a:r>
+          </a:p>
+          <a:p>
+            <a:r>
+              <a:rPr lang="en-US" sz="1800"/>
+              <a:t>Perform server-side form validation with JavaScript</a:t>
+            </a:r>
+          </a:p>
+          <a:p>
+            <a:r>
+              <a:rPr lang="en-US" sz="1800"/>
+              <a:t>Perform </a:t>
+            </a:r>
             <a:r>
               <a:rPr lang="en-US" sz="1800" dirty="0"/>
-              <a:t>Client side validation is performed by a web browser, before input is sent to a web server</a:t>
-            </a:r>
-          </a:p>
-          <a:p>
-            <a:pPr marL="174625" indent="0">
-              <a:buNone/>
-            </a:pPr>
+              <a:t>server-side form </a:t>
+            </a:r>
+            <a:r>
+              <a:rPr lang="en-US" sz="1800"/>
+              <a:t>validation with Joi</a:t>
+            </a:r>
+            <a:endParaRPr lang="en-US" sz="1800" dirty="0"/>
+          </a:p>
+          <a:p>
             <a:r>
               <a:rPr lang="en-US" sz="1800" dirty="0"/>
-              <a:t>Server side validation is performed by a web server, after input has been sent to the server</a:t>
-            </a:r>
-          </a:p>
-        </p:txBody>
-      </p:sp>
-      <p:sp>
-        <p:nvSpPr>
-          <p:cNvPr id="4" name="Rectangle 3">
-            <a:extLst>
-              <a:ext uri="{FF2B5EF4-FFF2-40B4-BE49-F238E27FC236}">
-                <a16:creationId xmlns:a16="http://schemas.microsoft.com/office/drawing/2014/main" id="{0C71533A-4A29-47E2-A4D4-85E44356516A}"/>
-              </a:ext>
-            </a:extLst>
-          </p:cNvPr>
-          <p:cNvSpPr/>
-          <p:nvPr/>
-        </p:nvSpPr>
-        <p:spPr>
-          <a:xfrm>
-            <a:off x="1043940" y="5710833"/>
-            <a:ext cx="10058400" cy="584775"/>
-          </a:xfrm>
-          <a:prstGeom prst="rect">
-            <a:avLst/>
-          </a:prstGeom>
-        </p:spPr>
-        <p:txBody>
-          <a:bodyPr wrap="square">
-            <a:spAutoFit/>
-          </a:bodyPr>
-          <a:lstStyle/>
-          <a:p>
-            <a:r>
-              <a:rPr lang="en-US" sz="1600" b="1" dirty="0"/>
-              <a:t>Source</a:t>
-            </a:r>
-          </a:p>
-          <a:p>
-            <a:r>
-              <a:rPr lang="en-US" sz="1600" dirty="0">
-                <a:hlinkClick r:id="rId2"/>
-              </a:rPr>
-              <a:t>https://www.w3schools.com/js/js_validation.asp</a:t>
-            </a:r>
-            <a:endParaRPr lang="en-US" sz="1600" dirty="0">
-              <a:solidFill>
-                <a:srgbClr val="00B0F0"/>
-              </a:solidFill>
-            </a:endParaRPr>
+              <a:t>Deploy a Node.js application </a:t>
+            </a:r>
+            <a:r>
+              <a:rPr lang="en-US" sz="1800"/>
+              <a:t>using Heroku</a:t>
+            </a:r>
+            <a:endParaRPr lang="en-US" sz="1800" dirty="0"/>
           </a:p>
         </p:txBody>
       </p:sp>
@@ -10032,7 +10169,7 @@
     </p:spTree>
     <p:extLst>
       <p:ext uri="{BB962C8B-B14F-4D97-AF65-F5344CB8AC3E}">
-        <p14:creationId xmlns:p14="http://schemas.microsoft.com/office/powerpoint/2010/main" val="1829541654"/>
+        <p14:creationId xmlns:p14="http://schemas.microsoft.com/office/powerpoint/2010/main" val="1284765210"/>
       </p:ext>
     </p:extLst>
   </p:cSld>
@@ -10123,8 +10260,8 @@
           <a:lstStyle/>
           <a:p>
             <a:r>
-              <a:rPr lang="en-US" sz="1800" b="1" dirty="0"/>
-              <a:t>Declare app dependencies</a:t>
+              <a:rPr lang="en-US" sz="1800" dirty="0"/>
+              <a:t>Assumes you have:</a:t>
             </a:r>
           </a:p>
           <a:p>
@@ -10133,8 +10270,49 @@
             </a:pPr>
             <a:r>
               <a:rPr lang="en-US" sz="1800" dirty="0"/>
-              <a:t>The package.json file defines the dependencies that should be installed with your application.  Here's an example:</a:t>
-            </a:r>
+              <a:t>Node.js and npm installed</a:t>
+            </a:r>
+          </a:p>
+          <a:p>
+            <a:pPr marL="174625" indent="0">
+              <a:buNone/>
+            </a:pPr>
+            <a:r>
+              <a:rPr lang="en-US" sz="1800" dirty="0"/>
+              <a:t>An existing Node.js app</a:t>
+            </a:r>
+          </a:p>
+          <a:p>
+            <a:pPr marL="174625" indent="0">
+              <a:buNone/>
+            </a:pPr>
+            <a:r>
+              <a:rPr lang="en-US" sz="1800" dirty="0"/>
+              <a:t>A free Heroku account from: </a:t>
+            </a:r>
+            <a:r>
+              <a:rPr lang="en-US" sz="1800" dirty="0">
+                <a:hlinkClick r:id="rId2"/>
+              </a:rPr>
+              <a:t>https://signup.heroku.com/dc</a:t>
+            </a:r>
+            <a:endParaRPr lang="en-US" sz="1800" dirty="0"/>
+          </a:p>
+          <a:p>
+            <a:pPr marL="174625" indent="0">
+              <a:buNone/>
+            </a:pPr>
+            <a:r>
+              <a:rPr lang="en-US" sz="1800" dirty="0"/>
+              <a:t>The Heroku CLI installed from: </a:t>
+            </a:r>
+            <a:r>
+              <a:rPr lang="en-US" sz="1800" dirty="0">
+                <a:hlinkClick r:id="rId3"/>
+              </a:rPr>
+              <a:t>https://devcenter.heroku.com/articles/heroku-cli</a:t>
+            </a:r>
+            <a:endParaRPr lang="en-US" sz="1800" dirty="0"/>
           </a:p>
         </p:txBody>
       </p:sp>
@@ -10173,7 +10351,7 @@
           <a:p>
             <a:r>
               <a:rPr lang="en-US" sz="1600" dirty="0">
-                <a:hlinkClick r:id="rId2"/>
+                <a:hlinkClick r:id="rId4"/>
               </a:rPr>
               <a:t>https://devcenter.heroku.com/articles/deploying-nodejs</a:t>
             </a:r>
@@ -10208,34 +10386,10 @@
           </a:p>
         </p:txBody>
       </p:sp>
-      <p:pic>
-        <p:nvPicPr>
-          <p:cNvPr id="8" name="Picture 7"/>
-          <p:cNvPicPr>
-            <a:picLocks noChangeAspect="1"/>
-          </p:cNvPicPr>
-          <p:nvPr/>
-        </p:nvPicPr>
-        <p:blipFill>
-          <a:blip r:embed="rId3"/>
-          <a:stretch>
-            <a:fillRect/>
-          </a:stretch>
-        </p:blipFill>
-        <p:spPr>
-          <a:xfrm>
-            <a:off x="1924050" y="3914125"/>
-            <a:ext cx="3135630" cy="2120915"/>
-          </a:xfrm>
-          <a:prstGeom prst="rect">
-            <a:avLst/>
-          </a:prstGeom>
-        </p:spPr>
-      </p:pic>
     </p:spTree>
     <p:extLst>
       <p:ext uri="{BB962C8B-B14F-4D97-AF65-F5344CB8AC3E}">
-        <p14:creationId xmlns:p14="http://schemas.microsoft.com/office/powerpoint/2010/main" val="2169943630"/>
+        <p14:creationId xmlns:p14="http://schemas.microsoft.com/office/powerpoint/2010/main" val="2369658208"/>
       </p:ext>
     </p:extLst>
   </p:cSld>
@@ -10327,7 +10481,7 @@
           <a:p>
             <a:r>
               <a:rPr lang="en-US" sz="1800" b="1" dirty="0"/>
-              <a:t>Specify the version of node</a:t>
+              <a:t>Declare app dependencies</a:t>
             </a:r>
           </a:p>
           <a:p>
@@ -10336,14 +10490,8 @@
             </a:pPr>
             <a:r>
               <a:rPr lang="en-US" sz="1800" dirty="0"/>
-              <a:t>The version of Node.js that will be used to run your application on Heroku, should also be defined in your package.json file. You should always specify a Node.js version that matches the runtime you’re developing and testing with. To find your version type node –version</a:t>
-            </a:r>
-          </a:p>
-          <a:p>
-            <a:pPr marL="174625" indent="0">
-              <a:buNone/>
-            </a:pPr>
-            <a:endParaRPr lang="en-US" sz="1800" dirty="0"/>
+              <a:t>The package.json file defines the dependencies that should be installed with your application.  Here's an example:</a:t>
+            </a:r>
           </a:p>
         </p:txBody>
       </p:sp>
@@ -10419,7 +10567,7 @@
       </p:sp>
       <p:pic>
         <p:nvPicPr>
-          <p:cNvPr id="6" name="Picture 5"/>
+          <p:cNvPr id="8" name="Picture 7"/>
           <p:cNvPicPr>
             <a:picLocks noChangeAspect="1"/>
           </p:cNvPicPr>
@@ -10433,8 +10581,8 @@
         </p:blipFill>
         <p:spPr>
           <a:xfrm>
-            <a:off x="1829752" y="4648200"/>
-            <a:ext cx="1476375" cy="609600"/>
+            <a:off x="1924050" y="3914125"/>
+            <a:ext cx="3135630" cy="2120915"/>
           </a:xfrm>
           <a:prstGeom prst="rect">
             <a:avLst/>
@@ -10444,7 +10592,7 @@
     </p:spTree>
     <p:extLst>
       <p:ext uri="{BB962C8B-B14F-4D97-AF65-F5344CB8AC3E}">
-        <p14:creationId xmlns:p14="http://schemas.microsoft.com/office/powerpoint/2010/main" val="1078610789"/>
+        <p14:creationId xmlns:p14="http://schemas.microsoft.com/office/powerpoint/2010/main" val="2169943630"/>
       </p:ext>
     </p:extLst>
   </p:cSld>
@@ -10536,7 +10684,7 @@
           <a:p>
             <a:r>
               <a:rPr lang="en-US" sz="1800" b="1" dirty="0"/>
-              <a:t>Specifying a start script</a:t>
+              <a:t>Specify the version of node</a:t>
             </a:r>
           </a:p>
           <a:p>
@@ -10545,17 +10693,14 @@
             </a:pPr>
             <a:r>
               <a:rPr lang="en-US" sz="1800" dirty="0"/>
-              <a:t>To determine how to start your app, Heroku first looks for a Procfile. If no Procfile exists for the Node.js app, Heroku will attempt to start a default web process via the start script in the package.json file</a:t>
+              <a:t>The version of Node.js that will be used to run your application on Heroku, should also be defined in your package.json file. You should always specify a Node.js version that matches the runtime you’re developing and testing with. To find your version type node –version</a:t>
             </a:r>
           </a:p>
           <a:p>
             <a:pPr marL="174625" indent="0">
               <a:buNone/>
             </a:pPr>
-            <a:r>
-              <a:rPr lang="en-US" sz="1800" dirty="0"/>
-              <a:t>The command in a web process type must bind to the port number specified in the PORT environment variable. If it does not, the dyno will not start.</a:t>
-            </a:r>
+            <a:endParaRPr lang="en-US" sz="1800" dirty="0"/>
           </a:p>
         </p:txBody>
       </p:sp>
@@ -10629,10 +10774,34 @@
           </a:p>
         </p:txBody>
       </p:sp>
+      <p:pic>
+        <p:nvPicPr>
+          <p:cNvPr id="6" name="Picture 5"/>
+          <p:cNvPicPr>
+            <a:picLocks noChangeAspect="1"/>
+          </p:cNvPicPr>
+          <p:nvPr/>
+        </p:nvPicPr>
+        <p:blipFill>
+          <a:blip r:embed="rId3"/>
+          <a:stretch>
+            <a:fillRect/>
+          </a:stretch>
+        </p:blipFill>
+        <p:spPr>
+          <a:xfrm>
+            <a:off x="1829752" y="4648200"/>
+            <a:ext cx="1476375" cy="609600"/>
+          </a:xfrm>
+          <a:prstGeom prst="rect">
+            <a:avLst/>
+          </a:prstGeom>
+        </p:spPr>
+      </p:pic>
     </p:spTree>
     <p:extLst>
       <p:ext uri="{BB962C8B-B14F-4D97-AF65-F5344CB8AC3E}">
-        <p14:creationId xmlns:p14="http://schemas.microsoft.com/office/powerpoint/2010/main" val="3418311081"/>
+        <p14:creationId xmlns:p14="http://schemas.microsoft.com/office/powerpoint/2010/main" val="1078610789"/>
       </p:ext>
     </p:extLst>
   </p:cSld>
@@ -10724,7 +10893,7 @@
           <a:p>
             <a:r>
               <a:rPr lang="en-US" sz="1800" b="1" dirty="0"/>
-              <a:t>Build and run locally</a:t>
+              <a:t>Specifying a start script</a:t>
             </a:r>
           </a:p>
           <a:p>
@@ -10733,14 +10902,17 @@
             </a:pPr>
             <a:r>
               <a:rPr lang="en-US" sz="1800" dirty="0"/>
-              <a:t>Run the npm install command in your local app directory to install the dependencies that you declared in your package.json file</a:t>
+              <a:t>To determine how to start your app, Heroku first looks for a Procfile. If no Procfile exists for the Node.js app, Heroku will attempt to start a default web process via the start script in the package.json file</a:t>
             </a:r>
           </a:p>
           <a:p>
             <a:pPr marL="174625" indent="0">
               <a:buNone/>
             </a:pPr>
-            <a:endParaRPr lang="en-US" sz="1800" dirty="0"/>
+            <a:r>
+              <a:rPr lang="en-US" sz="1800" dirty="0"/>
+              <a:t>The command in a web process type must bind to the port number specified in the PORT environment variable. If it does not, the dyno will not start.</a:t>
+            </a:r>
           </a:p>
         </p:txBody>
       </p:sp>
@@ -10814,34 +10986,10 @@
           </a:p>
         </p:txBody>
       </p:sp>
-      <p:pic>
-        <p:nvPicPr>
-          <p:cNvPr id="6" name="Picture 5"/>
-          <p:cNvPicPr>
-            <a:picLocks noChangeAspect="1"/>
-          </p:cNvPicPr>
-          <p:nvPr/>
-        </p:nvPicPr>
-        <p:blipFill>
-          <a:blip r:embed="rId3"/>
-          <a:stretch>
-            <a:fillRect/>
-          </a:stretch>
-        </p:blipFill>
-        <p:spPr>
-          <a:xfrm>
-            <a:off x="1384935" y="4211002"/>
-            <a:ext cx="2076450" cy="447675"/>
-          </a:xfrm>
-          <a:prstGeom prst="rect">
-            <a:avLst/>
-          </a:prstGeom>
-        </p:spPr>
-      </p:pic>
     </p:spTree>
     <p:extLst>
       <p:ext uri="{BB962C8B-B14F-4D97-AF65-F5344CB8AC3E}">
-        <p14:creationId xmlns:p14="http://schemas.microsoft.com/office/powerpoint/2010/main" val="2744806891"/>
+        <p14:creationId xmlns:p14="http://schemas.microsoft.com/office/powerpoint/2010/main" val="3418311081"/>
       </p:ext>
     </p:extLst>
   </p:cSld>
@@ -10942,14 +11090,8 @@
             </a:pPr>
             <a:r>
               <a:rPr lang="en-US" sz="1800" dirty="0"/>
-              <a:t>Start your app locally using the heroku local command, which is installed as part of the Heroku CLI</a:t>
-            </a:r>
-          </a:p>
-          <a:p>
-            <a:pPr marL="174625" indent="0">
-              <a:buNone/>
-            </a:pPr>
-            <a:endParaRPr lang="en-US" sz="1800" dirty="0"/>
+              <a:t>Run the npm install command in your local app directory to install the dependencies that you declared in your package.json file</a:t>
+            </a:r>
           </a:p>
           <a:p>
             <a:pPr marL="174625" indent="0">
@@ -11031,7 +11173,7 @@
       </p:sp>
       <p:pic>
         <p:nvPicPr>
-          <p:cNvPr id="7" name="Picture 6"/>
+          <p:cNvPr id="6" name="Picture 5"/>
           <p:cNvPicPr>
             <a:picLocks noChangeAspect="1"/>
           </p:cNvPicPr>
@@ -11045,8 +11187,8 @@
         </p:blipFill>
         <p:spPr>
           <a:xfrm>
-            <a:off x="1265872" y="4158615"/>
-            <a:ext cx="2162175" cy="476250"/>
+            <a:off x="1384935" y="4211002"/>
+            <a:ext cx="2076450" cy="447675"/>
           </a:xfrm>
           <a:prstGeom prst="rect">
             <a:avLst/>
@@ -11056,7 +11198,7 @@
     </p:spTree>
     <p:extLst>
       <p:ext uri="{BB962C8B-B14F-4D97-AF65-F5344CB8AC3E}">
-        <p14:creationId xmlns:p14="http://schemas.microsoft.com/office/powerpoint/2010/main" val="1663433499"/>
+        <p14:creationId xmlns:p14="http://schemas.microsoft.com/office/powerpoint/2010/main" val="2744806891"/>
       </p:ext>
     </p:extLst>
   </p:cSld>
@@ -11148,8 +11290,23 @@
           <a:p>
             <a:r>
               <a:rPr lang="en-US" sz="1800" b="1" dirty="0"/>
-              <a:t>Keep build artifacts out of git</a:t>
-            </a:r>
+              <a:t>Build and run locally</a:t>
+            </a:r>
+          </a:p>
+          <a:p>
+            <a:pPr marL="174625" indent="0">
+              <a:buNone/>
+            </a:pPr>
+            <a:r>
+              <a:rPr lang="en-US" sz="1800" dirty="0"/>
+              <a:t>Start your app locally using the heroku local command, which is installed as part of the Heroku CLI</a:t>
+            </a:r>
+          </a:p>
+          <a:p>
+            <a:pPr marL="174625" indent="0">
+              <a:buNone/>
+            </a:pPr>
+            <a:endParaRPr lang="en-US" sz="1800" dirty="0"/>
           </a:p>
           <a:p>
             <a:pPr marL="174625" indent="0">
@@ -11231,7 +11388,7 @@
       </p:sp>
       <p:pic>
         <p:nvPicPr>
-          <p:cNvPr id="6" name="Picture 5"/>
+          <p:cNvPr id="7" name="Picture 6"/>
           <p:cNvPicPr>
             <a:picLocks noChangeAspect="1"/>
           </p:cNvPicPr>
@@ -11245,23 +11402,18 @@
         </p:blipFill>
         <p:spPr>
           <a:xfrm>
-            <a:off x="1181100" y="3373552"/>
-            <a:ext cx="6924675" cy="828675"/>
+            <a:off x="1265872" y="4158615"/>
+            <a:ext cx="2162175" cy="476250"/>
           </a:xfrm>
           <a:prstGeom prst="rect">
             <a:avLst/>
           </a:prstGeom>
-          <a:effectLst>
-            <a:glow rad="127000">
-              <a:schemeClr val="bg1"/>
-            </a:glow>
-          </a:effectLst>
         </p:spPr>
       </p:pic>
     </p:spTree>
     <p:extLst>
       <p:ext uri="{BB962C8B-B14F-4D97-AF65-F5344CB8AC3E}">
-        <p14:creationId xmlns:p14="http://schemas.microsoft.com/office/powerpoint/2010/main" val="3249862176"/>
+        <p14:creationId xmlns:p14="http://schemas.microsoft.com/office/powerpoint/2010/main" val="1663433499"/>
       </p:ext>
     </p:extLst>
   </p:cSld>
@@ -11357,31 +11509,6 @@
             </a:r>
           </a:p>
           <a:p>
-            <a:pPr marL="228600" indent="0">
-              <a:buNone/>
-            </a:pPr>
-            <a:r>
-              <a:rPr lang="en-US" sz="1800" dirty="0"/>
-              <a:t>Prevent build artifacts from going into revision control by creating a </a:t>
-            </a:r>
-            <a:r>
-              <a:rPr lang="en-US" sz="1800" dirty="0">
-                <a:hlinkClick r:id="rId2"/>
-              </a:rPr>
-              <a:t>.gitignore</a:t>
-            </a:r>
-            <a:r>
-              <a:rPr lang="en-US" sz="1800" dirty="0"/>
-              <a:t> file that looks something like this:</a:t>
-            </a:r>
-          </a:p>
-          <a:p>
-            <a:pPr marL="228600" indent="0">
-              <a:buNone/>
-            </a:pPr>
-            <a:endParaRPr lang="en-US" sz="1800" b="1" dirty="0"/>
-          </a:p>
-          <a:p>
             <a:pPr marL="174625" indent="0">
               <a:buNone/>
             </a:pPr>
@@ -11424,7 +11551,7 @@
           <a:p>
             <a:r>
               <a:rPr lang="en-US" sz="1600" dirty="0">
-                <a:hlinkClick r:id="rId3"/>
+                <a:hlinkClick r:id="rId2"/>
               </a:rPr>
               <a:t>https://devcenter.heroku.com/articles/deploying-nodejs</a:t>
             </a:r>
@@ -11461,32 +11588,37 @@
       </p:sp>
       <p:pic>
         <p:nvPicPr>
-          <p:cNvPr id="7" name="Picture 6"/>
+          <p:cNvPr id="6" name="Picture 5"/>
           <p:cNvPicPr>
             <a:picLocks noChangeAspect="1"/>
           </p:cNvPicPr>
           <p:nvPr/>
         </p:nvPicPr>
         <p:blipFill>
-          <a:blip r:embed="rId4"/>
+          <a:blip r:embed="rId3"/>
           <a:stretch>
             <a:fillRect/>
           </a:stretch>
         </p:blipFill>
         <p:spPr>
           <a:xfrm>
-            <a:off x="1337310" y="3908006"/>
-            <a:ext cx="1943100" cy="1076325"/>
+            <a:off x="1181100" y="3373552"/>
+            <a:ext cx="6924675" cy="828675"/>
           </a:xfrm>
           <a:prstGeom prst="rect">
             <a:avLst/>
           </a:prstGeom>
+          <a:effectLst>
+            <a:glow rad="127000">
+              <a:schemeClr val="bg1"/>
+            </a:glow>
+          </a:effectLst>
         </p:spPr>
       </p:pic>
     </p:spTree>
     <p:extLst>
       <p:ext uri="{BB962C8B-B14F-4D97-AF65-F5344CB8AC3E}">
-        <p14:creationId xmlns:p14="http://schemas.microsoft.com/office/powerpoint/2010/main" val="3910485975"/>
+        <p14:creationId xmlns:p14="http://schemas.microsoft.com/office/powerpoint/2010/main" val="3249862176"/>
       </p:ext>
     </p:extLst>
   </p:cSld>
@@ -11578,15 +11710,39 @@
           <a:p>
             <a:r>
               <a:rPr lang="en-US" sz="1800" b="1" dirty="0"/>
-              <a:t>Deploy your application to Heroku</a:t>
-            </a:r>
+              <a:t>Keep build artifacts out of git</a:t>
+            </a:r>
+          </a:p>
+          <a:p>
+            <a:pPr marL="228600" indent="0">
+              <a:buNone/>
+            </a:pPr>
+            <a:r>
+              <a:rPr lang="en-US" sz="1800" dirty="0"/>
+              <a:t>Prevent build artifacts from going into revision control by creating a </a:t>
+            </a:r>
+            <a:r>
+              <a:rPr lang="en-US" sz="1800" dirty="0">
+                <a:hlinkClick r:id="rId2"/>
+              </a:rPr>
+              <a:t>.gitignore</a:t>
+            </a:r>
+            <a:r>
+              <a:rPr lang="en-US" sz="1800" dirty="0"/>
+              <a:t> file that looks something like this:</a:t>
+            </a:r>
+          </a:p>
+          <a:p>
+            <a:pPr marL="228600" indent="0">
+              <a:buNone/>
+            </a:pPr>
+            <a:endParaRPr lang="en-US" sz="1800" b="1" dirty="0"/>
+          </a:p>
+          <a:p>
+            <a:pPr marL="174625" indent="0">
+              <a:buNone/>
+            </a:pPr>
             <a:endParaRPr lang="en-US" sz="1800" dirty="0"/>
-          </a:p>
-          <a:p>
-            <a:pPr marL="228600" indent="0">
-              <a:buNone/>
-            </a:pPr>
-            <a:endParaRPr lang="en-US" sz="1800" b="1" dirty="0"/>
           </a:p>
         </p:txBody>
       </p:sp>
@@ -11625,7 +11781,7 @@
           <a:p>
             <a:r>
               <a:rPr lang="en-US" sz="1600" dirty="0">
-                <a:hlinkClick r:id="rId2"/>
+                <a:hlinkClick r:id="rId3"/>
               </a:rPr>
               <a:t>https://devcenter.heroku.com/articles/deploying-nodejs</a:t>
             </a:r>
@@ -11662,22 +11818,22 @@
       </p:sp>
       <p:pic>
         <p:nvPicPr>
-          <p:cNvPr id="6" name="Picture 5"/>
+          <p:cNvPr id="7" name="Picture 6"/>
           <p:cNvPicPr>
             <a:picLocks noChangeAspect="1"/>
           </p:cNvPicPr>
           <p:nvPr/>
         </p:nvPicPr>
         <p:blipFill>
-          <a:blip r:embed="rId3"/>
+          <a:blip r:embed="rId4"/>
           <a:stretch>
             <a:fillRect/>
           </a:stretch>
         </p:blipFill>
         <p:spPr>
           <a:xfrm>
-            <a:off x="1309687" y="3122092"/>
-            <a:ext cx="5129213" cy="2448128"/>
+            <a:off x="1337310" y="3908006"/>
+            <a:ext cx="1943100" cy="1076325"/>
           </a:xfrm>
           <a:prstGeom prst="rect">
             <a:avLst/>
@@ -11687,7 +11843,7 @@
     </p:spTree>
     <p:extLst>
       <p:ext uri="{BB962C8B-B14F-4D97-AF65-F5344CB8AC3E}">
-        <p14:creationId xmlns:p14="http://schemas.microsoft.com/office/powerpoint/2010/main" val="2059730785"/>
+        <p14:creationId xmlns:p14="http://schemas.microsoft.com/office/powerpoint/2010/main" val="3910485975"/>
       </p:ext>
     </p:extLst>
   </p:cSld>
@@ -11733,7 +11889,7 @@
         <p:spPr>
           <a:xfrm>
             <a:off x="664234" y="733579"/>
-            <a:ext cx="9038566" cy="1371600"/>
+            <a:ext cx="10460966" cy="1371600"/>
           </a:xfrm>
         </p:spPr>
         <p:txBody>
@@ -11744,7 +11900,7 @@
           <a:p>
             <a:r>
               <a:rPr lang="en-US" u="sng" dirty="0"/>
-              <a:t>What We've Covered</a:t>
+              <a:t>Deploying a Node.js app with Heroku</a:t>
             </a:r>
           </a:p>
         </p:txBody>
@@ -11768,7 +11924,7 @@
         <p:spPr>
           <a:xfrm>
             <a:off x="1066800" y="2733472"/>
-            <a:ext cx="10058400" cy="3301568"/>
+            <a:ext cx="10058400" cy="2349068"/>
           </a:xfrm>
         </p:spPr>
         <p:txBody>
@@ -11778,45 +11934,63 @@
           <a:lstStyle/>
           <a:p>
             <a:r>
-              <a:rPr lang="en-US" sz="1800" dirty="0"/>
-              <a:t>Client-side form validation using HTML</a:t>
-            </a:r>
-          </a:p>
-          <a:p>
-            <a:r>
-              <a:rPr lang="en-US" sz="1800" dirty="0"/>
-              <a:t>Client-side form validation using JavaScript</a:t>
-            </a:r>
-          </a:p>
-          <a:p>
-            <a:r>
-              <a:rPr lang="en-US" sz="1800" dirty="0"/>
-              <a:t>Client-side form validation using jQuery</a:t>
-            </a:r>
-          </a:p>
-          <a:p>
-            <a:r>
-              <a:rPr lang="en-US" sz="1800" dirty="0"/>
-              <a:t>Client-side form validation using Bootstrap</a:t>
-            </a:r>
-          </a:p>
-          <a:p>
-            <a:r>
-              <a:rPr lang="en-US" sz="1800" dirty="0"/>
-              <a:t>Server-side form validation Using @hap/joi</a:t>
-            </a:r>
-          </a:p>
-          <a:p>
-            <a:r>
-              <a:rPr lang="en-US" sz="1800" dirty="0"/>
-              <a:t>Deploying a Node.js application using Heroku</a:t>
-            </a:r>
-          </a:p>
-          <a:p>
-            <a:pPr marL="0" indent="0">
-              <a:buNone/>
-            </a:pPr>
+              <a:rPr lang="en-US" sz="1800" b="1" dirty="0"/>
+              <a:t>Deploy your application to Heroku</a:t>
+            </a:r>
             <a:endParaRPr lang="en-US" sz="1800" dirty="0"/>
+          </a:p>
+          <a:p>
+            <a:pPr marL="228600" indent="0">
+              <a:buNone/>
+            </a:pPr>
+            <a:endParaRPr lang="en-US" sz="1800" b="1" dirty="0"/>
+          </a:p>
+        </p:txBody>
+      </p:sp>
+      <p:sp>
+        <p:nvSpPr>
+          <p:cNvPr id="4" name="Rectangle 3">
+            <a:extLst>
+              <a:ext uri="{FF2B5EF4-FFF2-40B4-BE49-F238E27FC236}">
+                <a16:creationId xmlns:a16="http://schemas.microsoft.com/office/drawing/2014/main" id="{0C71533A-4A29-47E2-A4D4-85E44356516A}"/>
+              </a:ext>
+            </a:extLst>
+          </p:cNvPr>
+          <p:cNvSpPr/>
+          <p:nvPr/>
+        </p:nvSpPr>
+        <p:spPr>
+          <a:xfrm>
+            <a:off x="1066800" y="5818971"/>
+            <a:ext cx="10058400" cy="584775"/>
+          </a:xfrm>
+          <a:prstGeom prst="rect">
+            <a:avLst/>
+          </a:prstGeom>
+        </p:spPr>
+        <p:txBody>
+          <a:bodyPr wrap="square">
+            <a:spAutoFit/>
+          </a:bodyPr>
+          <a:lstStyle/>
+          <a:p>
+            <a:r>
+              <a:rPr lang="en-US" sz="1600" b="1" dirty="0"/>
+              <a:t>Source</a:t>
+            </a:r>
+          </a:p>
+          <a:p>
+            <a:r>
+              <a:rPr lang="en-US" sz="1600" dirty="0">
+                <a:hlinkClick r:id="rId2"/>
+              </a:rPr>
+              <a:t>https://devcenter.heroku.com/articles/deploying-nodejs</a:t>
+            </a:r>
+            <a:endParaRPr lang="en-US" sz="1600" dirty="0">
+              <a:solidFill>
+                <a:srgbClr val="00B0F0"/>
+              </a:solidFill>
+            </a:endParaRPr>
           </a:p>
         </p:txBody>
       </p:sp>
@@ -11838,6 +12012,172 @@
             <a:fld id="{34B7E4EF-A1BD-40F4-AB7B-04F084DD991D}" type="slidenum">
               <a:rPr lang="en-US" smtClean="0"/>
               <a:t>38</a:t>
+            </a:fld>
+            <a:endParaRPr lang="en-US" dirty="0"/>
+          </a:p>
+        </p:txBody>
+      </p:sp>
+      <p:pic>
+        <p:nvPicPr>
+          <p:cNvPr id="6" name="Picture 5"/>
+          <p:cNvPicPr>
+            <a:picLocks noChangeAspect="1"/>
+          </p:cNvPicPr>
+          <p:nvPr/>
+        </p:nvPicPr>
+        <p:blipFill>
+          <a:blip r:embed="rId3"/>
+          <a:stretch>
+            <a:fillRect/>
+          </a:stretch>
+        </p:blipFill>
+        <p:spPr>
+          <a:xfrm>
+            <a:off x="1309687" y="3122092"/>
+            <a:ext cx="5129213" cy="2448128"/>
+          </a:xfrm>
+          <a:prstGeom prst="rect">
+            <a:avLst/>
+          </a:prstGeom>
+        </p:spPr>
+      </p:pic>
+    </p:spTree>
+    <p:extLst>
+      <p:ext uri="{BB962C8B-B14F-4D97-AF65-F5344CB8AC3E}">
+        <p14:creationId xmlns:p14="http://schemas.microsoft.com/office/powerpoint/2010/main" val="2059730785"/>
+      </p:ext>
+    </p:extLst>
+  </p:cSld>
+  <p:clrMapOvr>
+    <a:masterClrMapping/>
+  </p:clrMapOvr>
+</p:sld>
+</file>
+
+<file path=ppt/slides/slide39.xml><?xml version="1.0" encoding="utf-8"?>
+<p:sld xmlns:a="http://schemas.openxmlformats.org/drawingml/2006/main" xmlns:r="http://schemas.openxmlformats.org/officeDocument/2006/relationships" xmlns:p="http://schemas.openxmlformats.org/presentationml/2006/main">
+  <p:cSld>
+    <p:spTree>
+      <p:nvGrpSpPr>
+        <p:cNvPr id="1" name=""/>
+        <p:cNvGrpSpPr/>
+        <p:nvPr/>
+      </p:nvGrpSpPr>
+      <p:grpSpPr>
+        <a:xfrm>
+          <a:off x="0" y="0"/>
+          <a:ext cx="0" cy="0"/>
+          <a:chOff x="0" y="0"/>
+          <a:chExt cx="0" cy="0"/>
+        </a:xfrm>
+      </p:grpSpPr>
+      <p:sp>
+        <p:nvSpPr>
+          <p:cNvPr id="2" name="Title 1">
+            <a:extLst>
+              <a:ext uri="{FF2B5EF4-FFF2-40B4-BE49-F238E27FC236}">
+                <a16:creationId xmlns:a16="http://schemas.microsoft.com/office/drawing/2014/main" id="{BDFAC13C-59B1-436E-B58F-C304E1C705CF}"/>
+              </a:ext>
+            </a:extLst>
+          </p:cNvPr>
+          <p:cNvSpPr>
+            <a:spLocks noGrp="1"/>
+          </p:cNvSpPr>
+          <p:nvPr>
+            <p:ph type="title"/>
+          </p:nvPr>
+        </p:nvSpPr>
+        <p:spPr>
+          <a:xfrm>
+            <a:off x="664234" y="733579"/>
+            <a:ext cx="9038566" cy="1371600"/>
+          </a:xfrm>
+        </p:spPr>
+        <p:txBody>
+          <a:bodyPr>
+            <a:normAutofit/>
+          </a:bodyPr>
+          <a:lstStyle/>
+          <a:p>
+            <a:r>
+              <a:rPr lang="en-US" u="sng" dirty="0"/>
+              <a:t>What We've Covered</a:t>
+            </a:r>
+          </a:p>
+        </p:txBody>
+      </p:sp>
+      <p:sp>
+        <p:nvSpPr>
+          <p:cNvPr id="3" name="Content Placeholder 2">
+            <a:extLst>
+              <a:ext uri="{FF2B5EF4-FFF2-40B4-BE49-F238E27FC236}">
+                <a16:creationId xmlns:a16="http://schemas.microsoft.com/office/drawing/2014/main" id="{844A3DC5-46BF-4BFF-8008-98FD467C4904}"/>
+              </a:ext>
+            </a:extLst>
+          </p:cNvPr>
+          <p:cNvSpPr>
+            <a:spLocks noGrp="1"/>
+          </p:cNvSpPr>
+          <p:nvPr>
+            <p:ph idx="1"/>
+          </p:nvPr>
+        </p:nvSpPr>
+        <p:spPr>
+          <a:xfrm>
+            <a:off x="1066800" y="2733472"/>
+            <a:ext cx="10058400" cy="3301568"/>
+          </a:xfrm>
+        </p:spPr>
+        <p:txBody>
+          <a:bodyPr>
+            <a:normAutofit/>
+          </a:bodyPr>
+          <a:lstStyle/>
+          <a:p>
+            <a:r>
+              <a:rPr lang="en-US" sz="1800"/>
+              <a:t>Perform client-side form validation with JavaScript</a:t>
+            </a:r>
+          </a:p>
+          <a:p>
+            <a:r>
+              <a:rPr lang="en-US" sz="1800"/>
+              <a:t>Perform server-side form validation with JavaScript</a:t>
+            </a:r>
+          </a:p>
+          <a:p>
+            <a:r>
+              <a:rPr lang="en-US" sz="1800"/>
+              <a:t>Perform server-side form validation with Joi</a:t>
+            </a:r>
+          </a:p>
+          <a:p>
+            <a:r>
+              <a:rPr lang="en-US" sz="1800"/>
+              <a:t>Deploy a Node.js application using Heroku</a:t>
+            </a:r>
+            <a:endParaRPr lang="en-US" sz="1800" dirty="0"/>
+          </a:p>
+        </p:txBody>
+      </p:sp>
+      <p:sp>
+        <p:nvSpPr>
+          <p:cNvPr id="5" name="Slide Number Placeholder 4"/>
+          <p:cNvSpPr>
+            <a:spLocks noGrp="1"/>
+          </p:cNvSpPr>
+          <p:nvPr>
+            <p:ph type="sldNum" sz="quarter" idx="12"/>
+          </p:nvPr>
+        </p:nvSpPr>
+        <p:spPr/>
+        <p:txBody>
+          <a:bodyPr/>
+          <a:lstStyle/>
+          <a:p>
+            <a:fld id="{34B7E4EF-A1BD-40F4-AB7B-04F084DD991D}" type="slidenum">
+              <a:rPr lang="en-US" smtClean="0"/>
+              <a:t>39</a:t>
             </a:fld>
             <a:endParaRPr lang="en-US" dirty="0"/>
           </a:p>
@@ -11903,7 +12243,7 @@
           <a:p>
             <a:r>
               <a:rPr lang="en-US" u="sng" dirty="0"/>
-              <a:t>HTML Form Validation</a:t>
+              <a:t>Form Validation</a:t>
             </a:r>
           </a:p>
         </p:txBody>
@@ -11938,7 +12278,7 @@
           <a:p>
             <a:r>
               <a:rPr lang="en-US" sz="1800" dirty="0"/>
-              <a:t>HTML5 introduced a new HTML validation concept called constraint validation, is based on:</a:t>
+              <a:t>Validation can be defined by many different methods, and deployed in many different ways.</a:t>
             </a:r>
           </a:p>
           <a:p>
@@ -11947,7 +12287,7 @@
             </a:pPr>
             <a:r>
               <a:rPr lang="en-US" sz="1800" dirty="0"/>
-              <a:t>Constraint validation HTML Input Attributes</a:t>
+              <a:t>Client side validation is performed by a web browser, before input is sent to a web server</a:t>
             </a:r>
           </a:p>
           <a:p>
@@ -11956,25 +12296,7 @@
             </a:pPr>
             <a:r>
               <a:rPr lang="en-US" sz="1800" dirty="0"/>
-              <a:t>Constraint validation CSS Pseudo Selectors</a:t>
-            </a:r>
-          </a:p>
-          <a:p>
-            <a:pPr marL="174625" indent="0">
-              <a:buNone/>
-            </a:pPr>
-            <a:r>
-              <a:rPr lang="en-US" sz="1800" dirty="0"/>
-              <a:t>Constraint validation DOM Properties and Methods</a:t>
-            </a:r>
-          </a:p>
-          <a:p>
-            <a:pPr marL="174625" indent="0">
-              <a:buNone/>
-            </a:pPr>
-            <a:r>
-              <a:rPr lang="en-US" sz="1800" dirty="0"/>
-              <a:t>Constraint Validation HTML Input Attributes</a:t>
+              <a:t>Server side validation is performed by a web server, after input has been sent to the server</a:t>
             </a:r>
           </a:p>
         </p:txBody>
@@ -12052,7 +12374,7 @@
     </p:spTree>
     <p:extLst>
       <p:ext uri="{BB962C8B-B14F-4D97-AF65-F5344CB8AC3E}">
-        <p14:creationId xmlns:p14="http://schemas.microsoft.com/office/powerpoint/2010/main" val="1611097118"/>
+        <p14:creationId xmlns:p14="http://schemas.microsoft.com/office/powerpoint/2010/main" val="1829541654"/>
       </p:ext>
     </p:extLst>
   </p:cSld>
@@ -12111,11 +12433,6 @@
               <a:rPr lang="en-US" u="sng" dirty="0"/>
               <a:t>HTML Form Validation</a:t>
             </a:r>
-            <a:r>
-              <a:rPr lang="en-US" sz="2000" u="sng" dirty="0"/>
-              <a:t> (common attributes)</a:t>
-            </a:r>
-            <a:endParaRPr lang="en-US" u="sng" dirty="0"/>
           </a:p>
         </p:txBody>
       </p:sp>
@@ -12143,67 +12460,49 @@
         </p:spPr>
         <p:txBody>
           <a:bodyPr>
-            <a:normAutofit lnSpcReduction="10000"/>
+            <a:normAutofit/>
           </a:bodyPr>
           <a:lstStyle/>
           <a:p>
             <a:r>
-              <a:rPr lang="en-US" sz="1800" b="1" u="sng" dirty="0"/>
-              <a:t>Attribute			Description			</a:t>
-            </a:r>
-          </a:p>
-          <a:p>
-            <a:pPr marL="228600" indent="0">
-              <a:buNone/>
-            </a:pPr>
-            <a:r>
               <a:rPr lang="en-US" sz="1800" dirty="0"/>
-              <a:t>disabled	Specifies that the input element should be disabled</a:t>
-            </a:r>
-          </a:p>
-          <a:p>
-            <a:pPr marL="228600" indent="0">
+              <a:t>HTML5 introduced a new HTML validation concept called constraint validation, is based on:</a:t>
+            </a:r>
+          </a:p>
+          <a:p>
+            <a:pPr marL="174625" indent="0">
               <a:buNone/>
             </a:pPr>
             <a:r>
               <a:rPr lang="en-US" sz="1800" dirty="0"/>
-              <a:t>max		Specifies the maximum value of an input element</a:t>
-            </a:r>
-          </a:p>
-          <a:p>
-            <a:pPr marL="228600" indent="0">
+              <a:t>Constraint validation HTML Input Attributes</a:t>
+            </a:r>
+          </a:p>
+          <a:p>
+            <a:pPr marL="174625" indent="0">
               <a:buNone/>
             </a:pPr>
             <a:r>
               <a:rPr lang="en-US" sz="1800" dirty="0"/>
-              <a:t>min		Specifies the minimum value of an input element</a:t>
-            </a:r>
-          </a:p>
-          <a:p>
-            <a:pPr marL="228600" indent="0">
+              <a:t>Constraint validation CSS Pseudo Selectors</a:t>
+            </a:r>
+          </a:p>
+          <a:p>
+            <a:pPr marL="174625" indent="0">
               <a:buNone/>
             </a:pPr>
             <a:r>
               <a:rPr lang="en-US" sz="1800" dirty="0"/>
-              <a:t>pattern	Specifies the value pattern of an input element</a:t>
-            </a:r>
-          </a:p>
-          <a:p>
-            <a:pPr marL="228600" indent="0">
+              <a:t>Constraint validation DOM Properties and Methods</a:t>
+            </a:r>
+          </a:p>
+          <a:p>
+            <a:pPr marL="174625" indent="0">
               <a:buNone/>
             </a:pPr>
             <a:r>
               <a:rPr lang="en-US" sz="1800" dirty="0"/>
-              <a:t>required	Specifies that the input field requires an element</a:t>
-            </a:r>
-          </a:p>
-          <a:p>
-            <a:pPr marL="228600" indent="0">
-              <a:buNone/>
-            </a:pPr>
-            <a:r>
-              <a:rPr lang="en-US" sz="1800" dirty="0"/>
-              <a:t>type 		Specifies the type of an input element</a:t>
+              <a:t>Constraint Validation HTML Input Attributes</a:t>
             </a:r>
           </a:p>
         </p:txBody>
@@ -12281,7 +12580,7 @@
     </p:spTree>
     <p:extLst>
       <p:ext uri="{BB962C8B-B14F-4D97-AF65-F5344CB8AC3E}">
-        <p14:creationId xmlns:p14="http://schemas.microsoft.com/office/powerpoint/2010/main" val="305108497"/>
+        <p14:creationId xmlns:p14="http://schemas.microsoft.com/office/powerpoint/2010/main" val="1611097118"/>
       </p:ext>
     </p:extLst>
   </p:cSld>
@@ -12342,7 +12641,7 @@
             </a:r>
             <a:r>
               <a:rPr lang="en-US" sz="2000" u="sng" dirty="0"/>
-              <a:t> (common pseudo-selectors)</a:t>
+              <a:t> (common attributes)</a:t>
             </a:r>
             <a:endParaRPr lang="en-US" u="sng" dirty="0"/>
           </a:p>
@@ -12372,13 +12671,13 @@
         </p:spPr>
         <p:txBody>
           <a:bodyPr>
-            <a:normAutofit/>
+            <a:normAutofit lnSpcReduction="10000"/>
           </a:bodyPr>
           <a:lstStyle/>
           <a:p>
             <a:r>
               <a:rPr lang="en-US" sz="1800" b="1" u="sng" dirty="0"/>
-              <a:t>Selector			Description			</a:t>
+              <a:t>Attribute			Description			</a:t>
             </a:r>
           </a:p>
           <a:p>
@@ -12387,7 +12686,7 @@
             </a:pPr>
             <a:r>
               <a:rPr lang="en-US" sz="1800" dirty="0"/>
-              <a:t>:disabled	Selects input elements with the "disabled" attribute specified</a:t>
+              <a:t>disabled	Specifies that the input element should be disabled</a:t>
             </a:r>
           </a:p>
           <a:p>
@@ -12396,7 +12695,7 @@
             </a:pPr>
             <a:r>
               <a:rPr lang="en-US" sz="1800" dirty="0"/>
-              <a:t>:invalid	Selects input elements with invalid values</a:t>
+              <a:t>max		Specifies the maximum value of an input element</a:t>
             </a:r>
           </a:p>
           <a:p>
@@ -12405,7 +12704,7 @@
             </a:pPr>
             <a:r>
               <a:rPr lang="en-US" sz="1800" dirty="0"/>
-              <a:t>:optional	Selects input elements with no "required" attribute specified</a:t>
+              <a:t>min		Specifies the minimum value of an input element</a:t>
             </a:r>
           </a:p>
           <a:p>
@@ -12414,7 +12713,7 @@
             </a:pPr>
             <a:r>
               <a:rPr lang="en-US" sz="1800" dirty="0"/>
-              <a:t>:required	Selects input elements with the "required" attribute specified</a:t>
+              <a:t>pattern	Specifies the value pattern of an input element</a:t>
             </a:r>
           </a:p>
           <a:p>
@@ -12423,7 +12722,16 @@
             </a:pPr>
             <a:r>
               <a:rPr lang="en-US" sz="1800" dirty="0"/>
-              <a:t>:valid		Selects input elements with valid values</a:t>
+              <a:t>required	Specifies that the input field requires an element</a:t>
+            </a:r>
+          </a:p>
+          <a:p>
+            <a:pPr marL="228600" indent="0">
+              <a:buNone/>
+            </a:pPr>
+            <a:r>
+              <a:rPr lang="en-US" sz="1800" dirty="0"/>
+              <a:t>type 		Specifies the type of an input element</a:t>
             </a:r>
           </a:p>
         </p:txBody>
@@ -12501,7 +12809,7 @@
     </p:spTree>
     <p:extLst>
       <p:ext uri="{BB962C8B-B14F-4D97-AF65-F5344CB8AC3E}">
-        <p14:creationId xmlns:p14="http://schemas.microsoft.com/office/powerpoint/2010/main" val="109312730"/>
+        <p14:creationId xmlns:p14="http://schemas.microsoft.com/office/powerpoint/2010/main" val="305108497"/>
       </p:ext>
     </p:extLst>
   </p:cSld>
@@ -12558,8 +12866,13 @@
           <a:p>
             <a:r>
               <a:rPr lang="en-US" u="sng" dirty="0"/>
-              <a:t>Client-side Validation Using JavaScript</a:t>
-            </a:r>
+              <a:t>HTML Form Validation</a:t>
+            </a:r>
+            <a:r>
+              <a:rPr lang="en-US" sz="2000" u="sng" dirty="0"/>
+              <a:t> (common pseudo-selectors)</a:t>
+            </a:r>
+            <a:endParaRPr lang="en-US" u="sng" dirty="0"/>
           </a:p>
         </p:txBody>
       </p:sp>
@@ -12591,7 +12904,55 @@
           </a:bodyPr>
           <a:lstStyle/>
           <a:p>
-            <a:endParaRPr lang="en-US" sz="1800" dirty="0"/>
+            <a:r>
+              <a:rPr lang="en-US" sz="1800" b="1" u="sng" dirty="0"/>
+              <a:t>Selector			Description			</a:t>
+            </a:r>
+          </a:p>
+          <a:p>
+            <a:pPr marL="228600" indent="0">
+              <a:buNone/>
+            </a:pPr>
+            <a:r>
+              <a:rPr lang="en-US" sz="1800" dirty="0"/>
+              <a:t>:disabled	Selects input elements with the "disabled" attribute specified</a:t>
+            </a:r>
+          </a:p>
+          <a:p>
+            <a:pPr marL="228600" indent="0">
+              <a:buNone/>
+            </a:pPr>
+            <a:r>
+              <a:rPr lang="en-US" sz="1800" dirty="0"/>
+              <a:t>:invalid	Selects input elements with invalid values</a:t>
+            </a:r>
+          </a:p>
+          <a:p>
+            <a:pPr marL="228600" indent="0">
+              <a:buNone/>
+            </a:pPr>
+            <a:r>
+              <a:rPr lang="en-US" sz="1800" dirty="0"/>
+              <a:t>:optional	Selects input elements with no "required" attribute specified</a:t>
+            </a:r>
+          </a:p>
+          <a:p>
+            <a:pPr marL="228600" indent="0">
+              <a:buNone/>
+            </a:pPr>
+            <a:r>
+              <a:rPr lang="en-US" sz="1800" dirty="0"/>
+              <a:t>:required	Selects input elements with the "required" attribute specified</a:t>
+            </a:r>
+          </a:p>
+          <a:p>
+            <a:pPr marL="228600" indent="0">
+              <a:buNone/>
+            </a:pPr>
+            <a:r>
+              <a:rPr lang="en-US" sz="1800" dirty="0"/>
+              <a:t>:valid		Selects input elements with valid values</a:t>
+            </a:r>
           </a:p>
         </p:txBody>
       </p:sp>
@@ -12632,7 +12993,7 @@
               <a:rPr lang="en-US" sz="1600" dirty="0">
                 <a:hlinkClick r:id="rId2"/>
               </a:rPr>
-              <a:t>https://www.tutorialspoint.com/javascript/javascript_form_validations.htm</a:t>
+              <a:t>https://www.w3schools.com/js/js_validation.asp</a:t>
             </a:r>
             <a:endParaRPr lang="en-US" sz="1600" dirty="0">
               <a:solidFill>
@@ -12665,34 +13026,10 @@
           </a:p>
         </p:txBody>
       </p:sp>
-      <p:pic>
-        <p:nvPicPr>
-          <p:cNvPr id="6" name="Picture 5"/>
-          <p:cNvPicPr>
-            <a:picLocks noChangeAspect="1"/>
-          </p:cNvPicPr>
-          <p:nvPr/>
-        </p:nvPicPr>
-        <p:blipFill>
-          <a:blip r:embed="rId3"/>
-          <a:stretch>
-            <a:fillRect/>
-          </a:stretch>
-        </p:blipFill>
-        <p:spPr>
-          <a:xfrm>
-            <a:off x="1066800" y="2733472"/>
-            <a:ext cx="3143250" cy="2057400"/>
-          </a:xfrm>
-          <a:prstGeom prst="rect">
-            <a:avLst/>
-          </a:prstGeom>
-        </p:spPr>
-      </p:pic>
     </p:spTree>
     <p:extLst>
       <p:ext uri="{BB962C8B-B14F-4D97-AF65-F5344CB8AC3E}">
-        <p14:creationId xmlns:p14="http://schemas.microsoft.com/office/powerpoint/2010/main" val="1312345510"/>
+        <p14:creationId xmlns:p14="http://schemas.microsoft.com/office/powerpoint/2010/main" val="109312730"/>
       </p:ext>
     </p:extLst>
   </p:cSld>
@@ -12756,6 +13093,38 @@
       </p:sp>
       <p:sp>
         <p:nvSpPr>
+          <p:cNvPr id="3" name="Content Placeholder 2">
+            <a:extLst>
+              <a:ext uri="{FF2B5EF4-FFF2-40B4-BE49-F238E27FC236}">
+                <a16:creationId xmlns:a16="http://schemas.microsoft.com/office/drawing/2014/main" id="{844A3DC5-46BF-4BFF-8008-98FD467C4904}"/>
+              </a:ext>
+            </a:extLst>
+          </p:cNvPr>
+          <p:cNvSpPr>
+            <a:spLocks noGrp="1"/>
+          </p:cNvSpPr>
+          <p:nvPr>
+            <p:ph idx="1"/>
+          </p:nvPr>
+        </p:nvSpPr>
+        <p:spPr>
+          <a:xfrm>
+            <a:off x="1066800" y="2733472"/>
+            <a:ext cx="10058400" cy="2768168"/>
+          </a:xfrm>
+        </p:spPr>
+        <p:txBody>
+          <a:bodyPr>
+            <a:normAutofit/>
+          </a:bodyPr>
+          <a:lstStyle/>
+          <a:p>
+            <a:endParaRPr lang="en-US" sz="1800" dirty="0"/>
+          </a:p>
+        </p:txBody>
+      </p:sp>
+      <p:sp>
+        <p:nvSpPr>
           <p:cNvPr id="4" name="Rectangle 3">
             <a:extLst>
               <a:ext uri="{FF2B5EF4-FFF2-40B4-BE49-F238E27FC236}">
@@ -12824,222 +13193,34 @@
           </a:p>
         </p:txBody>
       </p:sp>
-      <p:sp>
-        <p:nvSpPr>
-          <p:cNvPr id="6" name="Content Placeholder 5"/>
-          <p:cNvSpPr>
-            <a:spLocks noGrp="1"/>
-          </p:cNvSpPr>
-          <p:nvPr>
-            <p:ph idx="1"/>
-          </p:nvPr>
-        </p:nvSpPr>
-        <p:spPr/>
-        <p:txBody>
-          <a:bodyPr>
-            <a:normAutofit/>
-          </a:bodyPr>
-          <a:lstStyle/>
-          <a:p>
-            <a:pPr marL="0" indent="0">
-              <a:buNone/>
-            </a:pPr>
-            <a:r>
-              <a:rPr lang="en-US" sz="1400" dirty="0">
-                <a:latin typeface="Consolas" panose="020B0609020204030204" pitchFamily="49" charset="0"/>
-              </a:rPr>
-              <a:t>&lt;html&gt;   </a:t>
-            </a:r>
-          </a:p>
-          <a:p>
-            <a:pPr marL="0" indent="0">
-              <a:buNone/>
-            </a:pPr>
-            <a:r>
-              <a:rPr lang="en-US" sz="1400" dirty="0">
-                <a:latin typeface="Consolas" panose="020B0609020204030204" pitchFamily="49" charset="0"/>
-              </a:rPr>
-              <a:t>&lt;head&gt;</a:t>
-            </a:r>
-          </a:p>
-          <a:p>
-            <a:pPr marL="0" indent="0">
-              <a:buNone/>
-            </a:pPr>
-            <a:r>
-              <a:rPr lang="en-US" sz="1400" dirty="0">
-                <a:latin typeface="Consolas" panose="020B0609020204030204" pitchFamily="49" charset="0"/>
-              </a:rPr>
-              <a:t>  &lt;title&gt;Form Validation&lt;/title&gt;      </a:t>
-            </a:r>
-          </a:p>
-          <a:p>
-            <a:pPr marL="0" indent="0">
-              <a:buNone/>
-            </a:pPr>
-            <a:r>
-              <a:rPr lang="en-US" sz="1400" dirty="0">
-                <a:latin typeface="Consolas" panose="020B0609020204030204" pitchFamily="49" charset="0"/>
-              </a:rPr>
-              <a:t>  &lt;script type = "text/</a:t>
-            </a:r>
-            <a:r>
-              <a:rPr lang="en-US" sz="1400" dirty="0" err="1">
-                <a:latin typeface="Consolas" panose="020B0609020204030204" pitchFamily="49" charset="0"/>
-              </a:rPr>
-              <a:t>javascript</a:t>
-            </a:r>
-            <a:r>
-              <a:rPr lang="en-US" sz="1400" dirty="0">
-                <a:latin typeface="Consolas" panose="020B0609020204030204" pitchFamily="49" charset="0"/>
-              </a:rPr>
-              <a:t>"&gt;</a:t>
-            </a:r>
-          </a:p>
-          <a:p>
-            <a:pPr marL="0" indent="0">
-              <a:buNone/>
-            </a:pPr>
-            <a:r>
-              <a:rPr lang="en-US" sz="1400" dirty="0">
-                <a:latin typeface="Consolas" panose="020B0609020204030204" pitchFamily="49" charset="0"/>
-              </a:rPr>
-              <a:t>    &lt;!—// Form validation code will go here.  //--&gt;</a:t>
-            </a:r>
-          </a:p>
-          <a:p>
-            <a:pPr marL="0" indent="0">
-              <a:buNone/>
-            </a:pPr>
-            <a:r>
-              <a:rPr lang="en-US" sz="1400" dirty="0">
-                <a:latin typeface="Consolas" panose="020B0609020204030204" pitchFamily="49" charset="0"/>
-              </a:rPr>
-              <a:t>  script&gt;</a:t>
-            </a:r>
-          </a:p>
-          <a:p>
-            <a:pPr marL="0" indent="0">
-              <a:buNone/>
-            </a:pPr>
-            <a:r>
-              <a:rPr lang="en-US" sz="1400" dirty="0">
-                <a:latin typeface="Consolas" panose="020B0609020204030204" pitchFamily="49" charset="0"/>
-              </a:rPr>
-              <a:t>&lt;/head&gt;</a:t>
-            </a:r>
-          </a:p>
-          <a:p>
-            <a:pPr marL="0" indent="0">
-              <a:buNone/>
-            </a:pPr>
-            <a:r>
-              <a:rPr lang="en-US" sz="1400" dirty="0">
-                <a:latin typeface="Consolas" panose="020B0609020204030204" pitchFamily="49" charset="0"/>
-              </a:rPr>
-              <a:t>&lt;body&gt;</a:t>
-            </a:r>
-          </a:p>
-          <a:p>
-            <a:pPr marL="0" indent="0">
-              <a:buNone/>
-            </a:pPr>
-            <a:r>
-              <a:rPr lang="en-US" sz="1400" dirty="0">
-                <a:latin typeface="Consolas" panose="020B0609020204030204" pitchFamily="49" charset="0"/>
-              </a:rPr>
-              <a:t>  &lt;form action = "/</a:t>
-            </a:r>
-            <a:r>
-              <a:rPr lang="en-US" sz="1400" dirty="0" err="1">
-                <a:latin typeface="Consolas" panose="020B0609020204030204" pitchFamily="49" charset="0"/>
-              </a:rPr>
-              <a:t>cgi</a:t>
-            </a:r>
-            <a:r>
-              <a:rPr lang="en-US" sz="1400" dirty="0">
-                <a:latin typeface="Consolas" panose="020B0609020204030204" pitchFamily="49" charset="0"/>
-              </a:rPr>
-              <a:t>-bin/</a:t>
-            </a:r>
-            <a:r>
-              <a:rPr lang="en-US" sz="1400" dirty="0" err="1">
-                <a:latin typeface="Consolas" panose="020B0609020204030204" pitchFamily="49" charset="0"/>
-              </a:rPr>
-              <a:t>test.cgi</a:t>
-            </a:r>
-            <a:r>
-              <a:rPr lang="en-US" sz="1400" dirty="0">
-                <a:latin typeface="Consolas" panose="020B0609020204030204" pitchFamily="49" charset="0"/>
-              </a:rPr>
-              <a:t>" name = "</a:t>
-            </a:r>
-            <a:r>
-              <a:rPr lang="en-US" sz="1400" dirty="0" err="1">
-                <a:latin typeface="Consolas" panose="020B0609020204030204" pitchFamily="49" charset="0"/>
-              </a:rPr>
-              <a:t>myForm</a:t>
-            </a:r>
-            <a:r>
-              <a:rPr lang="en-US" sz="1400" dirty="0">
-                <a:latin typeface="Consolas" panose="020B0609020204030204" pitchFamily="49" charset="0"/>
-              </a:rPr>
-              <a:t>" </a:t>
-            </a:r>
-            <a:r>
-              <a:rPr lang="en-US" sz="1400" dirty="0" err="1">
-                <a:latin typeface="Consolas" panose="020B0609020204030204" pitchFamily="49" charset="0"/>
-              </a:rPr>
-              <a:t>onsubmit</a:t>
-            </a:r>
-            <a:r>
-              <a:rPr lang="en-US" sz="1400" dirty="0">
-                <a:latin typeface="Consolas" panose="020B0609020204030204" pitchFamily="49" charset="0"/>
-              </a:rPr>
-              <a:t> = "return(validate());"&gt;</a:t>
-            </a:r>
-          </a:p>
-          <a:p>
-            <a:pPr marL="0" indent="0">
-              <a:buNone/>
-            </a:pPr>
-            <a:r>
-              <a:rPr lang="en-US" sz="1400" dirty="0">
-                <a:latin typeface="Consolas" panose="020B0609020204030204" pitchFamily="49" charset="0"/>
-              </a:rPr>
-              <a:t>  &lt;table </a:t>
-            </a:r>
-            <a:r>
-              <a:rPr lang="en-US" sz="1400" dirty="0" err="1">
-                <a:latin typeface="Consolas" panose="020B0609020204030204" pitchFamily="49" charset="0"/>
-              </a:rPr>
-              <a:t>cellspacing</a:t>
-            </a:r>
-            <a:r>
-              <a:rPr lang="en-US" sz="1400" dirty="0">
-                <a:latin typeface="Consolas" panose="020B0609020204030204" pitchFamily="49" charset="0"/>
-              </a:rPr>
-              <a:t> = "2" </a:t>
-            </a:r>
-            <a:r>
-              <a:rPr lang="en-US" sz="1400" dirty="0" err="1">
-                <a:latin typeface="Consolas" panose="020B0609020204030204" pitchFamily="49" charset="0"/>
-              </a:rPr>
-              <a:t>cellpadding</a:t>
-            </a:r>
-            <a:r>
-              <a:rPr lang="en-US" sz="1400" dirty="0">
-                <a:latin typeface="Consolas" panose="020B0609020204030204" pitchFamily="49" charset="0"/>
-              </a:rPr>
-              <a:t> = "2" border = "1"&gt;       </a:t>
-            </a:r>
-          </a:p>
-        </p:txBody>
-      </p:sp>
+      <p:pic>
+        <p:nvPicPr>
+          <p:cNvPr id="6" name="Picture 5"/>
+          <p:cNvPicPr>
+            <a:picLocks noChangeAspect="1"/>
+          </p:cNvPicPr>
+          <p:nvPr/>
+        </p:nvPicPr>
+        <p:blipFill>
+          <a:blip r:embed="rId3"/>
+          <a:stretch>
+            <a:fillRect/>
+          </a:stretch>
+        </p:blipFill>
+        <p:spPr>
+          <a:xfrm>
+            <a:off x="1066800" y="2733472"/>
+            <a:ext cx="3143250" cy="2057400"/>
+          </a:xfrm>
+          <a:prstGeom prst="rect">
+            <a:avLst/>
+          </a:prstGeom>
+        </p:spPr>
+      </p:pic>
     </p:spTree>
     <p:extLst>
       <p:ext uri="{BB962C8B-B14F-4D97-AF65-F5344CB8AC3E}">
-        <p14:creationId xmlns:p14="http://schemas.microsoft.com/office/powerpoint/2010/main" val="1865469226"/>
+        <p14:creationId xmlns:p14="http://schemas.microsoft.com/office/powerpoint/2010/main" val="1312345510"/>
       </p:ext>
     </p:extLst>
   </p:cSld>
@@ -13184,7 +13365,7 @@
         <p:spPr/>
         <p:txBody>
           <a:bodyPr>
-            <a:normAutofit fontScale="92500" lnSpcReduction="20000"/>
+            <a:normAutofit/>
           </a:bodyPr>
           <a:lstStyle/>
           <a:p>
@@ -13192,22 +13373,10 @@
               <a:buNone/>
             </a:pPr>
             <a:r>
-              <a:rPr lang="en-US" dirty="0">
-                <a:latin typeface="Consolas" panose="020B0609020204030204" pitchFamily="49" charset="0"/>
-              </a:rPr>
-              <a:t>&lt;</a:t>
-            </a:r>
-            <a:r>
-              <a:rPr lang="en-US" dirty="0" err="1">
-                <a:latin typeface="Consolas" panose="020B0609020204030204" pitchFamily="49" charset="0"/>
-              </a:rPr>
-              <a:t>tr</a:t>
-            </a:r>
-            <a:r>
-              <a:rPr lang="en-US" dirty="0">
-                <a:latin typeface="Consolas" panose="020B0609020204030204" pitchFamily="49" charset="0"/>
-              </a:rPr>
-              <a:t>&gt;</a:t>
+              <a:rPr lang="en-US" sz="1400" dirty="0">
+                <a:latin typeface="Consolas" panose="020B0609020204030204" pitchFamily="49" charset="0"/>
+              </a:rPr>
+              <a:t>&lt;html&gt;   </a:t>
             </a:r>
           </a:p>
           <a:p>
@@ -13215,10 +13384,10 @@
               <a:buNone/>
             </a:pPr>
             <a:r>
-              <a:rPr lang="en-US" dirty="0">
-                <a:latin typeface="Consolas" panose="020B0609020204030204" pitchFamily="49" charset="0"/>
-              </a:rPr>
-              <a:t>&lt;td align = "right"&gt;Name&lt;/td&gt;</a:t>
+              <a:rPr lang="en-US" sz="1400" dirty="0">
+                <a:latin typeface="Consolas" panose="020B0609020204030204" pitchFamily="49" charset="0"/>
+              </a:rPr>
+              <a:t>&lt;head&gt;</a:t>
             </a:r>
           </a:p>
           <a:p>
@@ -13226,10 +13395,10 @@
               <a:buNone/>
             </a:pPr>
             <a:r>
-              <a:rPr lang="en-US" dirty="0">
-                <a:latin typeface="Consolas" panose="020B0609020204030204" pitchFamily="49" charset="0"/>
-              </a:rPr>
-              <a:t>&lt;td&gt;&lt;input type = "text" name = "Name" /&gt;&lt;/td&gt;</a:t>
+              <a:rPr lang="en-US" sz="1400" dirty="0">
+                <a:latin typeface="Consolas" panose="020B0609020204030204" pitchFamily="49" charset="0"/>
+              </a:rPr>
+              <a:t>  &lt;title&gt;Form Validation&lt;/title&gt;      </a:t>
             </a:r>
           </a:p>
           <a:p>
@@ -13237,22 +13406,22 @@
               <a:buNone/>
             </a:pPr>
             <a:r>
-              <a:rPr lang="en-US" dirty="0">
-                <a:latin typeface="Consolas" panose="020B0609020204030204" pitchFamily="49" charset="0"/>
-              </a:rPr>
-              <a:t>&lt;/</a:t>
-            </a:r>
-            <a:r>
-              <a:rPr lang="en-US" dirty="0" err="1">
-                <a:latin typeface="Consolas" panose="020B0609020204030204" pitchFamily="49" charset="0"/>
-              </a:rPr>
-              <a:t>tr</a:t>
-            </a:r>
-            <a:r>
-              <a:rPr lang="en-US" dirty="0">
-                <a:latin typeface="Consolas" panose="020B0609020204030204" pitchFamily="49" charset="0"/>
-              </a:rPr>
-              <a:t>         </a:t>
+              <a:rPr lang="en-US" sz="1400" dirty="0">
+                <a:latin typeface="Consolas" panose="020B0609020204030204" pitchFamily="49" charset="0"/>
+              </a:rPr>
+              <a:t>  &lt;script type = "text/</a:t>
+            </a:r>
+            <a:r>
+              <a:rPr lang="en-US" sz="1400" dirty="0" err="1">
+                <a:latin typeface="Consolas" panose="020B0609020204030204" pitchFamily="49" charset="0"/>
+              </a:rPr>
+              <a:t>javascript</a:t>
+            </a:r>
+            <a:r>
+              <a:rPr lang="en-US" sz="1400" dirty="0">
+                <a:latin typeface="Consolas" panose="020B0609020204030204" pitchFamily="49" charset="0"/>
+              </a:rPr>
+              <a:t>"&gt;</a:t>
             </a:r>
           </a:p>
           <a:p>
@@ -13260,22 +13429,10 @@
               <a:buNone/>
             </a:pPr>
             <a:r>
-              <a:rPr lang="en-US" dirty="0">
-                <a:latin typeface="Consolas" panose="020B0609020204030204" pitchFamily="49" charset="0"/>
-              </a:rPr>
-              <a:t>&lt;</a:t>
-            </a:r>
-            <a:r>
-              <a:rPr lang="en-US" dirty="0" err="1">
-                <a:latin typeface="Consolas" panose="020B0609020204030204" pitchFamily="49" charset="0"/>
-              </a:rPr>
-              <a:t>tr</a:t>
-            </a:r>
-            <a:r>
-              <a:rPr lang="en-US" dirty="0">
-                <a:latin typeface="Consolas" panose="020B0609020204030204" pitchFamily="49" charset="0"/>
-              </a:rPr>
-              <a:t>&gt;</a:t>
+              <a:rPr lang="en-US" sz="1400" dirty="0">
+                <a:latin typeface="Consolas" panose="020B0609020204030204" pitchFamily="49" charset="0"/>
+              </a:rPr>
+              <a:t>    &lt;!—// Form validation code will go here.  //--&gt;</a:t>
             </a:r>
           </a:p>
           <a:p>
@@ -13283,22 +13440,10 @@
               <a:buNone/>
             </a:pPr>
             <a:r>
-              <a:rPr lang="en-US" dirty="0">
-                <a:latin typeface="Consolas" panose="020B0609020204030204" pitchFamily="49" charset="0"/>
-              </a:rPr>
-              <a:t>&lt;td align = "right"&gt;</a:t>
-            </a:r>
-            <a:r>
-              <a:rPr lang="en-US" dirty="0" err="1">
-                <a:latin typeface="Consolas" panose="020B0609020204030204" pitchFamily="49" charset="0"/>
-              </a:rPr>
-              <a:t>EMail</a:t>
-            </a:r>
-            <a:r>
-              <a:rPr lang="en-US" dirty="0">
-                <a:latin typeface="Consolas" panose="020B0609020204030204" pitchFamily="49" charset="0"/>
-              </a:rPr>
-              <a:t>&lt;/td&gt;</a:t>
+              <a:rPr lang="en-US" sz="1400" dirty="0">
+                <a:latin typeface="Consolas" panose="020B0609020204030204" pitchFamily="49" charset="0"/>
+              </a:rPr>
+              <a:t>  script&gt;</a:t>
             </a:r>
           </a:p>
           <a:p>
@@ -13306,22 +13451,10 @@
               <a:buNone/>
             </a:pPr>
             <a:r>
-              <a:rPr lang="en-US" dirty="0">
-                <a:latin typeface="Consolas" panose="020B0609020204030204" pitchFamily="49" charset="0"/>
-              </a:rPr>
-              <a:t>&lt;td&gt;&lt;input type = "text" name = "</a:t>
-            </a:r>
-            <a:r>
-              <a:rPr lang="en-US" dirty="0" err="1">
-                <a:latin typeface="Consolas" panose="020B0609020204030204" pitchFamily="49" charset="0"/>
-              </a:rPr>
-              <a:t>EMail</a:t>
-            </a:r>
-            <a:r>
-              <a:rPr lang="en-US" dirty="0">
-                <a:latin typeface="Consolas" panose="020B0609020204030204" pitchFamily="49" charset="0"/>
-              </a:rPr>
-              <a:t>" /&gt;&lt;/td&gt;</a:t>
+              <a:rPr lang="en-US" sz="1400" dirty="0">
+                <a:latin typeface="Consolas" panose="020B0609020204030204" pitchFamily="49" charset="0"/>
+              </a:rPr>
+              <a:t>&lt;/head&gt;</a:t>
             </a:r>
           </a:p>
           <a:p>
@@ -13329,22 +13462,10 @@
               <a:buNone/>
             </a:pPr>
             <a:r>
-              <a:rPr lang="en-US" dirty="0">
-                <a:latin typeface="Consolas" panose="020B0609020204030204" pitchFamily="49" charset="0"/>
-              </a:rPr>
-              <a:t>&lt;/</a:t>
-            </a:r>
-            <a:r>
-              <a:rPr lang="en-US" dirty="0" err="1">
-                <a:latin typeface="Consolas" panose="020B0609020204030204" pitchFamily="49" charset="0"/>
-              </a:rPr>
-              <a:t>tr</a:t>
-            </a:r>
-            <a:r>
-              <a:rPr lang="en-US" dirty="0">
-                <a:latin typeface="Consolas" panose="020B0609020204030204" pitchFamily="49" charset="0"/>
-              </a:rPr>
-              <a:t>&gt;           </a:t>
+              <a:rPr lang="en-US" sz="1400" dirty="0">
+                <a:latin typeface="Consolas" panose="020B0609020204030204" pitchFamily="49" charset="0"/>
+              </a:rPr>
+              <a:t>&lt;body&gt;</a:t>
             </a:r>
           </a:p>
           <a:p>
@@ -13352,22 +13473,58 @@
               <a:buNone/>
             </a:pPr>
             <a:r>
-              <a:rPr lang="en-US" dirty="0">
-                <a:latin typeface="Consolas" panose="020B0609020204030204" pitchFamily="49" charset="0"/>
-              </a:rPr>
-              <a:t>&lt;</a:t>
-            </a:r>
-            <a:r>
-              <a:rPr lang="en-US" dirty="0" err="1">
-                <a:latin typeface="Consolas" panose="020B0609020204030204" pitchFamily="49" charset="0"/>
-              </a:rPr>
-              <a:t>tr</a:t>
-            </a:r>
-            <a:r>
-              <a:rPr lang="en-US" dirty="0">
-                <a:latin typeface="Consolas" panose="020B0609020204030204" pitchFamily="49" charset="0"/>
-              </a:rPr>
-              <a:t>&gt;</a:t>
+              <a:rPr lang="en-US" sz="1400" dirty="0">
+                <a:latin typeface="Consolas" panose="020B0609020204030204" pitchFamily="49" charset="0"/>
+              </a:rPr>
+              <a:t>  &lt;form action = "/</a:t>
+            </a:r>
+            <a:r>
+              <a:rPr lang="en-US" sz="1400" dirty="0" err="1">
+                <a:latin typeface="Consolas" panose="020B0609020204030204" pitchFamily="49" charset="0"/>
+              </a:rPr>
+              <a:t>cgi</a:t>
+            </a:r>
+            <a:r>
+              <a:rPr lang="en-US" sz="1400" dirty="0">
+                <a:latin typeface="Consolas" panose="020B0609020204030204" pitchFamily="49" charset="0"/>
+              </a:rPr>
+              <a:t>-bin/</a:t>
+            </a:r>
+            <a:r>
+              <a:rPr lang="en-US" sz="1400" dirty="0" err="1">
+                <a:latin typeface="Consolas" panose="020B0609020204030204" pitchFamily="49" charset="0"/>
+              </a:rPr>
+              <a:t>test.cgi</a:t>
+            </a:r>
+            <a:r>
+              <a:rPr lang="en-US" sz="1400" dirty="0">
+                <a:latin typeface="Consolas" panose="020B0609020204030204" pitchFamily="49" charset="0"/>
+              </a:rPr>
+              <a:t>" name = "</a:t>
+            </a:r>
+            <a:r>
+              <a:rPr lang="en-US" sz="1400" dirty="0" err="1">
+                <a:latin typeface="Consolas" panose="020B0609020204030204" pitchFamily="49" charset="0"/>
+              </a:rPr>
+              <a:t>myForm</a:t>
+            </a:r>
+            <a:r>
+              <a:rPr lang="en-US" sz="1400" dirty="0">
+                <a:latin typeface="Consolas" panose="020B0609020204030204" pitchFamily="49" charset="0"/>
+              </a:rPr>
+              <a:t>" </a:t>
+            </a:r>
+            <a:r>
+              <a:rPr lang="en-US" sz="1400" dirty="0" err="1">
+                <a:latin typeface="Consolas" panose="020B0609020204030204" pitchFamily="49" charset="0"/>
+              </a:rPr>
+              <a:t>onsubmit</a:t>
+            </a:r>
+            <a:r>
+              <a:rPr lang="en-US" sz="1400" dirty="0">
+                <a:latin typeface="Consolas" panose="020B0609020204030204" pitchFamily="49" charset="0"/>
+              </a:rPr>
+              <a:t> = "return(validate());"&gt;</a:t>
             </a:r>
           </a:p>
           <a:p>
@@ -13375,44 +13532,34 @@
               <a:buNone/>
             </a:pPr>
             <a:r>
-              <a:rPr lang="en-US" dirty="0">
-                <a:latin typeface="Consolas" panose="020B0609020204030204" pitchFamily="49" charset="0"/>
-              </a:rPr>
-              <a:t>&lt;td align = "right"&gt;Zip Code&lt;/td&gt;</a:t>
-            </a:r>
-          </a:p>
-          <a:p>
-            <a:pPr marL="0" indent="0">
-              <a:buNone/>
-            </a:pPr>
-            <a:r>
-              <a:rPr lang="en-US" dirty="0">
-                <a:latin typeface="Consolas" panose="020B0609020204030204" pitchFamily="49" charset="0"/>
-              </a:rPr>
-              <a:t>&lt;td&gt;&lt;input type = "text" name = "Zip" /&gt;&lt;/td&gt;</a:t>
-            </a:r>
-          </a:p>
-          <a:p>
-            <a:pPr marL="0" indent="0">
-              <a:buNone/>
-            </a:pPr>
-            <a:r>
-              <a:rPr lang="en-US" dirty="0">
-                <a:latin typeface="Consolas" panose="020B0609020204030204" pitchFamily="49" charset="0"/>
-              </a:rPr>
-              <a:t>&lt;/</a:t>
-            </a:r>
-            <a:r>
-              <a:rPr lang="en-US" dirty="0" err="1">
-                <a:latin typeface="Consolas" panose="020B0609020204030204" pitchFamily="49" charset="0"/>
-              </a:rPr>
-              <a:t>tr</a:t>
-            </a:r>
-            <a:r>
-              <a:rPr lang="en-US" dirty="0">
-                <a:latin typeface="Consolas" panose="020B0609020204030204" pitchFamily="49" charset="0"/>
-              </a:rPr>
-              <a:t>&gt;      </a:t>
+              <a:rPr lang="en-US" sz="1400" dirty="0">
+                <a:latin typeface="Consolas" panose="020B0609020204030204" pitchFamily="49" charset="0"/>
+              </a:rPr>
+              <a:t>  &lt;table </a:t>
+            </a:r>
+            <a:r>
+              <a:rPr lang="en-US" sz="1400" dirty="0" err="1">
+                <a:latin typeface="Consolas" panose="020B0609020204030204" pitchFamily="49" charset="0"/>
+              </a:rPr>
+              <a:t>cellspacing</a:t>
+            </a:r>
+            <a:r>
+              <a:rPr lang="en-US" sz="1400" dirty="0">
+                <a:latin typeface="Consolas" panose="020B0609020204030204" pitchFamily="49" charset="0"/>
+              </a:rPr>
+              <a:t> = "2" </a:t>
+            </a:r>
+            <a:r>
+              <a:rPr lang="en-US" sz="1400" dirty="0" err="1">
+                <a:latin typeface="Consolas" panose="020B0609020204030204" pitchFamily="49" charset="0"/>
+              </a:rPr>
+              <a:t>cellpadding</a:t>
+            </a:r>
+            <a:r>
+              <a:rPr lang="en-US" sz="1400" dirty="0">
+                <a:latin typeface="Consolas" panose="020B0609020204030204" pitchFamily="49" charset="0"/>
+              </a:rPr>
+              <a:t> = "2" border = "1"&gt;       </a:t>
             </a:r>
           </a:p>
         </p:txBody>
@@ -13420,7 +13567,7 @@
     </p:spTree>
     <p:extLst>
       <p:ext uri="{BB962C8B-B14F-4D97-AF65-F5344CB8AC3E}">
-        <p14:creationId xmlns:p14="http://schemas.microsoft.com/office/powerpoint/2010/main" val="1460505456"/>
+        <p14:creationId xmlns:p14="http://schemas.microsoft.com/office/powerpoint/2010/main" val="1865469226"/>
       </p:ext>
     </p:extLst>
   </p:cSld>
@@ -13968,15 +14115,6 @@
 </file>
 
 <file path=customXml/item1.xml><?xml version="1.0" encoding="utf-8"?>
-<?mso-contentType ?>
-<FormTemplates xmlns="http://schemas.microsoft.com/sharepoint/v3/contenttype/forms">
-  <Display>DocumentLibraryForm</Display>
-  <Edit>DocumentLibraryForm</Edit>
-  <New>DocumentLibraryForm</New>
-</FormTemplates>
-</file>
-
-<file path=customXml/item2.xml><?xml version="1.0" encoding="utf-8"?>
 <ct:contentTypeSchema xmlns:ct="http://schemas.microsoft.com/office/2006/metadata/contentType" xmlns:ma="http://schemas.microsoft.com/office/2006/metadata/properties/metaAttributes" ct:_="" ma:_="" ma:contentTypeName="Document" ma:contentTypeID="0x01010079F111ED35F8CC479449609E8A0923A6" ma:contentTypeVersion="12" ma:contentTypeDescription="Create a new document." ma:contentTypeScope="" ma:versionID="a410dd7f93c95333ffa1b60ed6adedd1">
   <xsd:schema xmlns:xsd="http://www.w3.org/2001/XMLSchema" xmlns:xs="http://www.w3.org/2001/XMLSchema" xmlns:p="http://schemas.microsoft.com/office/2006/metadata/properties" xmlns:ns2="71af3243-3dd4-4a8d-8c0d-dd76da1f02a5" xmlns:ns3="16c05727-aa75-4e4a-9b5f-8a80a1165891" targetNamespace="http://schemas.microsoft.com/office/2006/metadata/properties" ma:root="true" ma:fieldsID="a936d9baba76aa3866493feff160faab" ns2:_="" ns3:_="">
     <xsd:import namespace="71af3243-3dd4-4a8d-8c0d-dd76da1f02a5"/>
@@ -14197,6 +14335,15 @@
 </ct:contentTypeSchema>
 </file>
 
+<file path=customXml/item2.xml><?xml version="1.0" encoding="utf-8"?>
+<?mso-contentType ?>
+<FormTemplates xmlns="http://schemas.microsoft.com/sharepoint/v3/contenttype/forms">
+  <Display>DocumentLibraryForm</Display>
+  <Edit>DocumentLibraryForm</Edit>
+  <New>DocumentLibraryForm</New>
+</FormTemplates>
+</file>
+
 <file path=customXml/item3.xml><?xml version="1.0" encoding="utf-8"?>
 <p:properties xmlns:p="http://schemas.microsoft.com/office/2006/metadata/properties" xmlns:xsi="http://www.w3.org/2001/XMLSchema-instance" xmlns:pc="http://schemas.microsoft.com/office/infopath/2007/PartnerControls">
   <documentManagement>
@@ -14207,14 +14354,6 @@
 </file>
 
 <file path=customXml/itemProps1.xml><?xml version="1.0" encoding="utf-8"?>
-<ds:datastoreItem xmlns:ds="http://schemas.openxmlformats.org/officeDocument/2006/customXml" ds:itemID="{CDB58277-F8DF-46FF-84EC-EF41B835E69F}">
-  <ds:schemaRefs>
-    <ds:schemaRef ds:uri="http://schemas.microsoft.com/sharepoint/v3/contenttype/forms"/>
-  </ds:schemaRefs>
-</ds:datastoreItem>
-</file>
-
-<file path=customXml/itemProps2.xml><?xml version="1.0" encoding="utf-8"?>
 <ds:datastoreItem xmlns:ds="http://schemas.openxmlformats.org/officeDocument/2006/customXml" ds:itemID="{2D276E62-80A3-44DD-9BCC-97ED2B99B57F}">
   <ds:schemaRefs>
     <ds:schemaRef ds:uri="http://schemas.microsoft.com/office/2006/metadata/contentType"/>
@@ -14229,6 +14368,14 @@
     <ds:schemaRef ds:uri="http://purl.org/dc/elements/1.1/"/>
     <ds:schemaRef ds:uri="http://purl.org/dc/terms/"/>
     <ds:schemaRef ds:uri="http://schemas.microsoft.com/internal/obd"/>
+  </ds:schemaRefs>
+</ds:datastoreItem>
+</file>
+
+<file path=customXml/itemProps2.xml><?xml version="1.0" encoding="utf-8"?>
+<ds:datastoreItem xmlns:ds="http://schemas.openxmlformats.org/officeDocument/2006/customXml" ds:itemID="{CDB58277-F8DF-46FF-84EC-EF41B835E69F}">
+  <ds:schemaRefs>
+    <ds:schemaRef ds:uri="http://schemas.microsoft.com/sharepoint/v3/contenttype/forms"/>
   </ds:schemaRefs>
 </ds:datastoreItem>
 </file>
